--- a/P2_AnalyzeSurveyData/survey-project-submission-template.pptx
+++ b/P2_AnalyzeSurveyData/survey-project-submission-template.pptx
@@ -1,28 +1,25 @@
 
 <file path=ppt/presentation.xml><?xml version="1.0" encoding="utf-8"?>
-<p:presentation xmlns:a="http://schemas.openxmlformats.org/drawingml/2006/main" xmlns:r="http://schemas.openxmlformats.org/officeDocument/2006/relationships" xmlns:mc="http://schemas.openxmlformats.org/markup-compatibility/2006" xmlns:mv="urn:schemas-microsoft-com:mac:vml" xmlns:p="http://schemas.openxmlformats.org/presentationml/2006/main" xmlns:c="http://schemas.openxmlformats.org/drawingml/2006/chart" xmlns:dgm="http://schemas.openxmlformats.org/drawingml/2006/diagram" xmlns:o="urn:schemas-microsoft-com:office:office" xmlns:v="urn:schemas-microsoft-com:vml" xmlns:pvml="urn:schemas-microsoft-com:office:powerpoint" xmlns:com="http://schemas.openxmlformats.org/drawingml/2006/compatibility" xmlns:p14="http://schemas.microsoft.com/office/powerpoint/2010/main" xmlns:p15="http://schemas.microsoft.com/office/powerpoint/2012/main" autoCompressPictures="0" embedTrueTypeFonts="1" strictFirstAndLastChars="0" saveSubsetFonts="1">
+<p:presentation xmlns:a="http://schemas.openxmlformats.org/drawingml/2006/main" xmlns:r="http://schemas.openxmlformats.org/officeDocument/2006/relationships" xmlns:p="http://schemas.openxmlformats.org/presentationml/2006/main" strictFirstAndLastChars="0" saveSubsetFonts="1" autoCompressPictures="0">
   <p:sldMasterIdLst>
-    <p:sldMasterId id="2147483659" r:id="rId4"/>
+    <p:sldMasterId id="2147483659" r:id="rId1"/>
   </p:sldMasterIdLst>
   <p:notesMasterIdLst>
-    <p:notesMasterId r:id="rId5"/>
+    <p:notesMasterId r:id="rId9"/>
   </p:notesMasterIdLst>
   <p:sldIdLst>
-    <p:sldId id="256" r:id="rId6"/>
+    <p:sldId id="256" r:id="rId2"/>
+    <p:sldId id="257" r:id="rId3"/>
+    <p:sldId id="258" r:id="rId4"/>
+    <p:sldId id="259" r:id="rId5"/>
+    <p:sldId id="260" r:id="rId6"/>
+    <p:sldId id="261" r:id="rId7"/>
+    <p:sldId id="262" r:id="rId8"/>
   </p:sldIdLst>
-  <p:sldSz cy="5143500" cx="9144000"/>
+  <p:sldSz cx="9144000" cy="5143500" type="screen16x9"/>
   <p:notesSz cx="6858000" cy="9144000"/>
-  <p:embeddedFontLst>
-    <p:embeddedFont>
-      <p:font typeface="Open Sans"/>
-      <p:regular r:id="rId7"/>
-      <p:bold r:id="rId8"/>
-      <p:italic r:id="rId9"/>
-      <p:boldItalic r:id="rId10"/>
-    </p:embeddedFont>
-  </p:embeddedFontLst>
   <p:defaultTextStyle>
-    <a:defPPr lvl="0" marR="0" rtl="0" algn="l">
+    <a:defPPr marR="0" lvl="0" algn="l" rtl="0">
       <a:lnSpc>
         <a:spcPct val="100000"/>
       </a:lnSpc>
@@ -33,7 +30,7 @@
         <a:spcPts val="0"/>
       </a:spcAft>
     </a:defPPr>
-    <a:lvl1pPr lvl="0" marR="0" rtl="0" algn="l">
+    <a:lvl1pPr marR="0" lvl="0" algn="l" rtl="0">
       <a:lnSpc>
         <a:spcPct val="100000"/>
       </a:lnSpc>
@@ -44,7 +41,7 @@
         <a:spcPts val="0"/>
       </a:spcAft>
       <a:buNone/>
-      <a:defRPr b="0" i="0" sz="1400" u="none" cap="none" strike="noStrike">
+      <a:defRPr sz="1400" b="0" i="0" u="none" strike="noStrike" cap="none">
         <a:solidFill>
           <a:srgbClr val="000000"/>
         </a:solidFill>
@@ -54,7 +51,7 @@
         <a:sym typeface="Arial"/>
       </a:defRPr>
     </a:lvl1pPr>
-    <a:lvl2pPr lvl="1" marR="0" rtl="0" algn="l">
+    <a:lvl2pPr marR="0" lvl="1" algn="l" rtl="0">
       <a:lnSpc>
         <a:spcPct val="100000"/>
       </a:lnSpc>
@@ -65,7 +62,7 @@
         <a:spcPts val="0"/>
       </a:spcAft>
       <a:buNone/>
-      <a:defRPr b="0" i="0" sz="1400" u="none" cap="none" strike="noStrike">
+      <a:defRPr sz="1400" b="0" i="0" u="none" strike="noStrike" cap="none">
         <a:solidFill>
           <a:srgbClr val="000000"/>
         </a:solidFill>
@@ -75,7 +72,7 @@
         <a:sym typeface="Arial"/>
       </a:defRPr>
     </a:lvl2pPr>
-    <a:lvl3pPr lvl="2" marR="0" rtl="0" algn="l">
+    <a:lvl3pPr marR="0" lvl="2" algn="l" rtl="0">
       <a:lnSpc>
         <a:spcPct val="100000"/>
       </a:lnSpc>
@@ -86,7 +83,7 @@
         <a:spcPts val="0"/>
       </a:spcAft>
       <a:buNone/>
-      <a:defRPr b="0" i="0" sz="1400" u="none" cap="none" strike="noStrike">
+      <a:defRPr sz="1400" b="0" i="0" u="none" strike="noStrike" cap="none">
         <a:solidFill>
           <a:srgbClr val="000000"/>
         </a:solidFill>
@@ -96,7 +93,7 @@
         <a:sym typeface="Arial"/>
       </a:defRPr>
     </a:lvl3pPr>
-    <a:lvl4pPr lvl="3" marR="0" rtl="0" algn="l">
+    <a:lvl4pPr marR="0" lvl="3" algn="l" rtl="0">
       <a:lnSpc>
         <a:spcPct val="100000"/>
       </a:lnSpc>
@@ -107,7 +104,7 @@
         <a:spcPts val="0"/>
       </a:spcAft>
       <a:buNone/>
-      <a:defRPr b="0" i="0" sz="1400" u="none" cap="none" strike="noStrike">
+      <a:defRPr sz="1400" b="0" i="0" u="none" strike="noStrike" cap="none">
         <a:solidFill>
           <a:srgbClr val="000000"/>
         </a:solidFill>
@@ -117,7 +114,7 @@
         <a:sym typeface="Arial"/>
       </a:defRPr>
     </a:lvl4pPr>
-    <a:lvl5pPr lvl="4" marR="0" rtl="0" algn="l">
+    <a:lvl5pPr marR="0" lvl="4" algn="l" rtl="0">
       <a:lnSpc>
         <a:spcPct val="100000"/>
       </a:lnSpc>
@@ -128,7 +125,7 @@
         <a:spcPts val="0"/>
       </a:spcAft>
       <a:buNone/>
-      <a:defRPr b="0" i="0" sz="1400" u="none" cap="none" strike="noStrike">
+      <a:defRPr sz="1400" b="0" i="0" u="none" strike="noStrike" cap="none">
         <a:solidFill>
           <a:srgbClr val="000000"/>
         </a:solidFill>
@@ -138,7 +135,7 @@
         <a:sym typeface="Arial"/>
       </a:defRPr>
     </a:lvl5pPr>
-    <a:lvl6pPr lvl="5" marR="0" rtl="0" algn="l">
+    <a:lvl6pPr marR="0" lvl="5" algn="l" rtl="0">
       <a:lnSpc>
         <a:spcPct val="100000"/>
       </a:lnSpc>
@@ -149,7 +146,7 @@
         <a:spcPts val="0"/>
       </a:spcAft>
       <a:buNone/>
-      <a:defRPr b="0" i="0" sz="1400" u="none" cap="none" strike="noStrike">
+      <a:defRPr sz="1400" b="0" i="0" u="none" strike="noStrike" cap="none">
         <a:solidFill>
           <a:srgbClr val="000000"/>
         </a:solidFill>
@@ -159,7 +156,7 @@
         <a:sym typeface="Arial"/>
       </a:defRPr>
     </a:lvl6pPr>
-    <a:lvl7pPr lvl="6" marR="0" rtl="0" algn="l">
+    <a:lvl7pPr marR="0" lvl="6" algn="l" rtl="0">
       <a:lnSpc>
         <a:spcPct val="100000"/>
       </a:lnSpc>
@@ -170,7 +167,7 @@
         <a:spcPts val="0"/>
       </a:spcAft>
       <a:buNone/>
-      <a:defRPr b="0" i="0" sz="1400" u="none" cap="none" strike="noStrike">
+      <a:defRPr sz="1400" b="0" i="0" u="none" strike="noStrike" cap="none">
         <a:solidFill>
           <a:srgbClr val="000000"/>
         </a:solidFill>
@@ -180,7 +177,7 @@
         <a:sym typeface="Arial"/>
       </a:defRPr>
     </a:lvl7pPr>
-    <a:lvl8pPr lvl="7" marR="0" rtl="0" algn="l">
+    <a:lvl8pPr marR="0" lvl="7" algn="l" rtl="0">
       <a:lnSpc>
         <a:spcPct val="100000"/>
       </a:lnSpc>
@@ -191,7 +188,7 @@
         <a:spcPts val="0"/>
       </a:spcAft>
       <a:buNone/>
-      <a:defRPr b="0" i="0" sz="1400" u="none" cap="none" strike="noStrike">
+      <a:defRPr sz="1400" b="0" i="0" u="none" strike="noStrike" cap="none">
         <a:solidFill>
           <a:srgbClr val="000000"/>
         </a:solidFill>
@@ -201,7 +198,7 @@
         <a:sym typeface="Arial"/>
       </a:defRPr>
     </a:lvl8pPr>
-    <a:lvl9pPr lvl="8" marR="0" rtl="0" algn="l">
+    <a:lvl9pPr marR="0" lvl="8" algn="l" rtl="0">
       <a:lnSpc>
         <a:spcPct val="100000"/>
       </a:lnSpc>
@@ -212,7 +209,7 @@
         <a:spcPts val="0"/>
       </a:spcAft>
       <a:buNone/>
-      <a:defRPr b="0" i="0" sz="1400" u="none" cap="none" strike="noStrike">
+      <a:defRPr sz="1400" b="0" i="0" u="none" strike="noStrike" cap="none">
         <a:solidFill>
           <a:srgbClr val="000000"/>
         </a:solidFill>
@@ -227,11 +224,16 @@
 </file>
 
 <file path=ppt/notesMasters/notesMaster1.xml><?xml version="1.0" encoding="utf-8"?>
-<p:notesMaster xmlns:a="http://schemas.openxmlformats.org/drawingml/2006/main" xmlns:r="http://schemas.openxmlformats.org/officeDocument/2006/relationships" xmlns:mc="http://schemas.openxmlformats.org/markup-compatibility/2006" xmlns:mv="urn:schemas-microsoft-com:mac:vml" xmlns:p="http://schemas.openxmlformats.org/presentationml/2006/main" xmlns:c="http://schemas.openxmlformats.org/drawingml/2006/chart" xmlns:dgm="http://schemas.openxmlformats.org/drawingml/2006/diagram" xmlns:o="urn:schemas-microsoft-com:office:office" xmlns:v="urn:schemas-microsoft-com:vml" xmlns:pvml="urn:schemas-microsoft-com:office:powerpoint" xmlns:com="http://schemas.openxmlformats.org/drawingml/2006/compatibility" xmlns:p14="http://schemas.microsoft.com/office/powerpoint/2010/main" xmlns:p15="http://schemas.microsoft.com/office/powerpoint/2012/main">
+<p:notesMaster xmlns:a="http://schemas.openxmlformats.org/drawingml/2006/main" xmlns:r="http://schemas.openxmlformats.org/officeDocument/2006/relationships" xmlns:p="http://schemas.openxmlformats.org/presentationml/2006/main">
   <p:cSld>
+    <p:bg>
+      <p:bgRef idx="1001">
+        <a:schemeClr val="bg1"/>
+      </p:bgRef>
+    </p:bg>
     <p:spTree>
       <p:nvGrpSpPr>
-        <p:cNvPr id="2" name="Shape 2"/>
+        <p:cNvPr id="1" name="Shape 2"/>
         <p:cNvGrpSpPr/>
         <p:nvPr/>
       </p:nvGrpSpPr>
@@ -246,9 +248,11 @@
       <p:sp>
         <p:nvSpPr>
           <p:cNvPr id="3" name="Shape 3"/>
-          <p:cNvSpPr/>
+          <p:cNvSpPr>
+            <a:spLocks noGrp="1" noRot="1" noChangeAspect="1"/>
+          </p:cNvSpPr>
           <p:nvPr>
-            <p:ph idx="2" type="sldImg"/>
+            <p:ph type="sldImg" idx="2"/>
           </p:nvPr>
         </p:nvSpPr>
         <p:spPr>
@@ -257,8 +261,13 @@
             <a:ext cx="6096075" cy="3429000"/>
           </a:xfrm>
           <a:custGeom>
+            <a:avLst/>
+            <a:gdLst/>
+            <a:ahLst/>
+            <a:cxnLst/>
+            <a:rect l="0" t="0" r="0" b="0"/>
             <a:pathLst>
-              <a:path extrusionOk="0" h="120000" w="120000">
+              <a:path w="120000" h="120000" extrusionOk="0">
                 <a:moveTo>
                   <a:pt x="0" y="0"/>
                 </a:moveTo>
@@ -276,23 +285,25 @@
             </a:pathLst>
           </a:custGeom>
           <a:noFill/>
-          <a:ln cap="flat" cmpd="sng" w="9525">
+          <a:ln w="9525" cap="flat" cmpd="sng">
             <a:solidFill>
               <a:srgbClr val="000000"/>
             </a:solidFill>
             <a:prstDash val="solid"/>
             <a:round/>
-            <a:headEnd len="med" w="med" type="none"/>
-            <a:tailEnd len="med" w="med" type="none"/>
+            <a:headEnd type="none" w="med" len="med"/>
+            <a:tailEnd type="none" w="med" len="med"/>
           </a:ln>
         </p:spPr>
       </p:sp>
       <p:sp>
         <p:nvSpPr>
           <p:cNvPr id="4" name="Shape 4"/>
-          <p:cNvSpPr txBox="1"/>
+          <p:cNvSpPr txBox="1">
+            <a:spLocks noGrp="1"/>
+          </p:cNvSpPr>
           <p:nvPr>
-            <p:ph idx="1" type="body"/>
+            <p:ph type="body" idx="1"/>
           </p:nvPr>
         </p:nvSpPr>
         <p:spPr>
@@ -309,7 +320,7 @@
           </a:ln>
         </p:spPr>
         <p:txBody>
-          <a:bodyPr anchorCtr="0" anchor="t" bIns="91425" lIns="91425" rIns="91425" wrap="square" tIns="91425"/>
+          <a:bodyPr wrap="square" lIns="91425" tIns="91425" rIns="91425" bIns="91425" anchor="t" anchorCtr="0"/>
           <a:lstStyle>
             <a:lvl1pPr lvl="0">
               <a:spcBef>
@@ -375,21 +386,115 @@
               <a:defRPr sz="1100"/>
             </a:lvl9pPr>
           </a:lstStyle>
-          <a:p/>
+          <a:p>
+            <a:endParaRPr/>
+          </a:p>
         </p:txBody>
       </p:sp>
     </p:spTree>
   </p:cSld>
-  <p:clrMap accent1="accent1" accent2="accent2" accent3="accent3" accent4="accent4" accent5="accent5" accent6="accent6" bg1="lt1" bg2="dk2" tx1="dk1" tx2="lt2" folHlink="folHlink" hlink="hlink"/>
+  <p:clrMap bg1="lt1" tx1="dk1" bg2="dk2" tx2="lt2" accent1="accent1" accent2="accent2" accent3="accent3" accent4="accent4" accent5="accent5" accent6="accent6" hlink="hlink" folHlink="folHlink"/>
+  <p:notesStyle>
+    <a:lvl1pPr marL="0" algn="l" defTabSz="914400" rtl="0" eaLnBrk="1" latinLnBrk="0" hangingPunct="1">
+      <a:defRPr sz="1200" kern="1200">
+        <a:solidFill>
+          <a:schemeClr val="tx1"/>
+        </a:solidFill>
+        <a:latin typeface="+mn-lt"/>
+        <a:ea typeface="+mn-ea"/>
+        <a:cs typeface="+mn-cs"/>
+      </a:defRPr>
+    </a:lvl1pPr>
+    <a:lvl2pPr marL="457200" algn="l" defTabSz="914400" rtl="0" eaLnBrk="1" latinLnBrk="0" hangingPunct="1">
+      <a:defRPr sz="1200" kern="1200">
+        <a:solidFill>
+          <a:schemeClr val="tx1"/>
+        </a:solidFill>
+        <a:latin typeface="+mn-lt"/>
+        <a:ea typeface="+mn-ea"/>
+        <a:cs typeface="+mn-cs"/>
+      </a:defRPr>
+    </a:lvl2pPr>
+    <a:lvl3pPr marL="914400" algn="l" defTabSz="914400" rtl="0" eaLnBrk="1" latinLnBrk="0" hangingPunct="1">
+      <a:defRPr sz="1200" kern="1200">
+        <a:solidFill>
+          <a:schemeClr val="tx1"/>
+        </a:solidFill>
+        <a:latin typeface="+mn-lt"/>
+        <a:ea typeface="+mn-ea"/>
+        <a:cs typeface="+mn-cs"/>
+      </a:defRPr>
+    </a:lvl3pPr>
+    <a:lvl4pPr marL="1371600" algn="l" defTabSz="914400" rtl="0" eaLnBrk="1" latinLnBrk="0" hangingPunct="1">
+      <a:defRPr sz="1200" kern="1200">
+        <a:solidFill>
+          <a:schemeClr val="tx1"/>
+        </a:solidFill>
+        <a:latin typeface="+mn-lt"/>
+        <a:ea typeface="+mn-ea"/>
+        <a:cs typeface="+mn-cs"/>
+      </a:defRPr>
+    </a:lvl4pPr>
+    <a:lvl5pPr marL="1828800" algn="l" defTabSz="914400" rtl="0" eaLnBrk="1" latinLnBrk="0" hangingPunct="1">
+      <a:defRPr sz="1200" kern="1200">
+        <a:solidFill>
+          <a:schemeClr val="tx1"/>
+        </a:solidFill>
+        <a:latin typeface="+mn-lt"/>
+        <a:ea typeface="+mn-ea"/>
+        <a:cs typeface="+mn-cs"/>
+      </a:defRPr>
+    </a:lvl5pPr>
+    <a:lvl6pPr marL="2286000" algn="l" defTabSz="914400" rtl="0" eaLnBrk="1" latinLnBrk="0" hangingPunct="1">
+      <a:defRPr sz="1200" kern="1200">
+        <a:solidFill>
+          <a:schemeClr val="tx1"/>
+        </a:solidFill>
+        <a:latin typeface="+mn-lt"/>
+        <a:ea typeface="+mn-ea"/>
+        <a:cs typeface="+mn-cs"/>
+      </a:defRPr>
+    </a:lvl6pPr>
+    <a:lvl7pPr marL="2743200" algn="l" defTabSz="914400" rtl="0" eaLnBrk="1" latinLnBrk="0" hangingPunct="1">
+      <a:defRPr sz="1200" kern="1200">
+        <a:solidFill>
+          <a:schemeClr val="tx1"/>
+        </a:solidFill>
+        <a:latin typeface="+mn-lt"/>
+        <a:ea typeface="+mn-ea"/>
+        <a:cs typeface="+mn-cs"/>
+      </a:defRPr>
+    </a:lvl7pPr>
+    <a:lvl8pPr marL="3200400" algn="l" defTabSz="914400" rtl="0" eaLnBrk="1" latinLnBrk="0" hangingPunct="1">
+      <a:defRPr sz="1200" kern="1200">
+        <a:solidFill>
+          <a:schemeClr val="tx1"/>
+        </a:solidFill>
+        <a:latin typeface="+mn-lt"/>
+        <a:ea typeface="+mn-ea"/>
+        <a:cs typeface="+mn-cs"/>
+      </a:defRPr>
+    </a:lvl8pPr>
+    <a:lvl9pPr marL="3657600" algn="l" defTabSz="914400" rtl="0" eaLnBrk="1" latinLnBrk="0" hangingPunct="1">
+      <a:defRPr sz="1200" kern="1200">
+        <a:solidFill>
+          <a:schemeClr val="tx1"/>
+        </a:solidFill>
+        <a:latin typeface="+mn-lt"/>
+        <a:ea typeface="+mn-ea"/>
+        <a:cs typeface="+mn-cs"/>
+      </a:defRPr>
+    </a:lvl9pPr>
+  </p:notesStyle>
 </p:notesMaster>
 </file>
 
 <file path=ppt/notesSlides/notesSlide1.xml><?xml version="1.0" encoding="utf-8"?>
-<p:notes xmlns:a="http://schemas.openxmlformats.org/drawingml/2006/main" xmlns:r="http://schemas.openxmlformats.org/officeDocument/2006/relationships" xmlns:mc="http://schemas.openxmlformats.org/markup-compatibility/2006" xmlns:mv="urn:schemas-microsoft-com:mac:vml" xmlns:p="http://schemas.openxmlformats.org/presentationml/2006/main" xmlns:c="http://schemas.openxmlformats.org/drawingml/2006/chart" xmlns:dgm="http://schemas.openxmlformats.org/drawingml/2006/diagram" xmlns:o="urn:schemas-microsoft-com:office:office" xmlns:v="urn:schemas-microsoft-com:vml" xmlns:pvml="urn:schemas-microsoft-com:office:powerpoint" xmlns:com="http://schemas.openxmlformats.org/drawingml/2006/compatibility" xmlns:p14="http://schemas.microsoft.com/office/powerpoint/2010/main" xmlns:p15="http://schemas.microsoft.com/office/powerpoint/2012/main" showMasterPhAnim="0" showMasterSp="0">
+<p:notes xmlns:a="http://schemas.openxmlformats.org/drawingml/2006/main" xmlns:r="http://schemas.openxmlformats.org/officeDocument/2006/relationships" xmlns:p="http://schemas.openxmlformats.org/presentationml/2006/main" showMasterSp="0" showMasterPhAnim="0">
   <p:cSld>
     <p:spTree>
       <p:nvGrpSpPr>
-        <p:cNvPr id="50" name="Shape 50"/>
+        <p:cNvPr id="1" name="Shape 50"/>
         <p:cNvGrpSpPr/>
         <p:nvPr/>
       </p:nvGrpSpPr>
@@ -404,9 +509,11 @@
       <p:sp>
         <p:nvSpPr>
           <p:cNvPr id="51" name="Shape 51"/>
-          <p:cNvSpPr/>
+          <p:cNvSpPr>
+            <a:spLocks noGrp="1" noRot="1" noChangeAspect="1"/>
+          </p:cNvSpPr>
           <p:nvPr>
-            <p:ph idx="2" type="sldImg"/>
+            <p:ph type="sldImg" idx="2"/>
           </p:nvPr>
         </p:nvSpPr>
         <p:spPr>
@@ -415,8 +522,13 @@
             <a:ext cx="6096000" cy="3429000"/>
           </a:xfrm>
           <a:custGeom>
+            <a:avLst/>
+            <a:gdLst/>
+            <a:ahLst/>
+            <a:cxnLst/>
+            <a:rect l="0" t="0" r="0" b="0"/>
             <a:pathLst>
-              <a:path extrusionOk="0" h="120000" w="120000">
+              <a:path w="120000" h="120000" extrusionOk="0">
                 <a:moveTo>
                   <a:pt x="0" y="0"/>
                 </a:moveTo>
@@ -438,9 +550,11 @@
       <p:sp>
         <p:nvSpPr>
           <p:cNvPr id="52" name="Shape 52"/>
-          <p:cNvSpPr txBox="1"/>
+          <p:cNvSpPr txBox="1">
+            <a:spLocks noGrp="1"/>
+          </p:cNvSpPr>
           <p:nvPr>
-            <p:ph idx="1" type="body"/>
+            <p:ph type="body" idx="1"/>
           </p:nvPr>
         </p:nvSpPr>
         <p:spPr>
@@ -453,7 +567,7 @@
           </a:prstGeom>
         </p:spPr>
         <p:txBody>
-          <a:bodyPr anchorCtr="0" anchor="t" bIns="91425" lIns="91425" rIns="91425" wrap="square" tIns="91425">
+          <a:bodyPr wrap="square" lIns="91425" tIns="91425" rIns="91425" bIns="91425" anchor="t" anchorCtr="0">
             <a:noAutofit/>
           </a:bodyPr>
           <a:lstStyle/>
@@ -464,9 +578,6 @@
               </a:spcBef>
               <a:buNone/>
             </a:pPr>
-            <a:r>
-              <a:t/>
-            </a:r>
             <a:endParaRPr/>
           </a:p>
         </p:txBody>
@@ -479,12 +590,648 @@
 </p:notes>
 </file>
 
+<file path=ppt/notesSlides/notesSlide2.xml><?xml version="1.0" encoding="utf-8"?>
+<p:notes xmlns:a="http://schemas.openxmlformats.org/drawingml/2006/main" xmlns:r="http://schemas.openxmlformats.org/officeDocument/2006/relationships" xmlns:p="http://schemas.openxmlformats.org/presentationml/2006/main" showMasterSp="0" showMasterPhAnim="0">
+  <p:cSld>
+    <p:spTree>
+      <p:nvGrpSpPr>
+        <p:cNvPr id="1" name="Shape 50"/>
+        <p:cNvGrpSpPr/>
+        <p:nvPr/>
+      </p:nvGrpSpPr>
+      <p:grpSpPr>
+        <a:xfrm>
+          <a:off x="0" y="0"/>
+          <a:ext cx="0" cy="0"/>
+          <a:chOff x="0" y="0"/>
+          <a:chExt cx="0" cy="0"/>
+        </a:xfrm>
+      </p:grpSpPr>
+      <p:sp>
+        <p:nvSpPr>
+          <p:cNvPr id="51" name="Shape 51"/>
+          <p:cNvSpPr>
+            <a:spLocks noGrp="1" noRot="1" noChangeAspect="1"/>
+          </p:cNvSpPr>
+          <p:nvPr>
+            <p:ph type="sldImg" idx="2"/>
+          </p:nvPr>
+        </p:nvSpPr>
+        <p:spPr>
+          <a:xfrm>
+            <a:off x="381000" y="685800"/>
+            <a:ext cx="6096000" cy="3429000"/>
+          </a:xfrm>
+          <a:custGeom>
+            <a:avLst/>
+            <a:gdLst/>
+            <a:ahLst/>
+            <a:cxnLst/>
+            <a:rect l="0" t="0" r="0" b="0"/>
+            <a:pathLst>
+              <a:path w="120000" h="120000" extrusionOk="0">
+                <a:moveTo>
+                  <a:pt x="0" y="0"/>
+                </a:moveTo>
+                <a:lnTo>
+                  <a:pt x="120000" y="0"/>
+                </a:lnTo>
+                <a:lnTo>
+                  <a:pt x="120000" y="120000"/>
+                </a:lnTo>
+                <a:lnTo>
+                  <a:pt x="0" y="120000"/>
+                </a:lnTo>
+                <a:close/>
+              </a:path>
+            </a:pathLst>
+          </a:custGeom>
+        </p:spPr>
+      </p:sp>
+      <p:sp>
+        <p:nvSpPr>
+          <p:cNvPr id="52" name="Shape 52"/>
+          <p:cNvSpPr txBox="1">
+            <a:spLocks noGrp="1"/>
+          </p:cNvSpPr>
+          <p:nvPr>
+            <p:ph type="body" idx="1"/>
+          </p:nvPr>
+        </p:nvSpPr>
+        <p:spPr>
+          <a:xfrm>
+            <a:off x="685800" y="4343400"/>
+            <a:ext cx="5486400" cy="4114800"/>
+          </a:xfrm>
+          <a:prstGeom prst="rect">
+            <a:avLst/>
+          </a:prstGeom>
+        </p:spPr>
+        <p:txBody>
+          <a:bodyPr wrap="square" lIns="91425" tIns="91425" rIns="91425" bIns="91425" anchor="t" anchorCtr="0">
+            <a:noAutofit/>
+          </a:bodyPr>
+          <a:lstStyle/>
+          <a:p>
+            <a:pPr lvl="0" rtl="0">
+              <a:spcBef>
+                <a:spcPts val="0"/>
+              </a:spcBef>
+              <a:buNone/>
+            </a:pPr>
+            <a:endParaRPr/>
+          </a:p>
+        </p:txBody>
+      </p:sp>
+    </p:spTree>
+    <p:extLst>
+      <p:ext uri="{BB962C8B-B14F-4D97-AF65-F5344CB8AC3E}">
+        <p14:creationId xmlns:p14="http://schemas.microsoft.com/office/powerpoint/2010/main" val="495035667"/>
+      </p:ext>
+    </p:extLst>
+  </p:cSld>
+  <p:clrMapOvr>
+    <a:masterClrMapping/>
+  </p:clrMapOvr>
+</p:notes>
+</file>
+
+<file path=ppt/notesSlides/notesSlide3.xml><?xml version="1.0" encoding="utf-8"?>
+<p:notes xmlns:a="http://schemas.openxmlformats.org/drawingml/2006/main" xmlns:r="http://schemas.openxmlformats.org/officeDocument/2006/relationships" xmlns:p="http://schemas.openxmlformats.org/presentationml/2006/main" showMasterSp="0" showMasterPhAnim="0">
+  <p:cSld>
+    <p:spTree>
+      <p:nvGrpSpPr>
+        <p:cNvPr id="1" name="Shape 50"/>
+        <p:cNvGrpSpPr/>
+        <p:nvPr/>
+      </p:nvGrpSpPr>
+      <p:grpSpPr>
+        <a:xfrm>
+          <a:off x="0" y="0"/>
+          <a:ext cx="0" cy="0"/>
+          <a:chOff x="0" y="0"/>
+          <a:chExt cx="0" cy="0"/>
+        </a:xfrm>
+      </p:grpSpPr>
+      <p:sp>
+        <p:nvSpPr>
+          <p:cNvPr id="51" name="Shape 51"/>
+          <p:cNvSpPr>
+            <a:spLocks noGrp="1" noRot="1" noChangeAspect="1"/>
+          </p:cNvSpPr>
+          <p:nvPr>
+            <p:ph type="sldImg" idx="2"/>
+          </p:nvPr>
+        </p:nvSpPr>
+        <p:spPr>
+          <a:xfrm>
+            <a:off x="381000" y="685800"/>
+            <a:ext cx="6096000" cy="3429000"/>
+          </a:xfrm>
+          <a:custGeom>
+            <a:avLst/>
+            <a:gdLst/>
+            <a:ahLst/>
+            <a:cxnLst/>
+            <a:rect l="0" t="0" r="0" b="0"/>
+            <a:pathLst>
+              <a:path w="120000" h="120000" extrusionOk="0">
+                <a:moveTo>
+                  <a:pt x="0" y="0"/>
+                </a:moveTo>
+                <a:lnTo>
+                  <a:pt x="120000" y="0"/>
+                </a:lnTo>
+                <a:lnTo>
+                  <a:pt x="120000" y="120000"/>
+                </a:lnTo>
+                <a:lnTo>
+                  <a:pt x="0" y="120000"/>
+                </a:lnTo>
+                <a:close/>
+              </a:path>
+            </a:pathLst>
+          </a:custGeom>
+        </p:spPr>
+      </p:sp>
+      <p:sp>
+        <p:nvSpPr>
+          <p:cNvPr id="52" name="Shape 52"/>
+          <p:cNvSpPr txBox="1">
+            <a:spLocks noGrp="1"/>
+          </p:cNvSpPr>
+          <p:nvPr>
+            <p:ph type="body" idx="1"/>
+          </p:nvPr>
+        </p:nvSpPr>
+        <p:spPr>
+          <a:xfrm>
+            <a:off x="685800" y="4343400"/>
+            <a:ext cx="5486400" cy="4114800"/>
+          </a:xfrm>
+          <a:prstGeom prst="rect">
+            <a:avLst/>
+          </a:prstGeom>
+        </p:spPr>
+        <p:txBody>
+          <a:bodyPr wrap="square" lIns="91425" tIns="91425" rIns="91425" bIns="91425" anchor="t" anchorCtr="0">
+            <a:noAutofit/>
+          </a:bodyPr>
+          <a:lstStyle/>
+          <a:p>
+            <a:pPr lvl="0" rtl="0">
+              <a:spcBef>
+                <a:spcPts val="0"/>
+              </a:spcBef>
+              <a:buNone/>
+            </a:pPr>
+            <a:endParaRPr/>
+          </a:p>
+        </p:txBody>
+      </p:sp>
+    </p:spTree>
+    <p:extLst>
+      <p:ext uri="{BB962C8B-B14F-4D97-AF65-F5344CB8AC3E}">
+        <p14:creationId xmlns:p14="http://schemas.microsoft.com/office/powerpoint/2010/main" val="684720260"/>
+      </p:ext>
+    </p:extLst>
+  </p:cSld>
+  <p:clrMapOvr>
+    <a:masterClrMapping/>
+  </p:clrMapOvr>
+</p:notes>
+</file>
+
+<file path=ppt/notesSlides/notesSlide4.xml><?xml version="1.0" encoding="utf-8"?>
+<p:notes xmlns:a="http://schemas.openxmlformats.org/drawingml/2006/main" xmlns:r="http://schemas.openxmlformats.org/officeDocument/2006/relationships" xmlns:p="http://schemas.openxmlformats.org/presentationml/2006/main" showMasterSp="0" showMasterPhAnim="0">
+  <p:cSld>
+    <p:spTree>
+      <p:nvGrpSpPr>
+        <p:cNvPr id="1" name="Shape 50"/>
+        <p:cNvGrpSpPr/>
+        <p:nvPr/>
+      </p:nvGrpSpPr>
+      <p:grpSpPr>
+        <a:xfrm>
+          <a:off x="0" y="0"/>
+          <a:ext cx="0" cy="0"/>
+          <a:chOff x="0" y="0"/>
+          <a:chExt cx="0" cy="0"/>
+        </a:xfrm>
+      </p:grpSpPr>
+      <p:sp>
+        <p:nvSpPr>
+          <p:cNvPr id="51" name="Shape 51"/>
+          <p:cNvSpPr>
+            <a:spLocks noGrp="1" noRot="1" noChangeAspect="1"/>
+          </p:cNvSpPr>
+          <p:nvPr>
+            <p:ph type="sldImg" idx="2"/>
+          </p:nvPr>
+        </p:nvSpPr>
+        <p:spPr>
+          <a:xfrm>
+            <a:off x="381000" y="685800"/>
+            <a:ext cx="6096000" cy="3429000"/>
+          </a:xfrm>
+          <a:custGeom>
+            <a:avLst/>
+            <a:gdLst/>
+            <a:ahLst/>
+            <a:cxnLst/>
+            <a:rect l="0" t="0" r="0" b="0"/>
+            <a:pathLst>
+              <a:path w="120000" h="120000" extrusionOk="0">
+                <a:moveTo>
+                  <a:pt x="0" y="0"/>
+                </a:moveTo>
+                <a:lnTo>
+                  <a:pt x="120000" y="0"/>
+                </a:lnTo>
+                <a:lnTo>
+                  <a:pt x="120000" y="120000"/>
+                </a:lnTo>
+                <a:lnTo>
+                  <a:pt x="0" y="120000"/>
+                </a:lnTo>
+                <a:close/>
+              </a:path>
+            </a:pathLst>
+          </a:custGeom>
+        </p:spPr>
+      </p:sp>
+      <p:sp>
+        <p:nvSpPr>
+          <p:cNvPr id="52" name="Shape 52"/>
+          <p:cNvSpPr txBox="1">
+            <a:spLocks noGrp="1"/>
+          </p:cNvSpPr>
+          <p:nvPr>
+            <p:ph type="body" idx="1"/>
+          </p:nvPr>
+        </p:nvSpPr>
+        <p:spPr>
+          <a:xfrm>
+            <a:off x="685800" y="4343400"/>
+            <a:ext cx="5486400" cy="4114800"/>
+          </a:xfrm>
+          <a:prstGeom prst="rect">
+            <a:avLst/>
+          </a:prstGeom>
+        </p:spPr>
+        <p:txBody>
+          <a:bodyPr wrap="square" lIns="91425" tIns="91425" rIns="91425" bIns="91425" anchor="t" anchorCtr="0">
+            <a:noAutofit/>
+          </a:bodyPr>
+          <a:lstStyle/>
+          <a:p>
+            <a:pPr lvl="0" rtl="0">
+              <a:spcBef>
+                <a:spcPts val="0"/>
+              </a:spcBef>
+              <a:buNone/>
+            </a:pPr>
+            <a:endParaRPr/>
+          </a:p>
+        </p:txBody>
+      </p:sp>
+    </p:spTree>
+    <p:extLst>
+      <p:ext uri="{BB962C8B-B14F-4D97-AF65-F5344CB8AC3E}">
+        <p14:creationId xmlns:p14="http://schemas.microsoft.com/office/powerpoint/2010/main" val="243271149"/>
+      </p:ext>
+    </p:extLst>
+  </p:cSld>
+  <p:clrMapOvr>
+    <a:masterClrMapping/>
+  </p:clrMapOvr>
+</p:notes>
+</file>
+
+<file path=ppt/notesSlides/notesSlide5.xml><?xml version="1.0" encoding="utf-8"?>
+<p:notes xmlns:a="http://schemas.openxmlformats.org/drawingml/2006/main" xmlns:r="http://schemas.openxmlformats.org/officeDocument/2006/relationships" xmlns:p="http://schemas.openxmlformats.org/presentationml/2006/main" showMasterSp="0" showMasterPhAnim="0">
+  <p:cSld>
+    <p:spTree>
+      <p:nvGrpSpPr>
+        <p:cNvPr id="1" name="Shape 50"/>
+        <p:cNvGrpSpPr/>
+        <p:nvPr/>
+      </p:nvGrpSpPr>
+      <p:grpSpPr>
+        <a:xfrm>
+          <a:off x="0" y="0"/>
+          <a:ext cx="0" cy="0"/>
+          <a:chOff x="0" y="0"/>
+          <a:chExt cx="0" cy="0"/>
+        </a:xfrm>
+      </p:grpSpPr>
+      <p:sp>
+        <p:nvSpPr>
+          <p:cNvPr id="51" name="Shape 51"/>
+          <p:cNvSpPr>
+            <a:spLocks noGrp="1" noRot="1" noChangeAspect="1"/>
+          </p:cNvSpPr>
+          <p:nvPr>
+            <p:ph type="sldImg" idx="2"/>
+          </p:nvPr>
+        </p:nvSpPr>
+        <p:spPr>
+          <a:xfrm>
+            <a:off x="381000" y="685800"/>
+            <a:ext cx="6096000" cy="3429000"/>
+          </a:xfrm>
+          <a:custGeom>
+            <a:avLst/>
+            <a:gdLst/>
+            <a:ahLst/>
+            <a:cxnLst/>
+            <a:rect l="0" t="0" r="0" b="0"/>
+            <a:pathLst>
+              <a:path w="120000" h="120000" extrusionOk="0">
+                <a:moveTo>
+                  <a:pt x="0" y="0"/>
+                </a:moveTo>
+                <a:lnTo>
+                  <a:pt x="120000" y="0"/>
+                </a:lnTo>
+                <a:lnTo>
+                  <a:pt x="120000" y="120000"/>
+                </a:lnTo>
+                <a:lnTo>
+                  <a:pt x="0" y="120000"/>
+                </a:lnTo>
+                <a:close/>
+              </a:path>
+            </a:pathLst>
+          </a:custGeom>
+        </p:spPr>
+      </p:sp>
+      <p:sp>
+        <p:nvSpPr>
+          <p:cNvPr id="52" name="Shape 52"/>
+          <p:cNvSpPr txBox="1">
+            <a:spLocks noGrp="1"/>
+          </p:cNvSpPr>
+          <p:nvPr>
+            <p:ph type="body" idx="1"/>
+          </p:nvPr>
+        </p:nvSpPr>
+        <p:spPr>
+          <a:xfrm>
+            <a:off x="685800" y="4343400"/>
+            <a:ext cx="5486400" cy="4114800"/>
+          </a:xfrm>
+          <a:prstGeom prst="rect">
+            <a:avLst/>
+          </a:prstGeom>
+        </p:spPr>
+        <p:txBody>
+          <a:bodyPr wrap="square" lIns="91425" tIns="91425" rIns="91425" bIns="91425" anchor="t" anchorCtr="0">
+            <a:noAutofit/>
+          </a:bodyPr>
+          <a:lstStyle/>
+          <a:p>
+            <a:pPr lvl="0" rtl="0">
+              <a:spcBef>
+                <a:spcPts val="0"/>
+              </a:spcBef>
+              <a:buNone/>
+            </a:pPr>
+            <a:endParaRPr/>
+          </a:p>
+        </p:txBody>
+      </p:sp>
+    </p:spTree>
+    <p:extLst>
+      <p:ext uri="{BB962C8B-B14F-4D97-AF65-F5344CB8AC3E}">
+        <p14:creationId xmlns:p14="http://schemas.microsoft.com/office/powerpoint/2010/main" val="1894690376"/>
+      </p:ext>
+    </p:extLst>
+  </p:cSld>
+  <p:clrMapOvr>
+    <a:masterClrMapping/>
+  </p:clrMapOvr>
+</p:notes>
+</file>
+
+<file path=ppt/notesSlides/notesSlide6.xml><?xml version="1.0" encoding="utf-8"?>
+<p:notes xmlns:a="http://schemas.openxmlformats.org/drawingml/2006/main" xmlns:r="http://schemas.openxmlformats.org/officeDocument/2006/relationships" xmlns:p="http://schemas.openxmlformats.org/presentationml/2006/main" showMasterSp="0" showMasterPhAnim="0">
+  <p:cSld>
+    <p:spTree>
+      <p:nvGrpSpPr>
+        <p:cNvPr id="1" name="Shape 50"/>
+        <p:cNvGrpSpPr/>
+        <p:nvPr/>
+      </p:nvGrpSpPr>
+      <p:grpSpPr>
+        <a:xfrm>
+          <a:off x="0" y="0"/>
+          <a:ext cx="0" cy="0"/>
+          <a:chOff x="0" y="0"/>
+          <a:chExt cx="0" cy="0"/>
+        </a:xfrm>
+      </p:grpSpPr>
+      <p:sp>
+        <p:nvSpPr>
+          <p:cNvPr id="51" name="Shape 51"/>
+          <p:cNvSpPr>
+            <a:spLocks noGrp="1" noRot="1" noChangeAspect="1"/>
+          </p:cNvSpPr>
+          <p:nvPr>
+            <p:ph type="sldImg" idx="2"/>
+          </p:nvPr>
+        </p:nvSpPr>
+        <p:spPr>
+          <a:xfrm>
+            <a:off x="381000" y="685800"/>
+            <a:ext cx="6096000" cy="3429000"/>
+          </a:xfrm>
+          <a:custGeom>
+            <a:avLst/>
+            <a:gdLst/>
+            <a:ahLst/>
+            <a:cxnLst/>
+            <a:rect l="0" t="0" r="0" b="0"/>
+            <a:pathLst>
+              <a:path w="120000" h="120000" extrusionOk="0">
+                <a:moveTo>
+                  <a:pt x="0" y="0"/>
+                </a:moveTo>
+                <a:lnTo>
+                  <a:pt x="120000" y="0"/>
+                </a:lnTo>
+                <a:lnTo>
+                  <a:pt x="120000" y="120000"/>
+                </a:lnTo>
+                <a:lnTo>
+                  <a:pt x="0" y="120000"/>
+                </a:lnTo>
+                <a:close/>
+              </a:path>
+            </a:pathLst>
+          </a:custGeom>
+        </p:spPr>
+      </p:sp>
+      <p:sp>
+        <p:nvSpPr>
+          <p:cNvPr id="52" name="Shape 52"/>
+          <p:cNvSpPr txBox="1">
+            <a:spLocks noGrp="1"/>
+          </p:cNvSpPr>
+          <p:nvPr>
+            <p:ph type="body" idx="1"/>
+          </p:nvPr>
+        </p:nvSpPr>
+        <p:spPr>
+          <a:xfrm>
+            <a:off x="685800" y="4343400"/>
+            <a:ext cx="5486400" cy="4114800"/>
+          </a:xfrm>
+          <a:prstGeom prst="rect">
+            <a:avLst/>
+          </a:prstGeom>
+        </p:spPr>
+        <p:txBody>
+          <a:bodyPr wrap="square" lIns="91425" tIns="91425" rIns="91425" bIns="91425" anchor="t" anchorCtr="0">
+            <a:noAutofit/>
+          </a:bodyPr>
+          <a:lstStyle/>
+          <a:p>
+            <a:pPr lvl="0" rtl="0">
+              <a:spcBef>
+                <a:spcPts val="0"/>
+              </a:spcBef>
+              <a:buNone/>
+            </a:pPr>
+            <a:endParaRPr/>
+          </a:p>
+        </p:txBody>
+      </p:sp>
+    </p:spTree>
+    <p:extLst>
+      <p:ext uri="{BB962C8B-B14F-4D97-AF65-F5344CB8AC3E}">
+        <p14:creationId xmlns:p14="http://schemas.microsoft.com/office/powerpoint/2010/main" val="85855448"/>
+      </p:ext>
+    </p:extLst>
+  </p:cSld>
+  <p:clrMapOvr>
+    <a:masterClrMapping/>
+  </p:clrMapOvr>
+</p:notes>
+</file>
+
+<file path=ppt/notesSlides/notesSlide7.xml><?xml version="1.0" encoding="utf-8"?>
+<p:notes xmlns:a="http://schemas.openxmlformats.org/drawingml/2006/main" xmlns:r="http://schemas.openxmlformats.org/officeDocument/2006/relationships" xmlns:p="http://schemas.openxmlformats.org/presentationml/2006/main" showMasterSp="0" showMasterPhAnim="0">
+  <p:cSld>
+    <p:spTree>
+      <p:nvGrpSpPr>
+        <p:cNvPr id="1" name="Shape 50"/>
+        <p:cNvGrpSpPr/>
+        <p:nvPr/>
+      </p:nvGrpSpPr>
+      <p:grpSpPr>
+        <a:xfrm>
+          <a:off x="0" y="0"/>
+          <a:ext cx="0" cy="0"/>
+          <a:chOff x="0" y="0"/>
+          <a:chExt cx="0" cy="0"/>
+        </a:xfrm>
+      </p:grpSpPr>
+      <p:sp>
+        <p:nvSpPr>
+          <p:cNvPr id="51" name="Shape 51"/>
+          <p:cNvSpPr>
+            <a:spLocks noGrp="1" noRot="1" noChangeAspect="1"/>
+          </p:cNvSpPr>
+          <p:nvPr>
+            <p:ph type="sldImg" idx="2"/>
+          </p:nvPr>
+        </p:nvSpPr>
+        <p:spPr>
+          <a:xfrm>
+            <a:off x="381000" y="685800"/>
+            <a:ext cx="6096000" cy="3429000"/>
+          </a:xfrm>
+          <a:custGeom>
+            <a:avLst/>
+            <a:gdLst/>
+            <a:ahLst/>
+            <a:cxnLst/>
+            <a:rect l="0" t="0" r="0" b="0"/>
+            <a:pathLst>
+              <a:path w="120000" h="120000" extrusionOk="0">
+                <a:moveTo>
+                  <a:pt x="0" y="0"/>
+                </a:moveTo>
+                <a:lnTo>
+                  <a:pt x="120000" y="0"/>
+                </a:lnTo>
+                <a:lnTo>
+                  <a:pt x="120000" y="120000"/>
+                </a:lnTo>
+                <a:lnTo>
+                  <a:pt x="0" y="120000"/>
+                </a:lnTo>
+                <a:close/>
+              </a:path>
+            </a:pathLst>
+          </a:custGeom>
+        </p:spPr>
+      </p:sp>
+      <p:sp>
+        <p:nvSpPr>
+          <p:cNvPr id="52" name="Shape 52"/>
+          <p:cNvSpPr txBox="1">
+            <a:spLocks noGrp="1"/>
+          </p:cNvSpPr>
+          <p:nvPr>
+            <p:ph type="body" idx="1"/>
+          </p:nvPr>
+        </p:nvSpPr>
+        <p:spPr>
+          <a:xfrm>
+            <a:off x="685800" y="4343400"/>
+            <a:ext cx="5486400" cy="4114800"/>
+          </a:xfrm>
+          <a:prstGeom prst="rect">
+            <a:avLst/>
+          </a:prstGeom>
+        </p:spPr>
+        <p:txBody>
+          <a:bodyPr wrap="square" lIns="91425" tIns="91425" rIns="91425" bIns="91425" anchor="t" anchorCtr="0">
+            <a:noAutofit/>
+          </a:bodyPr>
+          <a:lstStyle/>
+          <a:p>
+            <a:pPr lvl="0" rtl="0">
+              <a:spcBef>
+                <a:spcPts val="0"/>
+              </a:spcBef>
+              <a:buNone/>
+            </a:pPr>
+            <a:endParaRPr/>
+          </a:p>
+        </p:txBody>
+      </p:sp>
+    </p:spTree>
+    <p:extLst>
+      <p:ext uri="{BB962C8B-B14F-4D97-AF65-F5344CB8AC3E}">
+        <p14:creationId xmlns:p14="http://schemas.microsoft.com/office/powerpoint/2010/main" val="1919604546"/>
+      </p:ext>
+    </p:extLst>
+  </p:cSld>
+  <p:clrMapOvr>
+    <a:masterClrMapping/>
+  </p:clrMapOvr>
+</p:notes>
+</file>
+
 <file path=ppt/slideLayouts/slideLayout1.xml><?xml version="1.0" encoding="utf-8"?>
-<p:sldLayout xmlns:a="http://schemas.openxmlformats.org/drawingml/2006/main" xmlns:r="http://schemas.openxmlformats.org/officeDocument/2006/relationships" xmlns:mc="http://schemas.openxmlformats.org/markup-compatibility/2006" xmlns:mv="urn:schemas-microsoft-com:mac:vml" xmlns:p="http://schemas.openxmlformats.org/presentationml/2006/main" xmlns:c="http://schemas.openxmlformats.org/drawingml/2006/chart" xmlns:dgm="http://schemas.openxmlformats.org/drawingml/2006/diagram" xmlns:o="urn:schemas-microsoft-com:office:office" xmlns:v="urn:schemas-microsoft-com:vml" xmlns:pvml="urn:schemas-microsoft-com:office:powerpoint" xmlns:com="http://schemas.openxmlformats.org/drawingml/2006/compatibility" xmlns:p14="http://schemas.microsoft.com/office/powerpoint/2010/main" xmlns:p15="http://schemas.microsoft.com/office/powerpoint/2012/main" type="title">
+<p:sldLayout xmlns:a="http://schemas.openxmlformats.org/drawingml/2006/main" xmlns:r="http://schemas.openxmlformats.org/officeDocument/2006/relationships" xmlns:p="http://schemas.openxmlformats.org/presentationml/2006/main" type="title">
   <p:cSld name="Title slide">
     <p:spTree>
       <p:nvGrpSpPr>
-        <p:cNvPr id="9" name="Shape 9"/>
+        <p:cNvPr id="1" name="Shape 9"/>
         <p:cNvGrpSpPr/>
         <p:nvPr/>
       </p:nvGrpSpPr>
@@ -499,7 +1246,9 @@
       <p:sp>
         <p:nvSpPr>
           <p:cNvPr id="10" name="Shape 10"/>
-          <p:cNvSpPr txBox="1"/>
+          <p:cNvSpPr txBox="1">
+            <a:spLocks noGrp="1"/>
+          </p:cNvSpPr>
           <p:nvPr>
             <p:ph type="ctrTitle"/>
           </p:nvPr>
@@ -514,7 +1263,7 @@
           </a:prstGeom>
         </p:spPr>
         <p:txBody>
-          <a:bodyPr anchorCtr="0" anchor="b" bIns="91425" lIns="91425" rIns="91425" wrap="square" tIns="91425"/>
+          <a:bodyPr wrap="square" lIns="91425" tIns="91425" rIns="91425" bIns="91425" anchor="b" anchorCtr="0"/>
           <a:lstStyle>
             <a:lvl1pPr lvl="0" algn="ctr">
               <a:spcBef>
@@ -580,15 +1329,19 @@
               <a:defRPr sz="5200"/>
             </a:lvl9pPr>
           </a:lstStyle>
-          <a:p/>
+          <a:p>
+            <a:endParaRPr/>
+          </a:p>
         </p:txBody>
       </p:sp>
       <p:sp>
         <p:nvSpPr>
           <p:cNvPr id="11" name="Shape 11"/>
-          <p:cNvSpPr txBox="1"/>
+          <p:cNvSpPr txBox="1">
+            <a:spLocks noGrp="1"/>
+          </p:cNvSpPr>
           <p:nvPr>
-            <p:ph idx="1" type="subTitle"/>
+            <p:ph type="subTitle" idx="1"/>
           </p:nvPr>
         </p:nvSpPr>
         <p:spPr>
@@ -601,7 +1354,7 @@
           </a:prstGeom>
         </p:spPr>
         <p:txBody>
-          <a:bodyPr anchorCtr="0" anchor="t" bIns="91425" lIns="91425" rIns="91425" wrap="square" tIns="91425"/>
+          <a:bodyPr wrap="square" lIns="91425" tIns="91425" rIns="91425" bIns="91425" anchor="t" anchorCtr="0"/>
           <a:lstStyle>
             <a:lvl1pPr lvl="0" algn="ctr">
               <a:lnSpc>
@@ -730,15 +1483,19 @@
               <a:defRPr sz="2800"/>
             </a:lvl9pPr>
           </a:lstStyle>
-          <a:p/>
+          <a:p>
+            <a:endParaRPr/>
+          </a:p>
         </p:txBody>
       </p:sp>
       <p:sp>
         <p:nvSpPr>
           <p:cNvPr id="12" name="Shape 12"/>
-          <p:cNvSpPr txBox="1"/>
+          <p:cNvSpPr txBox="1">
+            <a:spLocks noGrp="1"/>
+          </p:cNvSpPr>
           <p:nvPr>
-            <p:ph idx="12" type="sldNum"/>
+            <p:ph type="sldNum" idx="12"/>
           </p:nvPr>
         </p:nvSpPr>
         <p:spPr>
@@ -751,7 +1508,7 @@
           </a:prstGeom>
         </p:spPr>
         <p:txBody>
-          <a:bodyPr anchorCtr="0" anchor="ctr" bIns="91425" lIns="91425" rIns="91425" wrap="square" tIns="91425">
+          <a:bodyPr wrap="square" lIns="91425" tIns="91425" rIns="91425" bIns="91425" anchor="ctr" anchorCtr="0">
             <a:noAutofit/>
           </a:bodyPr>
           <a:lstStyle/>
@@ -766,6 +1523,7 @@
               <a:rPr lang="en"/>
               <a:t>‹#›</a:t>
             </a:fld>
+            <a:endParaRPr lang="en"/>
           </a:p>
         </p:txBody>
       </p:sp>
@@ -778,11 +1536,11 @@
 </file>
 
 <file path=ppt/slideLayouts/slideLayout10.xml><?xml version="1.0" encoding="utf-8"?>
-<p:sldLayout xmlns:a="http://schemas.openxmlformats.org/drawingml/2006/main" xmlns:r="http://schemas.openxmlformats.org/officeDocument/2006/relationships" xmlns:mc="http://schemas.openxmlformats.org/markup-compatibility/2006" xmlns:mv="urn:schemas-microsoft-com:mac:vml" xmlns:p="http://schemas.openxmlformats.org/presentationml/2006/main" xmlns:c="http://schemas.openxmlformats.org/drawingml/2006/chart" xmlns:dgm="http://schemas.openxmlformats.org/drawingml/2006/diagram" xmlns:o="urn:schemas-microsoft-com:office:office" xmlns:v="urn:schemas-microsoft-com:vml" xmlns:pvml="urn:schemas-microsoft-com:office:powerpoint" xmlns:com="http://schemas.openxmlformats.org/drawingml/2006/compatibility" xmlns:p14="http://schemas.microsoft.com/office/powerpoint/2010/main" xmlns:p15="http://schemas.microsoft.com/office/powerpoint/2012/main">
+<p:sldLayout xmlns:a="http://schemas.openxmlformats.org/drawingml/2006/main" xmlns:r="http://schemas.openxmlformats.org/officeDocument/2006/relationships" xmlns:p="http://schemas.openxmlformats.org/presentationml/2006/main">
   <p:cSld name="Big number">
     <p:spTree>
       <p:nvGrpSpPr>
-        <p:cNvPr id="44" name="Shape 44"/>
+        <p:cNvPr id="1" name="Shape 44"/>
         <p:cNvGrpSpPr/>
         <p:nvPr/>
       </p:nvGrpSpPr>
@@ -797,7 +1555,9 @@
       <p:sp>
         <p:nvSpPr>
           <p:cNvPr id="45" name="Shape 45"/>
-          <p:cNvSpPr txBox="1"/>
+          <p:cNvSpPr txBox="1">
+            <a:spLocks noGrp="1"/>
+          </p:cNvSpPr>
           <p:nvPr>
             <p:ph type="title"/>
           </p:nvPr>
@@ -812,7 +1572,7 @@
           </a:prstGeom>
         </p:spPr>
         <p:txBody>
-          <a:bodyPr anchorCtr="0" anchor="b" bIns="91425" lIns="91425" rIns="91425" wrap="square" tIns="91425"/>
+          <a:bodyPr wrap="square" lIns="91425" tIns="91425" rIns="91425" bIns="91425" anchor="b" anchorCtr="0"/>
           <a:lstStyle>
             <a:lvl1pPr lvl="0" algn="ctr">
               <a:spcBef>
@@ -878,15 +1638,19 @@
               <a:defRPr sz="12000"/>
             </a:lvl9pPr>
           </a:lstStyle>
-          <a:p/>
+          <a:p>
+            <a:endParaRPr/>
+          </a:p>
         </p:txBody>
       </p:sp>
       <p:sp>
         <p:nvSpPr>
           <p:cNvPr id="46" name="Shape 46"/>
-          <p:cNvSpPr txBox="1"/>
+          <p:cNvSpPr txBox="1">
+            <a:spLocks noGrp="1"/>
+          </p:cNvSpPr>
           <p:nvPr>
-            <p:ph idx="1" type="body"/>
+            <p:ph type="body" idx="1"/>
           </p:nvPr>
         </p:nvSpPr>
         <p:spPr>
@@ -899,7 +1663,7 @@
           </a:prstGeom>
         </p:spPr>
         <p:txBody>
-          <a:bodyPr anchorCtr="0" anchor="t" bIns="91425" lIns="91425" rIns="91425" wrap="square" tIns="91425"/>
+          <a:bodyPr wrap="square" lIns="91425" tIns="91425" rIns="91425" bIns="91425" anchor="t" anchorCtr="0"/>
           <a:lstStyle>
             <a:lvl1pPr lvl="0" algn="ctr">
               <a:spcBef>
@@ -956,15 +1720,19 @@
               <a:defRPr/>
             </a:lvl9pPr>
           </a:lstStyle>
-          <a:p/>
+          <a:p>
+            <a:endParaRPr/>
+          </a:p>
         </p:txBody>
       </p:sp>
       <p:sp>
         <p:nvSpPr>
           <p:cNvPr id="47" name="Shape 47"/>
-          <p:cNvSpPr txBox="1"/>
+          <p:cNvSpPr txBox="1">
+            <a:spLocks noGrp="1"/>
+          </p:cNvSpPr>
           <p:nvPr>
-            <p:ph idx="12" type="sldNum"/>
+            <p:ph type="sldNum" idx="12"/>
           </p:nvPr>
         </p:nvSpPr>
         <p:spPr>
@@ -977,7 +1745,7 @@
           </a:prstGeom>
         </p:spPr>
         <p:txBody>
-          <a:bodyPr anchorCtr="0" anchor="ctr" bIns="91425" lIns="91425" rIns="91425" wrap="square" tIns="91425">
+          <a:bodyPr wrap="square" lIns="91425" tIns="91425" rIns="91425" bIns="91425" anchor="ctr" anchorCtr="0">
             <a:noAutofit/>
           </a:bodyPr>
           <a:lstStyle/>
@@ -992,6 +1760,7 @@
               <a:rPr lang="en"/>
               <a:t>‹#›</a:t>
             </a:fld>
+            <a:endParaRPr lang="en"/>
           </a:p>
         </p:txBody>
       </p:sp>
@@ -1004,11 +1773,11 @@
 </file>
 
 <file path=ppt/slideLayouts/slideLayout11.xml><?xml version="1.0" encoding="utf-8"?>
-<p:sldLayout xmlns:a="http://schemas.openxmlformats.org/drawingml/2006/main" xmlns:r="http://schemas.openxmlformats.org/officeDocument/2006/relationships" xmlns:mc="http://schemas.openxmlformats.org/markup-compatibility/2006" xmlns:mv="urn:schemas-microsoft-com:mac:vml" xmlns:p="http://schemas.openxmlformats.org/presentationml/2006/main" xmlns:c="http://schemas.openxmlformats.org/drawingml/2006/chart" xmlns:dgm="http://schemas.openxmlformats.org/drawingml/2006/diagram" xmlns:o="urn:schemas-microsoft-com:office:office" xmlns:v="urn:schemas-microsoft-com:vml" xmlns:pvml="urn:schemas-microsoft-com:office:powerpoint" xmlns:com="http://schemas.openxmlformats.org/drawingml/2006/compatibility" xmlns:p14="http://schemas.microsoft.com/office/powerpoint/2010/main" xmlns:p15="http://schemas.microsoft.com/office/powerpoint/2012/main" type="blank">
+<p:sldLayout xmlns:a="http://schemas.openxmlformats.org/drawingml/2006/main" xmlns:r="http://schemas.openxmlformats.org/officeDocument/2006/relationships" xmlns:p="http://schemas.openxmlformats.org/presentationml/2006/main" type="blank">
   <p:cSld name="Blank">
     <p:spTree>
       <p:nvGrpSpPr>
-        <p:cNvPr id="48" name="Shape 48"/>
+        <p:cNvPr id="1" name="Shape 48"/>
         <p:cNvGrpSpPr/>
         <p:nvPr/>
       </p:nvGrpSpPr>
@@ -1023,9 +1792,11 @@
       <p:sp>
         <p:nvSpPr>
           <p:cNvPr id="49" name="Shape 49"/>
-          <p:cNvSpPr txBox="1"/>
+          <p:cNvSpPr txBox="1">
+            <a:spLocks noGrp="1"/>
+          </p:cNvSpPr>
           <p:nvPr>
-            <p:ph idx="12" type="sldNum"/>
+            <p:ph type="sldNum" idx="12"/>
           </p:nvPr>
         </p:nvSpPr>
         <p:spPr>
@@ -1038,7 +1809,7 @@
           </a:prstGeom>
         </p:spPr>
         <p:txBody>
-          <a:bodyPr anchorCtr="0" anchor="ctr" bIns="91425" lIns="91425" rIns="91425" wrap="square" tIns="91425">
+          <a:bodyPr wrap="square" lIns="91425" tIns="91425" rIns="91425" bIns="91425" anchor="ctr" anchorCtr="0">
             <a:noAutofit/>
           </a:bodyPr>
           <a:lstStyle/>
@@ -1053,6 +1824,7 @@
               <a:rPr lang="en"/>
               <a:t>‹#›</a:t>
             </a:fld>
+            <a:endParaRPr lang="en"/>
           </a:p>
         </p:txBody>
       </p:sp>
@@ -1065,11 +1837,11 @@
 </file>
 
 <file path=ppt/slideLayouts/slideLayout2.xml><?xml version="1.0" encoding="utf-8"?>
-<p:sldLayout xmlns:a="http://schemas.openxmlformats.org/drawingml/2006/main" xmlns:r="http://schemas.openxmlformats.org/officeDocument/2006/relationships" xmlns:mc="http://schemas.openxmlformats.org/markup-compatibility/2006" xmlns:mv="urn:schemas-microsoft-com:mac:vml" xmlns:p="http://schemas.openxmlformats.org/presentationml/2006/main" xmlns:c="http://schemas.openxmlformats.org/drawingml/2006/chart" xmlns:dgm="http://schemas.openxmlformats.org/drawingml/2006/diagram" xmlns:o="urn:schemas-microsoft-com:office:office" xmlns:v="urn:schemas-microsoft-com:vml" xmlns:pvml="urn:schemas-microsoft-com:office:powerpoint" xmlns:com="http://schemas.openxmlformats.org/drawingml/2006/compatibility" xmlns:p14="http://schemas.microsoft.com/office/powerpoint/2010/main" xmlns:p15="http://schemas.microsoft.com/office/powerpoint/2012/main" type="secHead">
+<p:sldLayout xmlns:a="http://schemas.openxmlformats.org/drawingml/2006/main" xmlns:r="http://schemas.openxmlformats.org/officeDocument/2006/relationships" xmlns:p="http://schemas.openxmlformats.org/presentationml/2006/main" type="secHead">
   <p:cSld name="Section header">
     <p:spTree>
       <p:nvGrpSpPr>
-        <p:cNvPr id="13" name="Shape 13"/>
+        <p:cNvPr id="1" name="Shape 13"/>
         <p:cNvGrpSpPr/>
         <p:nvPr/>
       </p:nvGrpSpPr>
@@ -1084,7 +1856,9 @@
       <p:sp>
         <p:nvSpPr>
           <p:cNvPr id="14" name="Shape 14"/>
-          <p:cNvSpPr txBox="1"/>
+          <p:cNvSpPr txBox="1">
+            <a:spLocks noGrp="1"/>
+          </p:cNvSpPr>
           <p:nvPr>
             <p:ph type="title"/>
           </p:nvPr>
@@ -1099,7 +1873,7 @@
           </a:prstGeom>
         </p:spPr>
         <p:txBody>
-          <a:bodyPr anchorCtr="0" anchor="ctr" bIns="91425" lIns="91425" rIns="91425" wrap="square" tIns="91425"/>
+          <a:bodyPr wrap="square" lIns="91425" tIns="91425" rIns="91425" bIns="91425" anchor="ctr" anchorCtr="0"/>
           <a:lstStyle>
             <a:lvl1pPr lvl="0" algn="ctr">
               <a:spcBef>
@@ -1165,15 +1939,19 @@
               <a:defRPr sz="3600"/>
             </a:lvl9pPr>
           </a:lstStyle>
-          <a:p/>
+          <a:p>
+            <a:endParaRPr/>
+          </a:p>
         </p:txBody>
       </p:sp>
       <p:sp>
         <p:nvSpPr>
           <p:cNvPr id="15" name="Shape 15"/>
-          <p:cNvSpPr txBox="1"/>
+          <p:cNvSpPr txBox="1">
+            <a:spLocks noGrp="1"/>
+          </p:cNvSpPr>
           <p:nvPr>
-            <p:ph idx="12" type="sldNum"/>
+            <p:ph type="sldNum" idx="12"/>
           </p:nvPr>
         </p:nvSpPr>
         <p:spPr>
@@ -1186,7 +1964,7 @@
           </a:prstGeom>
         </p:spPr>
         <p:txBody>
-          <a:bodyPr anchorCtr="0" anchor="ctr" bIns="91425" lIns="91425" rIns="91425" wrap="square" tIns="91425">
+          <a:bodyPr wrap="square" lIns="91425" tIns="91425" rIns="91425" bIns="91425" anchor="ctr" anchorCtr="0">
             <a:noAutofit/>
           </a:bodyPr>
           <a:lstStyle/>
@@ -1201,6 +1979,7 @@
               <a:rPr lang="en"/>
               <a:t>‹#›</a:t>
             </a:fld>
+            <a:endParaRPr lang="en"/>
           </a:p>
         </p:txBody>
       </p:sp>
@@ -1213,11 +1992,11 @@
 </file>
 
 <file path=ppt/slideLayouts/slideLayout3.xml><?xml version="1.0" encoding="utf-8"?>
-<p:sldLayout xmlns:a="http://schemas.openxmlformats.org/drawingml/2006/main" xmlns:r="http://schemas.openxmlformats.org/officeDocument/2006/relationships" xmlns:mc="http://schemas.openxmlformats.org/markup-compatibility/2006" xmlns:mv="urn:schemas-microsoft-com:mac:vml" xmlns:p="http://schemas.openxmlformats.org/presentationml/2006/main" xmlns:c="http://schemas.openxmlformats.org/drawingml/2006/chart" xmlns:dgm="http://schemas.openxmlformats.org/drawingml/2006/diagram" xmlns:o="urn:schemas-microsoft-com:office:office" xmlns:v="urn:schemas-microsoft-com:vml" xmlns:pvml="urn:schemas-microsoft-com:office:powerpoint" xmlns:com="http://schemas.openxmlformats.org/drawingml/2006/compatibility" xmlns:p14="http://schemas.microsoft.com/office/powerpoint/2010/main" xmlns:p15="http://schemas.microsoft.com/office/powerpoint/2012/main" type="tx">
+<p:sldLayout xmlns:a="http://schemas.openxmlformats.org/drawingml/2006/main" xmlns:r="http://schemas.openxmlformats.org/officeDocument/2006/relationships" xmlns:p="http://schemas.openxmlformats.org/presentationml/2006/main" type="tx">
   <p:cSld name="Title and body">
     <p:spTree>
       <p:nvGrpSpPr>
-        <p:cNvPr id="16" name="Shape 16"/>
+        <p:cNvPr id="1" name="Shape 16"/>
         <p:cNvGrpSpPr/>
         <p:nvPr/>
       </p:nvGrpSpPr>
@@ -1232,7 +2011,9 @@
       <p:sp>
         <p:nvSpPr>
           <p:cNvPr id="17" name="Shape 17"/>
-          <p:cNvSpPr txBox="1"/>
+          <p:cNvSpPr txBox="1">
+            <a:spLocks noGrp="1"/>
+          </p:cNvSpPr>
           <p:nvPr>
             <p:ph type="title"/>
           </p:nvPr>
@@ -1247,7 +2028,7 @@
           </a:prstGeom>
         </p:spPr>
         <p:txBody>
-          <a:bodyPr anchorCtr="0" anchor="t" bIns="91425" lIns="91425" rIns="91425" wrap="square" tIns="91425"/>
+          <a:bodyPr wrap="square" lIns="91425" tIns="91425" rIns="91425" bIns="91425" anchor="t" anchorCtr="0"/>
           <a:lstStyle>
             <a:lvl1pPr lvl="0">
               <a:spcBef>
@@ -1304,15 +2085,19 @@
               <a:defRPr/>
             </a:lvl9pPr>
           </a:lstStyle>
-          <a:p/>
+          <a:p>
+            <a:endParaRPr/>
+          </a:p>
         </p:txBody>
       </p:sp>
       <p:sp>
         <p:nvSpPr>
           <p:cNvPr id="18" name="Shape 18"/>
-          <p:cNvSpPr txBox="1"/>
+          <p:cNvSpPr txBox="1">
+            <a:spLocks noGrp="1"/>
+          </p:cNvSpPr>
           <p:nvPr>
-            <p:ph idx="1" type="body"/>
+            <p:ph type="body" idx="1"/>
           </p:nvPr>
         </p:nvSpPr>
         <p:spPr>
@@ -1325,7 +2110,7 @@
           </a:prstGeom>
         </p:spPr>
         <p:txBody>
-          <a:bodyPr anchorCtr="0" anchor="t" bIns="91425" lIns="91425" rIns="91425" wrap="square" tIns="91425"/>
+          <a:bodyPr wrap="square" lIns="91425" tIns="91425" rIns="91425" bIns="91425" anchor="t" anchorCtr="0"/>
           <a:lstStyle>
             <a:lvl1pPr lvl="0">
               <a:spcBef>
@@ -1382,15 +2167,19 @@
               <a:defRPr/>
             </a:lvl9pPr>
           </a:lstStyle>
-          <a:p/>
+          <a:p>
+            <a:endParaRPr/>
+          </a:p>
         </p:txBody>
       </p:sp>
       <p:sp>
         <p:nvSpPr>
           <p:cNvPr id="19" name="Shape 19"/>
-          <p:cNvSpPr txBox="1"/>
+          <p:cNvSpPr txBox="1">
+            <a:spLocks noGrp="1"/>
+          </p:cNvSpPr>
           <p:nvPr>
-            <p:ph idx="12" type="sldNum"/>
+            <p:ph type="sldNum" idx="12"/>
           </p:nvPr>
         </p:nvSpPr>
         <p:spPr>
@@ -1403,7 +2192,7 @@
           </a:prstGeom>
         </p:spPr>
         <p:txBody>
-          <a:bodyPr anchorCtr="0" anchor="ctr" bIns="91425" lIns="91425" rIns="91425" wrap="square" tIns="91425">
+          <a:bodyPr wrap="square" lIns="91425" tIns="91425" rIns="91425" bIns="91425" anchor="ctr" anchorCtr="0">
             <a:noAutofit/>
           </a:bodyPr>
           <a:lstStyle/>
@@ -1418,6 +2207,7 @@
               <a:rPr lang="en"/>
               <a:t>‹#›</a:t>
             </a:fld>
+            <a:endParaRPr lang="en"/>
           </a:p>
         </p:txBody>
       </p:sp>
@@ -1430,11 +2220,11 @@
 </file>
 
 <file path=ppt/slideLayouts/slideLayout4.xml><?xml version="1.0" encoding="utf-8"?>
-<p:sldLayout xmlns:a="http://schemas.openxmlformats.org/drawingml/2006/main" xmlns:r="http://schemas.openxmlformats.org/officeDocument/2006/relationships" xmlns:mc="http://schemas.openxmlformats.org/markup-compatibility/2006" xmlns:mv="urn:schemas-microsoft-com:mac:vml" xmlns:p="http://schemas.openxmlformats.org/presentationml/2006/main" xmlns:c="http://schemas.openxmlformats.org/drawingml/2006/chart" xmlns:dgm="http://schemas.openxmlformats.org/drawingml/2006/diagram" xmlns:o="urn:schemas-microsoft-com:office:office" xmlns:v="urn:schemas-microsoft-com:vml" xmlns:pvml="urn:schemas-microsoft-com:office:powerpoint" xmlns:com="http://schemas.openxmlformats.org/drawingml/2006/compatibility" xmlns:p14="http://schemas.microsoft.com/office/powerpoint/2010/main" xmlns:p15="http://schemas.microsoft.com/office/powerpoint/2012/main" type="twoColTx">
+<p:sldLayout xmlns:a="http://schemas.openxmlformats.org/drawingml/2006/main" xmlns:r="http://schemas.openxmlformats.org/officeDocument/2006/relationships" xmlns:p="http://schemas.openxmlformats.org/presentationml/2006/main" type="twoColTx">
   <p:cSld name="Title and two columns">
     <p:spTree>
       <p:nvGrpSpPr>
-        <p:cNvPr id="20" name="Shape 20"/>
+        <p:cNvPr id="1" name="Shape 20"/>
         <p:cNvGrpSpPr/>
         <p:nvPr/>
       </p:nvGrpSpPr>
@@ -1449,7 +2239,9 @@
       <p:sp>
         <p:nvSpPr>
           <p:cNvPr id="21" name="Shape 21"/>
-          <p:cNvSpPr txBox="1"/>
+          <p:cNvSpPr txBox="1">
+            <a:spLocks noGrp="1"/>
+          </p:cNvSpPr>
           <p:nvPr>
             <p:ph type="title"/>
           </p:nvPr>
@@ -1464,7 +2256,7 @@
           </a:prstGeom>
         </p:spPr>
         <p:txBody>
-          <a:bodyPr anchorCtr="0" anchor="t" bIns="91425" lIns="91425" rIns="91425" wrap="square" tIns="91425"/>
+          <a:bodyPr wrap="square" lIns="91425" tIns="91425" rIns="91425" bIns="91425" anchor="t" anchorCtr="0"/>
           <a:lstStyle>
             <a:lvl1pPr lvl="0">
               <a:spcBef>
@@ -1521,15 +2313,19 @@
               <a:defRPr/>
             </a:lvl9pPr>
           </a:lstStyle>
-          <a:p/>
+          <a:p>
+            <a:endParaRPr/>
+          </a:p>
         </p:txBody>
       </p:sp>
       <p:sp>
         <p:nvSpPr>
           <p:cNvPr id="22" name="Shape 22"/>
-          <p:cNvSpPr txBox="1"/>
+          <p:cNvSpPr txBox="1">
+            <a:spLocks noGrp="1"/>
+          </p:cNvSpPr>
           <p:nvPr>
-            <p:ph idx="1" type="body"/>
+            <p:ph type="body" idx="1"/>
           </p:nvPr>
         </p:nvSpPr>
         <p:spPr>
@@ -1542,7 +2338,7 @@
           </a:prstGeom>
         </p:spPr>
         <p:txBody>
-          <a:bodyPr anchorCtr="0" anchor="t" bIns="91425" lIns="91425" rIns="91425" wrap="square" tIns="91425"/>
+          <a:bodyPr wrap="square" lIns="91425" tIns="91425" rIns="91425" bIns="91425" anchor="t" anchorCtr="0"/>
           <a:lstStyle>
             <a:lvl1pPr lvl="0">
               <a:spcBef>
@@ -1608,15 +2404,19 @@
               <a:defRPr sz="1200"/>
             </a:lvl9pPr>
           </a:lstStyle>
-          <a:p/>
+          <a:p>
+            <a:endParaRPr/>
+          </a:p>
         </p:txBody>
       </p:sp>
       <p:sp>
         <p:nvSpPr>
           <p:cNvPr id="23" name="Shape 23"/>
-          <p:cNvSpPr txBox="1"/>
+          <p:cNvSpPr txBox="1">
+            <a:spLocks noGrp="1"/>
+          </p:cNvSpPr>
           <p:nvPr>
-            <p:ph idx="2" type="body"/>
+            <p:ph type="body" idx="2"/>
           </p:nvPr>
         </p:nvSpPr>
         <p:spPr>
@@ -1629,7 +2429,7 @@
           </a:prstGeom>
         </p:spPr>
         <p:txBody>
-          <a:bodyPr anchorCtr="0" anchor="t" bIns="91425" lIns="91425" rIns="91425" wrap="square" tIns="91425"/>
+          <a:bodyPr wrap="square" lIns="91425" tIns="91425" rIns="91425" bIns="91425" anchor="t" anchorCtr="0"/>
           <a:lstStyle>
             <a:lvl1pPr lvl="0">
               <a:spcBef>
@@ -1695,15 +2495,19 @@
               <a:defRPr sz="1200"/>
             </a:lvl9pPr>
           </a:lstStyle>
-          <a:p/>
+          <a:p>
+            <a:endParaRPr/>
+          </a:p>
         </p:txBody>
       </p:sp>
       <p:sp>
         <p:nvSpPr>
           <p:cNvPr id="24" name="Shape 24"/>
-          <p:cNvSpPr txBox="1"/>
+          <p:cNvSpPr txBox="1">
+            <a:spLocks noGrp="1"/>
+          </p:cNvSpPr>
           <p:nvPr>
-            <p:ph idx="12" type="sldNum"/>
+            <p:ph type="sldNum" idx="12"/>
           </p:nvPr>
         </p:nvSpPr>
         <p:spPr>
@@ -1716,7 +2520,7 @@
           </a:prstGeom>
         </p:spPr>
         <p:txBody>
-          <a:bodyPr anchorCtr="0" anchor="ctr" bIns="91425" lIns="91425" rIns="91425" wrap="square" tIns="91425">
+          <a:bodyPr wrap="square" lIns="91425" tIns="91425" rIns="91425" bIns="91425" anchor="ctr" anchorCtr="0">
             <a:noAutofit/>
           </a:bodyPr>
           <a:lstStyle/>
@@ -1731,6 +2535,7 @@
               <a:rPr lang="en"/>
               <a:t>‹#›</a:t>
             </a:fld>
+            <a:endParaRPr lang="en"/>
           </a:p>
         </p:txBody>
       </p:sp>
@@ -1743,11 +2548,11 @@
 </file>
 
 <file path=ppt/slideLayouts/slideLayout5.xml><?xml version="1.0" encoding="utf-8"?>
-<p:sldLayout xmlns:a="http://schemas.openxmlformats.org/drawingml/2006/main" xmlns:r="http://schemas.openxmlformats.org/officeDocument/2006/relationships" xmlns:mc="http://schemas.openxmlformats.org/markup-compatibility/2006" xmlns:mv="urn:schemas-microsoft-com:mac:vml" xmlns:p="http://schemas.openxmlformats.org/presentationml/2006/main" xmlns:c="http://schemas.openxmlformats.org/drawingml/2006/chart" xmlns:dgm="http://schemas.openxmlformats.org/drawingml/2006/diagram" xmlns:o="urn:schemas-microsoft-com:office:office" xmlns:v="urn:schemas-microsoft-com:vml" xmlns:pvml="urn:schemas-microsoft-com:office:powerpoint" xmlns:com="http://schemas.openxmlformats.org/drawingml/2006/compatibility" xmlns:p14="http://schemas.microsoft.com/office/powerpoint/2010/main" xmlns:p15="http://schemas.microsoft.com/office/powerpoint/2012/main" type="titleOnly">
+<p:sldLayout xmlns:a="http://schemas.openxmlformats.org/drawingml/2006/main" xmlns:r="http://schemas.openxmlformats.org/officeDocument/2006/relationships" xmlns:p="http://schemas.openxmlformats.org/presentationml/2006/main" type="titleOnly">
   <p:cSld name="Title only">
     <p:spTree>
       <p:nvGrpSpPr>
-        <p:cNvPr id="25" name="Shape 25"/>
+        <p:cNvPr id="1" name="Shape 25"/>
         <p:cNvGrpSpPr/>
         <p:nvPr/>
       </p:nvGrpSpPr>
@@ -1762,7 +2567,9 @@
       <p:sp>
         <p:nvSpPr>
           <p:cNvPr id="26" name="Shape 26"/>
-          <p:cNvSpPr txBox="1"/>
+          <p:cNvSpPr txBox="1">
+            <a:spLocks noGrp="1"/>
+          </p:cNvSpPr>
           <p:nvPr>
             <p:ph type="title"/>
           </p:nvPr>
@@ -1777,7 +2584,7 @@
           </a:prstGeom>
         </p:spPr>
         <p:txBody>
-          <a:bodyPr anchorCtr="0" anchor="t" bIns="91425" lIns="91425" rIns="91425" wrap="square" tIns="91425"/>
+          <a:bodyPr wrap="square" lIns="91425" tIns="91425" rIns="91425" bIns="91425" anchor="t" anchorCtr="0"/>
           <a:lstStyle>
             <a:lvl1pPr lvl="0">
               <a:spcBef>
@@ -1834,15 +2641,19 @@
               <a:defRPr/>
             </a:lvl9pPr>
           </a:lstStyle>
-          <a:p/>
+          <a:p>
+            <a:endParaRPr/>
+          </a:p>
         </p:txBody>
       </p:sp>
       <p:sp>
         <p:nvSpPr>
           <p:cNvPr id="27" name="Shape 27"/>
-          <p:cNvSpPr txBox="1"/>
+          <p:cNvSpPr txBox="1">
+            <a:spLocks noGrp="1"/>
+          </p:cNvSpPr>
           <p:nvPr>
-            <p:ph idx="12" type="sldNum"/>
+            <p:ph type="sldNum" idx="12"/>
           </p:nvPr>
         </p:nvSpPr>
         <p:spPr>
@@ -1855,7 +2666,7 @@
           </a:prstGeom>
         </p:spPr>
         <p:txBody>
-          <a:bodyPr anchorCtr="0" anchor="ctr" bIns="91425" lIns="91425" rIns="91425" wrap="square" tIns="91425">
+          <a:bodyPr wrap="square" lIns="91425" tIns="91425" rIns="91425" bIns="91425" anchor="ctr" anchorCtr="0">
             <a:noAutofit/>
           </a:bodyPr>
           <a:lstStyle/>
@@ -1870,6 +2681,7 @@
               <a:rPr lang="en"/>
               <a:t>‹#›</a:t>
             </a:fld>
+            <a:endParaRPr lang="en"/>
           </a:p>
         </p:txBody>
       </p:sp>
@@ -1882,11 +2694,11 @@
 </file>
 
 <file path=ppt/slideLayouts/slideLayout6.xml><?xml version="1.0" encoding="utf-8"?>
-<p:sldLayout xmlns:a="http://schemas.openxmlformats.org/drawingml/2006/main" xmlns:r="http://schemas.openxmlformats.org/officeDocument/2006/relationships" xmlns:mc="http://schemas.openxmlformats.org/markup-compatibility/2006" xmlns:mv="urn:schemas-microsoft-com:mac:vml" xmlns:p="http://schemas.openxmlformats.org/presentationml/2006/main" xmlns:c="http://schemas.openxmlformats.org/drawingml/2006/chart" xmlns:dgm="http://schemas.openxmlformats.org/drawingml/2006/diagram" xmlns:o="urn:schemas-microsoft-com:office:office" xmlns:v="urn:schemas-microsoft-com:vml" xmlns:pvml="urn:schemas-microsoft-com:office:powerpoint" xmlns:com="http://schemas.openxmlformats.org/drawingml/2006/compatibility" xmlns:p14="http://schemas.microsoft.com/office/powerpoint/2010/main" xmlns:p15="http://schemas.microsoft.com/office/powerpoint/2012/main">
+<p:sldLayout xmlns:a="http://schemas.openxmlformats.org/drawingml/2006/main" xmlns:r="http://schemas.openxmlformats.org/officeDocument/2006/relationships" xmlns:p="http://schemas.openxmlformats.org/presentationml/2006/main">
   <p:cSld name="One column text">
     <p:spTree>
       <p:nvGrpSpPr>
-        <p:cNvPr id="28" name="Shape 28"/>
+        <p:cNvPr id="1" name="Shape 28"/>
         <p:cNvGrpSpPr/>
         <p:nvPr/>
       </p:nvGrpSpPr>
@@ -1901,7 +2713,9 @@
       <p:sp>
         <p:nvSpPr>
           <p:cNvPr id="29" name="Shape 29"/>
-          <p:cNvSpPr txBox="1"/>
+          <p:cNvSpPr txBox="1">
+            <a:spLocks noGrp="1"/>
+          </p:cNvSpPr>
           <p:nvPr>
             <p:ph type="title"/>
           </p:nvPr>
@@ -1916,7 +2730,7 @@
           </a:prstGeom>
         </p:spPr>
         <p:txBody>
-          <a:bodyPr anchorCtr="0" anchor="b" bIns="91425" lIns="91425" rIns="91425" wrap="square" tIns="91425"/>
+          <a:bodyPr wrap="square" lIns="91425" tIns="91425" rIns="91425" bIns="91425" anchor="b" anchorCtr="0"/>
           <a:lstStyle>
             <a:lvl1pPr lvl="0">
               <a:spcBef>
@@ -1982,15 +2796,19 @@
               <a:defRPr sz="2400"/>
             </a:lvl9pPr>
           </a:lstStyle>
-          <a:p/>
+          <a:p>
+            <a:endParaRPr/>
+          </a:p>
         </p:txBody>
       </p:sp>
       <p:sp>
         <p:nvSpPr>
           <p:cNvPr id="30" name="Shape 30"/>
-          <p:cNvSpPr txBox="1"/>
+          <p:cNvSpPr txBox="1">
+            <a:spLocks noGrp="1"/>
+          </p:cNvSpPr>
           <p:nvPr>
-            <p:ph idx="1" type="body"/>
+            <p:ph type="body" idx="1"/>
           </p:nvPr>
         </p:nvSpPr>
         <p:spPr>
@@ -2003,7 +2821,7 @@
           </a:prstGeom>
         </p:spPr>
         <p:txBody>
-          <a:bodyPr anchorCtr="0" anchor="t" bIns="91425" lIns="91425" rIns="91425" wrap="square" tIns="91425"/>
+          <a:bodyPr wrap="square" lIns="91425" tIns="91425" rIns="91425" bIns="91425" anchor="t" anchorCtr="0"/>
           <a:lstStyle>
             <a:lvl1pPr lvl="0">
               <a:spcBef>
@@ -2069,15 +2887,19 @@
               <a:defRPr sz="1200"/>
             </a:lvl9pPr>
           </a:lstStyle>
-          <a:p/>
+          <a:p>
+            <a:endParaRPr/>
+          </a:p>
         </p:txBody>
       </p:sp>
       <p:sp>
         <p:nvSpPr>
           <p:cNvPr id="31" name="Shape 31"/>
-          <p:cNvSpPr txBox="1"/>
+          <p:cNvSpPr txBox="1">
+            <a:spLocks noGrp="1"/>
+          </p:cNvSpPr>
           <p:nvPr>
-            <p:ph idx="12" type="sldNum"/>
+            <p:ph type="sldNum" idx="12"/>
           </p:nvPr>
         </p:nvSpPr>
         <p:spPr>
@@ -2090,7 +2912,7 @@
           </a:prstGeom>
         </p:spPr>
         <p:txBody>
-          <a:bodyPr anchorCtr="0" anchor="ctr" bIns="91425" lIns="91425" rIns="91425" wrap="square" tIns="91425">
+          <a:bodyPr wrap="square" lIns="91425" tIns="91425" rIns="91425" bIns="91425" anchor="ctr" anchorCtr="0">
             <a:noAutofit/>
           </a:bodyPr>
           <a:lstStyle/>
@@ -2105,6 +2927,7 @@
               <a:rPr lang="en"/>
               <a:t>‹#›</a:t>
             </a:fld>
+            <a:endParaRPr lang="en"/>
           </a:p>
         </p:txBody>
       </p:sp>
@@ -2117,11 +2940,11 @@
 </file>
 
 <file path=ppt/slideLayouts/slideLayout7.xml><?xml version="1.0" encoding="utf-8"?>
-<p:sldLayout xmlns:a="http://schemas.openxmlformats.org/drawingml/2006/main" xmlns:r="http://schemas.openxmlformats.org/officeDocument/2006/relationships" xmlns:mc="http://schemas.openxmlformats.org/markup-compatibility/2006" xmlns:mv="urn:schemas-microsoft-com:mac:vml" xmlns:p="http://schemas.openxmlformats.org/presentationml/2006/main" xmlns:c="http://schemas.openxmlformats.org/drawingml/2006/chart" xmlns:dgm="http://schemas.openxmlformats.org/drawingml/2006/diagram" xmlns:o="urn:schemas-microsoft-com:office:office" xmlns:v="urn:schemas-microsoft-com:vml" xmlns:pvml="urn:schemas-microsoft-com:office:powerpoint" xmlns:com="http://schemas.openxmlformats.org/drawingml/2006/compatibility" xmlns:p14="http://schemas.microsoft.com/office/powerpoint/2010/main" xmlns:p15="http://schemas.microsoft.com/office/powerpoint/2012/main">
+<p:sldLayout xmlns:a="http://schemas.openxmlformats.org/drawingml/2006/main" xmlns:r="http://schemas.openxmlformats.org/officeDocument/2006/relationships" xmlns:p="http://schemas.openxmlformats.org/presentationml/2006/main">
   <p:cSld name="Main point">
     <p:spTree>
       <p:nvGrpSpPr>
-        <p:cNvPr id="32" name="Shape 32"/>
+        <p:cNvPr id="1" name="Shape 32"/>
         <p:cNvGrpSpPr/>
         <p:nvPr/>
       </p:nvGrpSpPr>
@@ -2136,7 +2959,9 @@
       <p:sp>
         <p:nvSpPr>
           <p:cNvPr id="33" name="Shape 33"/>
-          <p:cNvSpPr txBox="1"/>
+          <p:cNvSpPr txBox="1">
+            <a:spLocks noGrp="1"/>
+          </p:cNvSpPr>
           <p:nvPr>
             <p:ph type="title"/>
           </p:nvPr>
@@ -2151,7 +2976,7 @@
           </a:prstGeom>
         </p:spPr>
         <p:txBody>
-          <a:bodyPr anchorCtr="0" anchor="ctr" bIns="91425" lIns="91425" rIns="91425" wrap="square" tIns="91425"/>
+          <a:bodyPr wrap="square" lIns="91425" tIns="91425" rIns="91425" bIns="91425" anchor="ctr" anchorCtr="0"/>
           <a:lstStyle>
             <a:lvl1pPr lvl="0">
               <a:spcBef>
@@ -2217,15 +3042,19 @@
               <a:defRPr sz="4800"/>
             </a:lvl9pPr>
           </a:lstStyle>
-          <a:p/>
+          <a:p>
+            <a:endParaRPr/>
+          </a:p>
         </p:txBody>
       </p:sp>
       <p:sp>
         <p:nvSpPr>
           <p:cNvPr id="34" name="Shape 34"/>
-          <p:cNvSpPr txBox="1"/>
+          <p:cNvSpPr txBox="1">
+            <a:spLocks noGrp="1"/>
+          </p:cNvSpPr>
           <p:nvPr>
-            <p:ph idx="12" type="sldNum"/>
+            <p:ph type="sldNum" idx="12"/>
           </p:nvPr>
         </p:nvSpPr>
         <p:spPr>
@@ -2238,7 +3067,7 @@
           </a:prstGeom>
         </p:spPr>
         <p:txBody>
-          <a:bodyPr anchorCtr="0" anchor="ctr" bIns="91425" lIns="91425" rIns="91425" wrap="square" tIns="91425">
+          <a:bodyPr wrap="square" lIns="91425" tIns="91425" rIns="91425" bIns="91425" anchor="ctr" anchorCtr="0">
             <a:noAutofit/>
           </a:bodyPr>
           <a:lstStyle/>
@@ -2253,6 +3082,7 @@
               <a:rPr lang="en"/>
               <a:t>‹#›</a:t>
             </a:fld>
+            <a:endParaRPr lang="en"/>
           </a:p>
         </p:txBody>
       </p:sp>
@@ -2265,11 +3095,11 @@
 </file>
 
 <file path=ppt/slideLayouts/slideLayout8.xml><?xml version="1.0" encoding="utf-8"?>
-<p:sldLayout xmlns:a="http://schemas.openxmlformats.org/drawingml/2006/main" xmlns:r="http://schemas.openxmlformats.org/officeDocument/2006/relationships" xmlns:mc="http://schemas.openxmlformats.org/markup-compatibility/2006" xmlns:mv="urn:schemas-microsoft-com:mac:vml" xmlns:p="http://schemas.openxmlformats.org/presentationml/2006/main" xmlns:c="http://schemas.openxmlformats.org/drawingml/2006/chart" xmlns:dgm="http://schemas.openxmlformats.org/drawingml/2006/diagram" xmlns:o="urn:schemas-microsoft-com:office:office" xmlns:v="urn:schemas-microsoft-com:vml" xmlns:pvml="urn:schemas-microsoft-com:office:powerpoint" xmlns:com="http://schemas.openxmlformats.org/drawingml/2006/compatibility" xmlns:p14="http://schemas.microsoft.com/office/powerpoint/2010/main" xmlns:p15="http://schemas.microsoft.com/office/powerpoint/2012/main">
+<p:sldLayout xmlns:a="http://schemas.openxmlformats.org/drawingml/2006/main" xmlns:r="http://schemas.openxmlformats.org/officeDocument/2006/relationships" xmlns:p="http://schemas.openxmlformats.org/presentationml/2006/main">
   <p:cSld name="Section title and description">
     <p:spTree>
       <p:nvGrpSpPr>
-        <p:cNvPr id="35" name="Shape 35"/>
+        <p:cNvPr id="1" name="Shape 35"/>
         <p:cNvGrpSpPr/>
         <p:nvPr/>
       </p:nvGrpSpPr>
@@ -2303,7 +3133,7 @@
           </a:ln>
         </p:spPr>
         <p:txBody>
-          <a:bodyPr anchorCtr="0" anchor="ctr" bIns="91425" lIns="91425" rIns="91425" wrap="square" tIns="91425">
+          <a:bodyPr wrap="square" lIns="91425" tIns="91425" rIns="91425" bIns="91425" anchor="ctr" anchorCtr="0">
             <a:noAutofit/>
           </a:bodyPr>
           <a:lstStyle/>
@@ -2314,9 +3144,6 @@
               </a:spcBef>
               <a:buNone/>
             </a:pPr>
-            <a:r>
-              <a:t/>
-            </a:r>
             <a:endParaRPr/>
           </a:p>
         </p:txBody>
@@ -2324,7 +3151,9 @@
       <p:sp>
         <p:nvSpPr>
           <p:cNvPr id="37" name="Shape 37"/>
-          <p:cNvSpPr txBox="1"/>
+          <p:cNvSpPr txBox="1">
+            <a:spLocks noGrp="1"/>
+          </p:cNvSpPr>
           <p:nvPr>
             <p:ph type="title"/>
           </p:nvPr>
@@ -2339,7 +3168,7 @@
           </a:prstGeom>
         </p:spPr>
         <p:txBody>
-          <a:bodyPr anchorCtr="0" anchor="b" bIns="91425" lIns="91425" rIns="91425" wrap="square" tIns="91425"/>
+          <a:bodyPr wrap="square" lIns="91425" tIns="91425" rIns="91425" bIns="91425" anchor="b" anchorCtr="0"/>
           <a:lstStyle>
             <a:lvl1pPr lvl="0" algn="ctr">
               <a:spcBef>
@@ -2405,15 +3234,19 @@
               <a:defRPr sz="4200"/>
             </a:lvl9pPr>
           </a:lstStyle>
-          <a:p/>
+          <a:p>
+            <a:endParaRPr/>
+          </a:p>
         </p:txBody>
       </p:sp>
       <p:sp>
         <p:nvSpPr>
           <p:cNvPr id="38" name="Shape 38"/>
-          <p:cNvSpPr txBox="1"/>
+          <p:cNvSpPr txBox="1">
+            <a:spLocks noGrp="1"/>
+          </p:cNvSpPr>
           <p:nvPr>
-            <p:ph idx="1" type="subTitle"/>
+            <p:ph type="subTitle" idx="1"/>
           </p:nvPr>
         </p:nvSpPr>
         <p:spPr>
@@ -2426,7 +3259,7 @@
           </a:prstGeom>
         </p:spPr>
         <p:txBody>
-          <a:bodyPr anchorCtr="0" anchor="t" bIns="91425" lIns="91425" rIns="91425" wrap="square" tIns="91425"/>
+          <a:bodyPr wrap="square" lIns="91425" tIns="91425" rIns="91425" bIns="91425" anchor="t" anchorCtr="0"/>
           <a:lstStyle>
             <a:lvl1pPr lvl="0" algn="ctr">
               <a:lnSpc>
@@ -2555,15 +3388,19 @@
               <a:defRPr sz="2100"/>
             </a:lvl9pPr>
           </a:lstStyle>
-          <a:p/>
+          <a:p>
+            <a:endParaRPr/>
+          </a:p>
         </p:txBody>
       </p:sp>
       <p:sp>
         <p:nvSpPr>
           <p:cNvPr id="39" name="Shape 39"/>
-          <p:cNvSpPr txBox="1"/>
+          <p:cNvSpPr txBox="1">
+            <a:spLocks noGrp="1"/>
+          </p:cNvSpPr>
           <p:nvPr>
-            <p:ph idx="2" type="body"/>
+            <p:ph type="body" idx="2"/>
           </p:nvPr>
         </p:nvSpPr>
         <p:spPr>
@@ -2576,7 +3413,7 @@
           </a:prstGeom>
         </p:spPr>
         <p:txBody>
-          <a:bodyPr anchorCtr="0" anchor="ctr" bIns="91425" lIns="91425" rIns="91425" wrap="square" tIns="91425"/>
+          <a:bodyPr wrap="square" lIns="91425" tIns="91425" rIns="91425" bIns="91425" anchor="ctr" anchorCtr="0"/>
           <a:lstStyle>
             <a:lvl1pPr lvl="0">
               <a:spcBef>
@@ -2633,15 +3470,19 @@
               <a:defRPr/>
             </a:lvl9pPr>
           </a:lstStyle>
-          <a:p/>
+          <a:p>
+            <a:endParaRPr/>
+          </a:p>
         </p:txBody>
       </p:sp>
       <p:sp>
         <p:nvSpPr>
           <p:cNvPr id="40" name="Shape 40"/>
-          <p:cNvSpPr txBox="1"/>
+          <p:cNvSpPr txBox="1">
+            <a:spLocks noGrp="1"/>
+          </p:cNvSpPr>
           <p:nvPr>
-            <p:ph idx="12" type="sldNum"/>
+            <p:ph type="sldNum" idx="12"/>
           </p:nvPr>
         </p:nvSpPr>
         <p:spPr>
@@ -2654,7 +3495,7 @@
           </a:prstGeom>
         </p:spPr>
         <p:txBody>
-          <a:bodyPr anchorCtr="0" anchor="ctr" bIns="91425" lIns="91425" rIns="91425" wrap="square" tIns="91425">
+          <a:bodyPr wrap="square" lIns="91425" tIns="91425" rIns="91425" bIns="91425" anchor="ctr" anchorCtr="0">
             <a:noAutofit/>
           </a:bodyPr>
           <a:lstStyle/>
@@ -2669,6 +3510,7 @@
               <a:rPr lang="en"/>
               <a:t>‹#›</a:t>
             </a:fld>
+            <a:endParaRPr lang="en"/>
           </a:p>
         </p:txBody>
       </p:sp>
@@ -2681,11 +3523,11 @@
 </file>
 
 <file path=ppt/slideLayouts/slideLayout9.xml><?xml version="1.0" encoding="utf-8"?>
-<p:sldLayout xmlns:a="http://schemas.openxmlformats.org/drawingml/2006/main" xmlns:r="http://schemas.openxmlformats.org/officeDocument/2006/relationships" xmlns:mc="http://schemas.openxmlformats.org/markup-compatibility/2006" xmlns:mv="urn:schemas-microsoft-com:mac:vml" xmlns:p="http://schemas.openxmlformats.org/presentationml/2006/main" xmlns:c="http://schemas.openxmlformats.org/drawingml/2006/chart" xmlns:dgm="http://schemas.openxmlformats.org/drawingml/2006/diagram" xmlns:o="urn:schemas-microsoft-com:office:office" xmlns:v="urn:schemas-microsoft-com:vml" xmlns:pvml="urn:schemas-microsoft-com:office:powerpoint" xmlns:com="http://schemas.openxmlformats.org/drawingml/2006/compatibility" xmlns:p14="http://schemas.microsoft.com/office/powerpoint/2010/main" xmlns:p15="http://schemas.microsoft.com/office/powerpoint/2012/main">
+<p:sldLayout xmlns:a="http://schemas.openxmlformats.org/drawingml/2006/main" xmlns:r="http://schemas.openxmlformats.org/officeDocument/2006/relationships" xmlns:p="http://schemas.openxmlformats.org/presentationml/2006/main">
   <p:cSld name="Caption">
     <p:spTree>
       <p:nvGrpSpPr>
-        <p:cNvPr id="41" name="Shape 41"/>
+        <p:cNvPr id="1" name="Shape 41"/>
         <p:cNvGrpSpPr/>
         <p:nvPr/>
       </p:nvGrpSpPr>
@@ -2700,9 +3542,11 @@
       <p:sp>
         <p:nvSpPr>
           <p:cNvPr id="42" name="Shape 42"/>
-          <p:cNvSpPr txBox="1"/>
+          <p:cNvSpPr txBox="1">
+            <a:spLocks noGrp="1"/>
+          </p:cNvSpPr>
           <p:nvPr>
-            <p:ph idx="1" type="body"/>
+            <p:ph type="body" idx="1"/>
           </p:nvPr>
         </p:nvSpPr>
         <p:spPr>
@@ -2715,7 +3559,7 @@
           </a:prstGeom>
         </p:spPr>
         <p:txBody>
-          <a:bodyPr anchorCtr="0" anchor="ctr" bIns="91425" lIns="91425" rIns="91425" wrap="square" tIns="91425"/>
+          <a:bodyPr wrap="square" lIns="91425" tIns="91425" rIns="91425" bIns="91425" anchor="ctr" anchorCtr="0"/>
           <a:lstStyle>
             <a:lvl1pPr lvl="0">
               <a:lnSpc>
@@ -2731,15 +3575,19 @@
               <a:defRPr/>
             </a:lvl1pPr>
           </a:lstStyle>
-          <a:p/>
+          <a:p>
+            <a:endParaRPr/>
+          </a:p>
         </p:txBody>
       </p:sp>
       <p:sp>
         <p:nvSpPr>
           <p:cNvPr id="43" name="Shape 43"/>
-          <p:cNvSpPr txBox="1"/>
+          <p:cNvSpPr txBox="1">
+            <a:spLocks noGrp="1"/>
+          </p:cNvSpPr>
           <p:nvPr>
-            <p:ph idx="12" type="sldNum"/>
+            <p:ph type="sldNum" idx="12"/>
           </p:nvPr>
         </p:nvSpPr>
         <p:spPr>
@@ -2752,7 +3600,7 @@
           </a:prstGeom>
         </p:spPr>
         <p:txBody>
-          <a:bodyPr anchorCtr="0" anchor="ctr" bIns="91425" lIns="91425" rIns="91425" wrap="square" tIns="91425">
+          <a:bodyPr wrap="square" lIns="91425" tIns="91425" rIns="91425" bIns="91425" anchor="ctr" anchorCtr="0">
             <a:noAutofit/>
           </a:bodyPr>
           <a:lstStyle/>
@@ -2767,6 +3615,7 @@
               <a:rPr lang="en"/>
               <a:t>‹#›</a:t>
             </a:fld>
+            <a:endParaRPr lang="en"/>
           </a:p>
         </p:txBody>
       </p:sp>
@@ -2779,18 +3628,19 @@
 </file>
 
 <file path=ppt/slideMasters/slideMaster1.xml><?xml version="1.0" encoding="utf-8"?>
-<p:sldMaster xmlns:a="http://schemas.openxmlformats.org/drawingml/2006/main" xmlns:r="http://schemas.openxmlformats.org/officeDocument/2006/relationships" xmlns:mc="http://schemas.openxmlformats.org/markup-compatibility/2006" xmlns:mv="urn:schemas-microsoft-com:mac:vml" xmlns:p="http://schemas.openxmlformats.org/presentationml/2006/main" xmlns:c="http://schemas.openxmlformats.org/drawingml/2006/chart" xmlns:dgm="http://schemas.openxmlformats.org/drawingml/2006/diagram" xmlns:o="urn:schemas-microsoft-com:office:office" xmlns:v="urn:schemas-microsoft-com:vml" xmlns:pvml="urn:schemas-microsoft-com:office:powerpoint" xmlns:com="http://schemas.openxmlformats.org/drawingml/2006/compatibility" xmlns:p14="http://schemas.microsoft.com/office/powerpoint/2010/main" xmlns:p15="http://schemas.microsoft.com/office/powerpoint/2012/main">
+<p:sldMaster xmlns:a="http://schemas.openxmlformats.org/drawingml/2006/main" xmlns:r="http://schemas.openxmlformats.org/officeDocument/2006/relationships" xmlns:p="http://schemas.openxmlformats.org/presentationml/2006/main">
   <p:cSld name="simple-light-2">
     <p:bg>
       <p:bgPr>
         <a:solidFill>
           <a:schemeClr val="lt1"/>
         </a:solidFill>
+        <a:effectLst/>
       </p:bgPr>
     </p:bg>
     <p:spTree>
       <p:nvGrpSpPr>
-        <p:cNvPr id="5" name="Shape 5"/>
+        <p:cNvPr id="1" name="Shape 5"/>
         <p:cNvGrpSpPr/>
         <p:nvPr/>
       </p:nvGrpSpPr>
@@ -2805,7 +3655,9 @@
       <p:sp>
         <p:nvSpPr>
           <p:cNvPr id="6" name="Shape 6"/>
-          <p:cNvSpPr txBox="1"/>
+          <p:cNvSpPr txBox="1">
+            <a:spLocks noGrp="1"/>
+          </p:cNvSpPr>
           <p:nvPr>
             <p:ph type="title"/>
           </p:nvPr>
@@ -2824,7 +3676,7 @@
           </a:ln>
         </p:spPr>
         <p:txBody>
-          <a:bodyPr anchorCtr="0" anchor="t" bIns="91425" lIns="91425" rIns="91425" wrap="square" tIns="91425"/>
+          <a:bodyPr wrap="square" lIns="91425" tIns="91425" rIns="91425" bIns="91425" anchor="t" anchorCtr="0"/>
           <a:lstStyle>
             <a:lvl1pPr lvl="0">
               <a:spcBef>
@@ -2962,15 +3814,19 @@
               </a:defRPr>
             </a:lvl9pPr>
           </a:lstStyle>
-          <a:p/>
+          <a:p>
+            <a:endParaRPr/>
+          </a:p>
         </p:txBody>
       </p:sp>
       <p:sp>
         <p:nvSpPr>
           <p:cNvPr id="7" name="Shape 7"/>
-          <p:cNvSpPr txBox="1"/>
+          <p:cNvSpPr txBox="1">
+            <a:spLocks noGrp="1"/>
+          </p:cNvSpPr>
           <p:nvPr>
-            <p:ph idx="1" type="body"/>
+            <p:ph type="body" idx="1"/>
           </p:nvPr>
         </p:nvSpPr>
         <p:spPr>
@@ -2987,7 +3843,7 @@
           </a:ln>
         </p:spPr>
         <p:txBody>
-          <a:bodyPr anchorCtr="0" anchor="t" bIns="91425" lIns="91425" rIns="91425" wrap="square" tIns="91425"/>
+          <a:bodyPr wrap="square" lIns="91425" tIns="91425" rIns="91425" bIns="91425" anchor="t" anchorCtr="0"/>
           <a:lstStyle>
             <a:lvl1pPr lvl="0">
               <a:lnSpc>
@@ -3171,15 +4027,19 @@
               </a:defRPr>
             </a:lvl9pPr>
           </a:lstStyle>
-          <a:p/>
+          <a:p>
+            <a:endParaRPr/>
+          </a:p>
         </p:txBody>
       </p:sp>
       <p:sp>
         <p:nvSpPr>
           <p:cNvPr id="8" name="Shape 8"/>
-          <p:cNvSpPr txBox="1"/>
+          <p:cNvSpPr txBox="1">
+            <a:spLocks noGrp="1"/>
+          </p:cNvSpPr>
           <p:nvPr>
-            <p:ph idx="12" type="sldNum"/>
+            <p:ph type="sldNum" idx="12"/>
           </p:nvPr>
         </p:nvSpPr>
         <p:spPr>
@@ -3196,7 +4056,7 @@
           </a:ln>
         </p:spPr>
         <p:txBody>
-          <a:bodyPr anchorCtr="0" anchor="ctr" bIns="91425" lIns="91425" rIns="91425" wrap="square" tIns="91425">
+          <a:bodyPr wrap="square" lIns="91425" tIns="91425" rIns="91425" bIns="91425" anchor="ctr" anchorCtr="0">
             <a:noAutofit/>
           </a:bodyPr>
           <a:lstStyle/>
@@ -3215,12 +4075,17 @@
               </a:rPr>
               <a:t>‹#›</a:t>
             </a:fld>
+            <a:endParaRPr lang="en" sz="1000">
+              <a:solidFill>
+                <a:schemeClr val="dk2"/>
+              </a:solidFill>
+            </a:endParaRPr>
           </a:p>
         </p:txBody>
       </p:sp>
     </p:spTree>
   </p:cSld>
-  <p:clrMap accent1="accent1" accent2="accent2" accent3="accent3" accent4="accent4" accent5="accent5" accent6="accent6" bg1="lt1" bg2="dk2" tx1="dk1" tx2="lt2" folHlink="folHlink" hlink="hlink"/>
+  <p:clrMap bg1="lt1" tx1="dk1" bg2="dk2" tx2="lt2" accent1="accent1" accent2="accent2" accent3="accent3" accent4="accent4" accent5="accent5" accent6="accent6" hlink="hlink" folHlink="folHlink"/>
   <p:sldLayoutIdLst>
     <p:sldLayoutId id="2147483648" r:id="rId1"/>
     <p:sldLayoutId id="2147483649" r:id="rId2"/>
@@ -3234,10 +4099,10 @@
     <p:sldLayoutId id="2147483657" r:id="rId10"/>
     <p:sldLayoutId id="2147483658" r:id="rId11"/>
   </p:sldLayoutIdLst>
-  <p:hf dt="0" ftr="0" hdr="0" sldNum="0"/>
+  <p:hf sldNum="0" hdr="0" ftr="0" dt="0"/>
   <p:txStyles>
     <p:titleStyle>
-      <a:defPPr lvl="0" marR="0" rtl="0" algn="l">
+      <a:defPPr marR="0" lvl="0" algn="l" rtl="0">
         <a:lnSpc>
           <a:spcPct val="100000"/>
         </a:lnSpc>
@@ -3248,7 +4113,7 @@
           <a:spcPts val="0"/>
         </a:spcAft>
       </a:defPPr>
-      <a:lvl1pPr lvl="0" marR="0" rtl="0" algn="l">
+      <a:lvl1pPr marR="0" lvl="0" algn="l" rtl="0">
         <a:lnSpc>
           <a:spcPct val="100000"/>
         </a:lnSpc>
@@ -3259,7 +4124,7 @@
           <a:spcPts val="0"/>
         </a:spcAft>
         <a:buNone/>
-        <a:defRPr b="0" i="0" sz="1400" u="none" cap="none" strike="noStrike">
+        <a:defRPr sz="1400" b="0" i="0" u="none" strike="noStrike" cap="none">
           <a:solidFill>
             <a:srgbClr val="000000"/>
           </a:solidFill>
@@ -3271,7 +4136,7 @@
       </a:lvl1pPr>
     </p:titleStyle>
     <p:bodyStyle>
-      <a:defPPr lvl="0" marR="0" rtl="0" algn="l">
+      <a:defPPr marR="0" lvl="0" algn="l" rtl="0">
         <a:lnSpc>
           <a:spcPct val="100000"/>
         </a:lnSpc>
@@ -3282,7 +4147,7 @@
           <a:spcPts val="0"/>
         </a:spcAft>
       </a:defPPr>
-      <a:lvl1pPr lvl="0" marR="0" rtl="0" algn="l">
+      <a:lvl1pPr marR="0" lvl="0" algn="l" rtl="0">
         <a:lnSpc>
           <a:spcPct val="100000"/>
         </a:lnSpc>
@@ -3293,7 +4158,7 @@
           <a:spcPts val="0"/>
         </a:spcAft>
         <a:buNone/>
-        <a:defRPr b="0" i="0" sz="1400" u="none" cap="none" strike="noStrike">
+        <a:defRPr sz="1400" b="0" i="0" u="none" strike="noStrike" cap="none">
           <a:solidFill>
             <a:srgbClr val="000000"/>
           </a:solidFill>
@@ -3303,7 +4168,7 @@
           <a:sym typeface="Arial"/>
         </a:defRPr>
       </a:lvl1pPr>
-      <a:lvl2pPr lvl="1" marR="0" rtl="0" algn="l">
+      <a:lvl2pPr marR="0" lvl="1" algn="l" rtl="0">
         <a:lnSpc>
           <a:spcPct val="100000"/>
         </a:lnSpc>
@@ -3314,7 +4179,7 @@
           <a:spcPts val="0"/>
         </a:spcAft>
         <a:buNone/>
-        <a:defRPr b="0" i="0" sz="1400" u="none" cap="none" strike="noStrike">
+        <a:defRPr sz="1400" b="0" i="0" u="none" strike="noStrike" cap="none">
           <a:solidFill>
             <a:srgbClr val="000000"/>
           </a:solidFill>
@@ -3324,7 +4189,7 @@
           <a:sym typeface="Arial"/>
         </a:defRPr>
       </a:lvl2pPr>
-      <a:lvl3pPr lvl="2" marR="0" rtl="0" algn="l">
+      <a:lvl3pPr marR="0" lvl="2" algn="l" rtl="0">
         <a:lnSpc>
           <a:spcPct val="100000"/>
         </a:lnSpc>
@@ -3335,7 +4200,7 @@
           <a:spcPts val="0"/>
         </a:spcAft>
         <a:buNone/>
-        <a:defRPr b="0" i="0" sz="1400" u="none" cap="none" strike="noStrike">
+        <a:defRPr sz="1400" b="0" i="0" u="none" strike="noStrike" cap="none">
           <a:solidFill>
             <a:srgbClr val="000000"/>
           </a:solidFill>
@@ -3345,7 +4210,7 @@
           <a:sym typeface="Arial"/>
         </a:defRPr>
       </a:lvl3pPr>
-      <a:lvl4pPr lvl="3" marR="0" rtl="0" algn="l">
+      <a:lvl4pPr marR="0" lvl="3" algn="l" rtl="0">
         <a:lnSpc>
           <a:spcPct val="100000"/>
         </a:lnSpc>
@@ -3356,7 +4221,7 @@
           <a:spcPts val="0"/>
         </a:spcAft>
         <a:buNone/>
-        <a:defRPr b="0" i="0" sz="1400" u="none" cap="none" strike="noStrike">
+        <a:defRPr sz="1400" b="0" i="0" u="none" strike="noStrike" cap="none">
           <a:solidFill>
             <a:srgbClr val="000000"/>
           </a:solidFill>
@@ -3366,7 +4231,7 @@
           <a:sym typeface="Arial"/>
         </a:defRPr>
       </a:lvl4pPr>
-      <a:lvl5pPr lvl="4" marR="0" rtl="0" algn="l">
+      <a:lvl5pPr marR="0" lvl="4" algn="l" rtl="0">
         <a:lnSpc>
           <a:spcPct val="100000"/>
         </a:lnSpc>
@@ -3377,7 +4242,7 @@
           <a:spcPts val="0"/>
         </a:spcAft>
         <a:buNone/>
-        <a:defRPr b="0" i="0" sz="1400" u="none" cap="none" strike="noStrike">
+        <a:defRPr sz="1400" b="0" i="0" u="none" strike="noStrike" cap="none">
           <a:solidFill>
             <a:srgbClr val="000000"/>
           </a:solidFill>
@@ -3387,7 +4252,7 @@
           <a:sym typeface="Arial"/>
         </a:defRPr>
       </a:lvl5pPr>
-      <a:lvl6pPr lvl="5" marR="0" rtl="0" algn="l">
+      <a:lvl6pPr marR="0" lvl="5" algn="l" rtl="0">
         <a:lnSpc>
           <a:spcPct val="100000"/>
         </a:lnSpc>
@@ -3398,7 +4263,7 @@
           <a:spcPts val="0"/>
         </a:spcAft>
         <a:buNone/>
-        <a:defRPr b="0" i="0" sz="1400" u="none" cap="none" strike="noStrike">
+        <a:defRPr sz="1400" b="0" i="0" u="none" strike="noStrike" cap="none">
           <a:solidFill>
             <a:srgbClr val="000000"/>
           </a:solidFill>
@@ -3408,7 +4273,7 @@
           <a:sym typeface="Arial"/>
         </a:defRPr>
       </a:lvl6pPr>
-      <a:lvl7pPr lvl="6" marR="0" rtl="0" algn="l">
+      <a:lvl7pPr marR="0" lvl="6" algn="l" rtl="0">
         <a:lnSpc>
           <a:spcPct val="100000"/>
         </a:lnSpc>
@@ -3419,7 +4284,7 @@
           <a:spcPts val="0"/>
         </a:spcAft>
         <a:buNone/>
-        <a:defRPr b="0" i="0" sz="1400" u="none" cap="none" strike="noStrike">
+        <a:defRPr sz="1400" b="0" i="0" u="none" strike="noStrike" cap="none">
           <a:solidFill>
             <a:srgbClr val="000000"/>
           </a:solidFill>
@@ -3429,7 +4294,7 @@
           <a:sym typeface="Arial"/>
         </a:defRPr>
       </a:lvl7pPr>
-      <a:lvl8pPr lvl="7" marR="0" rtl="0" algn="l">
+      <a:lvl8pPr marR="0" lvl="7" algn="l" rtl="0">
         <a:lnSpc>
           <a:spcPct val="100000"/>
         </a:lnSpc>
@@ -3440,7 +4305,7 @@
           <a:spcPts val="0"/>
         </a:spcAft>
         <a:buNone/>
-        <a:defRPr b="0" i="0" sz="1400" u="none" cap="none" strike="noStrike">
+        <a:defRPr sz="1400" b="0" i="0" u="none" strike="noStrike" cap="none">
           <a:solidFill>
             <a:srgbClr val="000000"/>
           </a:solidFill>
@@ -3450,7 +4315,7 @@
           <a:sym typeface="Arial"/>
         </a:defRPr>
       </a:lvl8pPr>
-      <a:lvl9pPr lvl="8" marR="0" rtl="0" algn="l">
+      <a:lvl9pPr marR="0" lvl="8" algn="l" rtl="0">
         <a:lnSpc>
           <a:spcPct val="100000"/>
         </a:lnSpc>
@@ -3461,7 +4326,7 @@
           <a:spcPts val="0"/>
         </a:spcAft>
         <a:buNone/>
-        <a:defRPr b="0" i="0" sz="1400" u="none" cap="none" strike="noStrike">
+        <a:defRPr sz="1400" b="0" i="0" u="none" strike="noStrike" cap="none">
           <a:solidFill>
             <a:srgbClr val="000000"/>
           </a:solidFill>
@@ -3473,7 +4338,7 @@
       </a:lvl9pPr>
     </p:bodyStyle>
     <p:otherStyle>
-      <a:defPPr lvl="0" marR="0" rtl="0" algn="l">
+      <a:defPPr marR="0" lvl="0" algn="l" rtl="0">
         <a:lnSpc>
           <a:spcPct val="100000"/>
         </a:lnSpc>
@@ -3484,7 +4349,7 @@
           <a:spcPts val="0"/>
         </a:spcAft>
       </a:defPPr>
-      <a:lvl1pPr lvl="0" marR="0" rtl="0" algn="l">
+      <a:lvl1pPr marR="0" lvl="0" algn="l" rtl="0">
         <a:lnSpc>
           <a:spcPct val="100000"/>
         </a:lnSpc>
@@ -3495,7 +4360,7 @@
           <a:spcPts val="0"/>
         </a:spcAft>
         <a:buNone/>
-        <a:defRPr b="0" i="0" sz="1400" u="none" cap="none" strike="noStrike">
+        <a:defRPr sz="1400" b="0" i="0" u="none" strike="noStrike" cap="none">
           <a:solidFill>
             <a:srgbClr val="000000"/>
           </a:solidFill>
@@ -3505,7 +4370,7 @@
           <a:sym typeface="Arial"/>
         </a:defRPr>
       </a:lvl1pPr>
-      <a:lvl2pPr lvl="1" marR="0" rtl="0" algn="l">
+      <a:lvl2pPr marR="0" lvl="1" algn="l" rtl="0">
         <a:lnSpc>
           <a:spcPct val="100000"/>
         </a:lnSpc>
@@ -3516,7 +4381,7 @@
           <a:spcPts val="0"/>
         </a:spcAft>
         <a:buNone/>
-        <a:defRPr b="0" i="0" sz="1400" u="none" cap="none" strike="noStrike">
+        <a:defRPr sz="1400" b="0" i="0" u="none" strike="noStrike" cap="none">
           <a:solidFill>
             <a:srgbClr val="000000"/>
           </a:solidFill>
@@ -3526,7 +4391,7 @@
           <a:sym typeface="Arial"/>
         </a:defRPr>
       </a:lvl2pPr>
-      <a:lvl3pPr lvl="2" marR="0" rtl="0" algn="l">
+      <a:lvl3pPr marR="0" lvl="2" algn="l" rtl="0">
         <a:lnSpc>
           <a:spcPct val="100000"/>
         </a:lnSpc>
@@ -3537,7 +4402,7 @@
           <a:spcPts val="0"/>
         </a:spcAft>
         <a:buNone/>
-        <a:defRPr b="0" i="0" sz="1400" u="none" cap="none" strike="noStrike">
+        <a:defRPr sz="1400" b="0" i="0" u="none" strike="noStrike" cap="none">
           <a:solidFill>
             <a:srgbClr val="000000"/>
           </a:solidFill>
@@ -3547,7 +4412,7 @@
           <a:sym typeface="Arial"/>
         </a:defRPr>
       </a:lvl3pPr>
-      <a:lvl4pPr lvl="3" marR="0" rtl="0" algn="l">
+      <a:lvl4pPr marR="0" lvl="3" algn="l" rtl="0">
         <a:lnSpc>
           <a:spcPct val="100000"/>
         </a:lnSpc>
@@ -3558,7 +4423,7 @@
           <a:spcPts val="0"/>
         </a:spcAft>
         <a:buNone/>
-        <a:defRPr b="0" i="0" sz="1400" u="none" cap="none" strike="noStrike">
+        <a:defRPr sz="1400" b="0" i="0" u="none" strike="noStrike" cap="none">
           <a:solidFill>
             <a:srgbClr val="000000"/>
           </a:solidFill>
@@ -3568,7 +4433,7 @@
           <a:sym typeface="Arial"/>
         </a:defRPr>
       </a:lvl4pPr>
-      <a:lvl5pPr lvl="4" marR="0" rtl="0" algn="l">
+      <a:lvl5pPr marR="0" lvl="4" algn="l" rtl="0">
         <a:lnSpc>
           <a:spcPct val="100000"/>
         </a:lnSpc>
@@ -3579,7 +4444,7 @@
           <a:spcPts val="0"/>
         </a:spcAft>
         <a:buNone/>
-        <a:defRPr b="0" i="0" sz="1400" u="none" cap="none" strike="noStrike">
+        <a:defRPr sz="1400" b="0" i="0" u="none" strike="noStrike" cap="none">
           <a:solidFill>
             <a:srgbClr val="000000"/>
           </a:solidFill>
@@ -3589,7 +4454,7 @@
           <a:sym typeface="Arial"/>
         </a:defRPr>
       </a:lvl5pPr>
-      <a:lvl6pPr lvl="5" marR="0" rtl="0" algn="l">
+      <a:lvl6pPr marR="0" lvl="5" algn="l" rtl="0">
         <a:lnSpc>
           <a:spcPct val="100000"/>
         </a:lnSpc>
@@ -3600,7 +4465,7 @@
           <a:spcPts val="0"/>
         </a:spcAft>
         <a:buNone/>
-        <a:defRPr b="0" i="0" sz="1400" u="none" cap="none" strike="noStrike">
+        <a:defRPr sz="1400" b="0" i="0" u="none" strike="noStrike" cap="none">
           <a:solidFill>
             <a:srgbClr val="000000"/>
           </a:solidFill>
@@ -3610,7 +4475,7 @@
           <a:sym typeface="Arial"/>
         </a:defRPr>
       </a:lvl6pPr>
-      <a:lvl7pPr lvl="6" marR="0" rtl="0" algn="l">
+      <a:lvl7pPr marR="0" lvl="6" algn="l" rtl="0">
         <a:lnSpc>
           <a:spcPct val="100000"/>
         </a:lnSpc>
@@ -3621,7 +4486,7 @@
           <a:spcPts val="0"/>
         </a:spcAft>
         <a:buNone/>
-        <a:defRPr b="0" i="0" sz="1400" u="none" cap="none" strike="noStrike">
+        <a:defRPr sz="1400" b="0" i="0" u="none" strike="noStrike" cap="none">
           <a:solidFill>
             <a:srgbClr val="000000"/>
           </a:solidFill>
@@ -3631,7 +4496,7 @@
           <a:sym typeface="Arial"/>
         </a:defRPr>
       </a:lvl7pPr>
-      <a:lvl8pPr lvl="7" marR="0" rtl="0" algn="l">
+      <a:lvl8pPr marR="0" lvl="7" algn="l" rtl="0">
         <a:lnSpc>
           <a:spcPct val="100000"/>
         </a:lnSpc>
@@ -3642,7 +4507,7 @@
           <a:spcPts val="0"/>
         </a:spcAft>
         <a:buNone/>
-        <a:defRPr b="0" i="0" sz="1400" u="none" cap="none" strike="noStrike">
+        <a:defRPr sz="1400" b="0" i="0" u="none" strike="noStrike" cap="none">
           <a:solidFill>
             <a:srgbClr val="000000"/>
           </a:solidFill>
@@ -3652,7 +4517,7 @@
           <a:sym typeface="Arial"/>
         </a:defRPr>
       </a:lvl8pPr>
-      <a:lvl9pPr lvl="8" marR="0" rtl="0" algn="l">
+      <a:lvl9pPr marR="0" lvl="8" algn="l" rtl="0">
         <a:lnSpc>
           <a:spcPct val="100000"/>
         </a:lnSpc>
@@ -3663,7 +4528,7 @@
           <a:spcPts val="0"/>
         </a:spcAft>
         <a:buNone/>
-        <a:defRPr b="0" i="0" sz="1400" u="none" cap="none" strike="noStrike">
+        <a:defRPr sz="1400" b="0" i="0" u="none" strike="noStrike" cap="none">
           <a:solidFill>
             <a:srgbClr val="000000"/>
           </a:solidFill>
@@ -3679,11 +4544,11 @@
 </file>
 
 <file path=ppt/slides/slide1.xml><?xml version="1.0" encoding="utf-8"?>
-<p:sld xmlns:a="http://schemas.openxmlformats.org/drawingml/2006/main" xmlns:r="http://schemas.openxmlformats.org/officeDocument/2006/relationships" xmlns:mc="http://schemas.openxmlformats.org/markup-compatibility/2006" xmlns:mv="urn:schemas-microsoft-com:mac:vml" xmlns:p="http://schemas.openxmlformats.org/presentationml/2006/main" xmlns:c="http://schemas.openxmlformats.org/drawingml/2006/chart" xmlns:dgm="http://schemas.openxmlformats.org/drawingml/2006/diagram" xmlns:o="urn:schemas-microsoft-com:office:office" xmlns:v="urn:schemas-microsoft-com:vml" xmlns:pvml="urn:schemas-microsoft-com:office:powerpoint" xmlns:com="http://schemas.openxmlformats.org/drawingml/2006/compatibility" xmlns:p14="http://schemas.microsoft.com/office/powerpoint/2010/main" xmlns:p15="http://schemas.microsoft.com/office/powerpoint/2012/main">
+<p:sld xmlns:a="http://schemas.openxmlformats.org/drawingml/2006/main" xmlns:r="http://schemas.openxmlformats.org/officeDocument/2006/relationships" xmlns:p="http://schemas.openxmlformats.org/presentationml/2006/main">
   <p:cSld>
     <p:spTree>
       <p:nvGrpSpPr>
-        <p:cNvPr id="53" name="Shape 53"/>
+        <p:cNvPr id="1" name="Shape 53"/>
         <p:cNvGrpSpPr/>
         <p:nvPr/>
       </p:nvGrpSpPr>
@@ -3698,9 +4563,11 @@
       <p:sp>
         <p:nvSpPr>
           <p:cNvPr id="54" name="Shape 54"/>
-          <p:cNvSpPr txBox="1"/>
+          <p:cNvSpPr txBox="1">
+            <a:spLocks noGrp="1"/>
+          </p:cNvSpPr>
           <p:nvPr>
-            <p:ph idx="1" type="body"/>
+            <p:ph type="body" idx="1"/>
           </p:nvPr>
         </p:nvSpPr>
         <p:spPr>
@@ -3714,18 +4581,18 @@
           <a:solidFill>
             <a:srgbClr val="FFFFFF"/>
           </a:solidFill>
-          <a:ln cap="flat" cmpd="sng" w="9525">
+          <a:ln w="9525" cap="flat" cmpd="sng">
             <a:solidFill>
               <a:srgbClr val="FFFFFF"/>
             </a:solidFill>
             <a:prstDash val="solid"/>
             <a:round/>
-            <a:headEnd len="med" w="med" type="none"/>
-            <a:tailEnd len="med" w="med" type="none"/>
+            <a:headEnd type="none" w="med" len="med"/>
+            <a:tailEnd type="none" w="med" len="med"/>
           </a:ln>
         </p:spPr>
         <p:txBody>
-          <a:bodyPr anchorCtr="0" anchor="t" bIns="91425" lIns="91425" rIns="91425" wrap="square" tIns="91425">
+          <a:bodyPr wrap="square" lIns="91425" tIns="91425" rIns="91425" bIns="91425" anchor="t" anchorCtr="0">
             <a:noAutofit/>
           </a:bodyPr>
           <a:lstStyle/>
@@ -3751,7 +4618,9 @@
       <p:sp>
         <p:nvSpPr>
           <p:cNvPr id="55" name="Shape 55"/>
-          <p:cNvSpPr txBox="1"/>
+          <p:cNvSpPr txBox="1">
+            <a:spLocks noGrp="1"/>
+          </p:cNvSpPr>
           <p:nvPr>
             <p:ph type="title"/>
           </p:nvPr>
@@ -3769,7 +4638,7 @@
           </a:solidFill>
         </p:spPr>
         <p:txBody>
-          <a:bodyPr anchorCtr="0" anchor="ctr" bIns="91425" lIns="91425" rIns="91425" wrap="square" tIns="91425">
+          <a:bodyPr wrap="square" lIns="91425" tIns="91425" rIns="91425" bIns="91425" anchor="ctr" anchorCtr="0">
             <a:noAutofit/>
           </a:bodyPr>
           <a:lstStyle/>
@@ -3781,7 +4650,7 @@
               <a:buNone/>
             </a:pPr>
             <a:r>
-              <a:rPr lang="en">
+              <a:rPr lang="en" dirty="0">
                 <a:solidFill>
                   <a:srgbClr val="FFFFFF"/>
                 </a:solidFill>
@@ -3803,7 +4672,7 @@
         </p:nvGraphicFramePr>
         <p:xfrm>
           <a:off x="112925" y="1223729"/>
-          <a:ext cx="3000000" cy="3000000"/>
+          <a:ext cx="3829425" cy="2510075"/>
         </p:xfrm>
         <a:graphic>
           <a:graphicData uri="http://schemas.openxmlformats.org/drawingml/2006/table">
@@ -3820,9 +4689,23 @@
               <a:tr h="529025">
                 <a:tc>
                   <a:txBody>
-                    <a:bodyPr>
-                      <a:noAutofit/>
-                    </a:bodyPr>
+                    <a:bodyPr/>
+                    <a:lstStyle/>
+                    <a:p>
+                      <a:pPr lvl="0">
+                        <a:spcBef>
+                          <a:spcPts val="0"/>
+                        </a:spcBef>
+                        <a:buNone/>
+                      </a:pPr>
+                      <a:endParaRPr b="1"/>
+                    </a:p>
+                  </a:txBody>
+                  <a:tcPr marL="91425" marR="91425" marT="91425" marB="91425"/>
+                </a:tc>
+                <a:tc>
+                  <a:txBody>
+                    <a:bodyPr/>
                     <a:lstStyle/>
                     <a:p>
                       <a:pPr lvl="0">
@@ -3832,18 +4715,16 @@
                         <a:buNone/>
                       </a:pPr>
                       <a:r>
-                        <a:t/>
+                        <a:rPr lang="en" b="1"/>
+                        <a:t>Employed</a:t>
                       </a:r>
-                      <a:endParaRPr b="1"/>
                     </a:p>
                   </a:txBody>
-                  <a:tcPr marT="91425" marB="91425" marR="91425" marL="91425"/>
+                  <a:tcPr marL="91425" marR="91425" marT="91425" marB="91425"/>
                 </a:tc>
                 <a:tc>
                   <a:txBody>
-                    <a:bodyPr>
-                      <a:noAutofit/>
-                    </a:bodyPr>
+                    <a:bodyPr/>
                     <a:lstStyle/>
                     <a:p>
                       <a:pPr lvl="0">
@@ -3853,18 +4734,18 @@
                         <a:buNone/>
                       </a:pPr>
                       <a:r>
-                        <a:rPr b="1" lang="en"/>
-                        <a:t>Employed</a:t>
+                        <a:rPr lang="en" b="1"/>
+                        <a:t>Unemployed</a:t>
                       </a:r>
                     </a:p>
                   </a:txBody>
-                  <a:tcPr marT="91425" marB="91425" marR="91425" marL="91425"/>
+                  <a:tcPr marL="91425" marR="91425" marT="91425" marB="91425"/>
                 </a:tc>
+              </a:tr>
+              <a:tr h="392500">
                 <a:tc>
                   <a:txBody>
-                    <a:bodyPr>
-                      <a:noAutofit/>
-                    </a:bodyPr>
+                    <a:bodyPr/>
                     <a:lstStyle/>
                     <a:p>
                       <a:pPr lvl="0">
@@ -3874,41 +4755,16 @@
                         <a:buNone/>
                       </a:pPr>
                       <a:r>
-                        <a:rPr b="1" lang="en"/>
-                        <a:t>Unemployed</a:t>
-                      </a:r>
-                    </a:p>
-                  </a:txBody>
-                  <a:tcPr marT="91425" marB="91425" marR="91425" marL="91425"/>
-                </a:tc>
-              </a:tr>
-              <a:tr h="392500">
-                <a:tc>
-                  <a:txBody>
-                    <a:bodyPr>
-                      <a:noAutofit/>
-                    </a:bodyPr>
-                    <a:lstStyle/>
-                    <a:p>
-                      <a:pPr lvl="0">
-                        <a:spcBef>
-                          <a:spcPts val="0"/>
-                        </a:spcBef>
-                        <a:buNone/>
-                      </a:pPr>
-                      <a:r>
-                        <a:rPr b="1" lang="en"/>
+                        <a:rPr lang="en" b="1"/>
                         <a:t>Minimum</a:t>
                       </a:r>
                     </a:p>
                   </a:txBody>
-                  <a:tcPr marT="91425" marB="91425" marR="91425" marL="91425"/>
+                  <a:tcPr marL="91425" marR="91425" marT="91425" marB="91425"/>
                 </a:tc>
                 <a:tc>
                   <a:txBody>
-                    <a:bodyPr>
-                      <a:noAutofit/>
-                    </a:bodyPr>
+                    <a:bodyPr/>
                     <a:lstStyle/>
                     <a:p>
                       <a:pPr lvl="0">
@@ -3923,13 +4779,11 @@
                       </a:r>
                     </a:p>
                   </a:txBody>
-                  <a:tcPr marT="91425" marB="91425" marR="91425" marL="91425"/>
+                  <a:tcPr marL="91425" marR="91425" marT="91425" marB="91425"/>
                 </a:tc>
                 <a:tc>
                   <a:txBody>
-                    <a:bodyPr>
-                      <a:noAutofit/>
-                    </a:bodyPr>
+                    <a:bodyPr/>
                     <a:lstStyle/>
                     <a:p>
                       <a:pPr lvl="0">
@@ -3944,15 +4798,13 @@
                       </a:r>
                     </a:p>
                   </a:txBody>
-                  <a:tcPr marT="91425" marB="91425" marR="91425" marL="91425"/>
+                  <a:tcPr marL="91425" marR="91425" marT="91425" marB="91425"/>
                 </a:tc>
               </a:tr>
               <a:tr h="388700">
                 <a:tc>
                   <a:txBody>
-                    <a:bodyPr>
-                      <a:noAutofit/>
-                    </a:bodyPr>
+                    <a:bodyPr/>
                     <a:lstStyle/>
                     <a:p>
                       <a:pPr lvl="0">
@@ -3962,18 +4814,16 @@
                         <a:buNone/>
                       </a:pPr>
                       <a:r>
-                        <a:rPr b="1" lang="en"/>
+                        <a:rPr lang="en" b="1"/>
                         <a:t>Q1</a:t>
                       </a:r>
                     </a:p>
                   </a:txBody>
-                  <a:tcPr marT="91425" marB="91425" marR="91425" marL="91425"/>
+                  <a:tcPr marL="91425" marR="91425" marT="91425" marB="91425"/>
                 </a:tc>
                 <a:tc>
                   <a:txBody>
-                    <a:bodyPr>
-                      <a:noAutofit/>
-                    </a:bodyPr>
+                    <a:bodyPr/>
                     <a:lstStyle/>
                     <a:p>
                       <a:pPr lvl="0">
@@ -3988,13 +4838,11 @@
                       </a:r>
                     </a:p>
                   </a:txBody>
-                  <a:tcPr marT="91425" marB="91425" marR="91425" marL="91425"/>
+                  <a:tcPr marL="91425" marR="91425" marT="91425" marB="91425"/>
                 </a:tc>
                 <a:tc>
                   <a:txBody>
-                    <a:bodyPr>
-                      <a:noAutofit/>
-                    </a:bodyPr>
+                    <a:bodyPr/>
                     <a:lstStyle/>
                     <a:p>
                       <a:pPr lvl="0">
@@ -4009,15 +4857,13 @@
                       </a:r>
                     </a:p>
                   </a:txBody>
-                  <a:tcPr marT="91425" marB="91425" marR="91425" marL="91425"/>
+                  <a:tcPr marL="91425" marR="91425" marT="91425" marB="91425"/>
                 </a:tc>
               </a:tr>
               <a:tr h="388700">
                 <a:tc>
                   <a:txBody>
-                    <a:bodyPr>
-                      <a:noAutofit/>
-                    </a:bodyPr>
+                    <a:bodyPr/>
                     <a:lstStyle/>
                     <a:p>
                       <a:pPr lvl="0">
@@ -4027,18 +4873,16 @@
                         <a:buNone/>
                       </a:pPr>
                       <a:r>
-                        <a:rPr b="1" lang="en"/>
+                        <a:rPr lang="en" b="1"/>
                         <a:t>Q2</a:t>
                       </a:r>
                     </a:p>
                   </a:txBody>
-                  <a:tcPr marT="91425" marB="91425" marR="91425" marL="91425"/>
+                  <a:tcPr marL="91425" marR="91425" marT="91425" marB="91425"/>
                 </a:tc>
                 <a:tc>
                   <a:txBody>
-                    <a:bodyPr>
-                      <a:noAutofit/>
-                    </a:bodyPr>
+                    <a:bodyPr/>
                     <a:lstStyle/>
                     <a:p>
                       <a:pPr lvl="0">
@@ -4053,13 +4897,11 @@
                       </a:r>
                     </a:p>
                   </a:txBody>
-                  <a:tcPr marT="91425" marB="91425" marR="91425" marL="91425"/>
+                  <a:tcPr marL="91425" marR="91425" marT="91425" marB="91425"/>
                 </a:tc>
                 <a:tc>
                   <a:txBody>
-                    <a:bodyPr>
-                      <a:noAutofit/>
-                    </a:bodyPr>
+                    <a:bodyPr/>
                     <a:lstStyle/>
                     <a:p>
                       <a:pPr lvl="0">
@@ -4074,15 +4916,13 @@
                       </a:r>
                     </a:p>
                   </a:txBody>
-                  <a:tcPr marT="91425" marB="91425" marR="91425" marL="91425"/>
+                  <a:tcPr marL="91425" marR="91425" marT="91425" marB="91425"/>
                 </a:tc>
               </a:tr>
               <a:tr h="388700">
                 <a:tc>
                   <a:txBody>
-                    <a:bodyPr>
-                      <a:noAutofit/>
-                    </a:bodyPr>
+                    <a:bodyPr/>
                     <a:lstStyle/>
                     <a:p>
                       <a:pPr lvl="0">
@@ -4092,18 +4932,16 @@
                         <a:buNone/>
                       </a:pPr>
                       <a:r>
-                        <a:rPr b="1" lang="en"/>
+                        <a:rPr lang="en" b="1"/>
                         <a:t>Q3</a:t>
                       </a:r>
                     </a:p>
                   </a:txBody>
-                  <a:tcPr marT="91425" marB="91425" marR="91425" marL="91425"/>
+                  <a:tcPr marL="91425" marR="91425" marT="91425" marB="91425"/>
                 </a:tc>
                 <a:tc>
                   <a:txBody>
-                    <a:bodyPr>
-                      <a:noAutofit/>
-                    </a:bodyPr>
+                    <a:bodyPr/>
                     <a:lstStyle/>
                     <a:p>
                       <a:pPr lvl="0">
@@ -4118,13 +4956,11 @@
                       </a:r>
                     </a:p>
                   </a:txBody>
-                  <a:tcPr marT="91425" marB="91425" marR="91425" marL="91425"/>
+                  <a:tcPr marL="91425" marR="91425" marT="91425" marB="91425"/>
                 </a:tc>
                 <a:tc>
                   <a:txBody>
-                    <a:bodyPr>
-                      <a:noAutofit/>
-                    </a:bodyPr>
+                    <a:bodyPr/>
                     <a:lstStyle/>
                     <a:p>
                       <a:pPr lvl="0">
@@ -4139,15 +4975,13 @@
                       </a:r>
                     </a:p>
                   </a:txBody>
-                  <a:tcPr marT="91425" marB="91425" marR="91425" marL="91425"/>
+                  <a:tcPr marL="91425" marR="91425" marT="91425" marB="91425"/>
                 </a:tc>
               </a:tr>
               <a:tr h="392500">
                 <a:tc>
                   <a:txBody>
-                    <a:bodyPr>
-                      <a:noAutofit/>
-                    </a:bodyPr>
+                    <a:bodyPr/>
                     <a:lstStyle/>
                     <a:p>
                       <a:pPr lvl="0">
@@ -4157,18 +4991,16 @@
                         <a:buNone/>
                       </a:pPr>
                       <a:r>
-                        <a:rPr b="1" lang="en"/>
+                        <a:rPr lang="en" b="1"/>
                         <a:t>Maximum</a:t>
                       </a:r>
                     </a:p>
                   </a:txBody>
-                  <a:tcPr marT="91425" marB="91425" marR="91425" marL="91425"/>
+                  <a:tcPr marL="91425" marR="91425" marT="91425" marB="91425"/>
                 </a:tc>
                 <a:tc>
                   <a:txBody>
-                    <a:bodyPr>
-                      <a:noAutofit/>
-                    </a:bodyPr>
+                    <a:bodyPr/>
                     <a:lstStyle/>
                     <a:p>
                       <a:pPr lvl="0">
@@ -4183,13 +5015,11 @@
                       </a:r>
                     </a:p>
                   </a:txBody>
-                  <a:tcPr marT="91425" marB="91425" marR="91425" marL="91425"/>
+                  <a:tcPr marL="91425" marR="91425" marT="91425" marB="91425"/>
                 </a:tc>
                 <a:tc>
                   <a:txBody>
-                    <a:bodyPr>
-                      <a:noAutofit/>
-                    </a:bodyPr>
+                    <a:bodyPr/>
                     <a:lstStyle/>
                     <a:p>
                       <a:pPr lvl="0">
@@ -4204,7 +5034,7 @@
                       </a:r>
                     </a:p>
                   </a:txBody>
-                  <a:tcPr marT="91425" marB="91425" marR="91425" marL="91425"/>
+                  <a:tcPr marL="91425" marR="91425" marT="91425" marB="91425"/>
                 </a:tc>
               </a:tr>
             </a:tbl>
@@ -4231,7 +5061,7 @@
           </a:ln>
         </p:spPr>
         <p:txBody>
-          <a:bodyPr anchorCtr="0" anchor="t" bIns="91425" lIns="91425" rIns="91425" wrap="square" tIns="91425">
+          <a:bodyPr wrap="square" lIns="91425" tIns="91425" rIns="91425" bIns="91425" anchor="t" anchorCtr="0">
             <a:noAutofit/>
           </a:bodyPr>
           <a:lstStyle/>
@@ -4243,7 +5073,7 @@
               <a:buNone/>
             </a:pPr>
             <a:r>
-              <a:rPr b="1" lang="en"/>
+              <a:rPr lang="en" b="1"/>
               <a:t>Number of Books Read</a:t>
             </a:r>
           </a:p>
@@ -4272,14 +5102,14 @@
             <a:avLst/>
           </a:prstGeom>
           <a:noFill/>
-          <a:ln cap="flat" cmpd="sng" w="9525">
+          <a:ln w="9525" cap="flat" cmpd="sng">
             <a:solidFill>
               <a:schemeClr val="dk2"/>
             </a:solidFill>
             <a:prstDash val="solid"/>
             <a:round/>
-            <a:headEnd len="med" w="med" type="none"/>
-            <a:tailEnd len="med" w="med" type="none"/>
+            <a:headEnd type="none" w="med" len="med"/>
+            <a:tailEnd type="none" w="med" len="med"/>
           </a:ln>
         </p:spPr>
       </p:pic>
@@ -4291,8 +5121,1656 @@
 </p:sld>
 </file>
 
+<file path=ppt/slides/slide2.xml><?xml version="1.0" encoding="utf-8"?>
+<p:sld xmlns:a="http://schemas.openxmlformats.org/drawingml/2006/main" xmlns:r="http://schemas.openxmlformats.org/officeDocument/2006/relationships" xmlns:p="http://schemas.openxmlformats.org/presentationml/2006/main">
+  <p:cSld>
+    <p:spTree>
+      <p:nvGrpSpPr>
+        <p:cNvPr id="1" name="Shape 53"/>
+        <p:cNvGrpSpPr/>
+        <p:nvPr/>
+      </p:nvGrpSpPr>
+      <p:grpSpPr>
+        <a:xfrm>
+          <a:off x="0" y="0"/>
+          <a:ext cx="0" cy="0"/>
+          <a:chOff x="0" y="0"/>
+          <a:chExt cx="0" cy="0"/>
+        </a:xfrm>
+      </p:grpSpPr>
+      <p:sp>
+        <p:nvSpPr>
+          <p:cNvPr id="54" name="Shape 54"/>
+          <p:cNvSpPr txBox="1">
+            <a:spLocks noGrp="1"/>
+          </p:cNvSpPr>
+          <p:nvPr>
+            <p:ph type="body" idx="1"/>
+          </p:nvPr>
+        </p:nvSpPr>
+        <p:spPr>
+          <a:xfrm>
+            <a:off x="251772" y="949827"/>
+            <a:ext cx="8735474" cy="3813762"/>
+          </a:xfrm>
+          <a:prstGeom prst="rect">
+            <a:avLst/>
+          </a:prstGeom>
+          <a:solidFill>
+            <a:srgbClr val="FFFFFF"/>
+          </a:solidFill>
+          <a:ln w="9525" cap="flat" cmpd="sng">
+            <a:solidFill>
+              <a:srgbClr val="FFFFFF"/>
+            </a:solidFill>
+            <a:prstDash val="solid"/>
+            <a:round/>
+            <a:headEnd type="none" w="med" len="med"/>
+            <a:tailEnd type="none" w="med" len="med"/>
+          </a:ln>
+        </p:spPr>
+        <p:txBody>
+          <a:bodyPr wrap="square" lIns="91425" tIns="91425" rIns="91425" bIns="91425" anchor="t" anchorCtr="0">
+            <a:noAutofit/>
+          </a:bodyPr>
+          <a:lstStyle/>
+          <a:p>
+            <a:pPr lvl="0" rtl="0">
+              <a:spcBef>
+                <a:spcPts val="0"/>
+              </a:spcBef>
+              <a:buNone/>
+            </a:pPr>
+            <a:r>
+              <a:rPr lang="zh-CN" altLang="en-US" dirty="0" smtClean="0">
+                <a:latin typeface="Open Sans"/>
+                <a:ea typeface="Open Sans"/>
+                <a:cs typeface="Open Sans"/>
+                <a:sym typeface="Open Sans"/>
+              </a:rPr>
+              <a:t>分析数据的第一步应该是清洗和整理数据，也顺便在这个过程中熟悉一下数据的基本情况。通过探索，我返现数据中存在一些明显的异常值，我对这些异常值进行了清洗和整理，大致情况如下：</a:t>
+            </a:r>
+            <a:endParaRPr lang="en-US" altLang="zh-CN" dirty="0" smtClean="0">
+              <a:latin typeface="Open Sans"/>
+              <a:ea typeface="Open Sans"/>
+              <a:cs typeface="Open Sans"/>
+              <a:sym typeface="Open Sans"/>
+            </a:endParaRPr>
+          </a:p>
+          <a:p>
+            <a:pPr marL="342900" lvl="0" indent="-342900" rtl="0">
+              <a:spcBef>
+                <a:spcPts val="0"/>
+              </a:spcBef>
+              <a:buAutoNum type="arabicPeriod"/>
+            </a:pPr>
+            <a:r>
+              <a:rPr lang="zh-CN" altLang="en-US" dirty="0" smtClean="0">
+                <a:latin typeface="Open Sans"/>
+                <a:ea typeface="Open Sans"/>
+                <a:cs typeface="Open Sans"/>
+                <a:sym typeface="Open Sans"/>
+              </a:rPr>
+              <a:t>我用</a:t>
+            </a:r>
+            <a:r>
+              <a:rPr lang="en-US" altLang="zh-CN" dirty="0" smtClean="0">
+                <a:latin typeface="Open Sans"/>
+                <a:ea typeface="Open Sans"/>
+                <a:cs typeface="Open Sans"/>
+                <a:sym typeface="Open Sans"/>
+              </a:rPr>
+              <a:t>Today()</a:t>
+            </a:r>
+            <a:r>
+              <a:rPr lang="zh-CN" altLang="en-US" dirty="0" smtClean="0">
+                <a:latin typeface="Open Sans"/>
+                <a:ea typeface="Open Sans"/>
+                <a:cs typeface="Open Sans"/>
+                <a:sym typeface="Open Sans"/>
+              </a:rPr>
+              <a:t>函数结合问卷数据中的</a:t>
+            </a:r>
+            <a:r>
+              <a:rPr lang="en-US" altLang="zh-CN" dirty="0" smtClean="0">
+                <a:latin typeface="Open Sans"/>
+                <a:ea typeface="Open Sans"/>
+                <a:cs typeface="Open Sans"/>
+                <a:sym typeface="Open Sans"/>
+              </a:rPr>
+              <a:t>birthdate</a:t>
+            </a:r>
+            <a:r>
+              <a:rPr lang="zh-CN" altLang="en-US" dirty="0" smtClean="0">
+                <a:latin typeface="Open Sans"/>
+                <a:ea typeface="Open Sans"/>
+                <a:cs typeface="Open Sans"/>
+                <a:sym typeface="Open Sans"/>
+              </a:rPr>
+              <a:t>计算了每个用户的</a:t>
+            </a:r>
+            <a:r>
+              <a:rPr lang="en-US" altLang="zh-CN" dirty="0" smtClean="0">
+                <a:latin typeface="Open Sans"/>
+                <a:ea typeface="Open Sans"/>
+                <a:cs typeface="Open Sans"/>
+                <a:sym typeface="Open Sans"/>
+              </a:rPr>
+              <a:t>Age</a:t>
+            </a:r>
+            <a:r>
+              <a:rPr lang="zh-CN" altLang="en-US" dirty="0" smtClean="0">
+                <a:latin typeface="Open Sans"/>
+                <a:ea typeface="Open Sans"/>
+                <a:cs typeface="Open Sans"/>
+                <a:sym typeface="Open Sans"/>
+              </a:rPr>
+              <a:t>，发现最小值</a:t>
+            </a:r>
+            <a:r>
+              <a:rPr lang="en-US" altLang="zh-CN" dirty="0" smtClean="0">
+                <a:latin typeface="Open Sans"/>
+                <a:ea typeface="Open Sans"/>
+                <a:cs typeface="Open Sans"/>
+                <a:sym typeface="Open Sans"/>
+              </a:rPr>
+              <a:t>1</a:t>
+            </a:r>
+            <a:r>
+              <a:rPr lang="zh-CN" altLang="en-US" dirty="0" smtClean="0">
+                <a:latin typeface="Open Sans"/>
+                <a:ea typeface="Open Sans"/>
+                <a:cs typeface="Open Sans"/>
+                <a:sym typeface="Open Sans"/>
+              </a:rPr>
+              <a:t>岁，最大值</a:t>
+            </a:r>
+            <a:r>
+              <a:rPr lang="en-US" altLang="zh-CN" dirty="0" smtClean="0">
+                <a:latin typeface="Open Sans"/>
+                <a:ea typeface="Open Sans"/>
+                <a:cs typeface="Open Sans"/>
+                <a:sym typeface="Open Sans"/>
+              </a:rPr>
+              <a:t>119</a:t>
+            </a:r>
+            <a:r>
+              <a:rPr lang="zh-CN" altLang="en-US" dirty="0" smtClean="0">
+                <a:latin typeface="Open Sans"/>
+                <a:ea typeface="Open Sans"/>
+                <a:cs typeface="Open Sans"/>
+                <a:sym typeface="Open Sans"/>
+              </a:rPr>
+              <a:t>岁，我认为这是异常值，删掉了它们，共</a:t>
+            </a:r>
+            <a:r>
+              <a:rPr lang="en-US" altLang="zh-CN" dirty="0" smtClean="0">
+                <a:latin typeface="Open Sans"/>
+                <a:ea typeface="Open Sans"/>
+                <a:cs typeface="Open Sans"/>
+                <a:sym typeface="Open Sans"/>
+              </a:rPr>
+              <a:t>41</a:t>
+            </a:r>
+            <a:r>
+              <a:rPr lang="zh-CN" altLang="en-US" dirty="0" smtClean="0">
+                <a:latin typeface="Open Sans"/>
+                <a:ea typeface="Open Sans"/>
+                <a:cs typeface="Open Sans"/>
+                <a:sym typeface="Open Sans"/>
+              </a:rPr>
+              <a:t>条；</a:t>
+            </a:r>
+            <a:endParaRPr lang="en-US" altLang="zh-CN" dirty="0" smtClean="0">
+              <a:latin typeface="Open Sans"/>
+              <a:ea typeface="Open Sans"/>
+              <a:cs typeface="Open Sans"/>
+              <a:sym typeface="Open Sans"/>
+            </a:endParaRPr>
+          </a:p>
+          <a:p>
+            <a:pPr marL="342900" lvl="0" indent="-342900" rtl="0">
+              <a:spcBef>
+                <a:spcPts val="0"/>
+              </a:spcBef>
+              <a:buAutoNum type="arabicPeriod"/>
+            </a:pPr>
+            <a:r>
+              <a:rPr lang="zh-CN" altLang="en-US" dirty="0" smtClean="0">
+                <a:latin typeface="Open Sans"/>
+                <a:ea typeface="Open Sans"/>
+                <a:cs typeface="Open Sans"/>
+                <a:sym typeface="Open Sans"/>
+              </a:rPr>
+              <a:t>关于</a:t>
+            </a:r>
+            <a:r>
+              <a:rPr lang="en-US" altLang="zh-CN" dirty="0" smtClean="0">
+                <a:latin typeface="Open Sans"/>
+                <a:ea typeface="Open Sans"/>
+                <a:cs typeface="Open Sans"/>
+                <a:sym typeface="Open Sans"/>
+              </a:rPr>
+              <a:t>how many hours of sleep per night</a:t>
+            </a:r>
+            <a:r>
+              <a:rPr lang="zh-CN" altLang="en-US" dirty="0" smtClean="0">
+                <a:latin typeface="Open Sans"/>
+                <a:ea typeface="Open Sans"/>
+                <a:cs typeface="Open Sans"/>
+                <a:sym typeface="Open Sans"/>
+              </a:rPr>
+              <a:t>，</a:t>
+            </a:r>
+            <a:r>
+              <a:rPr lang="en-US" altLang="zh-CN" dirty="0" smtClean="0">
+                <a:latin typeface="Open Sans"/>
+                <a:ea typeface="Open Sans"/>
+                <a:cs typeface="Open Sans"/>
+                <a:sym typeface="Open Sans"/>
+              </a:rPr>
+              <a:t>65</a:t>
+            </a:r>
+            <a:r>
+              <a:rPr lang="zh-CN" altLang="en-US" dirty="0" smtClean="0">
+                <a:latin typeface="Open Sans"/>
+                <a:ea typeface="Open Sans"/>
+                <a:cs typeface="Open Sans"/>
+                <a:sym typeface="Open Sans"/>
+              </a:rPr>
+              <a:t>和</a:t>
+            </a:r>
+            <a:r>
+              <a:rPr lang="en-US" altLang="zh-CN" dirty="0" smtClean="0">
+                <a:latin typeface="Open Sans"/>
+                <a:ea typeface="Open Sans"/>
+                <a:cs typeface="Open Sans"/>
+                <a:sym typeface="Open Sans"/>
+              </a:rPr>
+              <a:t>85</a:t>
+            </a:r>
+            <a:r>
+              <a:rPr lang="zh-CN" altLang="en-US" dirty="0" smtClean="0">
+                <a:latin typeface="Open Sans"/>
+                <a:ea typeface="Open Sans"/>
+                <a:cs typeface="Open Sans"/>
+                <a:sym typeface="Open Sans"/>
+              </a:rPr>
+              <a:t>是明显的异常值，因为一天才</a:t>
+            </a:r>
+            <a:r>
+              <a:rPr lang="en-US" altLang="zh-CN" dirty="0" smtClean="0">
+                <a:latin typeface="Open Sans"/>
+                <a:ea typeface="Open Sans"/>
+                <a:cs typeface="Open Sans"/>
+                <a:sym typeface="Open Sans"/>
+              </a:rPr>
+              <a:t>24</a:t>
+            </a:r>
+            <a:r>
+              <a:rPr lang="zh-CN" altLang="en-US" dirty="0" smtClean="0">
+                <a:latin typeface="Open Sans"/>
+                <a:ea typeface="Open Sans"/>
+                <a:cs typeface="Open Sans"/>
+                <a:sym typeface="Open Sans"/>
+              </a:rPr>
+              <a:t>小时，也做了删除处理；</a:t>
+            </a:r>
+            <a:endParaRPr lang="en-US" altLang="zh-CN" dirty="0" smtClean="0">
+              <a:latin typeface="Open Sans"/>
+              <a:ea typeface="Open Sans"/>
+              <a:cs typeface="Open Sans"/>
+              <a:sym typeface="Open Sans"/>
+            </a:endParaRPr>
+          </a:p>
+          <a:p>
+            <a:pPr marL="342900" lvl="0" indent="-342900" rtl="0">
+              <a:spcBef>
+                <a:spcPts val="0"/>
+              </a:spcBef>
+              <a:buAutoNum type="arabicPeriod"/>
+            </a:pPr>
+            <a:r>
+              <a:rPr lang="zh-CN" altLang="en-US" dirty="0" smtClean="0">
+                <a:latin typeface="Open Sans"/>
+                <a:ea typeface="Open Sans"/>
+                <a:cs typeface="Open Sans"/>
+                <a:sym typeface="Open Sans"/>
+              </a:rPr>
+              <a:t>关于</a:t>
+            </a:r>
+            <a:r>
+              <a:rPr lang="en-US" altLang="zh-CN" dirty="0" smtClean="0">
+                <a:latin typeface="Open Sans"/>
+                <a:ea typeface="Open Sans"/>
+                <a:cs typeface="Open Sans"/>
+                <a:sym typeface="Open Sans"/>
+              </a:rPr>
+              <a:t>how many hours spend sitting per day</a:t>
+            </a:r>
+            <a:r>
+              <a:rPr lang="zh-CN" altLang="en-US" dirty="0" smtClean="0">
+                <a:latin typeface="Open Sans"/>
+                <a:ea typeface="Open Sans"/>
+                <a:cs typeface="Open Sans"/>
+                <a:sym typeface="Open Sans"/>
+              </a:rPr>
+              <a:t>，超过</a:t>
+            </a:r>
+            <a:r>
+              <a:rPr lang="en-US" altLang="zh-CN" dirty="0" smtClean="0">
+                <a:latin typeface="Open Sans"/>
+                <a:ea typeface="Open Sans"/>
+                <a:cs typeface="Open Sans"/>
+                <a:sym typeface="Open Sans"/>
+              </a:rPr>
+              <a:t>24</a:t>
+            </a:r>
+            <a:r>
+              <a:rPr lang="zh-CN" altLang="en-US" dirty="0" smtClean="0">
+                <a:latin typeface="Open Sans"/>
+                <a:ea typeface="Open Sans"/>
+                <a:cs typeface="Open Sans"/>
+                <a:sym typeface="Open Sans"/>
+              </a:rPr>
+              <a:t>小时的也做了删除处理；</a:t>
+            </a:r>
+            <a:endParaRPr lang="en-US" altLang="zh-CN" dirty="0" smtClean="0">
+              <a:latin typeface="Open Sans"/>
+              <a:ea typeface="Open Sans"/>
+              <a:cs typeface="Open Sans"/>
+              <a:sym typeface="Open Sans"/>
+            </a:endParaRPr>
+          </a:p>
+          <a:p>
+            <a:pPr marL="342900" lvl="0" indent="-342900" rtl="0">
+              <a:spcBef>
+                <a:spcPts val="0"/>
+              </a:spcBef>
+              <a:buAutoNum type="arabicPeriod"/>
+            </a:pPr>
+            <a:r>
+              <a:rPr lang="zh-CN" altLang="en-US" dirty="0" smtClean="0">
+                <a:latin typeface="Open Sans"/>
+                <a:ea typeface="Open Sans"/>
+                <a:cs typeface="Open Sans"/>
+                <a:sym typeface="Open Sans"/>
+              </a:rPr>
+              <a:t>关于</a:t>
+            </a:r>
+            <a:r>
+              <a:rPr lang="en-US" altLang="zh-CN" dirty="0" smtClean="0">
+                <a:latin typeface="Open Sans"/>
+                <a:ea typeface="Open Sans"/>
+                <a:cs typeface="Open Sans"/>
+                <a:sym typeface="Open Sans"/>
+              </a:rPr>
+              <a:t>hours of learning/applying per week</a:t>
+            </a:r>
+            <a:r>
+              <a:rPr lang="zh-CN" altLang="en-US" dirty="0" smtClean="0">
+                <a:latin typeface="Open Sans"/>
+                <a:ea typeface="Open Sans"/>
+                <a:cs typeface="Open Sans"/>
+                <a:sym typeface="Open Sans"/>
+              </a:rPr>
+              <a:t>这两个字段，对于文字描述做了清理，其他模糊不清的描述，比如</a:t>
+            </a:r>
+            <a:r>
+              <a:rPr lang="en-US" altLang="zh-CN" dirty="0" smtClean="0">
+                <a:latin typeface="Open Sans"/>
+                <a:ea typeface="Open Sans"/>
+                <a:cs typeface="Open Sans"/>
+                <a:sym typeface="Open Sans"/>
+              </a:rPr>
+              <a:t>10-20</a:t>
+            </a:r>
+            <a:r>
+              <a:rPr lang="zh-CN" altLang="en-US" dirty="0" smtClean="0">
+                <a:latin typeface="Open Sans"/>
+                <a:ea typeface="Open Sans"/>
+                <a:cs typeface="Open Sans"/>
+                <a:sym typeface="Open Sans"/>
+              </a:rPr>
+              <a:t>，</a:t>
+            </a:r>
+            <a:r>
+              <a:rPr lang="en-US" altLang="zh-CN" dirty="0" smtClean="0">
+                <a:latin typeface="Open Sans"/>
+                <a:ea typeface="Open Sans"/>
+                <a:cs typeface="Open Sans"/>
+                <a:sym typeface="Open Sans"/>
+              </a:rPr>
+              <a:t>30+</a:t>
+            </a:r>
+            <a:r>
+              <a:rPr lang="zh-CN" altLang="en-US" dirty="0" smtClean="0">
+                <a:latin typeface="Open Sans"/>
+                <a:ea typeface="Open Sans"/>
+                <a:cs typeface="Open Sans"/>
+                <a:sym typeface="Open Sans"/>
+              </a:rPr>
+              <a:t>之内的，将其简单处理成纯数字，</a:t>
+            </a:r>
+            <a:r>
+              <a:rPr lang="en-US" altLang="zh-CN" dirty="0" smtClean="0">
+                <a:latin typeface="Open Sans"/>
+                <a:ea typeface="Open Sans"/>
+                <a:cs typeface="Open Sans"/>
+                <a:sym typeface="Open Sans"/>
+              </a:rPr>
+              <a:t>10+</a:t>
+            </a:r>
+            <a:r>
+              <a:rPr lang="zh-CN" altLang="en-US" dirty="0" smtClean="0">
+                <a:latin typeface="Open Sans"/>
+                <a:ea typeface="Open Sans"/>
+                <a:cs typeface="Open Sans"/>
+                <a:sym typeface="Open Sans"/>
+              </a:rPr>
+              <a:t>的就按</a:t>
+            </a:r>
+            <a:r>
+              <a:rPr lang="en-US" altLang="zh-CN" dirty="0" smtClean="0">
+                <a:latin typeface="Open Sans"/>
+                <a:ea typeface="Open Sans"/>
+                <a:cs typeface="Open Sans"/>
+                <a:sym typeface="Open Sans"/>
+              </a:rPr>
+              <a:t>10</a:t>
+            </a:r>
+            <a:r>
+              <a:rPr lang="zh-CN" altLang="en-US" dirty="0" smtClean="0">
+                <a:latin typeface="Open Sans"/>
+                <a:ea typeface="Open Sans"/>
+                <a:cs typeface="Open Sans"/>
+                <a:sym typeface="Open Sans"/>
+              </a:rPr>
+              <a:t>小时算，方便后面的分析；</a:t>
+            </a:r>
+            <a:endParaRPr lang="en-US" altLang="zh-CN" dirty="0">
+              <a:latin typeface="Open Sans"/>
+              <a:ea typeface="Open Sans"/>
+              <a:cs typeface="Open Sans"/>
+              <a:sym typeface="Open Sans"/>
+            </a:endParaRPr>
+          </a:p>
+        </p:txBody>
+      </p:sp>
+      <p:sp>
+        <p:nvSpPr>
+          <p:cNvPr id="55" name="Shape 55"/>
+          <p:cNvSpPr txBox="1">
+            <a:spLocks noGrp="1"/>
+          </p:cNvSpPr>
+          <p:nvPr>
+            <p:ph type="title"/>
+          </p:nvPr>
+        </p:nvSpPr>
+        <p:spPr>
+          <a:xfrm>
+            <a:off x="0" y="0"/>
+            <a:ext cx="9144000" cy="795600"/>
+          </a:xfrm>
+          <a:prstGeom prst="rect">
+            <a:avLst/>
+          </a:prstGeom>
+          <a:solidFill>
+            <a:srgbClr val="073763"/>
+          </a:solidFill>
+        </p:spPr>
+        <p:txBody>
+          <a:bodyPr wrap="square" lIns="91425" tIns="91425" rIns="91425" bIns="91425" anchor="ctr" anchorCtr="0">
+            <a:noAutofit/>
+          </a:bodyPr>
+          <a:lstStyle/>
+          <a:p>
+            <a:pPr lvl="0" rtl="0">
+              <a:spcBef>
+                <a:spcPts val="0"/>
+              </a:spcBef>
+              <a:buNone/>
+            </a:pPr>
+            <a:r>
+              <a:rPr lang="zh-CN" altLang="en-US" dirty="0" smtClean="0">
+                <a:solidFill>
+                  <a:srgbClr val="FFFFFF"/>
+                </a:solidFill>
+                <a:latin typeface="Open Sans"/>
+                <a:ea typeface="Open Sans"/>
+                <a:cs typeface="Open Sans"/>
+                <a:sym typeface="Open Sans"/>
+              </a:rPr>
+              <a:t>清洗和整理数据</a:t>
+            </a:r>
+            <a:endParaRPr lang="en" dirty="0">
+              <a:solidFill>
+                <a:srgbClr val="FFFFFF"/>
+              </a:solidFill>
+              <a:latin typeface="Open Sans"/>
+              <a:ea typeface="Open Sans"/>
+              <a:cs typeface="Open Sans"/>
+              <a:sym typeface="Open Sans"/>
+            </a:endParaRPr>
+          </a:p>
+        </p:txBody>
+      </p:sp>
+    </p:spTree>
+    <p:extLst>
+      <p:ext uri="{BB962C8B-B14F-4D97-AF65-F5344CB8AC3E}">
+        <p14:creationId xmlns:p14="http://schemas.microsoft.com/office/powerpoint/2010/main" val="947211954"/>
+      </p:ext>
+    </p:extLst>
+  </p:cSld>
+  <p:clrMapOvr>
+    <a:masterClrMapping/>
+  </p:clrMapOvr>
+</p:sld>
+</file>
+
+<file path=ppt/slides/slide3.xml><?xml version="1.0" encoding="utf-8"?>
+<p:sld xmlns:a="http://schemas.openxmlformats.org/drawingml/2006/main" xmlns:r="http://schemas.openxmlformats.org/officeDocument/2006/relationships" xmlns:p="http://schemas.openxmlformats.org/presentationml/2006/main">
+  <p:cSld>
+    <p:spTree>
+      <p:nvGrpSpPr>
+        <p:cNvPr id="1" name="Shape 53"/>
+        <p:cNvGrpSpPr/>
+        <p:nvPr/>
+      </p:nvGrpSpPr>
+      <p:grpSpPr>
+        <a:xfrm>
+          <a:off x="0" y="0"/>
+          <a:ext cx="0" cy="0"/>
+          <a:chOff x="0" y="0"/>
+          <a:chExt cx="0" cy="0"/>
+        </a:xfrm>
+      </p:grpSpPr>
+      <p:sp>
+        <p:nvSpPr>
+          <p:cNvPr id="54" name="Shape 54"/>
+          <p:cNvSpPr txBox="1">
+            <a:spLocks noGrp="1"/>
+          </p:cNvSpPr>
+          <p:nvPr>
+            <p:ph type="body" idx="1"/>
+          </p:nvPr>
+        </p:nvSpPr>
+        <p:spPr>
+          <a:xfrm>
+            <a:off x="251772" y="949827"/>
+            <a:ext cx="8735474" cy="3813762"/>
+          </a:xfrm>
+          <a:prstGeom prst="rect">
+            <a:avLst/>
+          </a:prstGeom>
+          <a:solidFill>
+            <a:srgbClr val="FFFFFF"/>
+          </a:solidFill>
+          <a:ln w="9525" cap="flat" cmpd="sng">
+            <a:solidFill>
+              <a:srgbClr val="FFFFFF"/>
+            </a:solidFill>
+            <a:prstDash val="solid"/>
+            <a:round/>
+            <a:headEnd type="none" w="med" len="med"/>
+            <a:tailEnd type="none" w="med" len="med"/>
+          </a:ln>
+        </p:spPr>
+        <p:txBody>
+          <a:bodyPr wrap="square" lIns="91425" tIns="91425" rIns="91425" bIns="91425" anchor="t" anchorCtr="0">
+            <a:noAutofit/>
+          </a:bodyPr>
+          <a:lstStyle/>
+          <a:p>
+            <a:pPr marL="342900" lvl="0" indent="-342900" rtl="0">
+              <a:spcBef>
+                <a:spcPts val="0"/>
+              </a:spcBef>
+              <a:buAutoNum type="arabicPeriod"/>
+            </a:pPr>
+            <a:r>
+              <a:rPr lang="zh-CN" altLang="en-US" dirty="0" smtClean="0">
+                <a:latin typeface="Open Sans"/>
+                <a:ea typeface="Open Sans"/>
+                <a:cs typeface="Open Sans"/>
+                <a:sym typeface="Open Sans"/>
+              </a:rPr>
+              <a:t>学员们对</a:t>
+            </a:r>
+            <a:r>
+              <a:rPr lang="en-US" altLang="zh-CN" dirty="0" err="1" smtClean="0">
+                <a:latin typeface="Open Sans"/>
+                <a:ea typeface="Open Sans"/>
+                <a:cs typeface="Open Sans"/>
+                <a:sym typeface="Open Sans"/>
+              </a:rPr>
+              <a:t>Udacity</a:t>
+            </a:r>
+            <a:r>
+              <a:rPr lang="zh-CN" altLang="en-US" dirty="0" smtClean="0">
+                <a:latin typeface="Open Sans"/>
+                <a:ea typeface="Open Sans"/>
+                <a:cs typeface="Open Sans"/>
+                <a:sym typeface="Open Sans"/>
+              </a:rPr>
+              <a:t>的评价是怎样的？</a:t>
+            </a:r>
+            <a:endParaRPr lang="en-US" altLang="zh-CN" dirty="0" smtClean="0">
+              <a:latin typeface="Open Sans"/>
+              <a:ea typeface="Open Sans"/>
+              <a:cs typeface="Open Sans"/>
+              <a:sym typeface="Open Sans"/>
+            </a:endParaRPr>
+          </a:p>
+          <a:p>
+            <a:pPr marL="342900" lvl="0" indent="-342900" rtl="0">
+              <a:spcBef>
+                <a:spcPts val="0"/>
+              </a:spcBef>
+              <a:buAutoNum type="arabicPeriod"/>
+            </a:pPr>
+            <a:r>
+              <a:rPr lang="zh-CN" altLang="en-US" dirty="0" smtClean="0">
+                <a:latin typeface="Open Sans"/>
+                <a:ea typeface="Open Sans"/>
+                <a:cs typeface="Open Sans"/>
+                <a:sym typeface="Open Sans"/>
+              </a:rPr>
+              <a:t>最受欢迎的纳米学位课程有哪些？</a:t>
+            </a:r>
+            <a:endParaRPr lang="en-US" altLang="zh-CN" dirty="0" smtClean="0">
+              <a:latin typeface="Open Sans"/>
+              <a:ea typeface="Open Sans"/>
+              <a:cs typeface="Open Sans"/>
+              <a:sym typeface="Open Sans"/>
+            </a:endParaRPr>
+          </a:p>
+          <a:p>
+            <a:pPr marL="342900" lvl="0" indent="-342900" rtl="0">
+              <a:spcBef>
+                <a:spcPts val="0"/>
+              </a:spcBef>
+              <a:buAutoNum type="arabicPeriod"/>
+            </a:pPr>
+            <a:r>
+              <a:rPr lang="zh-CN" altLang="en-US" dirty="0" smtClean="0">
+                <a:latin typeface="Open Sans"/>
+                <a:ea typeface="Open Sans"/>
+                <a:cs typeface="Open Sans"/>
+                <a:sym typeface="Open Sans"/>
+              </a:rPr>
+              <a:t>学员们每周花在应用所学知识的时间，与他们完成项目的平均时间之间有没有什么关系？</a:t>
+            </a:r>
+            <a:endParaRPr lang="en-US" altLang="zh-CN" dirty="0" smtClean="0">
+              <a:latin typeface="Open Sans"/>
+              <a:ea typeface="Open Sans"/>
+              <a:cs typeface="Open Sans"/>
+              <a:sym typeface="Open Sans"/>
+            </a:endParaRPr>
+          </a:p>
+          <a:p>
+            <a:pPr marL="342900" lvl="0" indent="-342900" rtl="0">
+              <a:spcBef>
+                <a:spcPts val="0"/>
+              </a:spcBef>
+              <a:buAutoNum type="arabicPeriod"/>
+            </a:pPr>
+            <a:r>
+              <a:rPr lang="zh-CN" altLang="en-US" dirty="0" smtClean="0">
+                <a:latin typeface="Open Sans"/>
+                <a:ea typeface="Open Sans"/>
+                <a:cs typeface="Open Sans"/>
+                <a:sym typeface="Open Sans"/>
+              </a:rPr>
+              <a:t>不同学历的学员每周用于学习知识的时间有什么不同？</a:t>
+            </a:r>
+            <a:endParaRPr lang="en-US" altLang="zh-CN" dirty="0">
+              <a:latin typeface="Open Sans"/>
+              <a:ea typeface="Open Sans"/>
+              <a:cs typeface="Open Sans"/>
+              <a:sym typeface="Open Sans"/>
+            </a:endParaRPr>
+          </a:p>
+        </p:txBody>
+      </p:sp>
+      <p:sp>
+        <p:nvSpPr>
+          <p:cNvPr id="55" name="Shape 55"/>
+          <p:cNvSpPr txBox="1">
+            <a:spLocks noGrp="1"/>
+          </p:cNvSpPr>
+          <p:nvPr>
+            <p:ph type="title"/>
+          </p:nvPr>
+        </p:nvSpPr>
+        <p:spPr>
+          <a:xfrm>
+            <a:off x="0" y="0"/>
+            <a:ext cx="9144000" cy="795600"/>
+          </a:xfrm>
+          <a:prstGeom prst="rect">
+            <a:avLst/>
+          </a:prstGeom>
+          <a:solidFill>
+            <a:srgbClr val="073763"/>
+          </a:solidFill>
+        </p:spPr>
+        <p:txBody>
+          <a:bodyPr wrap="square" lIns="91425" tIns="91425" rIns="91425" bIns="91425" anchor="ctr" anchorCtr="0">
+            <a:noAutofit/>
+          </a:bodyPr>
+          <a:lstStyle/>
+          <a:p>
+            <a:pPr lvl="0" rtl="0">
+              <a:spcBef>
+                <a:spcPts val="0"/>
+              </a:spcBef>
+              <a:buNone/>
+            </a:pPr>
+            <a:r>
+              <a:rPr lang="zh-CN" altLang="en-US" dirty="0" smtClean="0">
+                <a:solidFill>
+                  <a:srgbClr val="FFFFFF"/>
+                </a:solidFill>
+                <a:latin typeface="Open Sans"/>
+                <a:ea typeface="Open Sans"/>
+                <a:cs typeface="Open Sans"/>
+                <a:sym typeface="Open Sans"/>
+              </a:rPr>
+              <a:t>要探索的问题</a:t>
+            </a:r>
+            <a:endParaRPr lang="en" dirty="0">
+              <a:solidFill>
+                <a:srgbClr val="FFFFFF"/>
+              </a:solidFill>
+              <a:latin typeface="Open Sans"/>
+              <a:ea typeface="Open Sans"/>
+              <a:cs typeface="Open Sans"/>
+              <a:sym typeface="Open Sans"/>
+            </a:endParaRPr>
+          </a:p>
+        </p:txBody>
+      </p:sp>
+    </p:spTree>
+    <p:extLst>
+      <p:ext uri="{BB962C8B-B14F-4D97-AF65-F5344CB8AC3E}">
+        <p14:creationId xmlns:p14="http://schemas.microsoft.com/office/powerpoint/2010/main" val="2023201094"/>
+      </p:ext>
+    </p:extLst>
+  </p:cSld>
+  <p:clrMapOvr>
+    <a:masterClrMapping/>
+  </p:clrMapOvr>
+</p:sld>
+</file>
+
+<file path=ppt/slides/slide4.xml><?xml version="1.0" encoding="utf-8"?>
+<p:sld xmlns:a="http://schemas.openxmlformats.org/drawingml/2006/main" xmlns:r="http://schemas.openxmlformats.org/officeDocument/2006/relationships" xmlns:p="http://schemas.openxmlformats.org/presentationml/2006/main">
+  <p:cSld>
+    <p:spTree>
+      <p:nvGrpSpPr>
+        <p:cNvPr id="1" name="Shape 53"/>
+        <p:cNvGrpSpPr/>
+        <p:nvPr/>
+      </p:nvGrpSpPr>
+      <p:grpSpPr>
+        <a:xfrm>
+          <a:off x="0" y="0"/>
+          <a:ext cx="0" cy="0"/>
+          <a:chOff x="0" y="0"/>
+          <a:chExt cx="0" cy="0"/>
+        </a:xfrm>
+      </p:grpSpPr>
+      <p:sp>
+        <p:nvSpPr>
+          <p:cNvPr id="54" name="Shape 54"/>
+          <p:cNvSpPr txBox="1">
+            <a:spLocks noGrp="1"/>
+          </p:cNvSpPr>
+          <p:nvPr>
+            <p:ph type="body" idx="1"/>
+          </p:nvPr>
+        </p:nvSpPr>
+        <p:spPr>
+          <a:xfrm>
+            <a:off x="1515291" y="2664823"/>
+            <a:ext cx="5364480" cy="2116182"/>
+          </a:xfrm>
+          <a:prstGeom prst="rect">
+            <a:avLst/>
+          </a:prstGeom>
+          <a:solidFill>
+            <a:srgbClr val="FFFFFF"/>
+          </a:solidFill>
+          <a:ln w="9525" cap="flat" cmpd="sng">
+            <a:solidFill>
+              <a:srgbClr val="FFFFFF"/>
+            </a:solidFill>
+            <a:prstDash val="solid"/>
+            <a:round/>
+            <a:headEnd type="none" w="med" len="med"/>
+            <a:tailEnd type="none" w="med" len="med"/>
+          </a:ln>
+        </p:spPr>
+        <p:txBody>
+          <a:bodyPr wrap="square" lIns="91425" tIns="91425" rIns="91425" bIns="91425" anchor="t" anchorCtr="0">
+            <a:noAutofit/>
+          </a:bodyPr>
+          <a:lstStyle/>
+          <a:p>
+            <a:pPr lvl="0" rtl="0">
+              <a:spcBef>
+                <a:spcPts val="0"/>
+              </a:spcBef>
+              <a:buNone/>
+            </a:pPr>
+            <a:endParaRPr lang="en-US" altLang="zh-CN" dirty="0">
+              <a:latin typeface="Open Sans"/>
+              <a:ea typeface="Open Sans"/>
+              <a:cs typeface="Open Sans"/>
+              <a:sym typeface="Open Sans"/>
+            </a:endParaRPr>
+          </a:p>
+        </p:txBody>
+      </p:sp>
+      <p:sp>
+        <p:nvSpPr>
+          <p:cNvPr id="55" name="Shape 55"/>
+          <p:cNvSpPr txBox="1">
+            <a:spLocks noGrp="1"/>
+          </p:cNvSpPr>
+          <p:nvPr>
+            <p:ph type="title"/>
+          </p:nvPr>
+        </p:nvSpPr>
+        <p:spPr>
+          <a:xfrm>
+            <a:off x="0" y="0"/>
+            <a:ext cx="9144000" cy="795600"/>
+          </a:xfrm>
+          <a:prstGeom prst="rect">
+            <a:avLst/>
+          </a:prstGeom>
+          <a:solidFill>
+            <a:srgbClr val="073763"/>
+          </a:solidFill>
+        </p:spPr>
+        <p:txBody>
+          <a:bodyPr wrap="square" lIns="91425" tIns="91425" rIns="91425" bIns="91425" anchor="ctr" anchorCtr="0">
+            <a:noAutofit/>
+          </a:bodyPr>
+          <a:lstStyle/>
+          <a:p>
+            <a:pPr lvl="0" rtl="0">
+              <a:spcBef>
+                <a:spcPts val="0"/>
+              </a:spcBef>
+              <a:buNone/>
+            </a:pPr>
+            <a:r>
+              <a:rPr lang="zh-CN" altLang="en-US" dirty="0" smtClean="0">
+                <a:solidFill>
+                  <a:srgbClr val="FFFFFF"/>
+                </a:solidFill>
+                <a:latin typeface="Open Sans"/>
+                <a:ea typeface="Open Sans"/>
+                <a:cs typeface="Open Sans"/>
+                <a:sym typeface="Open Sans"/>
+              </a:rPr>
+              <a:t>学员们对</a:t>
+            </a:r>
+            <a:r>
+              <a:rPr lang="en-US" altLang="zh-CN" dirty="0" err="1" smtClean="0">
+                <a:solidFill>
+                  <a:srgbClr val="FFFFFF"/>
+                </a:solidFill>
+                <a:latin typeface="Open Sans"/>
+                <a:ea typeface="Open Sans"/>
+                <a:cs typeface="Open Sans"/>
+                <a:sym typeface="Open Sans"/>
+              </a:rPr>
+              <a:t>Udacity</a:t>
+            </a:r>
+            <a:r>
+              <a:rPr lang="zh-CN" altLang="en-US" dirty="0" smtClean="0">
+                <a:solidFill>
+                  <a:srgbClr val="FFFFFF"/>
+                </a:solidFill>
+                <a:latin typeface="Open Sans"/>
+                <a:ea typeface="Open Sans"/>
+                <a:cs typeface="Open Sans"/>
+                <a:sym typeface="Open Sans"/>
+              </a:rPr>
+              <a:t>的评价是怎样的？</a:t>
+            </a:r>
+            <a:endParaRPr lang="en" dirty="0">
+              <a:solidFill>
+                <a:srgbClr val="FFFFFF"/>
+              </a:solidFill>
+              <a:latin typeface="Open Sans"/>
+              <a:ea typeface="Open Sans"/>
+              <a:cs typeface="Open Sans"/>
+              <a:sym typeface="Open Sans"/>
+            </a:endParaRPr>
+          </a:p>
+        </p:txBody>
+      </p:sp>
+    </p:spTree>
+    <p:extLst>
+      <p:ext uri="{BB962C8B-B14F-4D97-AF65-F5344CB8AC3E}">
+        <p14:creationId xmlns:p14="http://schemas.microsoft.com/office/powerpoint/2010/main" val="1342271612"/>
+      </p:ext>
+    </p:extLst>
+  </p:cSld>
+  <p:clrMapOvr>
+    <a:masterClrMapping/>
+  </p:clrMapOvr>
+</p:sld>
+</file>
+
+<file path=ppt/slides/slide5.xml><?xml version="1.0" encoding="utf-8"?>
+<p:sld xmlns:a="http://schemas.openxmlformats.org/drawingml/2006/main" xmlns:r="http://schemas.openxmlformats.org/officeDocument/2006/relationships" xmlns:p="http://schemas.openxmlformats.org/presentationml/2006/main">
+  <p:cSld>
+    <p:spTree>
+      <p:nvGrpSpPr>
+        <p:cNvPr id="1" name="Shape 53"/>
+        <p:cNvGrpSpPr/>
+        <p:nvPr/>
+      </p:nvGrpSpPr>
+      <p:grpSpPr>
+        <a:xfrm>
+          <a:off x="0" y="0"/>
+          <a:ext cx="0" cy="0"/>
+          <a:chOff x="0" y="0"/>
+          <a:chExt cx="0" cy="0"/>
+        </a:xfrm>
+      </p:grpSpPr>
+      <p:sp>
+        <p:nvSpPr>
+          <p:cNvPr id="54" name="Shape 54"/>
+          <p:cNvSpPr txBox="1">
+            <a:spLocks noGrp="1"/>
+          </p:cNvSpPr>
+          <p:nvPr>
+            <p:ph type="body" idx="1"/>
+          </p:nvPr>
+        </p:nvSpPr>
+        <p:spPr>
+          <a:xfrm>
+            <a:off x="251772" y="949827"/>
+            <a:ext cx="8735474" cy="3813762"/>
+          </a:xfrm>
+          <a:prstGeom prst="rect">
+            <a:avLst/>
+          </a:prstGeom>
+          <a:solidFill>
+            <a:srgbClr val="FFFFFF"/>
+          </a:solidFill>
+          <a:ln w="9525" cap="flat" cmpd="sng">
+            <a:solidFill>
+              <a:srgbClr val="FFFFFF"/>
+            </a:solidFill>
+            <a:prstDash val="solid"/>
+            <a:round/>
+            <a:headEnd type="none" w="med" len="med"/>
+            <a:tailEnd type="none" w="med" len="med"/>
+          </a:ln>
+        </p:spPr>
+        <p:txBody>
+          <a:bodyPr wrap="square" lIns="91425" tIns="91425" rIns="91425" bIns="91425" anchor="t" anchorCtr="0">
+            <a:noAutofit/>
+          </a:bodyPr>
+          <a:lstStyle/>
+          <a:p>
+            <a:pPr marL="342900" lvl="0" indent="-342900" rtl="0">
+              <a:spcBef>
+                <a:spcPts val="0"/>
+              </a:spcBef>
+              <a:buAutoNum type="arabicPeriod"/>
+            </a:pPr>
+            <a:endParaRPr lang="en-US" altLang="zh-CN" dirty="0">
+              <a:latin typeface="Open Sans"/>
+              <a:ea typeface="Open Sans"/>
+              <a:cs typeface="Open Sans"/>
+              <a:sym typeface="Open Sans"/>
+            </a:endParaRPr>
+          </a:p>
+        </p:txBody>
+      </p:sp>
+      <p:sp>
+        <p:nvSpPr>
+          <p:cNvPr id="55" name="Shape 55"/>
+          <p:cNvSpPr txBox="1">
+            <a:spLocks noGrp="1"/>
+          </p:cNvSpPr>
+          <p:nvPr>
+            <p:ph type="title"/>
+          </p:nvPr>
+        </p:nvSpPr>
+        <p:spPr>
+          <a:xfrm>
+            <a:off x="0" y="0"/>
+            <a:ext cx="9144000" cy="795600"/>
+          </a:xfrm>
+          <a:prstGeom prst="rect">
+            <a:avLst/>
+          </a:prstGeom>
+          <a:solidFill>
+            <a:srgbClr val="073763"/>
+          </a:solidFill>
+        </p:spPr>
+        <p:txBody>
+          <a:bodyPr wrap="square" lIns="91425" tIns="91425" rIns="91425" bIns="91425" anchor="ctr" anchorCtr="0">
+            <a:noAutofit/>
+          </a:bodyPr>
+          <a:lstStyle/>
+          <a:p>
+            <a:pPr lvl="0" rtl="0">
+              <a:spcBef>
+                <a:spcPts val="0"/>
+              </a:spcBef>
+              <a:buNone/>
+            </a:pPr>
+            <a:r>
+              <a:rPr lang="zh-CN" altLang="en-US" dirty="0" smtClean="0">
+                <a:solidFill>
+                  <a:srgbClr val="FFFFFF"/>
+                </a:solidFill>
+                <a:latin typeface="Open Sans"/>
+                <a:ea typeface="Open Sans"/>
+                <a:cs typeface="Open Sans"/>
+                <a:sym typeface="Open Sans"/>
+              </a:rPr>
+              <a:t>最受欢迎的纳米学位课程有哪些？</a:t>
+            </a:r>
+            <a:endParaRPr lang="en" dirty="0">
+              <a:solidFill>
+                <a:srgbClr val="FFFFFF"/>
+              </a:solidFill>
+              <a:latin typeface="Open Sans"/>
+              <a:ea typeface="Open Sans"/>
+              <a:cs typeface="Open Sans"/>
+              <a:sym typeface="Open Sans"/>
+            </a:endParaRPr>
+          </a:p>
+        </p:txBody>
+      </p:sp>
+    </p:spTree>
+    <p:extLst>
+      <p:ext uri="{BB962C8B-B14F-4D97-AF65-F5344CB8AC3E}">
+        <p14:creationId xmlns:p14="http://schemas.microsoft.com/office/powerpoint/2010/main" val="1908149461"/>
+      </p:ext>
+    </p:extLst>
+  </p:cSld>
+  <p:clrMapOvr>
+    <a:masterClrMapping/>
+  </p:clrMapOvr>
+</p:sld>
+</file>
+
+<file path=ppt/slides/slide6.xml><?xml version="1.0" encoding="utf-8"?>
+<p:sld xmlns:a="http://schemas.openxmlformats.org/drawingml/2006/main" xmlns:r="http://schemas.openxmlformats.org/officeDocument/2006/relationships" xmlns:p="http://schemas.openxmlformats.org/presentationml/2006/main">
+  <p:cSld>
+    <p:spTree>
+      <p:nvGrpSpPr>
+        <p:cNvPr id="1" name="Shape 53"/>
+        <p:cNvGrpSpPr/>
+        <p:nvPr/>
+      </p:nvGrpSpPr>
+      <p:grpSpPr>
+        <a:xfrm>
+          <a:off x="0" y="0"/>
+          <a:ext cx="0" cy="0"/>
+          <a:chOff x="0" y="0"/>
+          <a:chExt cx="0" cy="0"/>
+        </a:xfrm>
+      </p:grpSpPr>
+      <p:sp>
+        <p:nvSpPr>
+          <p:cNvPr id="54" name="Shape 54"/>
+          <p:cNvSpPr txBox="1">
+            <a:spLocks noGrp="1"/>
+          </p:cNvSpPr>
+          <p:nvPr>
+            <p:ph type="body" idx="1"/>
+          </p:nvPr>
+        </p:nvSpPr>
+        <p:spPr>
+          <a:xfrm>
+            <a:off x="251772" y="949827"/>
+            <a:ext cx="8735474" cy="3813762"/>
+          </a:xfrm>
+          <a:prstGeom prst="rect">
+            <a:avLst/>
+          </a:prstGeom>
+          <a:solidFill>
+            <a:srgbClr val="FFFFFF"/>
+          </a:solidFill>
+          <a:ln w="9525" cap="flat" cmpd="sng">
+            <a:solidFill>
+              <a:srgbClr val="FFFFFF"/>
+            </a:solidFill>
+            <a:prstDash val="solid"/>
+            <a:round/>
+            <a:headEnd type="none" w="med" len="med"/>
+            <a:tailEnd type="none" w="med" len="med"/>
+          </a:ln>
+        </p:spPr>
+        <p:txBody>
+          <a:bodyPr wrap="square" lIns="91425" tIns="91425" rIns="91425" bIns="91425" anchor="t" anchorCtr="0">
+            <a:noAutofit/>
+          </a:bodyPr>
+          <a:lstStyle/>
+          <a:p>
+            <a:pPr marL="342900" lvl="0" indent="-342900" rtl="0">
+              <a:spcBef>
+                <a:spcPts val="0"/>
+              </a:spcBef>
+              <a:buAutoNum type="arabicPeriod"/>
+            </a:pPr>
+            <a:endParaRPr lang="en-US" altLang="zh-CN" dirty="0">
+              <a:latin typeface="Open Sans"/>
+              <a:ea typeface="Open Sans"/>
+              <a:cs typeface="Open Sans"/>
+              <a:sym typeface="Open Sans"/>
+            </a:endParaRPr>
+          </a:p>
+        </p:txBody>
+      </p:sp>
+      <p:sp>
+        <p:nvSpPr>
+          <p:cNvPr id="55" name="Shape 55"/>
+          <p:cNvSpPr txBox="1">
+            <a:spLocks noGrp="1"/>
+          </p:cNvSpPr>
+          <p:nvPr>
+            <p:ph type="title"/>
+          </p:nvPr>
+        </p:nvSpPr>
+        <p:spPr>
+          <a:xfrm>
+            <a:off x="0" y="0"/>
+            <a:ext cx="9144000" cy="795600"/>
+          </a:xfrm>
+          <a:prstGeom prst="rect">
+            <a:avLst/>
+          </a:prstGeom>
+          <a:solidFill>
+            <a:srgbClr val="073763"/>
+          </a:solidFill>
+        </p:spPr>
+        <p:txBody>
+          <a:bodyPr wrap="square" lIns="91425" tIns="91425" rIns="91425" bIns="91425" anchor="ctr" anchorCtr="0">
+            <a:noAutofit/>
+          </a:bodyPr>
+          <a:lstStyle/>
+          <a:p>
+            <a:pPr lvl="0" rtl="0">
+              <a:spcBef>
+                <a:spcPts val="0"/>
+              </a:spcBef>
+              <a:buNone/>
+            </a:pPr>
+            <a:r>
+              <a:rPr lang="zh-CN" altLang="en-US" dirty="0" smtClean="0">
+                <a:solidFill>
+                  <a:srgbClr val="FFFFFF"/>
+                </a:solidFill>
+                <a:latin typeface="Open Sans"/>
+                <a:ea typeface="Open Sans"/>
+                <a:cs typeface="Open Sans"/>
+                <a:sym typeface="Open Sans"/>
+              </a:rPr>
+              <a:t>学员们每周花在应用所学知识时间与完成项目平均时间之间的关系？</a:t>
+            </a:r>
+            <a:endParaRPr lang="en" dirty="0">
+              <a:solidFill>
+                <a:srgbClr val="FFFFFF"/>
+              </a:solidFill>
+              <a:latin typeface="Open Sans"/>
+              <a:ea typeface="Open Sans"/>
+              <a:cs typeface="Open Sans"/>
+              <a:sym typeface="Open Sans"/>
+            </a:endParaRPr>
+          </a:p>
+        </p:txBody>
+      </p:sp>
+    </p:spTree>
+    <p:extLst>
+      <p:ext uri="{BB962C8B-B14F-4D97-AF65-F5344CB8AC3E}">
+        <p14:creationId xmlns:p14="http://schemas.microsoft.com/office/powerpoint/2010/main" val="1953401312"/>
+      </p:ext>
+    </p:extLst>
+  </p:cSld>
+  <p:clrMapOvr>
+    <a:masterClrMapping/>
+  </p:clrMapOvr>
+</p:sld>
+</file>
+
+<file path=ppt/slides/slide7.xml><?xml version="1.0" encoding="utf-8"?>
+<p:sld xmlns:a="http://schemas.openxmlformats.org/drawingml/2006/main" xmlns:r="http://schemas.openxmlformats.org/officeDocument/2006/relationships" xmlns:p="http://schemas.openxmlformats.org/presentationml/2006/main">
+  <p:cSld>
+    <p:spTree>
+      <p:nvGrpSpPr>
+        <p:cNvPr id="1" name="Shape 53"/>
+        <p:cNvGrpSpPr/>
+        <p:nvPr/>
+      </p:nvGrpSpPr>
+      <p:grpSpPr>
+        <a:xfrm>
+          <a:off x="0" y="0"/>
+          <a:ext cx="0" cy="0"/>
+          <a:chOff x="0" y="0"/>
+          <a:chExt cx="0" cy="0"/>
+        </a:xfrm>
+      </p:grpSpPr>
+      <p:sp>
+        <p:nvSpPr>
+          <p:cNvPr id="54" name="Shape 54"/>
+          <p:cNvSpPr txBox="1">
+            <a:spLocks noGrp="1"/>
+          </p:cNvSpPr>
+          <p:nvPr>
+            <p:ph type="body" idx="1"/>
+          </p:nvPr>
+        </p:nvSpPr>
+        <p:spPr>
+          <a:xfrm>
+            <a:off x="251772" y="949827"/>
+            <a:ext cx="8735474" cy="3813762"/>
+          </a:xfrm>
+          <a:prstGeom prst="rect">
+            <a:avLst/>
+          </a:prstGeom>
+          <a:solidFill>
+            <a:srgbClr val="FFFFFF"/>
+          </a:solidFill>
+          <a:ln w="9525" cap="flat" cmpd="sng">
+            <a:solidFill>
+              <a:srgbClr val="FFFFFF"/>
+            </a:solidFill>
+            <a:prstDash val="solid"/>
+            <a:round/>
+            <a:headEnd type="none" w="med" len="med"/>
+            <a:tailEnd type="none" w="med" len="med"/>
+          </a:ln>
+        </p:spPr>
+        <p:txBody>
+          <a:bodyPr wrap="square" lIns="91425" tIns="91425" rIns="91425" bIns="91425" anchor="t" anchorCtr="0">
+            <a:noAutofit/>
+          </a:bodyPr>
+          <a:lstStyle/>
+          <a:p>
+            <a:pPr marL="342900" lvl="0" indent="-342900" rtl="0">
+              <a:spcBef>
+                <a:spcPts val="0"/>
+              </a:spcBef>
+              <a:buAutoNum type="arabicPeriod"/>
+            </a:pPr>
+            <a:endParaRPr lang="en-US" altLang="zh-CN" dirty="0">
+              <a:latin typeface="Open Sans"/>
+              <a:ea typeface="Open Sans"/>
+              <a:cs typeface="Open Sans"/>
+              <a:sym typeface="Open Sans"/>
+            </a:endParaRPr>
+          </a:p>
+        </p:txBody>
+      </p:sp>
+      <p:sp>
+        <p:nvSpPr>
+          <p:cNvPr id="55" name="Shape 55"/>
+          <p:cNvSpPr txBox="1">
+            <a:spLocks noGrp="1"/>
+          </p:cNvSpPr>
+          <p:nvPr>
+            <p:ph type="title"/>
+          </p:nvPr>
+        </p:nvSpPr>
+        <p:spPr>
+          <a:xfrm>
+            <a:off x="0" y="0"/>
+            <a:ext cx="9144000" cy="795600"/>
+          </a:xfrm>
+          <a:prstGeom prst="rect">
+            <a:avLst/>
+          </a:prstGeom>
+          <a:solidFill>
+            <a:srgbClr val="073763"/>
+          </a:solidFill>
+        </p:spPr>
+        <p:txBody>
+          <a:bodyPr wrap="square" lIns="91425" tIns="91425" rIns="91425" bIns="91425" anchor="ctr" anchorCtr="0">
+            <a:noAutofit/>
+          </a:bodyPr>
+          <a:lstStyle/>
+          <a:p>
+            <a:pPr lvl="0" rtl="0">
+              <a:spcBef>
+                <a:spcPts val="0"/>
+              </a:spcBef>
+              <a:buNone/>
+            </a:pPr>
+            <a:r>
+              <a:rPr lang="zh-CN" altLang="en-US" dirty="0" smtClean="0">
+                <a:solidFill>
+                  <a:srgbClr val="FFFFFF"/>
+                </a:solidFill>
+                <a:latin typeface="Open Sans"/>
+                <a:ea typeface="Open Sans"/>
+                <a:cs typeface="Open Sans"/>
+                <a:sym typeface="Open Sans"/>
+              </a:rPr>
+              <a:t>不同学历的学员每周用于学习知识的时间有什么不同？</a:t>
+            </a:r>
+            <a:endParaRPr lang="en" dirty="0">
+              <a:solidFill>
+                <a:srgbClr val="FFFFFF"/>
+              </a:solidFill>
+              <a:latin typeface="Open Sans"/>
+              <a:ea typeface="Open Sans"/>
+              <a:cs typeface="Open Sans"/>
+              <a:sym typeface="Open Sans"/>
+            </a:endParaRPr>
+          </a:p>
+        </p:txBody>
+      </p:sp>
+    </p:spTree>
+    <p:extLst>
+      <p:ext uri="{BB962C8B-B14F-4D97-AF65-F5344CB8AC3E}">
+        <p14:creationId xmlns:p14="http://schemas.microsoft.com/office/powerpoint/2010/main" val="796268829"/>
+      </p:ext>
+    </p:extLst>
+  </p:cSld>
+  <p:clrMapOvr>
+    <a:masterClrMapping/>
+  </p:clrMapOvr>
+</p:sld>
+</file>
+
 <file path=ppt/theme/theme1.xml><?xml version="1.0" encoding="utf-8"?>
-<a:theme xmlns:a="http://schemas.openxmlformats.org/drawingml/2006/main" xmlns:r="http://schemas.openxmlformats.org/officeDocument/2006/relationships" name="Custom Theme">
+<a:theme xmlns:a="http://schemas.openxmlformats.org/drawingml/2006/main" name="Simple Light">
+  <a:themeElements>
+    <a:clrScheme name="Simple Light">
+      <a:dk1>
+        <a:srgbClr val="000000"/>
+      </a:dk1>
+      <a:lt1>
+        <a:srgbClr val="FFFFFF"/>
+      </a:lt1>
+      <a:dk2>
+        <a:srgbClr val="595959"/>
+      </a:dk2>
+      <a:lt2>
+        <a:srgbClr val="EEEEEE"/>
+      </a:lt2>
+      <a:accent1>
+        <a:srgbClr val="FFAB40"/>
+      </a:accent1>
+      <a:accent2>
+        <a:srgbClr val="212121"/>
+      </a:accent2>
+      <a:accent3>
+        <a:srgbClr val="78909C"/>
+      </a:accent3>
+      <a:accent4>
+        <a:srgbClr val="FFAB40"/>
+      </a:accent4>
+      <a:accent5>
+        <a:srgbClr val="0097A7"/>
+      </a:accent5>
+      <a:accent6>
+        <a:srgbClr val="EEFF41"/>
+      </a:accent6>
+      <a:hlink>
+        <a:srgbClr val="0097A7"/>
+      </a:hlink>
+      <a:folHlink>
+        <a:srgbClr val="0097A7"/>
+      </a:folHlink>
+    </a:clrScheme>
+    <a:fontScheme name="Office">
+      <a:majorFont>
+        <a:latin typeface="Arial"/>
+        <a:ea typeface=""/>
+        <a:cs typeface=""/>
+        <a:font script="Jpan" typeface="ＭＳ Ｐゴシック"/>
+        <a:font script="Hang" typeface="맑은 고딕"/>
+        <a:font script="Hans" typeface="宋体"/>
+        <a:font script="Hant" typeface="新細明體"/>
+        <a:font script="Arab" typeface="Times New Roman"/>
+        <a:font script="Hebr" typeface="Times New Roman"/>
+        <a:font script="Thai" typeface="Angsana New"/>
+        <a:font script="Ethi" typeface="Nyala"/>
+        <a:font script="Beng" typeface="Vrinda"/>
+        <a:font script="Gujr" typeface="Shruti"/>
+        <a:font script="Khmr" typeface="MoolBoran"/>
+        <a:font script="Knda" typeface="Tunga"/>
+        <a:font script="Guru" typeface="Raavi"/>
+        <a:font script="Cans" typeface="Euphemia"/>
+        <a:font script="Cher" typeface="Plantagenet Cherokee"/>
+        <a:font script="Yiii" typeface="Microsoft Yi Baiti"/>
+        <a:font script="Tibt" typeface="Microsoft Himalaya"/>
+        <a:font script="Thaa" typeface="MV Boli"/>
+        <a:font script="Deva" typeface="Mangal"/>
+        <a:font script="Telu" typeface="Gautami"/>
+        <a:font script="Taml" typeface="Latha"/>
+        <a:font script="Syrc" typeface="Estrangelo Edessa"/>
+        <a:font script="Orya" typeface="Kalinga"/>
+        <a:font script="Mlym" typeface="Kartika"/>
+        <a:font script="Laoo" typeface="DokChampa"/>
+        <a:font script="Sinh" typeface="Iskoola Pota"/>
+        <a:font script="Mong" typeface="Mongolian Baiti"/>
+        <a:font script="Viet" typeface="Times New Roman"/>
+        <a:font script="Uigh" typeface="Microsoft Uighur"/>
+        <a:font script="Geor" typeface="Sylfaen"/>
+      </a:majorFont>
+      <a:minorFont>
+        <a:latin typeface="Arial"/>
+        <a:ea typeface=""/>
+        <a:cs typeface=""/>
+        <a:font script="Jpan" typeface="ＭＳ Ｐゴシック"/>
+        <a:font script="Hang" typeface="맑은 고딕"/>
+        <a:font script="Hans" typeface="宋体"/>
+        <a:font script="Hant" typeface="新細明體"/>
+        <a:font script="Arab" typeface="Arial"/>
+        <a:font script="Hebr" typeface="Arial"/>
+        <a:font script="Thai" typeface="Cordia New"/>
+        <a:font script="Ethi" typeface="Nyala"/>
+        <a:font script="Beng" typeface="Vrinda"/>
+        <a:font script="Gujr" typeface="Shruti"/>
+        <a:font script="Khmr" typeface="DaunPenh"/>
+        <a:font script="Knda" typeface="Tunga"/>
+        <a:font script="Guru" typeface="Raavi"/>
+        <a:font script="Cans" typeface="Euphemia"/>
+        <a:font script="Cher" typeface="Plantagenet Cherokee"/>
+        <a:font script="Yiii" typeface="Microsoft Yi Baiti"/>
+        <a:font script="Tibt" typeface="Microsoft Himalaya"/>
+        <a:font script="Thaa" typeface="MV Boli"/>
+        <a:font script="Deva" typeface="Mangal"/>
+        <a:font script="Telu" typeface="Gautami"/>
+        <a:font script="Taml" typeface="Latha"/>
+        <a:font script="Syrc" typeface="Estrangelo Edessa"/>
+        <a:font script="Orya" typeface="Kalinga"/>
+        <a:font script="Mlym" typeface="Kartika"/>
+        <a:font script="Laoo" typeface="DokChampa"/>
+        <a:font script="Sinh" typeface="Iskoola Pota"/>
+        <a:font script="Mong" typeface="Mongolian Baiti"/>
+        <a:font script="Viet" typeface="Arial"/>
+        <a:font script="Uigh" typeface="Microsoft Uighur"/>
+        <a:font script="Geor" typeface="Sylfaen"/>
+      </a:minorFont>
+    </a:fontScheme>
+    <a:fmtScheme name="Office">
+      <a:fillStyleLst>
+        <a:solidFill>
+          <a:schemeClr val="phClr"/>
+        </a:solidFill>
+        <a:gradFill rotWithShape="1">
+          <a:gsLst>
+            <a:gs pos="0">
+              <a:schemeClr val="phClr">
+                <a:tint val="50000"/>
+                <a:satMod val="300000"/>
+              </a:schemeClr>
+            </a:gs>
+            <a:gs pos="35000">
+              <a:schemeClr val="phClr">
+                <a:tint val="37000"/>
+                <a:satMod val="300000"/>
+              </a:schemeClr>
+            </a:gs>
+            <a:gs pos="100000">
+              <a:schemeClr val="phClr">
+                <a:tint val="15000"/>
+                <a:satMod val="350000"/>
+              </a:schemeClr>
+            </a:gs>
+          </a:gsLst>
+          <a:lin ang="16200000" scaled="1"/>
+        </a:gradFill>
+        <a:gradFill rotWithShape="1">
+          <a:gsLst>
+            <a:gs pos="0">
+              <a:schemeClr val="phClr">
+                <a:tint val="100000"/>
+                <a:shade val="100000"/>
+                <a:satMod val="130000"/>
+              </a:schemeClr>
+            </a:gs>
+            <a:gs pos="100000">
+              <a:schemeClr val="phClr">
+                <a:tint val="50000"/>
+                <a:shade val="100000"/>
+                <a:satMod val="350000"/>
+              </a:schemeClr>
+            </a:gs>
+          </a:gsLst>
+          <a:lin ang="16200000" scaled="0"/>
+        </a:gradFill>
+      </a:fillStyleLst>
+      <a:lnStyleLst>
+        <a:ln w="9525" cap="flat" cmpd="sng" algn="ctr">
+          <a:solidFill>
+            <a:schemeClr val="phClr">
+              <a:shade val="95000"/>
+              <a:satMod val="105000"/>
+            </a:schemeClr>
+          </a:solidFill>
+          <a:prstDash val="solid"/>
+        </a:ln>
+        <a:ln w="25400" cap="flat" cmpd="sng" algn="ctr">
+          <a:solidFill>
+            <a:schemeClr val="phClr"/>
+          </a:solidFill>
+          <a:prstDash val="solid"/>
+        </a:ln>
+        <a:ln w="38100" cap="flat" cmpd="sng" algn="ctr">
+          <a:solidFill>
+            <a:schemeClr val="phClr"/>
+          </a:solidFill>
+          <a:prstDash val="solid"/>
+        </a:ln>
+      </a:lnStyleLst>
+      <a:effectStyleLst>
+        <a:effectStyle>
+          <a:effectLst>
+            <a:outerShdw blurRad="40000" dist="20000" dir="5400000" rotWithShape="0">
+              <a:srgbClr val="000000">
+                <a:alpha val="38000"/>
+              </a:srgbClr>
+            </a:outerShdw>
+          </a:effectLst>
+        </a:effectStyle>
+        <a:effectStyle>
+          <a:effectLst>
+            <a:outerShdw blurRad="40000" dist="23000" dir="5400000" rotWithShape="0">
+              <a:srgbClr val="000000">
+                <a:alpha val="35000"/>
+              </a:srgbClr>
+            </a:outerShdw>
+          </a:effectLst>
+        </a:effectStyle>
+        <a:effectStyle>
+          <a:effectLst>
+            <a:outerShdw blurRad="40000" dist="23000" dir="5400000" rotWithShape="0">
+              <a:srgbClr val="000000">
+                <a:alpha val="35000"/>
+              </a:srgbClr>
+            </a:outerShdw>
+          </a:effectLst>
+          <a:scene3d>
+            <a:camera prst="orthographicFront">
+              <a:rot lat="0" lon="0" rev="0"/>
+            </a:camera>
+            <a:lightRig rig="threePt" dir="t">
+              <a:rot lat="0" lon="0" rev="1200000"/>
+            </a:lightRig>
+          </a:scene3d>
+          <a:sp3d>
+            <a:bevelT w="63500" h="25400"/>
+          </a:sp3d>
+        </a:effectStyle>
+      </a:effectStyleLst>
+      <a:bgFillStyleLst>
+        <a:solidFill>
+          <a:schemeClr val="phClr"/>
+        </a:solidFill>
+        <a:gradFill rotWithShape="1">
+          <a:gsLst>
+            <a:gs pos="0">
+              <a:schemeClr val="phClr">
+                <a:tint val="40000"/>
+                <a:satMod val="350000"/>
+              </a:schemeClr>
+            </a:gs>
+            <a:gs pos="40000">
+              <a:schemeClr val="phClr">
+                <a:tint val="45000"/>
+                <a:shade val="99000"/>
+                <a:satMod val="350000"/>
+              </a:schemeClr>
+            </a:gs>
+            <a:gs pos="100000">
+              <a:schemeClr val="phClr">
+                <a:shade val="20000"/>
+                <a:satMod val="255000"/>
+              </a:schemeClr>
+            </a:gs>
+          </a:gsLst>
+          <a:path path="circle">
+            <a:fillToRect l="50000" t="-80000" r="50000" b="180000"/>
+          </a:path>
+        </a:gradFill>
+        <a:gradFill rotWithShape="1">
+          <a:gsLst>
+            <a:gs pos="0">
+              <a:schemeClr val="phClr">
+                <a:tint val="80000"/>
+                <a:satMod val="300000"/>
+              </a:schemeClr>
+            </a:gs>
+            <a:gs pos="100000">
+              <a:schemeClr val="phClr">
+                <a:shade val="30000"/>
+                <a:satMod val="200000"/>
+              </a:schemeClr>
+            </a:gs>
+          </a:gsLst>
+          <a:path path="circle">
+            <a:fillToRect l="50000" t="50000" r="50000" b="50000"/>
+          </a:path>
+        </a:gradFill>
+      </a:bgFillStyleLst>
+    </a:fmtScheme>
+  </a:themeElements>
+  <a:objectDefaults/>
+  <a:extraClrSchemeLst/>
+</a:theme>
+</file>
+
+<file path=ppt/theme/theme2.xml><?xml version="1.0" encoding="utf-8"?>
+<a:theme xmlns:a="http://schemas.openxmlformats.org/drawingml/2006/main" name="Custom Theme">
   <a:themeElements>
     <a:clrScheme name="Default">
       <a:dk1>
@@ -4567,284 +7045,7 @@
       </a:bgFillStyleLst>
     </a:fmtScheme>
   </a:themeElements>
-</a:theme>
-</file>
-
-<file path=ppt/theme/theme2.xml><?xml version="1.0" encoding="utf-8"?>
-<a:theme xmlns:a="http://schemas.openxmlformats.org/drawingml/2006/main" xmlns:r="http://schemas.openxmlformats.org/officeDocument/2006/relationships" name="Simple Light">
-  <a:themeElements>
-    <a:clrScheme name="Simple Light">
-      <a:dk1>
-        <a:srgbClr val="000000"/>
-      </a:dk1>
-      <a:lt1>
-        <a:srgbClr val="FFFFFF"/>
-      </a:lt1>
-      <a:dk2>
-        <a:srgbClr val="595959"/>
-      </a:dk2>
-      <a:lt2>
-        <a:srgbClr val="EEEEEE"/>
-      </a:lt2>
-      <a:accent1>
-        <a:srgbClr val="FFAB40"/>
-      </a:accent1>
-      <a:accent2>
-        <a:srgbClr val="212121"/>
-      </a:accent2>
-      <a:accent3>
-        <a:srgbClr val="78909C"/>
-      </a:accent3>
-      <a:accent4>
-        <a:srgbClr val="FFAB40"/>
-      </a:accent4>
-      <a:accent5>
-        <a:srgbClr val="0097A7"/>
-      </a:accent5>
-      <a:accent6>
-        <a:srgbClr val="EEFF41"/>
-      </a:accent6>
-      <a:hlink>
-        <a:srgbClr val="0097A7"/>
-      </a:hlink>
-      <a:folHlink>
-        <a:srgbClr val="0097A7"/>
-      </a:folHlink>
-    </a:clrScheme>
-    <a:fontScheme name="Office">
-      <a:majorFont>
-        <a:latin typeface="Arial"/>
-        <a:ea typeface=""/>
-        <a:cs typeface=""/>
-        <a:font script="Jpan" typeface="ＭＳ Ｐゴシック"/>
-        <a:font script="Hang" typeface="맑은 고딕"/>
-        <a:font script="Hans" typeface="宋体"/>
-        <a:font script="Hant" typeface="新細明體"/>
-        <a:font script="Arab" typeface="Times New Roman"/>
-        <a:font script="Hebr" typeface="Times New Roman"/>
-        <a:font script="Thai" typeface="Angsana New"/>
-        <a:font script="Ethi" typeface="Nyala"/>
-        <a:font script="Beng" typeface="Vrinda"/>
-        <a:font script="Gujr" typeface="Shruti"/>
-        <a:font script="Khmr" typeface="MoolBoran"/>
-        <a:font script="Knda" typeface="Tunga"/>
-        <a:font script="Guru" typeface="Raavi"/>
-        <a:font script="Cans" typeface="Euphemia"/>
-        <a:font script="Cher" typeface="Plantagenet Cherokee"/>
-        <a:font script="Yiii" typeface="Microsoft Yi Baiti"/>
-        <a:font script="Tibt" typeface="Microsoft Himalaya"/>
-        <a:font script="Thaa" typeface="MV Boli"/>
-        <a:font script="Deva" typeface="Mangal"/>
-        <a:font script="Telu" typeface="Gautami"/>
-        <a:font script="Taml" typeface="Latha"/>
-        <a:font script="Syrc" typeface="Estrangelo Edessa"/>
-        <a:font script="Orya" typeface="Kalinga"/>
-        <a:font script="Mlym" typeface="Kartika"/>
-        <a:font script="Laoo" typeface="DokChampa"/>
-        <a:font script="Sinh" typeface="Iskoola Pota"/>
-        <a:font script="Mong" typeface="Mongolian Baiti"/>
-        <a:font script="Viet" typeface="Times New Roman"/>
-        <a:font script="Uigh" typeface="Microsoft Uighur"/>
-        <a:font script="Geor" typeface="Sylfaen"/>
-      </a:majorFont>
-      <a:minorFont>
-        <a:latin typeface="Arial"/>
-        <a:ea typeface=""/>
-        <a:cs typeface=""/>
-        <a:font script="Jpan" typeface="ＭＳ Ｐゴシック"/>
-        <a:font script="Hang" typeface="맑은 고딕"/>
-        <a:font script="Hans" typeface="宋体"/>
-        <a:font script="Hant" typeface="新細明體"/>
-        <a:font script="Arab" typeface="Arial"/>
-        <a:font script="Hebr" typeface="Arial"/>
-        <a:font script="Thai" typeface="Cordia New"/>
-        <a:font script="Ethi" typeface="Nyala"/>
-        <a:font script="Beng" typeface="Vrinda"/>
-        <a:font script="Gujr" typeface="Shruti"/>
-        <a:font script="Khmr" typeface="DaunPenh"/>
-        <a:font script="Knda" typeface="Tunga"/>
-        <a:font script="Guru" typeface="Raavi"/>
-        <a:font script="Cans" typeface="Euphemia"/>
-        <a:font script="Cher" typeface="Plantagenet Cherokee"/>
-        <a:font script="Yiii" typeface="Microsoft Yi Baiti"/>
-        <a:font script="Tibt" typeface="Microsoft Himalaya"/>
-        <a:font script="Thaa" typeface="MV Boli"/>
-        <a:font script="Deva" typeface="Mangal"/>
-        <a:font script="Telu" typeface="Gautami"/>
-        <a:font script="Taml" typeface="Latha"/>
-        <a:font script="Syrc" typeface="Estrangelo Edessa"/>
-        <a:font script="Orya" typeface="Kalinga"/>
-        <a:font script="Mlym" typeface="Kartika"/>
-        <a:font script="Laoo" typeface="DokChampa"/>
-        <a:font script="Sinh" typeface="Iskoola Pota"/>
-        <a:font script="Mong" typeface="Mongolian Baiti"/>
-        <a:font script="Viet" typeface="Arial"/>
-        <a:font script="Uigh" typeface="Microsoft Uighur"/>
-        <a:font script="Geor" typeface="Sylfaen"/>
-      </a:minorFont>
-    </a:fontScheme>
-    <a:fmtScheme name="Office">
-      <a:fillStyleLst>
-        <a:solidFill>
-          <a:schemeClr val="phClr"/>
-        </a:solidFill>
-        <a:gradFill rotWithShape="1">
-          <a:gsLst>
-            <a:gs pos="0">
-              <a:schemeClr val="phClr">
-                <a:tint val="50000"/>
-                <a:satMod val="300000"/>
-              </a:schemeClr>
-            </a:gs>
-            <a:gs pos="35000">
-              <a:schemeClr val="phClr">
-                <a:tint val="37000"/>
-                <a:satMod val="300000"/>
-              </a:schemeClr>
-            </a:gs>
-            <a:gs pos="100000">
-              <a:schemeClr val="phClr">
-                <a:tint val="15000"/>
-                <a:satMod val="350000"/>
-              </a:schemeClr>
-            </a:gs>
-          </a:gsLst>
-          <a:lin ang="16200000" scaled="1"/>
-        </a:gradFill>
-        <a:gradFill rotWithShape="1">
-          <a:gsLst>
-            <a:gs pos="0">
-              <a:schemeClr val="phClr">
-                <a:tint val="100000"/>
-                <a:shade val="100000"/>
-                <a:satMod val="130000"/>
-              </a:schemeClr>
-            </a:gs>
-            <a:gs pos="100000">
-              <a:schemeClr val="phClr">
-                <a:tint val="50000"/>
-                <a:shade val="100000"/>
-                <a:satMod val="350000"/>
-              </a:schemeClr>
-            </a:gs>
-          </a:gsLst>
-          <a:lin ang="16200000" scaled="0"/>
-        </a:gradFill>
-      </a:fillStyleLst>
-      <a:lnStyleLst>
-        <a:ln w="9525" cap="flat" cmpd="sng" algn="ctr">
-          <a:solidFill>
-            <a:schemeClr val="phClr">
-              <a:shade val="95000"/>
-              <a:satMod val="105000"/>
-            </a:schemeClr>
-          </a:solidFill>
-          <a:prstDash val="solid"/>
-        </a:ln>
-        <a:ln w="25400" cap="flat" cmpd="sng" algn="ctr">
-          <a:solidFill>
-            <a:schemeClr val="phClr"/>
-          </a:solidFill>
-          <a:prstDash val="solid"/>
-        </a:ln>
-        <a:ln w="38100" cap="flat" cmpd="sng" algn="ctr">
-          <a:solidFill>
-            <a:schemeClr val="phClr"/>
-          </a:solidFill>
-          <a:prstDash val="solid"/>
-        </a:ln>
-      </a:lnStyleLst>
-      <a:effectStyleLst>
-        <a:effectStyle>
-          <a:effectLst>
-            <a:outerShdw blurRad="40000" dist="20000" dir="5400000" rotWithShape="0">
-              <a:srgbClr val="000000">
-                <a:alpha val="38000"/>
-              </a:srgbClr>
-            </a:outerShdw>
-          </a:effectLst>
-        </a:effectStyle>
-        <a:effectStyle>
-          <a:effectLst>
-            <a:outerShdw blurRad="40000" dist="23000" dir="5400000" rotWithShape="0">
-              <a:srgbClr val="000000">
-                <a:alpha val="35000"/>
-              </a:srgbClr>
-            </a:outerShdw>
-          </a:effectLst>
-        </a:effectStyle>
-        <a:effectStyle>
-          <a:effectLst>
-            <a:outerShdw blurRad="40000" dist="23000" dir="5400000" rotWithShape="0">
-              <a:srgbClr val="000000">
-                <a:alpha val="35000"/>
-              </a:srgbClr>
-            </a:outerShdw>
-          </a:effectLst>
-          <a:scene3d>
-            <a:camera prst="orthographicFront">
-              <a:rot lat="0" lon="0" rev="0"/>
-            </a:camera>
-            <a:lightRig rig="threePt" dir="t">
-              <a:rot lat="0" lon="0" rev="1200000"/>
-            </a:lightRig>
-          </a:scene3d>
-          <a:sp3d>
-            <a:bevelT w="63500" h="25400"/>
-          </a:sp3d>
-        </a:effectStyle>
-      </a:effectStyleLst>
-      <a:bgFillStyleLst>
-        <a:solidFill>
-          <a:schemeClr val="phClr"/>
-        </a:solidFill>
-        <a:gradFill rotWithShape="1">
-          <a:gsLst>
-            <a:gs pos="0">
-              <a:schemeClr val="phClr">
-                <a:tint val="40000"/>
-                <a:satMod val="350000"/>
-              </a:schemeClr>
-            </a:gs>
-            <a:gs pos="40000">
-              <a:schemeClr val="phClr">
-                <a:tint val="45000"/>
-                <a:shade val="99000"/>
-                <a:satMod val="350000"/>
-              </a:schemeClr>
-            </a:gs>
-            <a:gs pos="100000">
-              <a:schemeClr val="phClr">
-                <a:shade val="20000"/>
-                <a:satMod val="255000"/>
-              </a:schemeClr>
-            </a:gs>
-          </a:gsLst>
-          <a:path path="circle">
-            <a:fillToRect l="50000" t="-80000" r="50000" b="180000"/>
-          </a:path>
-        </a:gradFill>
-        <a:gradFill rotWithShape="1">
-          <a:gsLst>
-            <a:gs pos="0">
-              <a:schemeClr val="phClr">
-                <a:tint val="80000"/>
-                <a:satMod val="300000"/>
-              </a:schemeClr>
-            </a:gs>
-            <a:gs pos="100000">
-              <a:schemeClr val="phClr">
-                <a:shade val="30000"/>
-                <a:satMod val="200000"/>
-              </a:schemeClr>
-            </a:gs>
-          </a:gsLst>
-          <a:path path="circle">
-            <a:fillToRect l="50000" t="50000" r="50000" b="50000"/>
-          </a:path>
-        </a:gradFill>
-      </a:bgFillStyleLst>
-    </a:fmtScheme>
-  </a:themeElements>
+  <a:objectDefaults/>
+  <a:extraClrSchemeLst/>
 </a:theme>
 </file>
--- a/P2_AnalyzeSurveyData/survey-project-submission-template.pptx
+++ b/P2_AnalyzeSurveyData/survey-project-submission-template.pptx
@@ -5,16 +5,15 @@
     <p:sldMasterId id="2147483659" r:id="rId1"/>
   </p:sldMasterIdLst>
   <p:notesMasterIdLst>
-    <p:notesMasterId r:id="rId9"/>
+    <p:notesMasterId r:id="rId8"/>
   </p:notesMasterIdLst>
   <p:sldIdLst>
-    <p:sldId id="256" r:id="rId2"/>
-    <p:sldId id="257" r:id="rId3"/>
-    <p:sldId id="258" r:id="rId4"/>
-    <p:sldId id="259" r:id="rId5"/>
-    <p:sldId id="260" r:id="rId6"/>
-    <p:sldId id="261" r:id="rId7"/>
-    <p:sldId id="262" r:id="rId8"/>
+    <p:sldId id="257" r:id="rId2"/>
+    <p:sldId id="258" r:id="rId3"/>
+    <p:sldId id="259" r:id="rId4"/>
+    <p:sldId id="260" r:id="rId5"/>
+    <p:sldId id="261" r:id="rId6"/>
+    <p:sldId id="262" r:id="rId7"/>
   </p:sldIdLst>
   <p:sldSz cx="9144000" cy="5143500" type="screen16x9"/>
   <p:notesSz cx="6858000" cy="9144000"/>
@@ -220,7 +219,2432 @@
       </a:defRPr>
     </a:lvl9pPr>
   </p:defaultTextStyle>
+  <p:extLst>
+    <p:ext uri="{EFAFB233-063F-42B5-8137-9DF3F51BA10A}">
+      <p15:sldGuideLst xmlns:p15="http://schemas.microsoft.com/office/powerpoint/2012/main"/>
+    </p:ext>
+  </p:extLst>
 </p:presentation>
+</file>
+
+<file path=ppt/charts/chart1.xml><?xml version="1.0" encoding="utf-8"?>
+<c:chartSpace xmlns:c="http://schemas.openxmlformats.org/drawingml/2006/chart" xmlns:a="http://schemas.openxmlformats.org/drawingml/2006/main" xmlns:r="http://schemas.openxmlformats.org/officeDocument/2006/relationships" xmlns:c16r2="http://schemas.microsoft.com/office/drawing/2015/06/chart">
+  <c:date1904 val="0"/>
+  <c:lang val="zh-CN"/>
+  <c:roundedCorners val="0"/>
+  <mc:AlternateContent xmlns:mc="http://schemas.openxmlformats.org/markup-compatibility/2006">
+    <mc:Choice xmlns:c14="http://schemas.microsoft.com/office/drawing/2007/8/2/chart" Requires="c14">
+      <c14:style val="102"/>
+    </mc:Choice>
+    <mc:Fallback>
+      <c:style val="2"/>
+    </mc:Fallback>
+  </mc:AlternateContent>
+  <c:pivotSource>
+    <c:name>[surveydata.xlsx]不同学历学员每周花在学习上的时间-透视表!数据透视表39</c:name>
+    <c:fmtId val="4"/>
+  </c:pivotSource>
+  <c:chart>
+    <c:title>
+      <c:tx>
+        <c:rich>
+          <a:bodyPr rot="0" spcFirstLastPara="1" vertOverflow="ellipsis" vert="horz" wrap="square" anchor="ctr" anchorCtr="1"/>
+          <a:lstStyle/>
+          <a:p>
+            <a:pPr>
+              <a:defRPr sz="1400" b="0" i="0" u="none" strike="noStrike" kern="1200" spc="0" baseline="0">
+                <a:solidFill>
+                  <a:schemeClr val="tx1">
+                    <a:lumMod val="65000"/>
+                    <a:lumOff val="35000"/>
+                  </a:schemeClr>
+                </a:solidFill>
+                <a:latin typeface="+mn-lt"/>
+                <a:ea typeface="+mn-ea"/>
+                <a:cs typeface="+mn-cs"/>
+              </a:defRPr>
+            </a:pPr>
+            <a:r>
+              <a:rPr lang="zh-CN" altLang="en-US"/>
+              <a:t>不同学历的学员每周用于学习知识的时间有什么不同</a:t>
+            </a:r>
+          </a:p>
+        </c:rich>
+      </c:tx>
+      <c:overlay val="0"/>
+      <c:spPr>
+        <a:noFill/>
+        <a:ln>
+          <a:noFill/>
+        </a:ln>
+        <a:effectLst/>
+      </c:spPr>
+      <c:txPr>
+        <a:bodyPr rot="0" spcFirstLastPara="1" vertOverflow="ellipsis" vert="horz" wrap="square" anchor="ctr" anchorCtr="1"/>
+        <a:lstStyle/>
+        <a:p>
+          <a:pPr>
+            <a:defRPr sz="1400" b="0" i="0" u="none" strike="noStrike" kern="1200" spc="0" baseline="0">
+              <a:solidFill>
+                <a:schemeClr val="tx1">
+                  <a:lumMod val="65000"/>
+                  <a:lumOff val="35000"/>
+                </a:schemeClr>
+              </a:solidFill>
+              <a:latin typeface="+mn-lt"/>
+              <a:ea typeface="+mn-ea"/>
+              <a:cs typeface="+mn-cs"/>
+            </a:defRPr>
+          </a:pPr>
+          <a:endParaRPr lang="zh-CN"/>
+        </a:p>
+      </c:txPr>
+    </c:title>
+    <c:autoTitleDeleted val="0"/>
+    <c:pivotFmts>
+      <c:pivotFmt>
+        <c:idx val="0"/>
+        <c:spPr>
+          <a:solidFill>
+            <a:schemeClr val="accent1"/>
+          </a:solidFill>
+          <a:ln>
+            <a:noFill/>
+          </a:ln>
+          <a:effectLst/>
+        </c:spPr>
+        <c:marker>
+          <c:symbol val="none"/>
+        </c:marker>
+        <c:dLbl>
+          <c:idx val="0"/>
+          <c:spPr>
+            <a:noFill/>
+            <a:ln>
+              <a:noFill/>
+            </a:ln>
+            <a:effectLst/>
+          </c:spPr>
+          <c:txPr>
+            <a:bodyPr rot="0" spcFirstLastPara="1" vertOverflow="ellipsis" vert="horz" wrap="square" lIns="38100" tIns="19050" rIns="38100" bIns="19050" anchor="ctr" anchorCtr="1">
+              <a:spAutoFit/>
+            </a:bodyPr>
+            <a:lstStyle/>
+            <a:p>
+              <a:pPr>
+                <a:defRPr sz="900" b="0" i="0" u="none" strike="noStrike" kern="1200" baseline="0">
+                  <a:solidFill>
+                    <a:schemeClr val="tx1">
+                      <a:lumMod val="75000"/>
+                      <a:lumOff val="25000"/>
+                    </a:schemeClr>
+                  </a:solidFill>
+                  <a:latin typeface="+mn-lt"/>
+                  <a:ea typeface="+mn-ea"/>
+                  <a:cs typeface="+mn-cs"/>
+                </a:defRPr>
+              </a:pPr>
+              <a:endParaRPr lang="zh-CN"/>
+            </a:p>
+          </c:txPr>
+          <c:showLegendKey val="0"/>
+          <c:showVal val="1"/>
+          <c:showCatName val="0"/>
+          <c:showSerName val="0"/>
+          <c:showPercent val="0"/>
+          <c:showBubbleSize val="0"/>
+          <c:extLst>
+            <c:ext xmlns:c15="http://schemas.microsoft.com/office/drawing/2012/chart" uri="{CE6537A1-D6FC-4f65-9D91-7224C49458BB}"/>
+          </c:extLst>
+        </c:dLbl>
+      </c:pivotFmt>
+      <c:pivotFmt>
+        <c:idx val="1"/>
+        <c:spPr>
+          <a:solidFill>
+            <a:schemeClr val="accent1"/>
+          </a:solidFill>
+          <a:ln>
+            <a:noFill/>
+          </a:ln>
+          <a:effectLst/>
+        </c:spPr>
+        <c:marker>
+          <c:symbol val="none"/>
+        </c:marker>
+        <c:dLbl>
+          <c:idx val="0"/>
+          <c:spPr>
+            <a:noFill/>
+            <a:ln>
+              <a:noFill/>
+            </a:ln>
+            <a:effectLst/>
+          </c:spPr>
+          <c:txPr>
+            <a:bodyPr rot="0" spcFirstLastPara="1" vertOverflow="ellipsis" vert="horz" wrap="square" lIns="38100" tIns="19050" rIns="38100" bIns="19050" anchor="ctr" anchorCtr="1">
+              <a:spAutoFit/>
+            </a:bodyPr>
+            <a:lstStyle/>
+            <a:p>
+              <a:pPr>
+                <a:defRPr sz="900" b="0" i="0" u="none" strike="noStrike" kern="1200" baseline="0">
+                  <a:solidFill>
+                    <a:schemeClr val="tx1">
+                      <a:lumMod val="75000"/>
+                      <a:lumOff val="25000"/>
+                    </a:schemeClr>
+                  </a:solidFill>
+                  <a:latin typeface="+mn-lt"/>
+                  <a:ea typeface="+mn-ea"/>
+                  <a:cs typeface="+mn-cs"/>
+                </a:defRPr>
+              </a:pPr>
+              <a:endParaRPr lang="zh-CN"/>
+            </a:p>
+          </c:txPr>
+          <c:showLegendKey val="0"/>
+          <c:showVal val="1"/>
+          <c:showCatName val="0"/>
+          <c:showSerName val="0"/>
+          <c:showPercent val="0"/>
+          <c:showBubbleSize val="0"/>
+          <c:extLst>
+            <c:ext xmlns:c15="http://schemas.microsoft.com/office/drawing/2012/chart" uri="{CE6537A1-D6FC-4f65-9D91-7224C49458BB}"/>
+          </c:extLst>
+        </c:dLbl>
+      </c:pivotFmt>
+      <c:pivotFmt>
+        <c:idx val="2"/>
+        <c:spPr>
+          <a:solidFill>
+            <a:schemeClr val="accent1"/>
+          </a:solidFill>
+          <a:ln>
+            <a:noFill/>
+          </a:ln>
+          <a:effectLst/>
+        </c:spPr>
+        <c:marker>
+          <c:symbol val="none"/>
+        </c:marker>
+        <c:dLbl>
+          <c:idx val="0"/>
+          <c:spPr>
+            <a:noFill/>
+            <a:ln>
+              <a:noFill/>
+            </a:ln>
+            <a:effectLst/>
+          </c:spPr>
+          <c:txPr>
+            <a:bodyPr rot="0" spcFirstLastPara="1" vertOverflow="ellipsis" vert="horz" wrap="square" lIns="38100" tIns="19050" rIns="38100" bIns="19050" anchor="ctr" anchorCtr="1">
+              <a:spAutoFit/>
+            </a:bodyPr>
+            <a:lstStyle/>
+            <a:p>
+              <a:pPr>
+                <a:defRPr sz="900" b="0" i="0" u="none" strike="noStrike" kern="1200" baseline="0">
+                  <a:solidFill>
+                    <a:schemeClr val="tx1">
+                      <a:lumMod val="75000"/>
+                      <a:lumOff val="25000"/>
+                    </a:schemeClr>
+                  </a:solidFill>
+                  <a:latin typeface="+mn-lt"/>
+                  <a:ea typeface="+mn-ea"/>
+                  <a:cs typeface="+mn-cs"/>
+                </a:defRPr>
+              </a:pPr>
+              <a:endParaRPr lang="zh-CN"/>
+            </a:p>
+          </c:txPr>
+          <c:showLegendKey val="0"/>
+          <c:showVal val="1"/>
+          <c:showCatName val="0"/>
+          <c:showSerName val="0"/>
+          <c:showPercent val="0"/>
+          <c:showBubbleSize val="0"/>
+          <c:extLst>
+            <c:ext xmlns:c15="http://schemas.microsoft.com/office/drawing/2012/chart" uri="{CE6537A1-D6FC-4f65-9D91-7224C49458BB}"/>
+          </c:extLst>
+        </c:dLbl>
+      </c:pivotFmt>
+    </c:pivotFmts>
+    <c:plotArea>
+      <c:layout/>
+      <c:barChart>
+        <c:barDir val="bar"/>
+        <c:grouping val="clustered"/>
+        <c:varyColors val="0"/>
+        <c:ser>
+          <c:idx val="0"/>
+          <c:order val="0"/>
+          <c:tx>
+            <c:strRef>
+              <c:f>'不同学历学员每周花在学习上的时间-透视表'!$B$3</c:f>
+              <c:strCache>
+                <c:ptCount val="1"/>
+                <c:pt idx="0">
+                  <c:v>汇总</c:v>
+                </c:pt>
+              </c:strCache>
+            </c:strRef>
+          </c:tx>
+          <c:spPr>
+            <a:solidFill>
+              <a:schemeClr val="accent1"/>
+            </a:solidFill>
+            <a:ln>
+              <a:noFill/>
+            </a:ln>
+            <a:effectLst/>
+          </c:spPr>
+          <c:invertIfNegative val="0"/>
+          <c:dLbls>
+            <c:spPr>
+              <a:noFill/>
+              <a:ln>
+                <a:noFill/>
+              </a:ln>
+              <a:effectLst/>
+            </c:spPr>
+            <c:txPr>
+              <a:bodyPr rot="0" spcFirstLastPara="1" vertOverflow="ellipsis" vert="horz" wrap="square" lIns="38100" tIns="19050" rIns="38100" bIns="19050" anchor="ctr" anchorCtr="1">
+                <a:spAutoFit/>
+              </a:bodyPr>
+              <a:lstStyle/>
+              <a:p>
+                <a:pPr>
+                  <a:defRPr sz="900" b="0" i="0" u="none" strike="noStrike" kern="1200" baseline="0">
+                    <a:solidFill>
+                      <a:schemeClr val="tx1">
+                        <a:lumMod val="75000"/>
+                        <a:lumOff val="25000"/>
+                      </a:schemeClr>
+                    </a:solidFill>
+                    <a:latin typeface="+mn-lt"/>
+                    <a:ea typeface="+mn-ea"/>
+                    <a:cs typeface="+mn-cs"/>
+                  </a:defRPr>
+                </a:pPr>
+                <a:endParaRPr lang="zh-CN"/>
+              </a:p>
+            </c:txPr>
+            <c:showLegendKey val="0"/>
+            <c:showVal val="1"/>
+            <c:showCatName val="0"/>
+            <c:showSerName val="0"/>
+            <c:showPercent val="0"/>
+            <c:showBubbleSize val="0"/>
+            <c:showLeaderLines val="0"/>
+            <c:extLst>
+              <c:ext xmlns:c15="http://schemas.microsoft.com/office/drawing/2012/chart" uri="{CE6537A1-D6FC-4f65-9D91-7224C49458BB}">
+                <c15:showLeaderLines val="1"/>
+                <c15:leaderLines>
+                  <c:spPr>
+                    <a:ln w="9525" cap="flat" cmpd="sng" algn="ctr">
+                      <a:solidFill>
+                        <a:schemeClr val="tx1">
+                          <a:lumMod val="35000"/>
+                          <a:lumOff val="65000"/>
+                        </a:schemeClr>
+                      </a:solidFill>
+                      <a:round/>
+                    </a:ln>
+                    <a:effectLst/>
+                  </c:spPr>
+                </c15:leaderLines>
+              </c:ext>
+            </c:extLst>
+          </c:dLbls>
+          <c:cat>
+            <c:strRef>
+              <c:f>'不同学历学员每周花在学习上的时间-透视表'!$A$4:$A$10</c:f>
+              <c:strCache>
+                <c:ptCount val="6"/>
+                <c:pt idx="0">
+                  <c:v>Bachelors</c:v>
+                </c:pt>
+                <c:pt idx="1">
+                  <c:v>Masters</c:v>
+                </c:pt>
+                <c:pt idx="2">
+                  <c:v>PhD</c:v>
+                </c:pt>
+                <c:pt idx="3">
+                  <c:v>Nanodegree Program</c:v>
+                </c:pt>
+                <c:pt idx="4">
+                  <c:v>High school or below</c:v>
+                </c:pt>
+                <c:pt idx="5">
+                  <c:v>Associates</c:v>
+                </c:pt>
+              </c:strCache>
+            </c:strRef>
+          </c:cat>
+          <c:val>
+            <c:numRef>
+              <c:f>'不同学历学员每周花在学习上的时间-透视表'!$B$4:$B$10</c:f>
+              <c:numCache>
+                <c:formatCode>General</c:formatCode>
+                <c:ptCount val="6"/>
+                <c:pt idx="0">
+                  <c:v>2022</c:v>
+                </c:pt>
+                <c:pt idx="1">
+                  <c:v>1869</c:v>
+                </c:pt>
+                <c:pt idx="2">
+                  <c:v>418</c:v>
+                </c:pt>
+                <c:pt idx="3">
+                  <c:v>367</c:v>
+                </c:pt>
+                <c:pt idx="4">
+                  <c:v>138</c:v>
+                </c:pt>
+                <c:pt idx="5">
+                  <c:v>67</c:v>
+                </c:pt>
+              </c:numCache>
+            </c:numRef>
+          </c:val>
+          <c:extLst>
+            <c:ext xmlns:c16="http://schemas.microsoft.com/office/drawing/2014/chart" uri="{C3380CC4-5D6E-409C-BE32-E72D297353CC}">
+              <c16:uniqueId val="{00000000-BDE0-480C-805A-D55ECCBEAF41}"/>
+            </c:ext>
+          </c:extLst>
+        </c:ser>
+        <c:dLbls>
+          <c:showLegendKey val="0"/>
+          <c:showVal val="1"/>
+          <c:showCatName val="0"/>
+          <c:showSerName val="0"/>
+          <c:showPercent val="0"/>
+          <c:showBubbleSize val="0"/>
+        </c:dLbls>
+        <c:gapWidth val="150"/>
+        <c:overlap val="-25"/>
+        <c:axId val="715502648"/>
+        <c:axId val="715504616"/>
+      </c:barChart>
+      <c:catAx>
+        <c:axId val="715502648"/>
+        <c:scaling>
+          <c:orientation val="minMax"/>
+        </c:scaling>
+        <c:delete val="0"/>
+        <c:axPos val="l"/>
+        <c:numFmt formatCode="General" sourceLinked="1"/>
+        <c:majorTickMark val="none"/>
+        <c:minorTickMark val="none"/>
+        <c:tickLblPos val="nextTo"/>
+        <c:spPr>
+          <a:noFill/>
+          <a:ln w="9525" cap="flat" cmpd="sng" algn="ctr">
+            <a:solidFill>
+              <a:schemeClr val="tx1">
+                <a:lumMod val="15000"/>
+                <a:lumOff val="85000"/>
+              </a:schemeClr>
+            </a:solidFill>
+            <a:round/>
+          </a:ln>
+          <a:effectLst/>
+        </c:spPr>
+        <c:txPr>
+          <a:bodyPr rot="-60000000" spcFirstLastPara="1" vertOverflow="ellipsis" vert="horz" wrap="square" anchor="ctr" anchorCtr="1"/>
+          <a:lstStyle/>
+          <a:p>
+            <a:pPr>
+              <a:defRPr sz="900" b="0" i="0" u="none" strike="noStrike" kern="1200" baseline="0">
+                <a:solidFill>
+                  <a:schemeClr val="tx1">
+                    <a:lumMod val="65000"/>
+                    <a:lumOff val="35000"/>
+                  </a:schemeClr>
+                </a:solidFill>
+                <a:latin typeface="+mn-lt"/>
+                <a:ea typeface="+mn-ea"/>
+                <a:cs typeface="+mn-cs"/>
+              </a:defRPr>
+            </a:pPr>
+            <a:endParaRPr lang="zh-CN"/>
+          </a:p>
+        </c:txPr>
+        <c:crossAx val="715504616"/>
+        <c:crosses val="autoZero"/>
+        <c:auto val="1"/>
+        <c:lblAlgn val="ctr"/>
+        <c:lblOffset val="100"/>
+        <c:noMultiLvlLbl val="0"/>
+      </c:catAx>
+      <c:valAx>
+        <c:axId val="715504616"/>
+        <c:scaling>
+          <c:orientation val="minMax"/>
+        </c:scaling>
+        <c:delete val="1"/>
+        <c:axPos val="b"/>
+        <c:numFmt formatCode="General" sourceLinked="1"/>
+        <c:majorTickMark val="none"/>
+        <c:minorTickMark val="none"/>
+        <c:tickLblPos val="nextTo"/>
+        <c:crossAx val="715502648"/>
+        <c:crosses val="autoZero"/>
+        <c:crossBetween val="between"/>
+      </c:valAx>
+      <c:spPr>
+        <a:noFill/>
+        <a:ln>
+          <a:noFill/>
+        </a:ln>
+        <a:effectLst/>
+      </c:spPr>
+    </c:plotArea>
+    <c:plotVisOnly val="1"/>
+    <c:dispBlanksAs val="gap"/>
+    <c:extLst>
+      <c:ext xmlns:c16r3="http://schemas.microsoft.com/office/drawing/2017/03/chart" uri="{56B9EC1D-385E-4148-901F-78D8002777C0}">
+        <c16r3:dataDisplayOptions16>
+          <c16r3:dispNaAsBlank val="1"/>
+        </c16r3:dataDisplayOptions16>
+      </c:ext>
+    </c:extLst>
+    <c:showDLblsOverMax val="0"/>
+  </c:chart>
+  <c:spPr>
+    <a:noFill/>
+    <a:ln>
+      <a:noFill/>
+    </a:ln>
+    <a:effectLst/>
+  </c:spPr>
+  <c:txPr>
+    <a:bodyPr/>
+    <a:lstStyle/>
+    <a:p>
+      <a:pPr>
+        <a:defRPr/>
+      </a:pPr>
+      <a:endParaRPr lang="zh-CN"/>
+    </a:p>
+  </c:txPr>
+  <c:externalData r:id="rId3">
+    <c:autoUpdate val="0"/>
+  </c:externalData>
+  <c:extLst>
+    <c:ext xmlns:c14="http://schemas.microsoft.com/office/drawing/2007/8/2/chart" uri="{781A3756-C4B2-4CAC-9D66-4F8BD8637D16}">
+      <c14:pivotOptions>
+        <c14:dropZoneFilter val="1"/>
+        <c14:dropZoneCategories val="1"/>
+        <c14:dropZoneData val="1"/>
+        <c14:dropZonesVisible val="1"/>
+      </c14:pivotOptions>
+    </c:ext>
+    <c:ext xmlns:c16="http://schemas.microsoft.com/office/drawing/2014/chart" uri="{E28EC0CA-F0BB-4C9C-879D-F8772B89E7AC}">
+      <c16:pivotOptions16>
+        <c16:showExpandCollapseFieldButtons val="1"/>
+      </c16:pivotOptions16>
+    </c:ext>
+  </c:extLst>
+</c:chartSpace>
+</file>
+
+<file path=ppt/charts/chartEx1.xml><?xml version="1.0" encoding="utf-8"?>
+<cx:chartSpace xmlns:a="http://schemas.openxmlformats.org/drawingml/2006/main" xmlns:r="http://schemas.openxmlformats.org/officeDocument/2006/relationships" xmlns:cx="http://schemas.microsoft.com/office/drawing/2014/chartex">
+  <cx:chartData>
+    <cx:externalData r:id="rId1" cx:autoUpdate="0"/>
+    <cx:data id="0">
+      <cx:numDim type="val">
+        <cx:f>学员对Udacity评价!$BP$2:$BP$695</cx:f>
+        <cx:lvl ptCount="694" formatCode="G/通用格式">
+          <cx:pt idx="0">8</cx:pt>
+          <cx:pt idx="1">10</cx:pt>
+          <cx:pt idx="2">10</cx:pt>
+          <cx:pt idx="3">10</cx:pt>
+          <cx:pt idx="4">9</cx:pt>
+          <cx:pt idx="5">10</cx:pt>
+          <cx:pt idx="6">10</cx:pt>
+          <cx:pt idx="7">9</cx:pt>
+          <cx:pt idx="8">10</cx:pt>
+          <cx:pt idx="9">8</cx:pt>
+          <cx:pt idx="10">10</cx:pt>
+          <cx:pt idx="11">10</cx:pt>
+          <cx:pt idx="12">8</cx:pt>
+          <cx:pt idx="13">8</cx:pt>
+          <cx:pt idx="14">10</cx:pt>
+          <cx:pt idx="15">10</cx:pt>
+          <cx:pt idx="16">8</cx:pt>
+          <cx:pt idx="17">8</cx:pt>
+          <cx:pt idx="18">9</cx:pt>
+          <cx:pt idx="19">8</cx:pt>
+          <cx:pt idx="20">9</cx:pt>
+          <cx:pt idx="21">8</cx:pt>
+          <cx:pt idx="22">7</cx:pt>
+          <cx:pt idx="23">10</cx:pt>
+          <cx:pt idx="24">10</cx:pt>
+          <cx:pt idx="25">7</cx:pt>
+          <cx:pt idx="26">10</cx:pt>
+          <cx:pt idx="27">9</cx:pt>
+          <cx:pt idx="28">8</cx:pt>
+          <cx:pt idx="29">8</cx:pt>
+          <cx:pt idx="30">10</cx:pt>
+          <cx:pt idx="31">10</cx:pt>
+          <cx:pt idx="32">10</cx:pt>
+          <cx:pt idx="33">9</cx:pt>
+          <cx:pt idx="34">10</cx:pt>
+          <cx:pt idx="35">10</cx:pt>
+          <cx:pt idx="36">9</cx:pt>
+          <cx:pt idx="37">10</cx:pt>
+          <cx:pt idx="38">6</cx:pt>
+          <cx:pt idx="39">7</cx:pt>
+          <cx:pt idx="40">8</cx:pt>
+          <cx:pt idx="41">10</cx:pt>
+          <cx:pt idx="42">10</cx:pt>
+          <cx:pt idx="43">10</cx:pt>
+          <cx:pt idx="44">10</cx:pt>
+          <cx:pt idx="45">10</cx:pt>
+          <cx:pt idx="46">10</cx:pt>
+          <cx:pt idx="47">10</cx:pt>
+          <cx:pt idx="48">10</cx:pt>
+          <cx:pt idx="49">9</cx:pt>
+          <cx:pt idx="50">10</cx:pt>
+          <cx:pt idx="51">10</cx:pt>
+          <cx:pt idx="52">8</cx:pt>
+          <cx:pt idx="53">8</cx:pt>
+          <cx:pt idx="54">10</cx:pt>
+          <cx:pt idx="55">10</cx:pt>
+          <cx:pt idx="56">10</cx:pt>
+          <cx:pt idx="57">7</cx:pt>
+          <cx:pt idx="58">9</cx:pt>
+          <cx:pt idx="59">10</cx:pt>
+          <cx:pt idx="60">8</cx:pt>
+          <cx:pt idx="61">10</cx:pt>
+          <cx:pt idx="62">8</cx:pt>
+          <cx:pt idx="63">9</cx:pt>
+          <cx:pt idx="64">8</cx:pt>
+          <cx:pt idx="65">9</cx:pt>
+          <cx:pt idx="66">10</cx:pt>
+          <cx:pt idx="67">10</cx:pt>
+          <cx:pt idx="68">10</cx:pt>
+          <cx:pt idx="69">10</cx:pt>
+          <cx:pt idx="70">10</cx:pt>
+          <cx:pt idx="71">8</cx:pt>
+          <cx:pt idx="72">9</cx:pt>
+          <cx:pt idx="73">10</cx:pt>
+          <cx:pt idx="74">6</cx:pt>
+          <cx:pt idx="75">9</cx:pt>
+          <cx:pt idx="76">9</cx:pt>
+          <cx:pt idx="77">10</cx:pt>
+          <cx:pt idx="78">10</cx:pt>
+          <cx:pt idx="79">10</cx:pt>
+          <cx:pt idx="80">10</cx:pt>
+          <cx:pt idx="81">10</cx:pt>
+          <cx:pt idx="82">10</cx:pt>
+          <cx:pt idx="83">10</cx:pt>
+          <cx:pt idx="84">10</cx:pt>
+          <cx:pt idx="85">6</cx:pt>
+          <cx:pt idx="86">8</cx:pt>
+          <cx:pt idx="87">9</cx:pt>
+          <cx:pt idx="88">2</cx:pt>
+          <cx:pt idx="89">4</cx:pt>
+          <cx:pt idx="90">9</cx:pt>
+          <cx:pt idx="91">9</cx:pt>
+          <cx:pt idx="92">7</cx:pt>
+          <cx:pt idx="93">8</cx:pt>
+          <cx:pt idx="94">8</cx:pt>
+          <cx:pt idx="95">10</cx:pt>
+          <cx:pt idx="96">7</cx:pt>
+          <cx:pt idx="97">8</cx:pt>
+          <cx:pt idx="98">9</cx:pt>
+          <cx:pt idx="99">8</cx:pt>
+          <cx:pt idx="100">10</cx:pt>
+          <cx:pt idx="101">10</cx:pt>
+          <cx:pt idx="102">8</cx:pt>
+          <cx:pt idx="103">9</cx:pt>
+          <cx:pt idx="104">10</cx:pt>
+          <cx:pt idx="105">9</cx:pt>
+          <cx:pt idx="106">10</cx:pt>
+          <cx:pt idx="107">10</cx:pt>
+          <cx:pt idx="108">9</cx:pt>
+          <cx:pt idx="109">9</cx:pt>
+          <cx:pt idx="110">10</cx:pt>
+          <cx:pt idx="111">10</cx:pt>
+          <cx:pt idx="112">7</cx:pt>
+          <cx:pt idx="113">9</cx:pt>
+          <cx:pt idx="114">10</cx:pt>
+          <cx:pt idx="115">9</cx:pt>
+          <cx:pt idx="116">10</cx:pt>
+          <cx:pt idx="117">10</cx:pt>
+          <cx:pt idx="118">9</cx:pt>
+          <cx:pt idx="119">10</cx:pt>
+          <cx:pt idx="120">9</cx:pt>
+          <cx:pt idx="121">6</cx:pt>
+          <cx:pt idx="122">10</cx:pt>
+          <cx:pt idx="123">10</cx:pt>
+          <cx:pt idx="124">10</cx:pt>
+          <cx:pt idx="125">9</cx:pt>
+          <cx:pt idx="126">10</cx:pt>
+          <cx:pt idx="127">8</cx:pt>
+          <cx:pt idx="128">10</cx:pt>
+          <cx:pt idx="129">9</cx:pt>
+          <cx:pt idx="130">10</cx:pt>
+          <cx:pt idx="131">10</cx:pt>
+          <cx:pt idx="132">8</cx:pt>
+          <cx:pt idx="133">10</cx:pt>
+          <cx:pt idx="134">7</cx:pt>
+          <cx:pt idx="135">10</cx:pt>
+          <cx:pt idx="136">10</cx:pt>
+          <cx:pt idx="137">10</cx:pt>
+          <cx:pt idx="138">10</cx:pt>
+          <cx:pt idx="139">7</cx:pt>
+          <cx:pt idx="140">10</cx:pt>
+          <cx:pt idx="141">10</cx:pt>
+          <cx:pt idx="142">10</cx:pt>
+          <cx:pt idx="143">10</cx:pt>
+          <cx:pt idx="144">10</cx:pt>
+          <cx:pt idx="145">10</cx:pt>
+          <cx:pt idx="146">10</cx:pt>
+          <cx:pt idx="147">9</cx:pt>
+          <cx:pt idx="148">9</cx:pt>
+          <cx:pt idx="149">8</cx:pt>
+          <cx:pt idx="150">10</cx:pt>
+          <cx:pt idx="151">10</cx:pt>
+          <cx:pt idx="152">10</cx:pt>
+          <cx:pt idx="153">9</cx:pt>
+          <cx:pt idx="154">6</cx:pt>
+          <cx:pt idx="155">10</cx:pt>
+          <cx:pt idx="156">7</cx:pt>
+          <cx:pt idx="157">10</cx:pt>
+          <cx:pt idx="158">10</cx:pt>
+          <cx:pt idx="159">9</cx:pt>
+          <cx:pt idx="160">10</cx:pt>
+          <cx:pt idx="161">10</cx:pt>
+          <cx:pt idx="162">10</cx:pt>
+          <cx:pt idx="163">10</cx:pt>
+          <cx:pt idx="164">6</cx:pt>
+          <cx:pt idx="165">10</cx:pt>
+          <cx:pt idx="166">9</cx:pt>
+          <cx:pt idx="167">10</cx:pt>
+          <cx:pt idx="168">9</cx:pt>
+          <cx:pt idx="169">10</cx:pt>
+          <cx:pt idx="170">9</cx:pt>
+          <cx:pt idx="171">8</cx:pt>
+          <cx:pt idx="172">8</cx:pt>
+          <cx:pt idx="173">10</cx:pt>
+          <cx:pt idx="174">10</cx:pt>
+          <cx:pt idx="175">8</cx:pt>
+          <cx:pt idx="176">10</cx:pt>
+          <cx:pt idx="177">8</cx:pt>
+          <cx:pt idx="178">9</cx:pt>
+          <cx:pt idx="179">10</cx:pt>
+          <cx:pt idx="180">10</cx:pt>
+          <cx:pt idx="181">9</cx:pt>
+          <cx:pt idx="182">10</cx:pt>
+          <cx:pt idx="183">10</cx:pt>
+          <cx:pt idx="184">9</cx:pt>
+          <cx:pt idx="185">10</cx:pt>
+          <cx:pt idx="186">10</cx:pt>
+          <cx:pt idx="187">10</cx:pt>
+          <cx:pt idx="188">10</cx:pt>
+          <cx:pt idx="189">9</cx:pt>
+          <cx:pt idx="190">8</cx:pt>
+          <cx:pt idx="191">9</cx:pt>
+          <cx:pt idx="192">8</cx:pt>
+          <cx:pt idx="193">7</cx:pt>
+          <cx:pt idx="194">10</cx:pt>
+          <cx:pt idx="195">10</cx:pt>
+          <cx:pt idx="196">7</cx:pt>
+          <cx:pt idx="197">10</cx:pt>
+          <cx:pt idx="198">8</cx:pt>
+          <cx:pt idx="199">10</cx:pt>
+          <cx:pt idx="200">10</cx:pt>
+          <cx:pt idx="201">8</cx:pt>
+          <cx:pt idx="202">10</cx:pt>
+          <cx:pt idx="203">10</cx:pt>
+          <cx:pt idx="204">10</cx:pt>
+          <cx:pt idx="205">9</cx:pt>
+          <cx:pt idx="206">9</cx:pt>
+          <cx:pt idx="207">10</cx:pt>
+          <cx:pt idx="208">9</cx:pt>
+          <cx:pt idx="209">10</cx:pt>
+          <cx:pt idx="210">10</cx:pt>
+          <cx:pt idx="211">10</cx:pt>
+          <cx:pt idx="212">10</cx:pt>
+          <cx:pt idx="213">8</cx:pt>
+          <cx:pt idx="214">10</cx:pt>
+          <cx:pt idx="215">10</cx:pt>
+          <cx:pt idx="216">10</cx:pt>
+          <cx:pt idx="217">10</cx:pt>
+          <cx:pt idx="218">10</cx:pt>
+          <cx:pt idx="219">10</cx:pt>
+          <cx:pt idx="220">10</cx:pt>
+          <cx:pt idx="221">10</cx:pt>
+          <cx:pt idx="222">10</cx:pt>
+          <cx:pt idx="223">10</cx:pt>
+          <cx:pt idx="224">8</cx:pt>
+          <cx:pt idx="225">10</cx:pt>
+          <cx:pt idx="226">10</cx:pt>
+          <cx:pt idx="227">9</cx:pt>
+          <cx:pt idx="228">10</cx:pt>
+          <cx:pt idx="229">10</cx:pt>
+          <cx:pt idx="230">10</cx:pt>
+          <cx:pt idx="231">10</cx:pt>
+          <cx:pt idx="232">10</cx:pt>
+          <cx:pt idx="233">10</cx:pt>
+          <cx:pt idx="234">10</cx:pt>
+          <cx:pt idx="235">9</cx:pt>
+          <cx:pt idx="236">10</cx:pt>
+          <cx:pt idx="237">8</cx:pt>
+          <cx:pt idx="238">10</cx:pt>
+          <cx:pt idx="239">10</cx:pt>
+          <cx:pt idx="240">7</cx:pt>
+          <cx:pt idx="241">7</cx:pt>
+          <cx:pt idx="242">10</cx:pt>
+          <cx:pt idx="243">8</cx:pt>
+          <cx:pt idx="244">10</cx:pt>
+          <cx:pt idx="245">9</cx:pt>
+          <cx:pt idx="246">7</cx:pt>
+          <cx:pt idx="247">10</cx:pt>
+          <cx:pt idx="248">8</cx:pt>
+          <cx:pt idx="249">9</cx:pt>
+          <cx:pt idx="250">10</cx:pt>
+          <cx:pt idx="251">10</cx:pt>
+          <cx:pt idx="252">10</cx:pt>
+          <cx:pt idx="253">10</cx:pt>
+          <cx:pt idx="254">10</cx:pt>
+          <cx:pt idx="255">10</cx:pt>
+          <cx:pt idx="256">9</cx:pt>
+          <cx:pt idx="257">10</cx:pt>
+          <cx:pt idx="258">10</cx:pt>
+          <cx:pt idx="259">10</cx:pt>
+          <cx:pt idx="260">8</cx:pt>
+          <cx:pt idx="261">7</cx:pt>
+          <cx:pt idx="262">9</cx:pt>
+          <cx:pt idx="263">8</cx:pt>
+          <cx:pt idx="264">10</cx:pt>
+          <cx:pt idx="265">8</cx:pt>
+          <cx:pt idx="266">10</cx:pt>
+          <cx:pt idx="267">7</cx:pt>
+          <cx:pt idx="268">10</cx:pt>
+          <cx:pt idx="269">10</cx:pt>
+          <cx:pt idx="270">7</cx:pt>
+          <cx:pt idx="271">10</cx:pt>
+          <cx:pt idx="272">8</cx:pt>
+          <cx:pt idx="273">10</cx:pt>
+          <cx:pt idx="274">10</cx:pt>
+          <cx:pt idx="275">8</cx:pt>
+          <cx:pt idx="276">10</cx:pt>
+          <cx:pt idx="277">10</cx:pt>
+          <cx:pt idx="278">10</cx:pt>
+          <cx:pt idx="279">10</cx:pt>
+          <cx:pt idx="280">10</cx:pt>
+          <cx:pt idx="281">5</cx:pt>
+          <cx:pt idx="282">7</cx:pt>
+          <cx:pt idx="283">10</cx:pt>
+          <cx:pt idx="284">10</cx:pt>
+          <cx:pt idx="285">6</cx:pt>
+          <cx:pt idx="286">8</cx:pt>
+          <cx:pt idx="287">7</cx:pt>
+          <cx:pt idx="288">8</cx:pt>
+          <cx:pt idx="289">9</cx:pt>
+          <cx:pt idx="290">9</cx:pt>
+          <cx:pt idx="291">9</cx:pt>
+          <cx:pt idx="292">10</cx:pt>
+          <cx:pt idx="293">6</cx:pt>
+          <cx:pt idx="294">10</cx:pt>
+          <cx:pt idx="295">8</cx:pt>
+          <cx:pt idx="296">9</cx:pt>
+          <cx:pt idx="297">9</cx:pt>
+          <cx:pt idx="298">10</cx:pt>
+          <cx:pt idx="299">9</cx:pt>
+          <cx:pt idx="300">9</cx:pt>
+          <cx:pt idx="301">10</cx:pt>
+          <cx:pt idx="302">10</cx:pt>
+          <cx:pt idx="303">10</cx:pt>
+          <cx:pt idx="304">9</cx:pt>
+          <cx:pt idx="305">9</cx:pt>
+          <cx:pt idx="306">10</cx:pt>
+          <cx:pt idx="307">4</cx:pt>
+          <cx:pt idx="308">10</cx:pt>
+          <cx:pt idx="309">7</cx:pt>
+          <cx:pt idx="310">10</cx:pt>
+          <cx:pt idx="311">10</cx:pt>
+          <cx:pt idx="312">9</cx:pt>
+          <cx:pt idx="313">10</cx:pt>
+          <cx:pt idx="314">10</cx:pt>
+          <cx:pt idx="315">6</cx:pt>
+          <cx:pt idx="316">10</cx:pt>
+          <cx:pt idx="317">10</cx:pt>
+          <cx:pt idx="318">8</cx:pt>
+          <cx:pt idx="319">9</cx:pt>
+          <cx:pt idx="320">9</cx:pt>
+          <cx:pt idx="321">8</cx:pt>
+          <cx:pt idx="322">10</cx:pt>
+          <cx:pt idx="323">8</cx:pt>
+          <cx:pt idx="324">10</cx:pt>
+          <cx:pt idx="325">10</cx:pt>
+          <cx:pt idx="326">9</cx:pt>
+          <cx:pt idx="327">8</cx:pt>
+          <cx:pt idx="328">9</cx:pt>
+          <cx:pt idx="329">10</cx:pt>
+          <cx:pt idx="330">8</cx:pt>
+          <cx:pt idx="331">10</cx:pt>
+          <cx:pt idx="332">9</cx:pt>
+          <cx:pt idx="333">10</cx:pt>
+          <cx:pt idx="334">10</cx:pt>
+          <cx:pt idx="335">8</cx:pt>
+          <cx:pt idx="336">8</cx:pt>
+          <cx:pt idx="337">9</cx:pt>
+          <cx:pt idx="338">8</cx:pt>
+          <cx:pt idx="339">7</cx:pt>
+          <cx:pt idx="340">9</cx:pt>
+          <cx:pt idx="341">8</cx:pt>
+          <cx:pt idx="342">6</cx:pt>
+          <cx:pt idx="343">10</cx:pt>
+          <cx:pt idx="344">10</cx:pt>
+          <cx:pt idx="345">10</cx:pt>
+          <cx:pt idx="346">8</cx:pt>
+          <cx:pt idx="347">10</cx:pt>
+          <cx:pt idx="348">6</cx:pt>
+          <cx:pt idx="349">8</cx:pt>
+          <cx:pt idx="350">10</cx:pt>
+          <cx:pt idx="351">7</cx:pt>
+          <cx:pt idx="352">9</cx:pt>
+          <cx:pt idx="353">7</cx:pt>
+          <cx:pt idx="354">7</cx:pt>
+          <cx:pt idx="355">10</cx:pt>
+          <cx:pt idx="356">7</cx:pt>
+          <cx:pt idx="357">10</cx:pt>
+          <cx:pt idx="358">10</cx:pt>
+          <cx:pt idx="359">10</cx:pt>
+          <cx:pt idx="360">6</cx:pt>
+          <cx:pt idx="361">10</cx:pt>
+          <cx:pt idx="362">8</cx:pt>
+          <cx:pt idx="363">7</cx:pt>
+          <cx:pt idx="364">10</cx:pt>
+          <cx:pt idx="365">9</cx:pt>
+          <cx:pt idx="366">10</cx:pt>
+          <cx:pt idx="367">9</cx:pt>
+          <cx:pt idx="368">8</cx:pt>
+          <cx:pt idx="369">10</cx:pt>
+          <cx:pt idx="370">9</cx:pt>
+          <cx:pt idx="371">7</cx:pt>
+          <cx:pt idx="372">10</cx:pt>
+          <cx:pt idx="373">7</cx:pt>
+          <cx:pt idx="374">10</cx:pt>
+          <cx:pt idx="375">9</cx:pt>
+          <cx:pt idx="376">10</cx:pt>
+          <cx:pt idx="377">10</cx:pt>
+          <cx:pt idx="378">10</cx:pt>
+          <cx:pt idx="379">9</cx:pt>
+          <cx:pt idx="380">9</cx:pt>
+          <cx:pt idx="381">10</cx:pt>
+          <cx:pt idx="382">10</cx:pt>
+          <cx:pt idx="383">10</cx:pt>
+          <cx:pt idx="384">10</cx:pt>
+          <cx:pt idx="385">10</cx:pt>
+          <cx:pt idx="386">7</cx:pt>
+          <cx:pt idx="387">8</cx:pt>
+          <cx:pt idx="388">8</cx:pt>
+          <cx:pt idx="389">9</cx:pt>
+          <cx:pt idx="390">10</cx:pt>
+          <cx:pt idx="391">8</cx:pt>
+          <cx:pt idx="392">8</cx:pt>
+          <cx:pt idx="393">10</cx:pt>
+          <cx:pt idx="394">9</cx:pt>
+          <cx:pt idx="395">8</cx:pt>
+          <cx:pt idx="396">7</cx:pt>
+          <cx:pt idx="397">9</cx:pt>
+          <cx:pt idx="398">9</cx:pt>
+          <cx:pt idx="399">10</cx:pt>
+          <cx:pt idx="401">9</cx:pt>
+          <cx:pt idx="402">10</cx:pt>
+          <cx:pt idx="403">9</cx:pt>
+          <cx:pt idx="404">10</cx:pt>
+          <cx:pt idx="405">9</cx:pt>
+          <cx:pt idx="406">9</cx:pt>
+          <cx:pt idx="407">10</cx:pt>
+          <cx:pt idx="408">9</cx:pt>
+          <cx:pt idx="409">10</cx:pt>
+          <cx:pt idx="410">7</cx:pt>
+          <cx:pt idx="411">7</cx:pt>
+          <cx:pt idx="412">7</cx:pt>
+          <cx:pt idx="413">10</cx:pt>
+          <cx:pt idx="414">9</cx:pt>
+          <cx:pt idx="415">10</cx:pt>
+          <cx:pt idx="416">9</cx:pt>
+          <cx:pt idx="417">9</cx:pt>
+          <cx:pt idx="418">9</cx:pt>
+          <cx:pt idx="419">10</cx:pt>
+          <cx:pt idx="420">8</cx:pt>
+          <cx:pt idx="421">10</cx:pt>
+          <cx:pt idx="422">8</cx:pt>
+          <cx:pt idx="423">6</cx:pt>
+          <cx:pt idx="424">9</cx:pt>
+          <cx:pt idx="425">9</cx:pt>
+          <cx:pt idx="426">10</cx:pt>
+          <cx:pt idx="427">10</cx:pt>
+          <cx:pt idx="428">10</cx:pt>
+          <cx:pt idx="429">8</cx:pt>
+          <cx:pt idx="430">10</cx:pt>
+          <cx:pt idx="431">10</cx:pt>
+          <cx:pt idx="432">10</cx:pt>
+          <cx:pt idx="433">9</cx:pt>
+          <cx:pt idx="434">8</cx:pt>
+          <cx:pt idx="435">10</cx:pt>
+          <cx:pt idx="436">10</cx:pt>
+          <cx:pt idx="437">5</cx:pt>
+          <cx:pt idx="438">8</cx:pt>
+          <cx:pt idx="439">10</cx:pt>
+          <cx:pt idx="440">9</cx:pt>
+          <cx:pt idx="441">10</cx:pt>
+          <cx:pt idx="442">10</cx:pt>
+          <cx:pt idx="443">10</cx:pt>
+          <cx:pt idx="444">10</cx:pt>
+          <cx:pt idx="445">9</cx:pt>
+          <cx:pt idx="446">10</cx:pt>
+          <cx:pt idx="447">7</cx:pt>
+          <cx:pt idx="448">9</cx:pt>
+          <cx:pt idx="449">8</cx:pt>
+          <cx:pt idx="450">8</cx:pt>
+          <cx:pt idx="451">9</cx:pt>
+          <cx:pt idx="452">6</cx:pt>
+          <cx:pt idx="453">10</cx:pt>
+          <cx:pt idx="454">10</cx:pt>
+          <cx:pt idx="455">10</cx:pt>
+          <cx:pt idx="456">10</cx:pt>
+          <cx:pt idx="457">10</cx:pt>
+          <cx:pt idx="458">8</cx:pt>
+          <cx:pt idx="459">10</cx:pt>
+          <cx:pt idx="460">9</cx:pt>
+          <cx:pt idx="461">10</cx:pt>
+          <cx:pt idx="462">8</cx:pt>
+          <cx:pt idx="463">10</cx:pt>
+          <cx:pt idx="464">9</cx:pt>
+          <cx:pt idx="465">9</cx:pt>
+          <cx:pt idx="466">10</cx:pt>
+          <cx:pt idx="467">10</cx:pt>
+          <cx:pt idx="468">10</cx:pt>
+          <cx:pt idx="469">10</cx:pt>
+          <cx:pt idx="470">10</cx:pt>
+          <cx:pt idx="471">10</cx:pt>
+          <cx:pt idx="472">8</cx:pt>
+          <cx:pt idx="473">10</cx:pt>
+          <cx:pt idx="474">10</cx:pt>
+          <cx:pt idx="475">6</cx:pt>
+          <cx:pt idx="476">8</cx:pt>
+          <cx:pt idx="477">8</cx:pt>
+          <cx:pt idx="478">9</cx:pt>
+          <cx:pt idx="479">0</cx:pt>
+          <cx:pt idx="480">9</cx:pt>
+          <cx:pt idx="481">10</cx:pt>
+          <cx:pt idx="482">10</cx:pt>
+          <cx:pt idx="483">10</cx:pt>
+          <cx:pt idx="484">5</cx:pt>
+          <cx:pt idx="485">10</cx:pt>
+          <cx:pt idx="486">9</cx:pt>
+          <cx:pt idx="487">8</cx:pt>
+          <cx:pt idx="488">7</cx:pt>
+          <cx:pt idx="489">10</cx:pt>
+          <cx:pt idx="490">4</cx:pt>
+          <cx:pt idx="491">10</cx:pt>
+          <cx:pt idx="492">9</cx:pt>
+          <cx:pt idx="493">9</cx:pt>
+          <cx:pt idx="494">10</cx:pt>
+          <cx:pt idx="495">10</cx:pt>
+          <cx:pt idx="496">10</cx:pt>
+          <cx:pt idx="497">10</cx:pt>
+          <cx:pt idx="498">8</cx:pt>
+          <cx:pt idx="499">9</cx:pt>
+          <cx:pt idx="500">10</cx:pt>
+          <cx:pt idx="501">10</cx:pt>
+          <cx:pt idx="502">9</cx:pt>
+          <cx:pt idx="503">10</cx:pt>
+          <cx:pt idx="504">5</cx:pt>
+          <cx:pt idx="505">9</cx:pt>
+          <cx:pt idx="506">9</cx:pt>
+          <cx:pt idx="507">8</cx:pt>
+          <cx:pt idx="508">10</cx:pt>
+          <cx:pt idx="509">10</cx:pt>
+          <cx:pt idx="510">10</cx:pt>
+          <cx:pt idx="511">9</cx:pt>
+          <cx:pt idx="512">10</cx:pt>
+          <cx:pt idx="513">9</cx:pt>
+          <cx:pt idx="514">10</cx:pt>
+          <cx:pt idx="515">5</cx:pt>
+          <cx:pt idx="516">10</cx:pt>
+          <cx:pt idx="517">5</cx:pt>
+          <cx:pt idx="518">9</cx:pt>
+          <cx:pt idx="519">10</cx:pt>
+          <cx:pt idx="520">8</cx:pt>
+          <cx:pt idx="521">10</cx:pt>
+          <cx:pt idx="522">8</cx:pt>
+          <cx:pt idx="523">10</cx:pt>
+          <cx:pt idx="524">7</cx:pt>
+          <cx:pt idx="525">7</cx:pt>
+          <cx:pt idx="526">9</cx:pt>
+          <cx:pt idx="527">9</cx:pt>
+          <cx:pt idx="528">10</cx:pt>
+          <cx:pt idx="529">9</cx:pt>
+          <cx:pt idx="530">10</cx:pt>
+          <cx:pt idx="531">10</cx:pt>
+          <cx:pt idx="532">9</cx:pt>
+          <cx:pt idx="533">8</cx:pt>
+          <cx:pt idx="534">8</cx:pt>
+          <cx:pt idx="535">7</cx:pt>
+          <cx:pt idx="536">10</cx:pt>
+          <cx:pt idx="537">10</cx:pt>
+          <cx:pt idx="538">9</cx:pt>
+          <cx:pt idx="539">10</cx:pt>
+          <cx:pt idx="540">10</cx:pt>
+          <cx:pt idx="541">8</cx:pt>
+          <cx:pt idx="542">10</cx:pt>
+          <cx:pt idx="543">9</cx:pt>
+          <cx:pt idx="544">8</cx:pt>
+          <cx:pt idx="545">10</cx:pt>
+          <cx:pt idx="546">10</cx:pt>
+          <cx:pt idx="547">8</cx:pt>
+          <cx:pt idx="548">10</cx:pt>
+          <cx:pt idx="549">9</cx:pt>
+          <cx:pt idx="550">8</cx:pt>
+          <cx:pt idx="551">10</cx:pt>
+          <cx:pt idx="552">10</cx:pt>
+          <cx:pt idx="553">9</cx:pt>
+          <cx:pt idx="554">8</cx:pt>
+          <cx:pt idx="555">8</cx:pt>
+          <cx:pt idx="556">10</cx:pt>
+          <cx:pt idx="557">10</cx:pt>
+          <cx:pt idx="558">10</cx:pt>
+          <cx:pt idx="559">10</cx:pt>
+          <cx:pt idx="560">10</cx:pt>
+          <cx:pt idx="561">8</cx:pt>
+          <cx:pt idx="562">7</cx:pt>
+          <cx:pt idx="563">9</cx:pt>
+          <cx:pt idx="564">10</cx:pt>
+          <cx:pt idx="565">10</cx:pt>
+          <cx:pt idx="566">10</cx:pt>
+          <cx:pt idx="567">8</cx:pt>
+          <cx:pt idx="568">10</cx:pt>
+          <cx:pt idx="569">10</cx:pt>
+          <cx:pt idx="570">8</cx:pt>
+          <cx:pt idx="571">8</cx:pt>
+          <cx:pt idx="572">10</cx:pt>
+          <cx:pt idx="573">10</cx:pt>
+          <cx:pt idx="574">9</cx:pt>
+          <cx:pt idx="575">8</cx:pt>
+          <cx:pt idx="576">10</cx:pt>
+          <cx:pt idx="577">10</cx:pt>
+          <cx:pt idx="578">7</cx:pt>
+          <cx:pt idx="579">9</cx:pt>
+          <cx:pt idx="580">10</cx:pt>
+          <cx:pt idx="581">9</cx:pt>
+          <cx:pt idx="582">10</cx:pt>
+          <cx:pt idx="583">10</cx:pt>
+          <cx:pt idx="584">10</cx:pt>
+          <cx:pt idx="585">10</cx:pt>
+          <cx:pt idx="586">10</cx:pt>
+          <cx:pt idx="587">10</cx:pt>
+          <cx:pt idx="588">8</cx:pt>
+          <cx:pt idx="589">7</cx:pt>
+          <cx:pt idx="590">10</cx:pt>
+          <cx:pt idx="591">10</cx:pt>
+          <cx:pt idx="592">10</cx:pt>
+          <cx:pt idx="593">10</cx:pt>
+          <cx:pt idx="594">8</cx:pt>
+          <cx:pt idx="595">6</cx:pt>
+          <cx:pt idx="596">7</cx:pt>
+          <cx:pt idx="597">10</cx:pt>
+          <cx:pt idx="598">10</cx:pt>
+          <cx:pt idx="599">10</cx:pt>
+          <cx:pt idx="600">10</cx:pt>
+          <cx:pt idx="601">9</cx:pt>
+          <cx:pt idx="602">10</cx:pt>
+          <cx:pt idx="603">5</cx:pt>
+          <cx:pt idx="604">9</cx:pt>
+          <cx:pt idx="605">9</cx:pt>
+          <cx:pt idx="606">7</cx:pt>
+          <cx:pt idx="607">8</cx:pt>
+          <cx:pt idx="608">10</cx:pt>
+          <cx:pt idx="609">10</cx:pt>
+          <cx:pt idx="610">9</cx:pt>
+          <cx:pt idx="611">10</cx:pt>
+          <cx:pt idx="612">10</cx:pt>
+          <cx:pt idx="613">9</cx:pt>
+          <cx:pt idx="614">8</cx:pt>
+          <cx:pt idx="615">7</cx:pt>
+          <cx:pt idx="616">8</cx:pt>
+          <cx:pt idx="617">9</cx:pt>
+          <cx:pt idx="618">9</cx:pt>
+          <cx:pt idx="619">8</cx:pt>
+          <cx:pt idx="620">8</cx:pt>
+          <cx:pt idx="621">10</cx:pt>
+          <cx:pt idx="622">8</cx:pt>
+          <cx:pt idx="623">9</cx:pt>
+          <cx:pt idx="624">10</cx:pt>
+          <cx:pt idx="625">10</cx:pt>
+          <cx:pt idx="626">10</cx:pt>
+          <cx:pt idx="627">10</cx:pt>
+          <cx:pt idx="628">5</cx:pt>
+          <cx:pt idx="629">9</cx:pt>
+          <cx:pt idx="630">10</cx:pt>
+          <cx:pt idx="631">10</cx:pt>
+          <cx:pt idx="632">10</cx:pt>
+          <cx:pt idx="633">7</cx:pt>
+          <cx:pt idx="634">9</cx:pt>
+          <cx:pt idx="635">10</cx:pt>
+          <cx:pt idx="636">7</cx:pt>
+          <cx:pt idx="637">10</cx:pt>
+          <cx:pt idx="638">7</cx:pt>
+          <cx:pt idx="639">10</cx:pt>
+          <cx:pt idx="640">10</cx:pt>
+          <cx:pt idx="641">10</cx:pt>
+          <cx:pt idx="642">8</cx:pt>
+          <cx:pt idx="643">10</cx:pt>
+          <cx:pt idx="644">9</cx:pt>
+          <cx:pt idx="645">9</cx:pt>
+          <cx:pt idx="646">8</cx:pt>
+          <cx:pt idx="647">10</cx:pt>
+          <cx:pt idx="648">8</cx:pt>
+          <cx:pt idx="649">7</cx:pt>
+          <cx:pt idx="650">10</cx:pt>
+          <cx:pt idx="651">10</cx:pt>
+          <cx:pt idx="652">10</cx:pt>
+          <cx:pt idx="653">8</cx:pt>
+          <cx:pt idx="654">9</cx:pt>
+          <cx:pt idx="655">5</cx:pt>
+          <cx:pt idx="656">10</cx:pt>
+          <cx:pt idx="657">10</cx:pt>
+          <cx:pt idx="658">10</cx:pt>
+          <cx:pt idx="659">7</cx:pt>
+          <cx:pt idx="660">10</cx:pt>
+          <cx:pt idx="661">8</cx:pt>
+          <cx:pt idx="662">10</cx:pt>
+          <cx:pt idx="663">10</cx:pt>
+          <cx:pt idx="664">8</cx:pt>
+          <cx:pt idx="665">8</cx:pt>
+          <cx:pt idx="666">4</cx:pt>
+          <cx:pt idx="667">7</cx:pt>
+          <cx:pt idx="668">10</cx:pt>
+          <cx:pt idx="669">10</cx:pt>
+          <cx:pt idx="670">10</cx:pt>
+          <cx:pt idx="671">8</cx:pt>
+          <cx:pt idx="672">7</cx:pt>
+          <cx:pt idx="673">8</cx:pt>
+          <cx:pt idx="674">9</cx:pt>
+          <cx:pt idx="675">10</cx:pt>
+          <cx:pt idx="676">8</cx:pt>
+          <cx:pt idx="677">10</cx:pt>
+          <cx:pt idx="678">10</cx:pt>
+          <cx:pt idx="679">10</cx:pt>
+          <cx:pt idx="680">10</cx:pt>
+          <cx:pt idx="681">8</cx:pt>
+          <cx:pt idx="682">8</cx:pt>
+          <cx:pt idx="683">10</cx:pt>
+          <cx:pt idx="684">9</cx:pt>
+          <cx:pt idx="685">10</cx:pt>
+          <cx:pt idx="686">9</cx:pt>
+          <cx:pt idx="687">8</cx:pt>
+          <cx:pt idx="688">10</cx:pt>
+          <cx:pt idx="689">8</cx:pt>
+          <cx:pt idx="690">9</cx:pt>
+          <cx:pt idx="691">8</cx:pt>
+        </cx:lvl>
+      </cx:numDim>
+    </cx:data>
+  </cx:chartData>
+  <cx:chart>
+    <cx:title pos="t" align="ctr" overlay="0">
+      <cx:tx>
+        <cx:rich>
+          <a:bodyPr spcFirstLastPara="1" vertOverflow="ellipsis" horzOverflow="overflow" wrap="square" lIns="0" tIns="0" rIns="0" bIns="0" anchor="ctr" anchorCtr="1"/>
+          <a:lstStyle/>
+          <a:p>
+            <a:pPr algn="ctr" rtl="0">
+              <a:defRPr/>
+            </a:pPr>
+            <a:r>
+              <a:rPr lang="zh-CN" altLang="zh-CN" sz="1400" b="0" i="0" u="none" strike="noStrike" baseline="0">
+                <a:solidFill>
+                  <a:sysClr val="windowText" lastClr="000000">
+                    <a:lumMod val="65000"/>
+                    <a:lumOff val="35000"/>
+                  </a:sysClr>
+                </a:solidFill>
+                <a:effectLst/>
+                <a:latin typeface="Calibri" panose="020F0502020204030204"/>
+                <a:ea typeface="等线" panose="02010600030101010101" pitchFamily="2" charset="-122"/>
+                <a:cs typeface="Calibri" panose="020F0502020204030204" pitchFamily="34" charset="0"/>
+              </a:rPr>
+              <a:t>学员们对</a:t>
+            </a:r>
+            <a:r>
+              <a:rPr lang="en-US" altLang="zh-CN" sz="1400" b="0" i="0" u="none" strike="noStrike" baseline="0">
+                <a:solidFill>
+                  <a:sysClr val="windowText" lastClr="000000">
+                    <a:lumMod val="65000"/>
+                    <a:lumOff val="35000"/>
+                  </a:sysClr>
+                </a:solidFill>
+                <a:effectLst/>
+                <a:latin typeface="Calibri" panose="020F0502020204030204"/>
+                <a:ea typeface="等线" panose="02010600030101010101" pitchFamily="2" charset="-122"/>
+                <a:cs typeface="Calibri" panose="020F0502020204030204" pitchFamily="34" charset="0"/>
+              </a:rPr>
+              <a:t>Udacity</a:t>
+            </a:r>
+            <a:r>
+              <a:rPr lang="zh-CN" altLang="zh-CN" sz="1400" b="0" i="0" u="none" strike="noStrike" baseline="0">
+                <a:solidFill>
+                  <a:sysClr val="windowText" lastClr="000000">
+                    <a:lumMod val="65000"/>
+                    <a:lumOff val="35000"/>
+                  </a:sysClr>
+                </a:solidFill>
+                <a:effectLst/>
+                <a:latin typeface="Calibri" panose="020F0502020204030204"/>
+                <a:ea typeface="等线" panose="02010600030101010101" pitchFamily="2" charset="-122"/>
+                <a:cs typeface="Calibri" panose="020F0502020204030204" pitchFamily="34" charset="0"/>
+              </a:rPr>
+              <a:t>的评价</a:t>
+            </a:r>
+            <a:endParaRPr lang="zh-CN" altLang="en-US" sz="1400" b="0" i="0" u="none" strike="noStrike" baseline="0">
+              <a:solidFill>
+                <a:sysClr val="windowText" lastClr="000000">
+                  <a:lumMod val="65000"/>
+                  <a:lumOff val="35000"/>
+                </a:sysClr>
+              </a:solidFill>
+              <a:latin typeface="Calibri" panose="020F0502020204030204"/>
+              <a:ea typeface="等线" panose="02010600030101010101" pitchFamily="2" charset="-122"/>
+            </a:endParaRPr>
+          </a:p>
+        </cx:rich>
+      </cx:tx>
+    </cx:title>
+    <cx:plotArea>
+      <cx:plotAreaRegion>
+        <cx:series layoutId="clusteredColumn" uniqueId="{23658C4E-2A30-4150-99ED-DDB0EF8B948B}">
+          <cx:tx>
+            <cx:txData>
+              <cx:f>学员对Udacity评价!$BP$1</cx:f>
+              <cx:v>How likely is it that you would recommend Udacity to a friend or colleague?</cx:v>
+            </cx:txData>
+          </cx:tx>
+          <cx:dataId val="0"/>
+          <cx:layoutPr>
+            <cx:binning intervalClosed="r"/>
+          </cx:layoutPr>
+        </cx:series>
+      </cx:plotAreaRegion>
+      <cx:axis id="0">
+        <cx:catScaling gapWidth="0"/>
+        <cx:tickLabels/>
+      </cx:axis>
+      <cx:axis id="1">
+        <cx:valScaling/>
+        <cx:majorGridlines/>
+        <cx:tickLabels/>
+      </cx:axis>
+    </cx:plotArea>
+  </cx:chart>
+</cx:chartSpace>
+</file>
+
+<file path=ppt/charts/colors1.xml><?xml version="1.0" encoding="utf-8"?>
+<cs:colorStyle xmlns:cs="http://schemas.microsoft.com/office/drawing/2012/chartStyle" xmlns:a="http://schemas.openxmlformats.org/drawingml/2006/main" meth="cycle" id="10">
+  <a:schemeClr val="accent1"/>
+  <a:schemeClr val="accent2"/>
+  <a:schemeClr val="accent3"/>
+  <a:schemeClr val="accent4"/>
+  <a:schemeClr val="accent5"/>
+  <a:schemeClr val="accent6"/>
+  <cs:variation/>
+  <cs:variation>
+    <a:lumMod val="60000"/>
+  </cs:variation>
+  <cs:variation>
+    <a:lumMod val="80000"/>
+    <a:lumOff val="20000"/>
+  </cs:variation>
+  <cs:variation>
+    <a:lumMod val="80000"/>
+  </cs:variation>
+  <cs:variation>
+    <a:lumMod val="60000"/>
+    <a:lumOff val="40000"/>
+  </cs:variation>
+  <cs:variation>
+    <a:lumMod val="50000"/>
+  </cs:variation>
+  <cs:variation>
+    <a:lumMod val="70000"/>
+    <a:lumOff val="30000"/>
+  </cs:variation>
+  <cs:variation>
+    <a:lumMod val="70000"/>
+  </cs:variation>
+  <cs:variation>
+    <a:lumMod val="50000"/>
+    <a:lumOff val="50000"/>
+  </cs:variation>
+</cs:colorStyle>
+</file>
+
+<file path=ppt/charts/colors2.xml><?xml version="1.0" encoding="utf-8"?>
+<cs:colorStyle xmlns:cs="http://schemas.microsoft.com/office/drawing/2012/chartStyle" xmlns:a="http://schemas.openxmlformats.org/drawingml/2006/main" meth="cycle" id="10">
+  <a:schemeClr val="accent1"/>
+  <a:schemeClr val="accent2"/>
+  <a:schemeClr val="accent3"/>
+  <a:schemeClr val="accent4"/>
+  <a:schemeClr val="accent5"/>
+  <a:schemeClr val="accent6"/>
+  <cs:variation/>
+  <cs:variation>
+    <a:lumMod val="60000"/>
+  </cs:variation>
+  <cs:variation>
+    <a:lumMod val="80000"/>
+    <a:lumOff val="20000"/>
+  </cs:variation>
+  <cs:variation>
+    <a:lumMod val="80000"/>
+  </cs:variation>
+  <cs:variation>
+    <a:lumMod val="60000"/>
+    <a:lumOff val="40000"/>
+  </cs:variation>
+  <cs:variation>
+    <a:lumMod val="50000"/>
+  </cs:variation>
+  <cs:variation>
+    <a:lumMod val="70000"/>
+    <a:lumOff val="30000"/>
+  </cs:variation>
+  <cs:variation>
+    <a:lumMod val="70000"/>
+  </cs:variation>
+  <cs:variation>
+    <a:lumMod val="50000"/>
+    <a:lumOff val="50000"/>
+  </cs:variation>
+</cs:colorStyle>
+</file>
+
+<file path=ppt/charts/style1.xml><?xml version="1.0" encoding="utf-8"?>
+<cs:chartStyle xmlns:cs="http://schemas.microsoft.com/office/drawing/2012/chartStyle" xmlns:a="http://schemas.openxmlformats.org/drawingml/2006/main" id="366">
+  <cs:axisTitle>
+    <cs:lnRef idx="0"/>
+    <cs:fillRef idx="0"/>
+    <cs:effectRef idx="0"/>
+    <cs:fontRef idx="minor">
+      <a:schemeClr val="tx1">
+        <a:lumMod val="65000"/>
+        <a:lumOff val="35000"/>
+      </a:schemeClr>
+    </cs:fontRef>
+    <cs:defRPr sz="900"/>
+  </cs:axisTitle>
+  <cs:categoryAxis>
+    <cs:lnRef idx="0"/>
+    <cs:fillRef idx="0"/>
+    <cs:effectRef idx="0"/>
+    <cs:fontRef idx="minor">
+      <a:schemeClr val="tx1">
+        <a:lumMod val="65000"/>
+        <a:lumOff val="35000"/>
+      </a:schemeClr>
+    </cs:fontRef>
+    <cs:spPr>
+      <a:ln w="9525" cap="flat" cmpd="sng" algn="ctr">
+        <a:solidFill>
+          <a:schemeClr val="tx1">
+            <a:lumMod val="15000"/>
+            <a:lumOff val="85000"/>
+          </a:schemeClr>
+        </a:solidFill>
+        <a:round/>
+      </a:ln>
+    </cs:spPr>
+    <cs:defRPr sz="900"/>
+  </cs:categoryAxis>
+  <cs:chartArea mods="allowNoFillOverride allowNoLineOverride">
+    <cs:lnRef idx="0"/>
+    <cs:fillRef idx="0"/>
+    <cs:effectRef idx="0"/>
+    <cs:fontRef idx="minor">
+      <a:schemeClr val="tx1"/>
+    </cs:fontRef>
+    <cs:spPr>
+      <a:solidFill>
+        <a:schemeClr val="bg1"/>
+      </a:solidFill>
+      <a:ln w="9525" cap="flat" cmpd="sng" algn="ctr">
+        <a:solidFill>
+          <a:schemeClr val="tx1">
+            <a:lumMod val="15000"/>
+            <a:lumOff val="85000"/>
+          </a:schemeClr>
+        </a:solidFill>
+        <a:round/>
+      </a:ln>
+    </cs:spPr>
+    <cs:defRPr sz="1000"/>
+  </cs:chartArea>
+  <cs:dataLabel>
+    <cs:lnRef idx="0"/>
+    <cs:fillRef idx="0"/>
+    <cs:effectRef idx="0"/>
+    <cs:fontRef idx="minor">
+      <a:schemeClr val="tx1">
+        <a:lumMod val="65000"/>
+        <a:lumOff val="35000"/>
+      </a:schemeClr>
+    </cs:fontRef>
+    <cs:defRPr sz="900"/>
+  </cs:dataLabel>
+  <cs:dataLabelCallout>
+    <cs:lnRef idx="0"/>
+    <cs:fillRef idx="0"/>
+    <cs:effectRef idx="0"/>
+    <cs:fontRef idx="minor">
+      <a:schemeClr val="dk1">
+        <a:lumMod val="65000"/>
+        <a:lumOff val="35000"/>
+      </a:schemeClr>
+    </cs:fontRef>
+    <cs:spPr>
+      <a:solidFill>
+        <a:schemeClr val="lt1"/>
+      </a:solidFill>
+      <a:ln>
+        <a:solidFill>
+          <a:schemeClr val="dk1">
+            <a:lumMod val="25000"/>
+            <a:lumOff val="75000"/>
+          </a:schemeClr>
+        </a:solidFill>
+      </a:ln>
+    </cs:spPr>
+    <cs:defRPr sz="900"/>
+    <cs:bodyPr rot="0" spcFirstLastPara="1" vertOverflow="clip" horzOverflow="clip" vert="horz" wrap="square" lIns="36576" tIns="18288" rIns="36576" bIns="18288" anchor="ctr" anchorCtr="1">
+      <a:spAutoFit/>
+    </cs:bodyPr>
+  </cs:dataLabelCallout>
+  <cs:dataPoint>
+    <cs:lnRef idx="0"/>
+    <cs:fillRef idx="0">
+      <cs:styleClr val="auto"/>
+    </cs:fillRef>
+    <cs:effectRef idx="0"/>
+    <cs:fontRef idx="minor">
+      <a:schemeClr val="tx1"/>
+    </cs:fontRef>
+    <cs:spPr>
+      <a:solidFill>
+        <a:schemeClr val="phClr"/>
+      </a:solidFill>
+    </cs:spPr>
+  </cs:dataPoint>
+  <cs:dataPoint3D>
+    <cs:lnRef idx="0"/>
+    <cs:fillRef idx="0">
+      <cs:styleClr val="auto"/>
+    </cs:fillRef>
+    <cs:effectRef idx="0"/>
+    <cs:fontRef idx="minor">
+      <a:schemeClr val="tx1"/>
+    </cs:fontRef>
+    <cs:spPr>
+      <a:solidFill>
+        <a:schemeClr val="phClr"/>
+      </a:solidFill>
+    </cs:spPr>
+  </cs:dataPoint3D>
+  <cs:dataPointLine>
+    <cs:lnRef idx="0">
+      <cs:styleClr val="auto"/>
+    </cs:lnRef>
+    <cs:fillRef idx="0"/>
+    <cs:effectRef idx="0"/>
+    <cs:fontRef idx="minor">
+      <a:schemeClr val="tx1"/>
+    </cs:fontRef>
+    <cs:spPr>
+      <a:ln w="28575" cap="rnd">
+        <a:solidFill>
+          <a:schemeClr val="phClr"/>
+        </a:solidFill>
+        <a:round/>
+      </a:ln>
+    </cs:spPr>
+  </cs:dataPointLine>
+  <cs:dataPointMarker>
+    <cs:lnRef idx="0"/>
+    <cs:fillRef idx="0">
+      <cs:styleClr val="auto"/>
+    </cs:fillRef>
+    <cs:effectRef idx="0"/>
+    <cs:fontRef idx="minor">
+      <a:schemeClr val="tx1"/>
+    </cs:fontRef>
+    <cs:spPr>
+      <a:solidFill>
+        <a:schemeClr val="phClr"/>
+      </a:solidFill>
+      <a:ln w="9525">
+        <a:solidFill>
+          <a:schemeClr val="lt1"/>
+        </a:solidFill>
+      </a:ln>
+    </cs:spPr>
+  </cs:dataPointMarker>
+  <cs:dataPointMarkerLayout symbol="circle" size="5"/>
+  <cs:dataPointWireframe>
+    <cs:lnRef idx="0">
+      <cs:styleClr val="auto"/>
+    </cs:lnRef>
+    <cs:fillRef idx="0"/>
+    <cs:effectRef idx="0"/>
+    <cs:fontRef idx="minor">
+      <a:schemeClr val="tx1"/>
+    </cs:fontRef>
+    <cs:spPr>
+      <a:ln w="28575" cap="rnd">
+        <a:solidFill>
+          <a:schemeClr val="phClr"/>
+        </a:solidFill>
+        <a:round/>
+      </a:ln>
+    </cs:spPr>
+  </cs:dataPointWireframe>
+  <cs:dataTable>
+    <cs:lnRef idx="0"/>
+    <cs:fillRef idx="0"/>
+    <cs:effectRef idx="0"/>
+    <cs:fontRef idx="minor">
+      <a:schemeClr val="tx1">
+        <a:lumMod val="65000"/>
+        <a:lumOff val="35000"/>
+      </a:schemeClr>
+    </cs:fontRef>
+    <cs:spPr>
+      <a:ln w="9525">
+        <a:solidFill>
+          <a:schemeClr val="tx1">
+            <a:lumMod val="15000"/>
+            <a:lumOff val="85000"/>
+          </a:schemeClr>
+        </a:solidFill>
+      </a:ln>
+    </cs:spPr>
+    <cs:defRPr sz="900"/>
+  </cs:dataTable>
+  <cs:downBar>
+    <cs:lnRef idx="0"/>
+    <cs:fillRef idx="0"/>
+    <cs:effectRef idx="0"/>
+    <cs:fontRef idx="minor">
+      <a:schemeClr val="dk1"/>
+    </cs:fontRef>
+    <cs:spPr>
+      <a:solidFill>
+        <a:schemeClr val="dk1">
+          <a:lumMod val="65000"/>
+          <a:lumOff val="35000"/>
+        </a:schemeClr>
+      </a:solidFill>
+      <a:ln w="9525">
+        <a:solidFill>
+          <a:schemeClr val="tx1">
+            <a:lumMod val="65000"/>
+            <a:lumOff val="35000"/>
+          </a:schemeClr>
+        </a:solidFill>
+      </a:ln>
+    </cs:spPr>
+  </cs:downBar>
+  <cs:dropLine>
+    <cs:lnRef idx="0"/>
+    <cs:fillRef idx="0"/>
+    <cs:effectRef idx="0"/>
+    <cs:fontRef idx="minor">
+      <a:schemeClr val="tx1"/>
+    </cs:fontRef>
+    <cs:spPr>
+      <a:ln w="9525" cap="flat" cmpd="sng" algn="ctr">
+        <a:solidFill>
+          <a:schemeClr val="tx1">
+            <a:lumMod val="35000"/>
+            <a:lumOff val="65000"/>
+          </a:schemeClr>
+        </a:solidFill>
+        <a:round/>
+      </a:ln>
+    </cs:spPr>
+  </cs:dropLine>
+  <cs:errorBar>
+    <cs:lnRef idx="0"/>
+    <cs:fillRef idx="0"/>
+    <cs:effectRef idx="0"/>
+    <cs:fontRef idx="minor">
+      <a:schemeClr val="tx1"/>
+    </cs:fontRef>
+    <cs:spPr>
+      <a:ln w="9525" cap="flat" cmpd="sng" algn="ctr">
+        <a:solidFill>
+          <a:schemeClr val="tx1">
+            <a:lumMod val="65000"/>
+            <a:lumOff val="35000"/>
+          </a:schemeClr>
+        </a:solidFill>
+        <a:round/>
+      </a:ln>
+    </cs:spPr>
+  </cs:errorBar>
+  <cs:floor>
+    <cs:lnRef idx="0"/>
+    <cs:fillRef idx="0"/>
+    <cs:effectRef idx="0"/>
+    <cs:fontRef idx="minor">
+      <a:schemeClr val="tx1"/>
+    </cs:fontRef>
+  </cs:floor>
+  <cs:gridlineMajor>
+    <cs:lnRef idx="0"/>
+    <cs:fillRef idx="0"/>
+    <cs:effectRef idx="0"/>
+    <cs:fontRef idx="minor">
+      <a:schemeClr val="tx1"/>
+    </cs:fontRef>
+    <cs:spPr>
+      <a:ln w="9525" cap="flat" cmpd="sng" algn="ctr">
+        <a:solidFill>
+          <a:schemeClr val="tx1">
+            <a:lumMod val="15000"/>
+            <a:lumOff val="85000"/>
+          </a:schemeClr>
+        </a:solidFill>
+        <a:round/>
+      </a:ln>
+    </cs:spPr>
+  </cs:gridlineMajor>
+  <cs:gridlineMinor>
+    <cs:lnRef idx="0"/>
+    <cs:fillRef idx="0"/>
+    <cs:effectRef idx="0"/>
+    <cs:fontRef idx="minor">
+      <a:schemeClr val="tx1"/>
+    </cs:fontRef>
+    <cs:spPr>
+      <a:ln w="9525" cap="flat" cmpd="sng" algn="ctr">
+        <a:solidFill>
+          <a:schemeClr val="tx1">
+            <a:lumMod val="15000"/>
+            <a:lumOff val="85000"/>
+          </a:schemeClr>
+        </a:solidFill>
+        <a:round/>
+      </a:ln>
+    </cs:spPr>
+  </cs:gridlineMinor>
+  <cs:hiLoLine>
+    <cs:lnRef idx="0"/>
+    <cs:fillRef idx="0"/>
+    <cs:effectRef idx="0"/>
+    <cs:fontRef idx="minor">
+      <a:schemeClr val="tx1"/>
+    </cs:fontRef>
+    <cs:spPr>
+      <a:ln w="9525" cap="flat" cmpd="sng" algn="ctr">
+        <a:solidFill>
+          <a:schemeClr val="tx1">
+            <a:lumMod val="75000"/>
+            <a:lumOff val="25000"/>
+          </a:schemeClr>
+        </a:solidFill>
+        <a:round/>
+      </a:ln>
+    </cs:spPr>
+  </cs:hiLoLine>
+  <cs:leaderLine>
+    <cs:lnRef idx="0"/>
+    <cs:fillRef idx="0"/>
+    <cs:effectRef idx="0"/>
+    <cs:fontRef idx="minor">
+      <a:schemeClr val="tx1"/>
+    </cs:fontRef>
+    <cs:spPr>
+      <a:ln w="9525" cap="flat" cmpd="sng" algn="ctr">
+        <a:solidFill>
+          <a:schemeClr val="tx1">
+            <a:lumMod val="35000"/>
+            <a:lumOff val="65000"/>
+          </a:schemeClr>
+        </a:solidFill>
+        <a:round/>
+      </a:ln>
+    </cs:spPr>
+  </cs:leaderLine>
+  <cs:legend>
+    <cs:lnRef idx="0"/>
+    <cs:fillRef idx="0"/>
+    <cs:effectRef idx="0"/>
+    <cs:fontRef idx="minor">
+      <a:schemeClr val="tx1">
+        <a:lumMod val="65000"/>
+        <a:lumOff val="35000"/>
+      </a:schemeClr>
+    </cs:fontRef>
+    <cs:defRPr sz="900"/>
+  </cs:legend>
+  <cs:plotArea mods="allowNoFillOverride allowNoLineOverride">
+    <cs:lnRef idx="0"/>
+    <cs:fillRef idx="0"/>
+    <cs:effectRef idx="0"/>
+    <cs:fontRef idx="minor">
+      <a:schemeClr val="tx1"/>
+    </cs:fontRef>
+  </cs:plotArea>
+  <cs:plotArea3D mods="allowNoFillOverride allowNoLineOverride">
+    <cs:lnRef idx="0"/>
+    <cs:fillRef idx="0"/>
+    <cs:effectRef idx="0"/>
+    <cs:fontRef idx="minor">
+      <a:schemeClr val="tx1"/>
+    </cs:fontRef>
+  </cs:plotArea3D>
+  <cs:seriesAxis>
+    <cs:lnRef idx="0"/>
+    <cs:fillRef idx="0"/>
+    <cs:effectRef idx="0"/>
+    <cs:fontRef idx="minor">
+      <a:schemeClr val="tx1">
+        <a:lumMod val="65000"/>
+        <a:lumOff val="35000"/>
+      </a:schemeClr>
+    </cs:fontRef>
+    <cs:spPr>
+      <a:ln w="9525" cap="flat" cmpd="sng" algn="ctr">
+        <a:solidFill>
+          <a:schemeClr val="tx1">
+            <a:lumMod val="15000"/>
+            <a:lumOff val="85000"/>
+          </a:schemeClr>
+        </a:solidFill>
+        <a:round/>
+      </a:ln>
+    </cs:spPr>
+    <cs:defRPr sz="900"/>
+  </cs:seriesAxis>
+  <cs:seriesLine>
+    <cs:lnRef idx="0"/>
+    <cs:fillRef idx="0"/>
+    <cs:effectRef idx="0"/>
+    <cs:fontRef idx="minor">
+      <a:schemeClr val="tx1"/>
+    </cs:fontRef>
+    <cs:spPr>
+      <a:ln w="9525" cap="flat">
+        <a:solidFill>
+          <a:srgbClr val="D9D9D9"/>
+        </a:solidFill>
+        <a:round/>
+      </a:ln>
+    </cs:spPr>
+  </cs:seriesLine>
+  <cs:title>
+    <cs:lnRef idx="0"/>
+    <cs:fillRef idx="0"/>
+    <cs:effectRef idx="0"/>
+    <cs:fontRef idx="minor">
+      <a:schemeClr val="tx1">
+        <a:lumMod val="65000"/>
+        <a:lumOff val="35000"/>
+      </a:schemeClr>
+    </cs:fontRef>
+    <cs:defRPr sz="1400"/>
+  </cs:title>
+  <cs:trendline>
+    <cs:lnRef idx="0">
+      <cs:styleClr val="auto"/>
+    </cs:lnRef>
+    <cs:fillRef idx="0"/>
+    <cs:effectRef idx="0"/>
+    <cs:fontRef idx="minor">
+      <a:schemeClr val="tx1"/>
+    </cs:fontRef>
+    <cs:spPr>
+      <a:ln w="19050" cap="rnd">
+        <a:solidFill>
+          <a:schemeClr val="phClr"/>
+        </a:solidFill>
+        <a:prstDash val="sysDash"/>
+      </a:ln>
+    </cs:spPr>
+  </cs:trendline>
+  <cs:trendlineLabel>
+    <cs:lnRef idx="0"/>
+    <cs:fillRef idx="0"/>
+    <cs:effectRef idx="0"/>
+    <cs:fontRef idx="minor">
+      <a:schemeClr val="tx1">
+        <a:lumMod val="65000"/>
+        <a:lumOff val="35000"/>
+      </a:schemeClr>
+    </cs:fontRef>
+    <cs:defRPr sz="900"/>
+  </cs:trendlineLabel>
+  <cs:upBar>
+    <cs:lnRef idx="0"/>
+    <cs:fillRef idx="0"/>
+    <cs:effectRef idx="0"/>
+    <cs:fontRef idx="minor">
+      <a:schemeClr val="dk1"/>
+    </cs:fontRef>
+    <cs:spPr>
+      <a:solidFill>
+        <a:schemeClr val="lt1"/>
+      </a:solidFill>
+      <a:ln w="9525">
+        <a:solidFill>
+          <a:schemeClr val="tx1">
+            <a:lumMod val="15000"/>
+            <a:lumOff val="85000"/>
+          </a:schemeClr>
+        </a:solidFill>
+      </a:ln>
+    </cs:spPr>
+  </cs:upBar>
+  <cs:valueAxis>
+    <cs:lnRef idx="0"/>
+    <cs:fillRef idx="0"/>
+    <cs:effectRef idx="0"/>
+    <cs:fontRef idx="minor">
+      <a:schemeClr val="tx1">
+        <a:lumMod val="65000"/>
+        <a:lumOff val="35000"/>
+      </a:schemeClr>
+    </cs:fontRef>
+    <cs:defRPr sz="900"/>
+  </cs:valueAxis>
+  <cs:wall>
+    <cs:lnRef idx="0"/>
+    <cs:fillRef idx="0"/>
+    <cs:effectRef idx="0"/>
+    <cs:fontRef idx="minor">
+      <a:schemeClr val="tx1"/>
+    </cs:fontRef>
+  </cs:wall>
+</cs:chartStyle>
+</file>
+
+<file path=ppt/charts/style2.xml><?xml version="1.0" encoding="utf-8"?>
+<cs:chartStyle xmlns:cs="http://schemas.microsoft.com/office/drawing/2012/chartStyle" xmlns:a="http://schemas.openxmlformats.org/drawingml/2006/main" id="216">
+  <cs:axisTitle>
+    <cs:lnRef idx="0"/>
+    <cs:fillRef idx="0"/>
+    <cs:effectRef idx="0"/>
+    <cs:fontRef idx="minor">
+      <a:schemeClr val="tx1">
+        <a:lumMod val="65000"/>
+        <a:lumOff val="35000"/>
+      </a:schemeClr>
+    </cs:fontRef>
+    <cs:defRPr sz="1000" kern="1200"/>
+  </cs:axisTitle>
+  <cs:categoryAxis>
+    <cs:lnRef idx="0"/>
+    <cs:fillRef idx="0"/>
+    <cs:effectRef idx="0"/>
+    <cs:fontRef idx="minor">
+      <a:schemeClr val="tx1">
+        <a:lumMod val="65000"/>
+        <a:lumOff val="35000"/>
+      </a:schemeClr>
+    </cs:fontRef>
+    <cs:spPr>
+      <a:ln w="9525" cap="flat" cmpd="sng" algn="ctr">
+        <a:solidFill>
+          <a:schemeClr val="tx1">
+            <a:lumMod val="15000"/>
+            <a:lumOff val="85000"/>
+          </a:schemeClr>
+        </a:solidFill>
+        <a:round/>
+      </a:ln>
+    </cs:spPr>
+    <cs:defRPr sz="900" kern="1200"/>
+  </cs:categoryAxis>
+  <cs:chartArea mods="allowNoFillOverride allowNoLineOverride">
+    <cs:lnRef idx="0"/>
+    <cs:fillRef idx="0"/>
+    <cs:effectRef idx="0"/>
+    <cs:fontRef idx="minor">
+      <a:schemeClr val="tx1"/>
+    </cs:fontRef>
+    <cs:spPr>
+      <a:solidFill>
+        <a:schemeClr val="bg1"/>
+      </a:solidFill>
+      <a:ln w="9525" cap="flat" cmpd="sng" algn="ctr">
+        <a:solidFill>
+          <a:schemeClr val="tx1">
+            <a:lumMod val="15000"/>
+            <a:lumOff val="85000"/>
+          </a:schemeClr>
+        </a:solidFill>
+        <a:round/>
+      </a:ln>
+    </cs:spPr>
+    <cs:defRPr sz="1000" kern="1200"/>
+  </cs:chartArea>
+  <cs:dataLabel>
+    <cs:lnRef idx="0"/>
+    <cs:fillRef idx="0"/>
+    <cs:effectRef idx="0"/>
+    <cs:fontRef idx="minor">
+      <a:schemeClr val="tx1">
+        <a:lumMod val="75000"/>
+        <a:lumOff val="25000"/>
+      </a:schemeClr>
+    </cs:fontRef>
+    <cs:defRPr sz="900" kern="1200"/>
+  </cs:dataLabel>
+  <cs:dataLabelCallout>
+    <cs:lnRef idx="0"/>
+    <cs:fillRef idx="0"/>
+    <cs:effectRef idx="0"/>
+    <cs:fontRef idx="minor">
+      <a:schemeClr val="dk1">
+        <a:lumMod val="65000"/>
+        <a:lumOff val="35000"/>
+      </a:schemeClr>
+    </cs:fontRef>
+    <cs:spPr>
+      <a:solidFill>
+        <a:schemeClr val="lt1"/>
+      </a:solidFill>
+      <a:ln>
+        <a:solidFill>
+          <a:schemeClr val="dk1">
+            <a:lumMod val="25000"/>
+            <a:lumOff val="75000"/>
+          </a:schemeClr>
+        </a:solidFill>
+      </a:ln>
+    </cs:spPr>
+    <cs:defRPr sz="900" kern="1200"/>
+    <cs:bodyPr rot="0" spcFirstLastPara="1" vertOverflow="clip" horzOverflow="clip" vert="horz" wrap="square" lIns="36576" tIns="18288" rIns="36576" bIns="18288" anchor="ctr" anchorCtr="1">
+      <a:spAutoFit/>
+    </cs:bodyPr>
+  </cs:dataLabelCallout>
+  <cs:dataPoint>
+    <cs:lnRef idx="0"/>
+    <cs:fillRef idx="1">
+      <cs:styleClr val="auto"/>
+    </cs:fillRef>
+    <cs:effectRef idx="0"/>
+    <cs:fontRef idx="minor">
+      <a:schemeClr val="tx1"/>
+    </cs:fontRef>
+  </cs:dataPoint>
+  <cs:dataPoint3D>
+    <cs:lnRef idx="0"/>
+    <cs:fillRef idx="1">
+      <cs:styleClr val="auto"/>
+    </cs:fillRef>
+    <cs:effectRef idx="0"/>
+    <cs:fontRef idx="minor">
+      <a:schemeClr val="tx1"/>
+    </cs:fontRef>
+  </cs:dataPoint3D>
+  <cs:dataPointLine>
+    <cs:lnRef idx="0">
+      <cs:styleClr val="auto"/>
+    </cs:lnRef>
+    <cs:fillRef idx="1"/>
+    <cs:effectRef idx="0"/>
+    <cs:fontRef idx="minor">
+      <a:schemeClr val="tx1"/>
+    </cs:fontRef>
+    <cs:spPr>
+      <a:ln w="28575" cap="rnd">
+        <a:solidFill>
+          <a:schemeClr val="phClr"/>
+        </a:solidFill>
+        <a:round/>
+      </a:ln>
+    </cs:spPr>
+  </cs:dataPointLine>
+  <cs:dataPointMarker>
+    <cs:lnRef idx="0">
+      <cs:styleClr val="auto"/>
+    </cs:lnRef>
+    <cs:fillRef idx="1">
+      <cs:styleClr val="auto"/>
+    </cs:fillRef>
+    <cs:effectRef idx="0"/>
+    <cs:fontRef idx="minor">
+      <a:schemeClr val="tx1"/>
+    </cs:fontRef>
+    <cs:spPr>
+      <a:ln w="9525">
+        <a:solidFill>
+          <a:schemeClr val="phClr"/>
+        </a:solidFill>
+      </a:ln>
+    </cs:spPr>
+  </cs:dataPointMarker>
+  <cs:dataPointMarkerLayout symbol="circle" size="5"/>
+  <cs:dataPointWireframe>
+    <cs:lnRef idx="0">
+      <cs:styleClr val="auto"/>
+    </cs:lnRef>
+    <cs:fillRef idx="1"/>
+    <cs:effectRef idx="0"/>
+    <cs:fontRef idx="minor">
+      <a:schemeClr val="tx1"/>
+    </cs:fontRef>
+    <cs:spPr>
+      <a:ln w="9525" cap="rnd">
+        <a:solidFill>
+          <a:schemeClr val="phClr"/>
+        </a:solidFill>
+        <a:round/>
+      </a:ln>
+    </cs:spPr>
+  </cs:dataPointWireframe>
+  <cs:dataTable>
+    <cs:lnRef idx="0"/>
+    <cs:fillRef idx="0"/>
+    <cs:effectRef idx="0"/>
+    <cs:fontRef idx="minor">
+      <a:schemeClr val="tx1">
+        <a:lumMod val="65000"/>
+        <a:lumOff val="35000"/>
+      </a:schemeClr>
+    </cs:fontRef>
+    <cs:spPr>
+      <a:noFill/>
+      <a:ln w="9525" cap="flat" cmpd="sng" algn="ctr">
+        <a:solidFill>
+          <a:schemeClr val="tx1">
+            <a:lumMod val="15000"/>
+            <a:lumOff val="85000"/>
+          </a:schemeClr>
+        </a:solidFill>
+        <a:round/>
+      </a:ln>
+    </cs:spPr>
+    <cs:defRPr sz="900" kern="1200"/>
+  </cs:dataTable>
+  <cs:downBar>
+    <cs:lnRef idx="0"/>
+    <cs:fillRef idx="0"/>
+    <cs:effectRef idx="0"/>
+    <cs:fontRef idx="minor">
+      <a:schemeClr val="tx1"/>
+    </cs:fontRef>
+    <cs:spPr>
+      <a:solidFill>
+        <a:schemeClr val="dk1">
+          <a:lumMod val="75000"/>
+          <a:lumOff val="25000"/>
+        </a:schemeClr>
+      </a:solidFill>
+      <a:ln w="9525" cap="flat" cmpd="sng" algn="ctr">
+        <a:solidFill>
+          <a:schemeClr val="tx1">
+            <a:lumMod val="65000"/>
+            <a:lumOff val="35000"/>
+          </a:schemeClr>
+        </a:solidFill>
+        <a:round/>
+      </a:ln>
+    </cs:spPr>
+  </cs:downBar>
+  <cs:dropLine>
+    <cs:lnRef idx="0"/>
+    <cs:fillRef idx="0"/>
+    <cs:effectRef idx="0"/>
+    <cs:fontRef idx="minor">
+      <a:schemeClr val="tx1"/>
+    </cs:fontRef>
+    <cs:spPr>
+      <a:ln w="9525" cap="flat" cmpd="sng" algn="ctr">
+        <a:solidFill>
+          <a:schemeClr val="tx1">
+            <a:lumMod val="35000"/>
+            <a:lumOff val="65000"/>
+          </a:schemeClr>
+        </a:solidFill>
+        <a:round/>
+      </a:ln>
+    </cs:spPr>
+  </cs:dropLine>
+  <cs:errorBar>
+    <cs:lnRef idx="0"/>
+    <cs:fillRef idx="0"/>
+    <cs:effectRef idx="0"/>
+    <cs:fontRef idx="minor">
+      <a:schemeClr val="tx1"/>
+    </cs:fontRef>
+    <cs:spPr>
+      <a:ln w="9525" cap="flat" cmpd="sng" algn="ctr">
+        <a:solidFill>
+          <a:schemeClr val="tx1">
+            <a:lumMod val="65000"/>
+            <a:lumOff val="35000"/>
+          </a:schemeClr>
+        </a:solidFill>
+        <a:round/>
+      </a:ln>
+    </cs:spPr>
+  </cs:errorBar>
+  <cs:floor>
+    <cs:lnRef idx="0"/>
+    <cs:fillRef idx="0"/>
+    <cs:effectRef idx="0"/>
+    <cs:fontRef idx="minor">
+      <a:schemeClr val="tx1"/>
+    </cs:fontRef>
+    <cs:spPr>
+      <a:noFill/>
+      <a:ln>
+        <a:noFill/>
+      </a:ln>
+    </cs:spPr>
+  </cs:floor>
+  <cs:gridlineMajor>
+    <cs:lnRef idx="0"/>
+    <cs:fillRef idx="0"/>
+    <cs:effectRef idx="0"/>
+    <cs:fontRef idx="minor">
+      <a:schemeClr val="tx1"/>
+    </cs:fontRef>
+    <cs:spPr>
+      <a:ln w="9525" cap="flat" cmpd="sng" algn="ctr">
+        <a:solidFill>
+          <a:schemeClr val="tx1">
+            <a:lumMod val="15000"/>
+            <a:lumOff val="85000"/>
+          </a:schemeClr>
+        </a:solidFill>
+        <a:round/>
+      </a:ln>
+    </cs:spPr>
+  </cs:gridlineMajor>
+  <cs:gridlineMinor>
+    <cs:lnRef idx="0"/>
+    <cs:fillRef idx="0"/>
+    <cs:effectRef idx="0"/>
+    <cs:fontRef idx="minor">
+      <a:schemeClr val="tx1"/>
+    </cs:fontRef>
+    <cs:spPr>
+      <a:ln w="9525" cap="flat" cmpd="sng" algn="ctr">
+        <a:solidFill>
+          <a:schemeClr val="tx1">
+            <a:lumMod val="5000"/>
+            <a:lumOff val="95000"/>
+          </a:schemeClr>
+        </a:solidFill>
+        <a:round/>
+      </a:ln>
+    </cs:spPr>
+  </cs:gridlineMinor>
+  <cs:hiLoLine>
+    <cs:lnRef idx="0"/>
+    <cs:fillRef idx="0"/>
+    <cs:effectRef idx="0"/>
+    <cs:fontRef idx="minor">
+      <a:schemeClr val="tx1"/>
+    </cs:fontRef>
+    <cs:spPr>
+      <a:ln w="9525" cap="flat" cmpd="sng" algn="ctr">
+        <a:solidFill>
+          <a:schemeClr val="tx1">
+            <a:lumMod val="50000"/>
+            <a:lumOff val="50000"/>
+          </a:schemeClr>
+        </a:solidFill>
+        <a:round/>
+      </a:ln>
+    </cs:spPr>
+  </cs:hiLoLine>
+  <cs:leaderLine>
+    <cs:lnRef idx="0"/>
+    <cs:fillRef idx="0"/>
+    <cs:effectRef idx="0"/>
+    <cs:fontRef idx="minor">
+      <a:schemeClr val="tx1"/>
+    </cs:fontRef>
+    <cs:spPr>
+      <a:ln w="9525" cap="flat" cmpd="sng" algn="ctr">
+        <a:solidFill>
+          <a:schemeClr val="tx1">
+            <a:lumMod val="35000"/>
+            <a:lumOff val="65000"/>
+          </a:schemeClr>
+        </a:solidFill>
+        <a:round/>
+      </a:ln>
+    </cs:spPr>
+  </cs:leaderLine>
+  <cs:legend>
+    <cs:lnRef idx="0"/>
+    <cs:fillRef idx="0"/>
+    <cs:effectRef idx="0"/>
+    <cs:fontRef idx="minor">
+      <a:schemeClr val="tx1">
+        <a:lumMod val="65000"/>
+        <a:lumOff val="35000"/>
+      </a:schemeClr>
+    </cs:fontRef>
+    <cs:defRPr sz="900" kern="1200"/>
+  </cs:legend>
+  <cs:plotArea mods="allowNoFillOverride allowNoLineOverride">
+    <cs:lnRef idx="0"/>
+    <cs:fillRef idx="0"/>
+    <cs:effectRef idx="0"/>
+    <cs:fontRef idx="minor">
+      <a:schemeClr val="tx1"/>
+    </cs:fontRef>
+  </cs:plotArea>
+  <cs:plotArea3D mods="allowNoFillOverride allowNoLineOverride">
+    <cs:lnRef idx="0"/>
+    <cs:fillRef idx="0"/>
+    <cs:effectRef idx="0"/>
+    <cs:fontRef idx="minor">
+      <a:schemeClr val="tx1"/>
+    </cs:fontRef>
+  </cs:plotArea3D>
+  <cs:seriesAxis>
+    <cs:lnRef idx="0"/>
+    <cs:fillRef idx="0"/>
+    <cs:effectRef idx="0"/>
+    <cs:fontRef idx="minor">
+      <a:schemeClr val="tx1">
+        <a:lumMod val="65000"/>
+        <a:lumOff val="35000"/>
+      </a:schemeClr>
+    </cs:fontRef>
+    <cs:defRPr sz="900" kern="1200"/>
+  </cs:seriesAxis>
+  <cs:seriesLine>
+    <cs:lnRef idx="0"/>
+    <cs:fillRef idx="0"/>
+    <cs:effectRef idx="0"/>
+    <cs:fontRef idx="minor">
+      <a:schemeClr val="tx1"/>
+    </cs:fontRef>
+    <cs:spPr>
+      <a:ln w="9525" cap="flat" cmpd="sng" algn="ctr">
+        <a:solidFill>
+          <a:schemeClr val="tx1">
+            <a:lumMod val="35000"/>
+            <a:lumOff val="65000"/>
+          </a:schemeClr>
+        </a:solidFill>
+        <a:round/>
+      </a:ln>
+    </cs:spPr>
+  </cs:seriesLine>
+  <cs:title>
+    <cs:lnRef idx="0"/>
+    <cs:fillRef idx="0"/>
+    <cs:effectRef idx="0"/>
+    <cs:fontRef idx="minor">
+      <a:schemeClr val="tx1">
+        <a:lumMod val="65000"/>
+        <a:lumOff val="35000"/>
+      </a:schemeClr>
+    </cs:fontRef>
+    <cs:defRPr sz="1400" b="0" kern="1200" spc="0" baseline="0"/>
+  </cs:title>
+  <cs:trendline>
+    <cs:lnRef idx="0">
+      <cs:styleClr val="auto"/>
+    </cs:lnRef>
+    <cs:fillRef idx="0"/>
+    <cs:effectRef idx="0"/>
+    <cs:fontRef idx="minor">
+      <a:schemeClr val="tx1"/>
+    </cs:fontRef>
+    <cs:spPr>
+      <a:ln w="19050" cap="rnd">
+        <a:solidFill>
+          <a:schemeClr val="phClr"/>
+        </a:solidFill>
+        <a:prstDash val="sysDot"/>
+      </a:ln>
+    </cs:spPr>
+  </cs:trendline>
+  <cs:trendlineLabel>
+    <cs:lnRef idx="0"/>
+    <cs:fillRef idx="0"/>
+    <cs:effectRef idx="0"/>
+    <cs:fontRef idx="minor">
+      <a:schemeClr val="tx1">
+        <a:lumMod val="65000"/>
+        <a:lumOff val="35000"/>
+      </a:schemeClr>
+    </cs:fontRef>
+    <cs:defRPr sz="900" kern="1200"/>
+  </cs:trendlineLabel>
+  <cs:upBar>
+    <cs:lnRef idx="0"/>
+    <cs:fillRef idx="0"/>
+    <cs:effectRef idx="0"/>
+    <cs:fontRef idx="minor">
+      <a:schemeClr val="tx1"/>
+    </cs:fontRef>
+    <cs:spPr>
+      <a:solidFill>
+        <a:schemeClr val="lt1"/>
+      </a:solidFill>
+      <a:ln w="9525" cap="flat" cmpd="sng" algn="ctr">
+        <a:solidFill>
+          <a:schemeClr val="tx1">
+            <a:lumMod val="65000"/>
+            <a:lumOff val="35000"/>
+          </a:schemeClr>
+        </a:solidFill>
+        <a:round/>
+      </a:ln>
+    </cs:spPr>
+  </cs:upBar>
+  <cs:valueAxis>
+    <cs:lnRef idx="0"/>
+    <cs:fillRef idx="0"/>
+    <cs:effectRef idx="0"/>
+    <cs:fontRef idx="minor">
+      <a:schemeClr val="tx1">
+        <a:lumMod val="65000"/>
+        <a:lumOff val="35000"/>
+      </a:schemeClr>
+    </cs:fontRef>
+    <cs:defRPr sz="900" kern="1200"/>
+  </cs:valueAxis>
+  <cs:wall>
+    <cs:lnRef idx="0"/>
+    <cs:fillRef idx="0"/>
+    <cs:effectRef idx="0"/>
+    <cs:fontRef idx="minor">
+      <a:schemeClr val="tx1"/>
+    </cs:fontRef>
+    <cs:spPr>
+      <a:noFill/>
+      <a:ln>
+        <a:noFill/>
+      </a:ln>
+    </cs:spPr>
+  </cs:wall>
+</cs:chartStyle>
 </file>
 
 <file path=ppt/notesMasters/notesMaster1.xml><?xml version="1.0" encoding="utf-8"?>
@@ -518,7 +2942,7 @@
         </p:nvSpPr>
         <p:spPr>
           <a:xfrm>
-            <a:off x="381300" y="685800"/>
+            <a:off x="381000" y="685800"/>
             <a:ext cx="6096000" cy="3429000"/>
           </a:xfrm>
           <a:custGeom>
@@ -583,6 +3007,11 @@
         </p:txBody>
       </p:sp>
     </p:spTree>
+    <p:extLst>
+      <p:ext uri="{BB962C8B-B14F-4D97-AF65-F5344CB8AC3E}">
+        <p14:creationId xmlns:p14="http://schemas.microsoft.com/office/powerpoint/2010/main" val="495035667"/>
+      </p:ext>
+    </p:extLst>
   </p:cSld>
   <p:clrMapOvr>
     <a:masterClrMapping/>
@@ -686,7 +3115,7 @@
     </p:spTree>
     <p:extLst>
       <p:ext uri="{BB962C8B-B14F-4D97-AF65-F5344CB8AC3E}">
-        <p14:creationId xmlns:p14="http://schemas.microsoft.com/office/powerpoint/2010/main" val="495035667"/>
+        <p14:creationId xmlns:p14="http://schemas.microsoft.com/office/powerpoint/2010/main" val="684720260"/>
       </p:ext>
     </p:extLst>
   </p:cSld>
@@ -792,7 +3221,7 @@
     </p:spTree>
     <p:extLst>
       <p:ext uri="{BB962C8B-B14F-4D97-AF65-F5344CB8AC3E}">
-        <p14:creationId xmlns:p14="http://schemas.microsoft.com/office/powerpoint/2010/main" val="684720260"/>
+        <p14:creationId xmlns:p14="http://schemas.microsoft.com/office/powerpoint/2010/main" val="243271149"/>
       </p:ext>
     </p:extLst>
   </p:cSld>
@@ -898,7 +3327,7 @@
     </p:spTree>
     <p:extLst>
       <p:ext uri="{BB962C8B-B14F-4D97-AF65-F5344CB8AC3E}">
-        <p14:creationId xmlns:p14="http://schemas.microsoft.com/office/powerpoint/2010/main" val="243271149"/>
+        <p14:creationId xmlns:p14="http://schemas.microsoft.com/office/powerpoint/2010/main" val="1894690376"/>
       </p:ext>
     </p:extLst>
   </p:cSld>
@@ -1004,7 +3433,7 @@
     </p:spTree>
     <p:extLst>
       <p:ext uri="{BB962C8B-B14F-4D97-AF65-F5344CB8AC3E}">
-        <p14:creationId xmlns:p14="http://schemas.microsoft.com/office/powerpoint/2010/main" val="1894690376"/>
+        <p14:creationId xmlns:p14="http://schemas.microsoft.com/office/powerpoint/2010/main" val="85855448"/>
       </p:ext>
     </p:extLst>
   </p:cSld>
@@ -1015,112 +3444,6 @@
 </file>
 
 <file path=ppt/notesSlides/notesSlide6.xml><?xml version="1.0" encoding="utf-8"?>
-<p:notes xmlns:a="http://schemas.openxmlformats.org/drawingml/2006/main" xmlns:r="http://schemas.openxmlformats.org/officeDocument/2006/relationships" xmlns:p="http://schemas.openxmlformats.org/presentationml/2006/main" showMasterSp="0" showMasterPhAnim="0">
-  <p:cSld>
-    <p:spTree>
-      <p:nvGrpSpPr>
-        <p:cNvPr id="1" name="Shape 50"/>
-        <p:cNvGrpSpPr/>
-        <p:nvPr/>
-      </p:nvGrpSpPr>
-      <p:grpSpPr>
-        <a:xfrm>
-          <a:off x="0" y="0"/>
-          <a:ext cx="0" cy="0"/>
-          <a:chOff x="0" y="0"/>
-          <a:chExt cx="0" cy="0"/>
-        </a:xfrm>
-      </p:grpSpPr>
-      <p:sp>
-        <p:nvSpPr>
-          <p:cNvPr id="51" name="Shape 51"/>
-          <p:cNvSpPr>
-            <a:spLocks noGrp="1" noRot="1" noChangeAspect="1"/>
-          </p:cNvSpPr>
-          <p:nvPr>
-            <p:ph type="sldImg" idx="2"/>
-          </p:nvPr>
-        </p:nvSpPr>
-        <p:spPr>
-          <a:xfrm>
-            <a:off x="381000" y="685800"/>
-            <a:ext cx="6096000" cy="3429000"/>
-          </a:xfrm>
-          <a:custGeom>
-            <a:avLst/>
-            <a:gdLst/>
-            <a:ahLst/>
-            <a:cxnLst/>
-            <a:rect l="0" t="0" r="0" b="0"/>
-            <a:pathLst>
-              <a:path w="120000" h="120000" extrusionOk="0">
-                <a:moveTo>
-                  <a:pt x="0" y="0"/>
-                </a:moveTo>
-                <a:lnTo>
-                  <a:pt x="120000" y="0"/>
-                </a:lnTo>
-                <a:lnTo>
-                  <a:pt x="120000" y="120000"/>
-                </a:lnTo>
-                <a:lnTo>
-                  <a:pt x="0" y="120000"/>
-                </a:lnTo>
-                <a:close/>
-              </a:path>
-            </a:pathLst>
-          </a:custGeom>
-        </p:spPr>
-      </p:sp>
-      <p:sp>
-        <p:nvSpPr>
-          <p:cNvPr id="52" name="Shape 52"/>
-          <p:cNvSpPr txBox="1">
-            <a:spLocks noGrp="1"/>
-          </p:cNvSpPr>
-          <p:nvPr>
-            <p:ph type="body" idx="1"/>
-          </p:nvPr>
-        </p:nvSpPr>
-        <p:spPr>
-          <a:xfrm>
-            <a:off x="685800" y="4343400"/>
-            <a:ext cx="5486400" cy="4114800"/>
-          </a:xfrm>
-          <a:prstGeom prst="rect">
-            <a:avLst/>
-          </a:prstGeom>
-        </p:spPr>
-        <p:txBody>
-          <a:bodyPr wrap="square" lIns="91425" tIns="91425" rIns="91425" bIns="91425" anchor="t" anchorCtr="0">
-            <a:noAutofit/>
-          </a:bodyPr>
-          <a:lstStyle/>
-          <a:p>
-            <a:pPr lvl="0" rtl="0">
-              <a:spcBef>
-                <a:spcPts val="0"/>
-              </a:spcBef>
-              <a:buNone/>
-            </a:pPr>
-            <a:endParaRPr/>
-          </a:p>
-        </p:txBody>
-      </p:sp>
-    </p:spTree>
-    <p:extLst>
-      <p:ext uri="{BB962C8B-B14F-4D97-AF65-F5344CB8AC3E}">
-        <p14:creationId xmlns:p14="http://schemas.microsoft.com/office/powerpoint/2010/main" val="85855448"/>
-      </p:ext>
-    </p:extLst>
-  </p:cSld>
-  <p:clrMapOvr>
-    <a:masterClrMapping/>
-  </p:clrMapOvr>
-</p:notes>
-</file>
-
-<file path=ppt/notesSlides/notesSlide7.xml><?xml version="1.0" encoding="utf-8"?>
 <p:notes xmlns:a="http://schemas.openxmlformats.org/drawingml/2006/main" xmlns:r="http://schemas.openxmlformats.org/officeDocument/2006/relationships" xmlns:p="http://schemas.openxmlformats.org/presentationml/2006/main" showMasterSp="0" showMasterPhAnim="0">
   <p:cSld>
     <p:spTree>
@@ -4572,8 +6895,8 @@
         </p:nvSpPr>
         <p:spPr>
           <a:xfrm>
-            <a:off x="304025" y="3945575"/>
-            <a:ext cx="7254600" cy="795600"/>
+            <a:off x="251772" y="949827"/>
+            <a:ext cx="8735474" cy="3813762"/>
           </a:xfrm>
           <a:prstGeom prst="rect">
             <a:avLst/>
@@ -4604,14 +6927,418 @@
               <a:buNone/>
             </a:pPr>
             <a:r>
-              <a:rPr lang="en">
+              <a:rPr lang="zh-CN" altLang="en-US" dirty="0">
                 <a:latin typeface="Open Sans"/>
                 <a:ea typeface="Open Sans"/>
                 <a:cs typeface="Open Sans"/>
                 <a:sym typeface="Open Sans"/>
               </a:rPr>
-              <a:t>Comparing the employed to unemployed, there does not appear to be much of a difference between the number of books they read.  If we didn’t pay attention to the extreme readers (those that read a ton) in each group, they are very similar in distribution and summary statistics.</a:t>
+              <a:t>分析数据的第一步应该是清洗和整理数据，也顺便在这个过程中熟悉一下数据的基本情况。通过探索，我返现数据中存在一些明显的异常值，我对这些异常值进行了清洗和整理，大致情况如下：</a:t>
             </a:r>
+            <a:endParaRPr lang="en-US" altLang="zh-CN" dirty="0">
+              <a:latin typeface="Open Sans"/>
+              <a:ea typeface="Open Sans"/>
+              <a:cs typeface="Open Sans"/>
+              <a:sym typeface="Open Sans"/>
+            </a:endParaRPr>
+          </a:p>
+          <a:p>
+            <a:pPr marL="342900" lvl="0" indent="-342900" rtl="0">
+              <a:spcBef>
+                <a:spcPts val="0"/>
+              </a:spcBef>
+              <a:buAutoNum type="arabicPeriod"/>
+            </a:pPr>
+            <a:r>
+              <a:rPr lang="zh-CN" altLang="en-US" dirty="0">
+                <a:latin typeface="Open Sans"/>
+                <a:ea typeface="Open Sans"/>
+                <a:cs typeface="Open Sans"/>
+                <a:sym typeface="Open Sans"/>
+              </a:rPr>
+              <a:t>我用</a:t>
+            </a:r>
+            <a:r>
+              <a:rPr lang="en-US" altLang="zh-CN" dirty="0">
+                <a:latin typeface="Open Sans"/>
+                <a:ea typeface="Open Sans"/>
+                <a:cs typeface="Open Sans"/>
+                <a:sym typeface="Open Sans"/>
+              </a:rPr>
+              <a:t>Today()</a:t>
+            </a:r>
+            <a:r>
+              <a:rPr lang="zh-CN" altLang="en-US" dirty="0">
+                <a:latin typeface="Open Sans"/>
+                <a:ea typeface="Open Sans"/>
+                <a:cs typeface="Open Sans"/>
+                <a:sym typeface="Open Sans"/>
+              </a:rPr>
+              <a:t>函数结合问卷数据中的</a:t>
+            </a:r>
+            <a:r>
+              <a:rPr lang="en-US" altLang="zh-CN" dirty="0">
+                <a:latin typeface="Open Sans"/>
+                <a:ea typeface="Open Sans"/>
+                <a:cs typeface="Open Sans"/>
+                <a:sym typeface="Open Sans"/>
+              </a:rPr>
+              <a:t>birthdate</a:t>
+            </a:r>
+            <a:r>
+              <a:rPr lang="zh-CN" altLang="en-US" dirty="0">
+                <a:latin typeface="Open Sans"/>
+                <a:ea typeface="Open Sans"/>
+                <a:cs typeface="Open Sans"/>
+                <a:sym typeface="Open Sans"/>
+              </a:rPr>
+              <a:t>计算了每个用户的</a:t>
+            </a:r>
+            <a:r>
+              <a:rPr lang="en-US" altLang="zh-CN" dirty="0">
+                <a:latin typeface="Open Sans"/>
+                <a:ea typeface="Open Sans"/>
+                <a:cs typeface="Open Sans"/>
+                <a:sym typeface="Open Sans"/>
+              </a:rPr>
+              <a:t>Age</a:t>
+            </a:r>
+            <a:r>
+              <a:rPr lang="zh-CN" altLang="en-US" dirty="0">
+                <a:latin typeface="Open Sans"/>
+                <a:ea typeface="Open Sans"/>
+                <a:cs typeface="Open Sans"/>
+                <a:sym typeface="Open Sans"/>
+              </a:rPr>
+              <a:t>，发现最小值</a:t>
+            </a:r>
+            <a:r>
+              <a:rPr lang="en-US" altLang="zh-CN" dirty="0">
+                <a:latin typeface="Open Sans"/>
+                <a:ea typeface="Open Sans"/>
+                <a:cs typeface="Open Sans"/>
+                <a:sym typeface="Open Sans"/>
+              </a:rPr>
+              <a:t>1</a:t>
+            </a:r>
+            <a:r>
+              <a:rPr lang="zh-CN" altLang="en-US" dirty="0">
+                <a:latin typeface="Open Sans"/>
+                <a:ea typeface="Open Sans"/>
+                <a:cs typeface="Open Sans"/>
+                <a:sym typeface="Open Sans"/>
+              </a:rPr>
+              <a:t>岁，最大值</a:t>
+            </a:r>
+            <a:r>
+              <a:rPr lang="en-US" altLang="zh-CN" dirty="0">
+                <a:latin typeface="Open Sans"/>
+                <a:ea typeface="Open Sans"/>
+                <a:cs typeface="Open Sans"/>
+                <a:sym typeface="Open Sans"/>
+              </a:rPr>
+              <a:t>119</a:t>
+            </a:r>
+            <a:r>
+              <a:rPr lang="zh-CN" altLang="en-US" dirty="0">
+                <a:latin typeface="Open Sans"/>
+                <a:ea typeface="Open Sans"/>
+                <a:cs typeface="Open Sans"/>
+                <a:sym typeface="Open Sans"/>
+              </a:rPr>
+              <a:t>岁，我认为这是异常值，删掉了它们，共</a:t>
+            </a:r>
+            <a:r>
+              <a:rPr lang="en-US" altLang="zh-CN" dirty="0">
+                <a:latin typeface="Open Sans"/>
+                <a:ea typeface="Open Sans"/>
+                <a:cs typeface="Open Sans"/>
+                <a:sym typeface="Open Sans"/>
+              </a:rPr>
+              <a:t>41</a:t>
+            </a:r>
+            <a:r>
+              <a:rPr lang="zh-CN" altLang="en-US" dirty="0">
+                <a:latin typeface="Open Sans"/>
+                <a:ea typeface="Open Sans"/>
+                <a:cs typeface="Open Sans"/>
+                <a:sym typeface="Open Sans"/>
+              </a:rPr>
+              <a:t>条；</a:t>
+            </a:r>
+            <a:endParaRPr lang="en-US" altLang="zh-CN" dirty="0">
+              <a:latin typeface="Open Sans"/>
+              <a:ea typeface="Open Sans"/>
+              <a:cs typeface="Open Sans"/>
+              <a:sym typeface="Open Sans"/>
+            </a:endParaRPr>
+          </a:p>
+          <a:p>
+            <a:pPr marL="342900" lvl="0" indent="-342900" rtl="0">
+              <a:spcBef>
+                <a:spcPts val="0"/>
+              </a:spcBef>
+              <a:buAutoNum type="arabicPeriod"/>
+            </a:pPr>
+            <a:r>
+              <a:rPr lang="zh-CN" altLang="en-US" dirty="0">
+                <a:latin typeface="Open Sans"/>
+                <a:ea typeface="Open Sans"/>
+                <a:cs typeface="Open Sans"/>
+                <a:sym typeface="Open Sans"/>
+              </a:rPr>
+              <a:t>关于</a:t>
+            </a:r>
+            <a:r>
+              <a:rPr lang="en-US" altLang="zh-CN" dirty="0">
+                <a:latin typeface="Open Sans"/>
+                <a:ea typeface="Open Sans"/>
+                <a:cs typeface="Open Sans"/>
+                <a:sym typeface="Open Sans"/>
+              </a:rPr>
+              <a:t>how many hours of sleep per night</a:t>
+            </a:r>
+            <a:r>
+              <a:rPr lang="zh-CN" altLang="en-US" dirty="0">
+                <a:latin typeface="Open Sans"/>
+                <a:ea typeface="Open Sans"/>
+                <a:cs typeface="Open Sans"/>
+                <a:sym typeface="Open Sans"/>
+              </a:rPr>
+              <a:t>，</a:t>
+            </a:r>
+            <a:r>
+              <a:rPr lang="en-US" altLang="zh-CN" dirty="0">
+                <a:latin typeface="Open Sans"/>
+                <a:ea typeface="Open Sans"/>
+                <a:cs typeface="Open Sans"/>
+                <a:sym typeface="Open Sans"/>
+              </a:rPr>
+              <a:t>65</a:t>
+            </a:r>
+            <a:r>
+              <a:rPr lang="zh-CN" altLang="en-US" dirty="0">
+                <a:latin typeface="Open Sans"/>
+                <a:ea typeface="Open Sans"/>
+                <a:cs typeface="Open Sans"/>
+                <a:sym typeface="Open Sans"/>
+              </a:rPr>
+              <a:t>和</a:t>
+            </a:r>
+            <a:r>
+              <a:rPr lang="en-US" altLang="zh-CN" dirty="0">
+                <a:latin typeface="Open Sans"/>
+                <a:ea typeface="Open Sans"/>
+                <a:cs typeface="Open Sans"/>
+                <a:sym typeface="Open Sans"/>
+              </a:rPr>
+              <a:t>85</a:t>
+            </a:r>
+            <a:r>
+              <a:rPr lang="zh-CN" altLang="en-US" dirty="0">
+                <a:latin typeface="Open Sans"/>
+                <a:ea typeface="Open Sans"/>
+                <a:cs typeface="Open Sans"/>
+                <a:sym typeface="Open Sans"/>
+              </a:rPr>
+              <a:t>是明显的异常值，因为一天才</a:t>
+            </a:r>
+            <a:r>
+              <a:rPr lang="en-US" altLang="zh-CN" dirty="0">
+                <a:latin typeface="Open Sans"/>
+                <a:ea typeface="Open Sans"/>
+                <a:cs typeface="Open Sans"/>
+                <a:sym typeface="Open Sans"/>
+              </a:rPr>
+              <a:t>24</a:t>
+            </a:r>
+            <a:r>
+              <a:rPr lang="zh-CN" altLang="en-US" dirty="0">
+                <a:latin typeface="Open Sans"/>
+                <a:ea typeface="Open Sans"/>
+                <a:cs typeface="Open Sans"/>
+                <a:sym typeface="Open Sans"/>
+              </a:rPr>
+              <a:t>小时，也做了删除处理；</a:t>
+            </a:r>
+            <a:endParaRPr lang="en-US" altLang="zh-CN" dirty="0">
+              <a:latin typeface="Open Sans"/>
+              <a:ea typeface="Open Sans"/>
+              <a:cs typeface="Open Sans"/>
+              <a:sym typeface="Open Sans"/>
+            </a:endParaRPr>
+          </a:p>
+          <a:p>
+            <a:pPr marL="342900" lvl="0" indent="-342900" rtl="0">
+              <a:spcBef>
+                <a:spcPts val="0"/>
+              </a:spcBef>
+              <a:buAutoNum type="arabicPeriod"/>
+            </a:pPr>
+            <a:r>
+              <a:rPr lang="zh-CN" altLang="en-US" dirty="0">
+                <a:latin typeface="Open Sans"/>
+                <a:ea typeface="Open Sans"/>
+                <a:cs typeface="Open Sans"/>
+                <a:sym typeface="Open Sans"/>
+              </a:rPr>
+              <a:t>关于</a:t>
+            </a:r>
+            <a:r>
+              <a:rPr lang="en-US" altLang="zh-CN" dirty="0">
+                <a:latin typeface="Open Sans"/>
+                <a:ea typeface="Open Sans"/>
+                <a:cs typeface="Open Sans"/>
+                <a:sym typeface="Open Sans"/>
+              </a:rPr>
+              <a:t>how many hours spend sitting per day</a:t>
+            </a:r>
+            <a:r>
+              <a:rPr lang="zh-CN" altLang="en-US" dirty="0">
+                <a:latin typeface="Open Sans"/>
+                <a:ea typeface="Open Sans"/>
+                <a:cs typeface="Open Sans"/>
+                <a:sym typeface="Open Sans"/>
+              </a:rPr>
+              <a:t>，超过</a:t>
+            </a:r>
+            <a:r>
+              <a:rPr lang="en-US" altLang="zh-CN" dirty="0">
+                <a:latin typeface="Open Sans"/>
+                <a:ea typeface="Open Sans"/>
+                <a:cs typeface="Open Sans"/>
+                <a:sym typeface="Open Sans"/>
+              </a:rPr>
+              <a:t>24</a:t>
+            </a:r>
+            <a:r>
+              <a:rPr lang="zh-CN" altLang="en-US" dirty="0">
+                <a:latin typeface="Open Sans"/>
+                <a:ea typeface="Open Sans"/>
+                <a:cs typeface="Open Sans"/>
+                <a:sym typeface="Open Sans"/>
+              </a:rPr>
+              <a:t>小时的也做了删除处理；</a:t>
+            </a:r>
+            <a:endParaRPr lang="en-US" altLang="zh-CN" dirty="0">
+              <a:latin typeface="Open Sans"/>
+              <a:ea typeface="Open Sans"/>
+              <a:cs typeface="Open Sans"/>
+              <a:sym typeface="Open Sans"/>
+            </a:endParaRPr>
+          </a:p>
+          <a:p>
+            <a:pPr marL="342900" lvl="0" indent="-342900" rtl="0">
+              <a:spcBef>
+                <a:spcPts val="0"/>
+              </a:spcBef>
+              <a:buAutoNum type="arabicPeriod"/>
+            </a:pPr>
+            <a:r>
+              <a:rPr lang="zh-CN" altLang="en-US" dirty="0">
+                <a:latin typeface="Open Sans"/>
+                <a:ea typeface="Open Sans"/>
+                <a:cs typeface="Open Sans"/>
+                <a:sym typeface="Open Sans"/>
+              </a:rPr>
+              <a:t>关于</a:t>
+            </a:r>
+            <a:r>
+              <a:rPr lang="en-US" altLang="zh-CN" dirty="0">
+                <a:latin typeface="Open Sans"/>
+                <a:ea typeface="Open Sans"/>
+                <a:cs typeface="Open Sans"/>
+                <a:sym typeface="Open Sans"/>
+              </a:rPr>
+              <a:t>hours of learning/applying per week</a:t>
+            </a:r>
+            <a:r>
+              <a:rPr lang="zh-CN" altLang="en-US" dirty="0">
+                <a:latin typeface="Open Sans"/>
+                <a:ea typeface="Open Sans"/>
+                <a:cs typeface="Open Sans"/>
+                <a:sym typeface="Open Sans"/>
+              </a:rPr>
+              <a:t>这两个字段，对于文字描述做了清理，其他模糊不清的描述，比如</a:t>
+            </a:r>
+            <a:r>
+              <a:rPr lang="en-US" altLang="zh-CN" dirty="0">
+                <a:latin typeface="Open Sans"/>
+                <a:ea typeface="Open Sans"/>
+                <a:cs typeface="Open Sans"/>
+                <a:sym typeface="Open Sans"/>
+              </a:rPr>
+              <a:t>10-20</a:t>
+            </a:r>
+            <a:r>
+              <a:rPr lang="zh-CN" altLang="en-US" dirty="0">
+                <a:latin typeface="Open Sans"/>
+                <a:ea typeface="Open Sans"/>
+                <a:cs typeface="Open Sans"/>
+                <a:sym typeface="Open Sans"/>
+              </a:rPr>
+              <a:t>，</a:t>
+            </a:r>
+            <a:r>
+              <a:rPr lang="en-US" altLang="zh-CN" dirty="0">
+                <a:latin typeface="Open Sans"/>
+                <a:ea typeface="Open Sans"/>
+                <a:cs typeface="Open Sans"/>
+                <a:sym typeface="Open Sans"/>
+              </a:rPr>
+              <a:t>30+</a:t>
+            </a:r>
+            <a:r>
+              <a:rPr lang="zh-CN" altLang="en-US" dirty="0">
+                <a:latin typeface="Open Sans"/>
+                <a:ea typeface="Open Sans"/>
+                <a:cs typeface="Open Sans"/>
+                <a:sym typeface="Open Sans"/>
+              </a:rPr>
+              <a:t>之内的，将其简单处理成纯数字，</a:t>
+            </a:r>
+            <a:r>
+              <a:rPr lang="en-US" altLang="zh-CN" dirty="0">
+                <a:latin typeface="Open Sans"/>
+                <a:ea typeface="Open Sans"/>
+                <a:cs typeface="Open Sans"/>
+                <a:sym typeface="Open Sans"/>
+              </a:rPr>
+              <a:t>10+</a:t>
+            </a:r>
+            <a:r>
+              <a:rPr lang="zh-CN" altLang="en-US" dirty="0">
+                <a:latin typeface="Open Sans"/>
+                <a:ea typeface="Open Sans"/>
+                <a:cs typeface="Open Sans"/>
+                <a:sym typeface="Open Sans"/>
+              </a:rPr>
+              <a:t>的就按</a:t>
+            </a:r>
+            <a:r>
+              <a:rPr lang="en-US" altLang="zh-CN" dirty="0">
+                <a:latin typeface="Open Sans"/>
+                <a:ea typeface="Open Sans"/>
+                <a:cs typeface="Open Sans"/>
+                <a:sym typeface="Open Sans"/>
+              </a:rPr>
+              <a:t>10</a:t>
+            </a:r>
+            <a:r>
+              <a:rPr lang="zh-CN" altLang="en-US" dirty="0">
+                <a:latin typeface="Open Sans"/>
+                <a:ea typeface="Open Sans"/>
+                <a:cs typeface="Open Sans"/>
+                <a:sym typeface="Open Sans"/>
+              </a:rPr>
+              <a:t>小时算，方便后面的分析；</a:t>
+            </a:r>
+            <a:endParaRPr lang="en-US" altLang="zh-CN" dirty="0">
+              <a:latin typeface="Open Sans"/>
+              <a:ea typeface="Open Sans"/>
+              <a:cs typeface="Open Sans"/>
+              <a:sym typeface="Open Sans"/>
+            </a:endParaRPr>
           </a:p>
         </p:txBody>
       </p:sp>
@@ -4650,7 +7377,7 @@
               <a:buNone/>
             </a:pPr>
             <a:r>
-              <a:rPr lang="en" dirty="0">
+              <a:rPr lang="zh-CN" altLang="en-US" dirty="0">
                 <a:solidFill>
                   <a:srgbClr val="FFFFFF"/>
                 </a:solidFill>
@@ -4659,461 +7386,26 @@
                 <a:cs typeface="Open Sans"/>
                 <a:sym typeface="Open Sans"/>
               </a:rPr>
-              <a:t>Example: Does the Number of Books read vary based on Employment?</a:t>
+              <a:t>清洗和整理数据</a:t>
             </a:r>
+            <a:endParaRPr lang="en" dirty="0">
+              <a:solidFill>
+                <a:srgbClr val="FFFFFF"/>
+              </a:solidFill>
+              <a:latin typeface="Open Sans"/>
+              <a:ea typeface="Open Sans"/>
+              <a:cs typeface="Open Sans"/>
+              <a:sym typeface="Open Sans"/>
+            </a:endParaRPr>
           </a:p>
         </p:txBody>
       </p:sp>
-      <p:graphicFrame>
-        <p:nvGraphicFramePr>
-          <p:cNvPr id="56" name="Shape 56"/>
-          <p:cNvGraphicFramePr/>
-          <p:nvPr/>
-        </p:nvGraphicFramePr>
-        <p:xfrm>
-          <a:off x="112925" y="1223729"/>
-          <a:ext cx="3829425" cy="2510075"/>
-        </p:xfrm>
-        <a:graphic>
-          <a:graphicData uri="http://schemas.openxmlformats.org/drawingml/2006/table">
-            <a:tbl>
-              <a:tblPr>
-                <a:noFill/>
-                <a:tableStyleId>{EED877B6-9551-4359-846F-FAFF3EFF04A8}</a:tableStyleId>
-              </a:tblPr>
-              <a:tblGrid>
-                <a:gridCol w="1276475"/>
-                <a:gridCol w="1276475"/>
-                <a:gridCol w="1276475"/>
-              </a:tblGrid>
-              <a:tr h="529025">
-                <a:tc>
-                  <a:txBody>
-                    <a:bodyPr/>
-                    <a:lstStyle/>
-                    <a:p>
-                      <a:pPr lvl="0">
-                        <a:spcBef>
-                          <a:spcPts val="0"/>
-                        </a:spcBef>
-                        <a:buNone/>
-                      </a:pPr>
-                      <a:endParaRPr b="1"/>
-                    </a:p>
-                  </a:txBody>
-                  <a:tcPr marL="91425" marR="91425" marT="91425" marB="91425"/>
-                </a:tc>
-                <a:tc>
-                  <a:txBody>
-                    <a:bodyPr/>
-                    <a:lstStyle/>
-                    <a:p>
-                      <a:pPr lvl="0">
-                        <a:spcBef>
-                          <a:spcPts val="0"/>
-                        </a:spcBef>
-                        <a:buNone/>
-                      </a:pPr>
-                      <a:r>
-                        <a:rPr lang="en" b="1"/>
-                        <a:t>Employed</a:t>
-                      </a:r>
-                    </a:p>
-                  </a:txBody>
-                  <a:tcPr marL="91425" marR="91425" marT="91425" marB="91425"/>
-                </a:tc>
-                <a:tc>
-                  <a:txBody>
-                    <a:bodyPr/>
-                    <a:lstStyle/>
-                    <a:p>
-                      <a:pPr lvl="0">
-                        <a:spcBef>
-                          <a:spcPts val="0"/>
-                        </a:spcBef>
-                        <a:buNone/>
-                      </a:pPr>
-                      <a:r>
-                        <a:rPr lang="en" b="1"/>
-                        <a:t>Unemployed</a:t>
-                      </a:r>
-                    </a:p>
-                  </a:txBody>
-                  <a:tcPr marL="91425" marR="91425" marT="91425" marB="91425"/>
-                </a:tc>
-              </a:tr>
-              <a:tr h="392500">
-                <a:tc>
-                  <a:txBody>
-                    <a:bodyPr/>
-                    <a:lstStyle/>
-                    <a:p>
-                      <a:pPr lvl="0">
-                        <a:spcBef>
-                          <a:spcPts val="0"/>
-                        </a:spcBef>
-                        <a:buNone/>
-                      </a:pPr>
-                      <a:r>
-                        <a:rPr lang="en" b="1"/>
-                        <a:t>Minimum</a:t>
-                      </a:r>
-                    </a:p>
-                  </a:txBody>
-                  <a:tcPr marL="91425" marR="91425" marT="91425" marB="91425"/>
-                </a:tc>
-                <a:tc>
-                  <a:txBody>
-                    <a:bodyPr/>
-                    <a:lstStyle/>
-                    <a:p>
-                      <a:pPr lvl="0">
-                        <a:spcBef>
-                          <a:spcPts val="0"/>
-                        </a:spcBef>
-                        <a:buNone/>
-                      </a:pPr>
-                      <a:r>
-                        <a:rPr lang="en"/>
-                        <a:t>0</a:t>
-                      </a:r>
-                    </a:p>
-                  </a:txBody>
-                  <a:tcPr marL="91425" marR="91425" marT="91425" marB="91425"/>
-                </a:tc>
-                <a:tc>
-                  <a:txBody>
-                    <a:bodyPr/>
-                    <a:lstStyle/>
-                    <a:p>
-                      <a:pPr lvl="0">
-                        <a:spcBef>
-                          <a:spcPts val="0"/>
-                        </a:spcBef>
-                        <a:buNone/>
-                      </a:pPr>
-                      <a:r>
-                        <a:rPr lang="en"/>
-                        <a:t>0</a:t>
-                      </a:r>
-                    </a:p>
-                  </a:txBody>
-                  <a:tcPr marL="91425" marR="91425" marT="91425" marB="91425"/>
-                </a:tc>
-              </a:tr>
-              <a:tr h="388700">
-                <a:tc>
-                  <a:txBody>
-                    <a:bodyPr/>
-                    <a:lstStyle/>
-                    <a:p>
-                      <a:pPr lvl="0">
-                        <a:spcBef>
-                          <a:spcPts val="0"/>
-                        </a:spcBef>
-                        <a:buNone/>
-                      </a:pPr>
-                      <a:r>
-                        <a:rPr lang="en" b="1"/>
-                        <a:t>Q1</a:t>
-                      </a:r>
-                    </a:p>
-                  </a:txBody>
-                  <a:tcPr marL="91425" marR="91425" marT="91425" marB="91425"/>
-                </a:tc>
-                <a:tc>
-                  <a:txBody>
-                    <a:bodyPr/>
-                    <a:lstStyle/>
-                    <a:p>
-                      <a:pPr lvl="0">
-                        <a:spcBef>
-                          <a:spcPts val="0"/>
-                        </a:spcBef>
-                        <a:buNone/>
-                      </a:pPr>
-                      <a:r>
-                        <a:rPr lang="en"/>
-                        <a:t>4</a:t>
-                      </a:r>
-                    </a:p>
-                  </a:txBody>
-                  <a:tcPr marL="91425" marR="91425" marT="91425" marB="91425"/>
-                </a:tc>
-                <a:tc>
-                  <a:txBody>
-                    <a:bodyPr/>
-                    <a:lstStyle/>
-                    <a:p>
-                      <a:pPr lvl="0">
-                        <a:spcBef>
-                          <a:spcPts val="0"/>
-                        </a:spcBef>
-                        <a:buNone/>
-                      </a:pPr>
-                      <a:r>
-                        <a:rPr lang="en"/>
-                        <a:t>4</a:t>
-                      </a:r>
-                    </a:p>
-                  </a:txBody>
-                  <a:tcPr marL="91425" marR="91425" marT="91425" marB="91425"/>
-                </a:tc>
-              </a:tr>
-              <a:tr h="388700">
-                <a:tc>
-                  <a:txBody>
-                    <a:bodyPr/>
-                    <a:lstStyle/>
-                    <a:p>
-                      <a:pPr lvl="0">
-                        <a:spcBef>
-                          <a:spcPts val="0"/>
-                        </a:spcBef>
-                        <a:buNone/>
-                      </a:pPr>
-                      <a:r>
-                        <a:rPr lang="en" b="1"/>
-                        <a:t>Q2</a:t>
-                      </a:r>
-                    </a:p>
-                  </a:txBody>
-                  <a:tcPr marL="91425" marR="91425" marT="91425" marB="91425"/>
-                </a:tc>
-                <a:tc>
-                  <a:txBody>
-                    <a:bodyPr/>
-                    <a:lstStyle/>
-                    <a:p>
-                      <a:pPr lvl="0">
-                        <a:spcBef>
-                          <a:spcPts val="0"/>
-                        </a:spcBef>
-                        <a:buNone/>
-                      </a:pPr>
-                      <a:r>
-                        <a:rPr lang="en"/>
-                        <a:t>8</a:t>
-                      </a:r>
-                    </a:p>
-                  </a:txBody>
-                  <a:tcPr marL="91425" marR="91425" marT="91425" marB="91425"/>
-                </a:tc>
-                <a:tc>
-                  <a:txBody>
-                    <a:bodyPr/>
-                    <a:lstStyle/>
-                    <a:p>
-                      <a:pPr lvl="0">
-                        <a:spcBef>
-                          <a:spcPts val="0"/>
-                        </a:spcBef>
-                        <a:buNone/>
-                      </a:pPr>
-                      <a:r>
-                        <a:rPr lang="en"/>
-                        <a:t>6</a:t>
-                      </a:r>
-                    </a:p>
-                  </a:txBody>
-                  <a:tcPr marL="91425" marR="91425" marT="91425" marB="91425"/>
-                </a:tc>
-              </a:tr>
-              <a:tr h="388700">
-                <a:tc>
-                  <a:txBody>
-                    <a:bodyPr/>
-                    <a:lstStyle/>
-                    <a:p>
-                      <a:pPr lvl="0">
-                        <a:spcBef>
-                          <a:spcPts val="0"/>
-                        </a:spcBef>
-                        <a:buNone/>
-                      </a:pPr>
-                      <a:r>
-                        <a:rPr lang="en" b="1"/>
-                        <a:t>Q3</a:t>
-                      </a:r>
-                    </a:p>
-                  </a:txBody>
-                  <a:tcPr marL="91425" marR="91425" marT="91425" marB="91425"/>
-                </a:tc>
-                <a:tc>
-                  <a:txBody>
-                    <a:bodyPr/>
-                    <a:lstStyle/>
-                    <a:p>
-                      <a:pPr lvl="0">
-                        <a:spcBef>
-                          <a:spcPts val="0"/>
-                        </a:spcBef>
-                        <a:buNone/>
-                      </a:pPr>
-                      <a:r>
-                        <a:rPr lang="en"/>
-                        <a:t>15</a:t>
-                      </a:r>
-                    </a:p>
-                  </a:txBody>
-                  <a:tcPr marL="91425" marR="91425" marT="91425" marB="91425"/>
-                </a:tc>
-                <a:tc>
-                  <a:txBody>
-                    <a:bodyPr/>
-                    <a:lstStyle/>
-                    <a:p>
-                      <a:pPr lvl="0">
-                        <a:spcBef>
-                          <a:spcPts val="0"/>
-                        </a:spcBef>
-                        <a:buNone/>
-                      </a:pPr>
-                      <a:r>
-                        <a:rPr lang="en"/>
-                        <a:t>15</a:t>
-                      </a:r>
-                    </a:p>
-                  </a:txBody>
-                  <a:tcPr marL="91425" marR="91425" marT="91425" marB="91425"/>
-                </a:tc>
-              </a:tr>
-              <a:tr h="392500">
-                <a:tc>
-                  <a:txBody>
-                    <a:bodyPr/>
-                    <a:lstStyle/>
-                    <a:p>
-                      <a:pPr lvl="0">
-                        <a:spcBef>
-                          <a:spcPts val="0"/>
-                        </a:spcBef>
-                        <a:buNone/>
-                      </a:pPr>
-                      <a:r>
-                        <a:rPr lang="en" b="1"/>
-                        <a:t>Maximum</a:t>
-                      </a:r>
-                    </a:p>
-                  </a:txBody>
-                  <a:tcPr marL="91425" marR="91425" marT="91425" marB="91425"/>
-                </a:tc>
-                <a:tc>
-                  <a:txBody>
-                    <a:bodyPr/>
-                    <a:lstStyle/>
-                    <a:p>
-                      <a:pPr lvl="0">
-                        <a:spcBef>
-                          <a:spcPts val="0"/>
-                        </a:spcBef>
-                        <a:buNone/>
-                      </a:pPr>
-                      <a:r>
-                        <a:rPr lang="en"/>
-                        <a:t>600</a:t>
-                      </a:r>
-                    </a:p>
-                  </a:txBody>
-                  <a:tcPr marL="91425" marR="91425" marT="91425" marB="91425"/>
-                </a:tc>
-                <a:tc>
-                  <a:txBody>
-                    <a:bodyPr/>
-                    <a:lstStyle/>
-                    <a:p>
-                      <a:pPr lvl="0">
-                        <a:spcBef>
-                          <a:spcPts val="0"/>
-                        </a:spcBef>
-                        <a:buNone/>
-                      </a:pPr>
-                      <a:r>
-                        <a:rPr lang="en"/>
-                        <a:t>100</a:t>
-                      </a:r>
-                    </a:p>
-                  </a:txBody>
-                  <a:tcPr marL="91425" marR="91425" marT="91425" marB="91425"/>
-                </a:tc>
-              </a:tr>
-            </a:tbl>
-          </a:graphicData>
-        </a:graphic>
-      </p:graphicFrame>
-      <p:sp>
-        <p:nvSpPr>
-          <p:cNvPr id="57" name="Shape 57"/>
-          <p:cNvSpPr txBox="1"/>
-          <p:nvPr/>
-        </p:nvSpPr>
-        <p:spPr>
-          <a:xfrm>
-            <a:off x="223250" y="902750"/>
-            <a:ext cx="3222600" cy="213600"/>
-          </a:xfrm>
-          <a:prstGeom prst="rect">
-            <a:avLst/>
-          </a:prstGeom>
-          <a:noFill/>
-          <a:ln>
-            <a:noFill/>
-          </a:ln>
-        </p:spPr>
-        <p:txBody>
-          <a:bodyPr wrap="square" lIns="91425" tIns="91425" rIns="91425" bIns="91425" anchor="t" anchorCtr="0">
-            <a:noAutofit/>
-          </a:bodyPr>
-          <a:lstStyle/>
-          <a:p>
-            <a:pPr lvl="0">
-              <a:spcBef>
-                <a:spcPts val="0"/>
-              </a:spcBef>
-              <a:buNone/>
-            </a:pPr>
-            <a:r>
-              <a:rPr lang="en" b="1"/>
-              <a:t>Number of Books Read</a:t>
-            </a:r>
-          </a:p>
-        </p:txBody>
-      </p:sp>
-      <p:pic>
-        <p:nvPicPr>
-          <p:cNvPr id="58" name="Shape 58"/>
-          <p:cNvPicPr preferRelativeResize="0"/>
-          <p:nvPr/>
-        </p:nvPicPr>
-        <p:blipFill>
-          <a:blip r:embed="rId3">
-            <a:alphaModFix/>
-          </a:blip>
-          <a:stretch>
-            <a:fillRect/>
-          </a:stretch>
-        </p:blipFill>
-        <p:spPr>
-          <a:xfrm>
-            <a:off x="4785324" y="902756"/>
-            <a:ext cx="3829425" cy="2935667"/>
-          </a:xfrm>
-          <a:prstGeom prst="rect">
-            <a:avLst/>
-          </a:prstGeom>
-          <a:noFill/>
-          <a:ln w="9525" cap="flat" cmpd="sng">
-            <a:solidFill>
-              <a:schemeClr val="dk2"/>
-            </a:solidFill>
-            <a:prstDash val="solid"/>
-            <a:round/>
-            <a:headEnd type="none" w="med" len="med"/>
-            <a:tailEnd type="none" w="med" len="med"/>
-          </a:ln>
-        </p:spPr>
-      </p:pic>
     </p:spTree>
+    <p:extLst>
+      <p:ext uri="{BB962C8B-B14F-4D97-AF65-F5344CB8AC3E}">
+        <p14:creationId xmlns:p14="http://schemas.microsoft.com/office/powerpoint/2010/main" val="947211954"/>
+      </p:ext>
+    </p:extLst>
   </p:cSld>
   <p:clrMapOvr>
     <a:masterClrMapping/>
@@ -5175,22 +7467,40 @@
           </a:bodyPr>
           <a:lstStyle/>
           <a:p>
-            <a:pPr lvl="0" rtl="0">
-              <a:spcBef>
-                <a:spcPts val="0"/>
-              </a:spcBef>
-              <a:buNone/>
+            <a:pPr marL="342900" lvl="0" indent="-342900" rtl="0">
+              <a:spcBef>
+                <a:spcPts val="0"/>
+              </a:spcBef>
+              <a:buAutoNum type="arabicPeriod"/>
             </a:pPr>
             <a:r>
-              <a:rPr lang="zh-CN" altLang="en-US" dirty="0" smtClean="0">
+              <a:rPr lang="zh-CN" altLang="en-US" dirty="0">
                 <a:latin typeface="Open Sans"/>
                 <a:ea typeface="Open Sans"/>
                 <a:cs typeface="Open Sans"/>
                 <a:sym typeface="Open Sans"/>
               </a:rPr>
-              <a:t>分析数据的第一步应该是清洗和整理数据，也顺便在这个过程中熟悉一下数据的基本情况。通过探索，我返现数据中存在一些明显的异常值，我对这些异常值进行了清洗和整理，大致情况如下：</a:t>
+              <a:t>学员们对</a:t>
             </a:r>
-            <a:endParaRPr lang="en-US" altLang="zh-CN" dirty="0" smtClean="0">
+            <a:r>
+              <a:rPr lang="en-US" altLang="zh-CN" dirty="0" err="1">
+                <a:latin typeface="Open Sans"/>
+                <a:ea typeface="Open Sans"/>
+                <a:cs typeface="Open Sans"/>
+                <a:sym typeface="Open Sans"/>
+              </a:rPr>
+              <a:t>Udacity</a:t>
+            </a:r>
+            <a:r>
+              <a:rPr lang="zh-CN" altLang="en-US" dirty="0">
+                <a:latin typeface="Open Sans"/>
+                <a:ea typeface="Open Sans"/>
+                <a:cs typeface="Open Sans"/>
+                <a:sym typeface="Open Sans"/>
+              </a:rPr>
+              <a:t>的评价是怎样的？</a:t>
+            </a:r>
+            <a:endParaRPr lang="en-US" altLang="zh-CN" dirty="0">
               <a:latin typeface="Open Sans"/>
               <a:ea typeface="Open Sans"/>
               <a:cs typeface="Open Sans"/>
@@ -5205,123 +7515,35 @@
               <a:buAutoNum type="arabicPeriod"/>
             </a:pPr>
             <a:r>
-              <a:rPr lang="zh-CN" altLang="en-US" dirty="0" smtClean="0">
+              <a:rPr lang="zh-CN" altLang="en-US" dirty="0">
                 <a:latin typeface="Open Sans"/>
                 <a:ea typeface="Open Sans"/>
                 <a:cs typeface="Open Sans"/>
                 <a:sym typeface="Open Sans"/>
               </a:rPr>
-              <a:t>我用</a:t>
+              <a:t>最受欢迎的纳米学位课程有哪些？</a:t>
             </a:r>
+            <a:endParaRPr lang="en-US" altLang="zh-CN" dirty="0">
+              <a:latin typeface="Open Sans"/>
+              <a:ea typeface="Open Sans"/>
+              <a:cs typeface="Open Sans"/>
+              <a:sym typeface="Open Sans"/>
+            </a:endParaRPr>
+          </a:p>
+          <a:p>
+            <a:pPr marL="342900" lvl="0" indent="-342900">
+              <a:buAutoNum type="arabicPeriod"/>
+            </a:pPr>
             <a:r>
-              <a:rPr lang="en-US" altLang="zh-CN" dirty="0" smtClean="0">
+              <a:rPr lang="zh-CN" altLang="en-US" dirty="0">
                 <a:latin typeface="Open Sans"/>
                 <a:ea typeface="Open Sans"/>
                 <a:cs typeface="Open Sans"/>
                 <a:sym typeface="Open Sans"/>
               </a:rPr>
-              <a:t>Today()</a:t>
+              <a:t>不同职业学员选修纳米学位的情况是怎样的？</a:t>
             </a:r>
-            <a:r>
-              <a:rPr lang="zh-CN" altLang="en-US" dirty="0" smtClean="0">
-                <a:latin typeface="Open Sans"/>
-                <a:ea typeface="Open Sans"/>
-                <a:cs typeface="Open Sans"/>
-                <a:sym typeface="Open Sans"/>
-              </a:rPr>
-              <a:t>函数结合问卷数据中的</a:t>
-            </a:r>
-            <a:r>
-              <a:rPr lang="en-US" altLang="zh-CN" dirty="0" smtClean="0">
-                <a:latin typeface="Open Sans"/>
-                <a:ea typeface="Open Sans"/>
-                <a:cs typeface="Open Sans"/>
-                <a:sym typeface="Open Sans"/>
-              </a:rPr>
-              <a:t>birthdate</a:t>
-            </a:r>
-            <a:r>
-              <a:rPr lang="zh-CN" altLang="en-US" dirty="0" smtClean="0">
-                <a:latin typeface="Open Sans"/>
-                <a:ea typeface="Open Sans"/>
-                <a:cs typeface="Open Sans"/>
-                <a:sym typeface="Open Sans"/>
-              </a:rPr>
-              <a:t>计算了每个用户的</a:t>
-            </a:r>
-            <a:r>
-              <a:rPr lang="en-US" altLang="zh-CN" dirty="0" smtClean="0">
-                <a:latin typeface="Open Sans"/>
-                <a:ea typeface="Open Sans"/>
-                <a:cs typeface="Open Sans"/>
-                <a:sym typeface="Open Sans"/>
-              </a:rPr>
-              <a:t>Age</a:t>
-            </a:r>
-            <a:r>
-              <a:rPr lang="zh-CN" altLang="en-US" dirty="0" smtClean="0">
-                <a:latin typeface="Open Sans"/>
-                <a:ea typeface="Open Sans"/>
-                <a:cs typeface="Open Sans"/>
-                <a:sym typeface="Open Sans"/>
-              </a:rPr>
-              <a:t>，发现最小值</a:t>
-            </a:r>
-            <a:r>
-              <a:rPr lang="en-US" altLang="zh-CN" dirty="0" smtClean="0">
-                <a:latin typeface="Open Sans"/>
-                <a:ea typeface="Open Sans"/>
-                <a:cs typeface="Open Sans"/>
-                <a:sym typeface="Open Sans"/>
-              </a:rPr>
-              <a:t>1</a:t>
-            </a:r>
-            <a:r>
-              <a:rPr lang="zh-CN" altLang="en-US" dirty="0" smtClean="0">
-                <a:latin typeface="Open Sans"/>
-                <a:ea typeface="Open Sans"/>
-                <a:cs typeface="Open Sans"/>
-                <a:sym typeface="Open Sans"/>
-              </a:rPr>
-              <a:t>岁，最大值</a:t>
-            </a:r>
-            <a:r>
-              <a:rPr lang="en-US" altLang="zh-CN" dirty="0" smtClean="0">
-                <a:latin typeface="Open Sans"/>
-                <a:ea typeface="Open Sans"/>
-                <a:cs typeface="Open Sans"/>
-                <a:sym typeface="Open Sans"/>
-              </a:rPr>
-              <a:t>119</a:t>
-            </a:r>
-            <a:r>
-              <a:rPr lang="zh-CN" altLang="en-US" dirty="0" smtClean="0">
-                <a:latin typeface="Open Sans"/>
-                <a:ea typeface="Open Sans"/>
-                <a:cs typeface="Open Sans"/>
-                <a:sym typeface="Open Sans"/>
-              </a:rPr>
-              <a:t>岁，我认为这是异常值，删掉了它们，共</a:t>
-            </a:r>
-            <a:r>
-              <a:rPr lang="en-US" altLang="zh-CN" dirty="0" smtClean="0">
-                <a:latin typeface="Open Sans"/>
-                <a:ea typeface="Open Sans"/>
-                <a:cs typeface="Open Sans"/>
-                <a:sym typeface="Open Sans"/>
-              </a:rPr>
-              <a:t>41</a:t>
-            </a:r>
-            <a:r>
-              <a:rPr lang="zh-CN" altLang="en-US" dirty="0" smtClean="0">
-                <a:latin typeface="Open Sans"/>
-                <a:ea typeface="Open Sans"/>
-                <a:cs typeface="Open Sans"/>
-                <a:sym typeface="Open Sans"/>
-              </a:rPr>
-              <a:t>条；</a:t>
-            </a:r>
-            <a:endParaRPr lang="en-US" altLang="zh-CN" dirty="0" smtClean="0">
+            <a:endParaRPr lang="en-US" altLang="zh-CN" dirty="0">
               <a:latin typeface="Open Sans"/>
               <a:ea typeface="Open Sans"/>
               <a:cs typeface="Open Sans"/>
@@ -5336,487 +7558,7 @@
               <a:buAutoNum type="arabicPeriod"/>
             </a:pPr>
             <a:r>
-              <a:rPr lang="zh-CN" altLang="en-US" dirty="0" smtClean="0">
-                <a:latin typeface="Open Sans"/>
-                <a:ea typeface="Open Sans"/>
-                <a:cs typeface="Open Sans"/>
-                <a:sym typeface="Open Sans"/>
-              </a:rPr>
-              <a:t>关于</a:t>
-            </a:r>
-            <a:r>
-              <a:rPr lang="en-US" altLang="zh-CN" dirty="0" smtClean="0">
-                <a:latin typeface="Open Sans"/>
-                <a:ea typeface="Open Sans"/>
-                <a:cs typeface="Open Sans"/>
-                <a:sym typeface="Open Sans"/>
-              </a:rPr>
-              <a:t>how many hours of sleep per night</a:t>
-            </a:r>
-            <a:r>
-              <a:rPr lang="zh-CN" altLang="en-US" dirty="0" smtClean="0">
-                <a:latin typeface="Open Sans"/>
-                <a:ea typeface="Open Sans"/>
-                <a:cs typeface="Open Sans"/>
-                <a:sym typeface="Open Sans"/>
-              </a:rPr>
-              <a:t>，</a:t>
-            </a:r>
-            <a:r>
-              <a:rPr lang="en-US" altLang="zh-CN" dirty="0" smtClean="0">
-                <a:latin typeface="Open Sans"/>
-                <a:ea typeface="Open Sans"/>
-                <a:cs typeface="Open Sans"/>
-                <a:sym typeface="Open Sans"/>
-              </a:rPr>
-              <a:t>65</a:t>
-            </a:r>
-            <a:r>
-              <a:rPr lang="zh-CN" altLang="en-US" dirty="0" smtClean="0">
-                <a:latin typeface="Open Sans"/>
-                <a:ea typeface="Open Sans"/>
-                <a:cs typeface="Open Sans"/>
-                <a:sym typeface="Open Sans"/>
-              </a:rPr>
-              <a:t>和</a:t>
-            </a:r>
-            <a:r>
-              <a:rPr lang="en-US" altLang="zh-CN" dirty="0" smtClean="0">
-                <a:latin typeface="Open Sans"/>
-                <a:ea typeface="Open Sans"/>
-                <a:cs typeface="Open Sans"/>
-                <a:sym typeface="Open Sans"/>
-              </a:rPr>
-              <a:t>85</a:t>
-            </a:r>
-            <a:r>
-              <a:rPr lang="zh-CN" altLang="en-US" dirty="0" smtClean="0">
-                <a:latin typeface="Open Sans"/>
-                <a:ea typeface="Open Sans"/>
-                <a:cs typeface="Open Sans"/>
-                <a:sym typeface="Open Sans"/>
-              </a:rPr>
-              <a:t>是明显的异常值，因为一天才</a:t>
-            </a:r>
-            <a:r>
-              <a:rPr lang="en-US" altLang="zh-CN" dirty="0" smtClean="0">
-                <a:latin typeface="Open Sans"/>
-                <a:ea typeface="Open Sans"/>
-                <a:cs typeface="Open Sans"/>
-                <a:sym typeface="Open Sans"/>
-              </a:rPr>
-              <a:t>24</a:t>
-            </a:r>
-            <a:r>
-              <a:rPr lang="zh-CN" altLang="en-US" dirty="0" smtClean="0">
-                <a:latin typeface="Open Sans"/>
-                <a:ea typeface="Open Sans"/>
-                <a:cs typeface="Open Sans"/>
-                <a:sym typeface="Open Sans"/>
-              </a:rPr>
-              <a:t>小时，也做了删除处理；</a:t>
-            </a:r>
-            <a:endParaRPr lang="en-US" altLang="zh-CN" dirty="0" smtClean="0">
-              <a:latin typeface="Open Sans"/>
-              <a:ea typeface="Open Sans"/>
-              <a:cs typeface="Open Sans"/>
-              <a:sym typeface="Open Sans"/>
-            </a:endParaRPr>
-          </a:p>
-          <a:p>
-            <a:pPr marL="342900" lvl="0" indent="-342900" rtl="0">
-              <a:spcBef>
-                <a:spcPts val="0"/>
-              </a:spcBef>
-              <a:buAutoNum type="arabicPeriod"/>
-            </a:pPr>
-            <a:r>
-              <a:rPr lang="zh-CN" altLang="en-US" dirty="0" smtClean="0">
-                <a:latin typeface="Open Sans"/>
-                <a:ea typeface="Open Sans"/>
-                <a:cs typeface="Open Sans"/>
-                <a:sym typeface="Open Sans"/>
-              </a:rPr>
-              <a:t>关于</a:t>
-            </a:r>
-            <a:r>
-              <a:rPr lang="en-US" altLang="zh-CN" dirty="0" smtClean="0">
-                <a:latin typeface="Open Sans"/>
-                <a:ea typeface="Open Sans"/>
-                <a:cs typeface="Open Sans"/>
-                <a:sym typeface="Open Sans"/>
-              </a:rPr>
-              <a:t>how many hours spend sitting per day</a:t>
-            </a:r>
-            <a:r>
-              <a:rPr lang="zh-CN" altLang="en-US" dirty="0" smtClean="0">
-                <a:latin typeface="Open Sans"/>
-                <a:ea typeface="Open Sans"/>
-                <a:cs typeface="Open Sans"/>
-                <a:sym typeface="Open Sans"/>
-              </a:rPr>
-              <a:t>，超过</a:t>
-            </a:r>
-            <a:r>
-              <a:rPr lang="en-US" altLang="zh-CN" dirty="0" smtClean="0">
-                <a:latin typeface="Open Sans"/>
-                <a:ea typeface="Open Sans"/>
-                <a:cs typeface="Open Sans"/>
-                <a:sym typeface="Open Sans"/>
-              </a:rPr>
-              <a:t>24</a:t>
-            </a:r>
-            <a:r>
-              <a:rPr lang="zh-CN" altLang="en-US" dirty="0" smtClean="0">
-                <a:latin typeface="Open Sans"/>
-                <a:ea typeface="Open Sans"/>
-                <a:cs typeface="Open Sans"/>
-                <a:sym typeface="Open Sans"/>
-              </a:rPr>
-              <a:t>小时的也做了删除处理；</a:t>
-            </a:r>
-            <a:endParaRPr lang="en-US" altLang="zh-CN" dirty="0" smtClean="0">
-              <a:latin typeface="Open Sans"/>
-              <a:ea typeface="Open Sans"/>
-              <a:cs typeface="Open Sans"/>
-              <a:sym typeface="Open Sans"/>
-            </a:endParaRPr>
-          </a:p>
-          <a:p>
-            <a:pPr marL="342900" lvl="0" indent="-342900" rtl="0">
-              <a:spcBef>
-                <a:spcPts val="0"/>
-              </a:spcBef>
-              <a:buAutoNum type="arabicPeriod"/>
-            </a:pPr>
-            <a:r>
-              <a:rPr lang="zh-CN" altLang="en-US" dirty="0" smtClean="0">
-                <a:latin typeface="Open Sans"/>
-                <a:ea typeface="Open Sans"/>
-                <a:cs typeface="Open Sans"/>
-                <a:sym typeface="Open Sans"/>
-              </a:rPr>
-              <a:t>关于</a:t>
-            </a:r>
-            <a:r>
-              <a:rPr lang="en-US" altLang="zh-CN" dirty="0" smtClean="0">
-                <a:latin typeface="Open Sans"/>
-                <a:ea typeface="Open Sans"/>
-                <a:cs typeface="Open Sans"/>
-                <a:sym typeface="Open Sans"/>
-              </a:rPr>
-              <a:t>hours of learning/applying per week</a:t>
-            </a:r>
-            <a:r>
-              <a:rPr lang="zh-CN" altLang="en-US" dirty="0" smtClean="0">
-                <a:latin typeface="Open Sans"/>
-                <a:ea typeface="Open Sans"/>
-                <a:cs typeface="Open Sans"/>
-                <a:sym typeface="Open Sans"/>
-              </a:rPr>
-              <a:t>这两个字段，对于文字描述做了清理，其他模糊不清的描述，比如</a:t>
-            </a:r>
-            <a:r>
-              <a:rPr lang="en-US" altLang="zh-CN" dirty="0" smtClean="0">
-                <a:latin typeface="Open Sans"/>
-                <a:ea typeface="Open Sans"/>
-                <a:cs typeface="Open Sans"/>
-                <a:sym typeface="Open Sans"/>
-              </a:rPr>
-              <a:t>10-20</a:t>
-            </a:r>
-            <a:r>
-              <a:rPr lang="zh-CN" altLang="en-US" dirty="0" smtClean="0">
-                <a:latin typeface="Open Sans"/>
-                <a:ea typeface="Open Sans"/>
-                <a:cs typeface="Open Sans"/>
-                <a:sym typeface="Open Sans"/>
-              </a:rPr>
-              <a:t>，</a:t>
-            </a:r>
-            <a:r>
-              <a:rPr lang="en-US" altLang="zh-CN" dirty="0" smtClean="0">
-                <a:latin typeface="Open Sans"/>
-                <a:ea typeface="Open Sans"/>
-                <a:cs typeface="Open Sans"/>
-                <a:sym typeface="Open Sans"/>
-              </a:rPr>
-              <a:t>30+</a:t>
-            </a:r>
-            <a:r>
-              <a:rPr lang="zh-CN" altLang="en-US" dirty="0" smtClean="0">
-                <a:latin typeface="Open Sans"/>
-                <a:ea typeface="Open Sans"/>
-                <a:cs typeface="Open Sans"/>
-                <a:sym typeface="Open Sans"/>
-              </a:rPr>
-              <a:t>之内的，将其简单处理成纯数字，</a:t>
-            </a:r>
-            <a:r>
-              <a:rPr lang="en-US" altLang="zh-CN" dirty="0" smtClean="0">
-                <a:latin typeface="Open Sans"/>
-                <a:ea typeface="Open Sans"/>
-                <a:cs typeface="Open Sans"/>
-                <a:sym typeface="Open Sans"/>
-              </a:rPr>
-              <a:t>10+</a:t>
-            </a:r>
-            <a:r>
-              <a:rPr lang="zh-CN" altLang="en-US" dirty="0" smtClean="0">
-                <a:latin typeface="Open Sans"/>
-                <a:ea typeface="Open Sans"/>
-                <a:cs typeface="Open Sans"/>
-                <a:sym typeface="Open Sans"/>
-              </a:rPr>
-              <a:t>的就按</a:t>
-            </a:r>
-            <a:r>
-              <a:rPr lang="en-US" altLang="zh-CN" dirty="0" smtClean="0">
-                <a:latin typeface="Open Sans"/>
-                <a:ea typeface="Open Sans"/>
-                <a:cs typeface="Open Sans"/>
-                <a:sym typeface="Open Sans"/>
-              </a:rPr>
-              <a:t>10</a:t>
-            </a:r>
-            <a:r>
-              <a:rPr lang="zh-CN" altLang="en-US" dirty="0" smtClean="0">
-                <a:latin typeface="Open Sans"/>
-                <a:ea typeface="Open Sans"/>
-                <a:cs typeface="Open Sans"/>
-                <a:sym typeface="Open Sans"/>
-              </a:rPr>
-              <a:t>小时算，方便后面的分析；</a:t>
-            </a:r>
-            <a:endParaRPr lang="en-US" altLang="zh-CN" dirty="0">
-              <a:latin typeface="Open Sans"/>
-              <a:ea typeface="Open Sans"/>
-              <a:cs typeface="Open Sans"/>
-              <a:sym typeface="Open Sans"/>
-            </a:endParaRPr>
-          </a:p>
-        </p:txBody>
-      </p:sp>
-      <p:sp>
-        <p:nvSpPr>
-          <p:cNvPr id="55" name="Shape 55"/>
-          <p:cNvSpPr txBox="1">
-            <a:spLocks noGrp="1"/>
-          </p:cNvSpPr>
-          <p:nvPr>
-            <p:ph type="title"/>
-          </p:nvPr>
-        </p:nvSpPr>
-        <p:spPr>
-          <a:xfrm>
-            <a:off x="0" y="0"/>
-            <a:ext cx="9144000" cy="795600"/>
-          </a:xfrm>
-          <a:prstGeom prst="rect">
-            <a:avLst/>
-          </a:prstGeom>
-          <a:solidFill>
-            <a:srgbClr val="073763"/>
-          </a:solidFill>
-        </p:spPr>
-        <p:txBody>
-          <a:bodyPr wrap="square" lIns="91425" tIns="91425" rIns="91425" bIns="91425" anchor="ctr" anchorCtr="0">
-            <a:noAutofit/>
-          </a:bodyPr>
-          <a:lstStyle/>
-          <a:p>
-            <a:pPr lvl="0" rtl="0">
-              <a:spcBef>
-                <a:spcPts val="0"/>
-              </a:spcBef>
-              <a:buNone/>
-            </a:pPr>
-            <a:r>
-              <a:rPr lang="zh-CN" altLang="en-US" dirty="0" smtClean="0">
-                <a:solidFill>
-                  <a:srgbClr val="FFFFFF"/>
-                </a:solidFill>
-                <a:latin typeface="Open Sans"/>
-                <a:ea typeface="Open Sans"/>
-                <a:cs typeface="Open Sans"/>
-                <a:sym typeface="Open Sans"/>
-              </a:rPr>
-              <a:t>清洗和整理数据</a:t>
-            </a:r>
-            <a:endParaRPr lang="en" dirty="0">
-              <a:solidFill>
-                <a:srgbClr val="FFFFFF"/>
-              </a:solidFill>
-              <a:latin typeface="Open Sans"/>
-              <a:ea typeface="Open Sans"/>
-              <a:cs typeface="Open Sans"/>
-              <a:sym typeface="Open Sans"/>
-            </a:endParaRPr>
-          </a:p>
-        </p:txBody>
-      </p:sp>
-    </p:spTree>
-    <p:extLst>
-      <p:ext uri="{BB962C8B-B14F-4D97-AF65-F5344CB8AC3E}">
-        <p14:creationId xmlns:p14="http://schemas.microsoft.com/office/powerpoint/2010/main" val="947211954"/>
-      </p:ext>
-    </p:extLst>
-  </p:cSld>
-  <p:clrMapOvr>
-    <a:masterClrMapping/>
-  </p:clrMapOvr>
-</p:sld>
-</file>
-
-<file path=ppt/slides/slide3.xml><?xml version="1.0" encoding="utf-8"?>
-<p:sld xmlns:a="http://schemas.openxmlformats.org/drawingml/2006/main" xmlns:r="http://schemas.openxmlformats.org/officeDocument/2006/relationships" xmlns:p="http://schemas.openxmlformats.org/presentationml/2006/main">
-  <p:cSld>
-    <p:spTree>
-      <p:nvGrpSpPr>
-        <p:cNvPr id="1" name="Shape 53"/>
-        <p:cNvGrpSpPr/>
-        <p:nvPr/>
-      </p:nvGrpSpPr>
-      <p:grpSpPr>
-        <a:xfrm>
-          <a:off x="0" y="0"/>
-          <a:ext cx="0" cy="0"/>
-          <a:chOff x="0" y="0"/>
-          <a:chExt cx="0" cy="0"/>
-        </a:xfrm>
-      </p:grpSpPr>
-      <p:sp>
-        <p:nvSpPr>
-          <p:cNvPr id="54" name="Shape 54"/>
-          <p:cNvSpPr txBox="1">
-            <a:spLocks noGrp="1"/>
-          </p:cNvSpPr>
-          <p:nvPr>
-            <p:ph type="body" idx="1"/>
-          </p:nvPr>
-        </p:nvSpPr>
-        <p:spPr>
-          <a:xfrm>
-            <a:off x="251772" y="949827"/>
-            <a:ext cx="8735474" cy="3813762"/>
-          </a:xfrm>
-          <a:prstGeom prst="rect">
-            <a:avLst/>
-          </a:prstGeom>
-          <a:solidFill>
-            <a:srgbClr val="FFFFFF"/>
-          </a:solidFill>
-          <a:ln w="9525" cap="flat" cmpd="sng">
-            <a:solidFill>
-              <a:srgbClr val="FFFFFF"/>
-            </a:solidFill>
-            <a:prstDash val="solid"/>
-            <a:round/>
-            <a:headEnd type="none" w="med" len="med"/>
-            <a:tailEnd type="none" w="med" len="med"/>
-          </a:ln>
-        </p:spPr>
-        <p:txBody>
-          <a:bodyPr wrap="square" lIns="91425" tIns="91425" rIns="91425" bIns="91425" anchor="t" anchorCtr="0">
-            <a:noAutofit/>
-          </a:bodyPr>
-          <a:lstStyle/>
-          <a:p>
-            <a:pPr marL="342900" lvl="0" indent="-342900" rtl="0">
-              <a:spcBef>
-                <a:spcPts val="0"/>
-              </a:spcBef>
-              <a:buAutoNum type="arabicPeriod"/>
-            </a:pPr>
-            <a:r>
-              <a:rPr lang="zh-CN" altLang="en-US" dirty="0" smtClean="0">
-                <a:latin typeface="Open Sans"/>
-                <a:ea typeface="Open Sans"/>
-                <a:cs typeface="Open Sans"/>
-                <a:sym typeface="Open Sans"/>
-              </a:rPr>
-              <a:t>学员们对</a:t>
-            </a:r>
-            <a:r>
-              <a:rPr lang="en-US" altLang="zh-CN" dirty="0" err="1" smtClean="0">
-                <a:latin typeface="Open Sans"/>
-                <a:ea typeface="Open Sans"/>
-                <a:cs typeface="Open Sans"/>
-                <a:sym typeface="Open Sans"/>
-              </a:rPr>
-              <a:t>Udacity</a:t>
-            </a:r>
-            <a:r>
-              <a:rPr lang="zh-CN" altLang="en-US" dirty="0" smtClean="0">
-                <a:latin typeface="Open Sans"/>
-                <a:ea typeface="Open Sans"/>
-                <a:cs typeface="Open Sans"/>
-                <a:sym typeface="Open Sans"/>
-              </a:rPr>
-              <a:t>的评价是怎样的？</a:t>
-            </a:r>
-            <a:endParaRPr lang="en-US" altLang="zh-CN" dirty="0" smtClean="0">
-              <a:latin typeface="Open Sans"/>
-              <a:ea typeface="Open Sans"/>
-              <a:cs typeface="Open Sans"/>
-              <a:sym typeface="Open Sans"/>
-            </a:endParaRPr>
-          </a:p>
-          <a:p>
-            <a:pPr marL="342900" lvl="0" indent="-342900" rtl="0">
-              <a:spcBef>
-                <a:spcPts val="0"/>
-              </a:spcBef>
-              <a:buAutoNum type="arabicPeriod"/>
-            </a:pPr>
-            <a:r>
-              <a:rPr lang="zh-CN" altLang="en-US" dirty="0" smtClean="0">
-                <a:latin typeface="Open Sans"/>
-                <a:ea typeface="Open Sans"/>
-                <a:cs typeface="Open Sans"/>
-                <a:sym typeface="Open Sans"/>
-              </a:rPr>
-              <a:t>最受欢迎的纳米学位课程有哪些？</a:t>
-            </a:r>
-            <a:endParaRPr lang="en-US" altLang="zh-CN" dirty="0" smtClean="0">
-              <a:latin typeface="Open Sans"/>
-              <a:ea typeface="Open Sans"/>
-              <a:cs typeface="Open Sans"/>
-              <a:sym typeface="Open Sans"/>
-            </a:endParaRPr>
-          </a:p>
-          <a:p>
-            <a:pPr marL="342900" lvl="0" indent="-342900" rtl="0">
-              <a:spcBef>
-                <a:spcPts val="0"/>
-              </a:spcBef>
-              <a:buAutoNum type="arabicPeriod"/>
-            </a:pPr>
-            <a:r>
-              <a:rPr lang="zh-CN" altLang="en-US" dirty="0" smtClean="0">
-                <a:latin typeface="Open Sans"/>
-                <a:ea typeface="Open Sans"/>
-                <a:cs typeface="Open Sans"/>
-                <a:sym typeface="Open Sans"/>
-              </a:rPr>
-              <a:t>学员们每周花在应用所学知识的时间，与他们完成项目的平均时间之间有没有什么关系？</a:t>
-            </a:r>
-            <a:endParaRPr lang="en-US" altLang="zh-CN" dirty="0" smtClean="0">
-              <a:latin typeface="Open Sans"/>
-              <a:ea typeface="Open Sans"/>
-              <a:cs typeface="Open Sans"/>
-              <a:sym typeface="Open Sans"/>
-            </a:endParaRPr>
-          </a:p>
-          <a:p>
-            <a:pPr marL="342900" lvl="0" indent="-342900" rtl="0">
-              <a:spcBef>
-                <a:spcPts val="0"/>
-              </a:spcBef>
-              <a:buAutoNum type="arabicPeriod"/>
-            </a:pPr>
-            <a:r>
-              <a:rPr lang="zh-CN" altLang="en-US" dirty="0" smtClean="0">
+              <a:rPr lang="zh-CN" altLang="en-US" dirty="0">
                 <a:latin typeface="Open Sans"/>
                 <a:ea typeface="Open Sans"/>
                 <a:cs typeface="Open Sans"/>
@@ -5868,7 +7610,7 @@
               <a:buNone/>
             </a:pPr>
             <a:r>
-              <a:rPr lang="zh-CN" altLang="en-US" dirty="0" smtClean="0">
+              <a:rPr lang="zh-CN" altLang="en-US" dirty="0">
                 <a:solidFill>
                   <a:srgbClr val="FFFFFF"/>
                 </a:solidFill>
@@ -5895,6 +7637,677 @@
     <p:extLst>
       <p:ext uri="{BB962C8B-B14F-4D97-AF65-F5344CB8AC3E}">
         <p14:creationId xmlns:p14="http://schemas.microsoft.com/office/powerpoint/2010/main" val="2023201094"/>
+      </p:ext>
+    </p:extLst>
+  </p:cSld>
+  <p:clrMapOvr>
+    <a:masterClrMapping/>
+  </p:clrMapOvr>
+</p:sld>
+</file>
+
+<file path=ppt/slides/slide3.xml><?xml version="1.0" encoding="utf-8"?>
+<p:sld xmlns:a="http://schemas.openxmlformats.org/drawingml/2006/main" xmlns:r="http://schemas.openxmlformats.org/officeDocument/2006/relationships" xmlns:p="http://schemas.openxmlformats.org/presentationml/2006/main">
+  <p:cSld>
+    <p:spTree>
+      <p:nvGrpSpPr>
+        <p:cNvPr id="1" name="Shape 53"/>
+        <p:cNvGrpSpPr/>
+        <p:nvPr/>
+      </p:nvGrpSpPr>
+      <p:grpSpPr>
+        <a:xfrm>
+          <a:off x="0" y="0"/>
+          <a:ext cx="0" cy="0"/>
+          <a:chOff x="0" y="0"/>
+          <a:chExt cx="0" cy="0"/>
+        </a:xfrm>
+      </p:grpSpPr>
+      <p:sp>
+        <p:nvSpPr>
+          <p:cNvPr id="54" name="Shape 54"/>
+          <p:cNvSpPr txBox="1">
+            <a:spLocks noGrp="1"/>
+          </p:cNvSpPr>
+          <p:nvPr>
+            <p:ph type="body" idx="1"/>
+          </p:nvPr>
+        </p:nvSpPr>
+        <p:spPr>
+          <a:xfrm>
+            <a:off x="573997" y="2765675"/>
+            <a:ext cx="3076880" cy="2116182"/>
+          </a:xfrm>
+          <a:prstGeom prst="rect">
+            <a:avLst/>
+          </a:prstGeom>
+          <a:solidFill>
+            <a:srgbClr val="FFFFFF"/>
+          </a:solidFill>
+          <a:ln w="9525" cap="flat" cmpd="sng">
+            <a:solidFill>
+              <a:srgbClr val="FFFFFF"/>
+            </a:solidFill>
+            <a:prstDash val="solid"/>
+            <a:round/>
+            <a:headEnd type="none" w="med" len="med"/>
+            <a:tailEnd type="none" w="med" len="med"/>
+          </a:ln>
+        </p:spPr>
+        <p:txBody>
+          <a:bodyPr wrap="square" lIns="91425" tIns="91425" rIns="91425" bIns="91425" anchor="t" anchorCtr="0">
+            <a:noAutofit/>
+          </a:bodyPr>
+          <a:lstStyle/>
+          <a:p>
+            <a:pPr lvl="0" rtl="0">
+              <a:spcBef>
+                <a:spcPts val="0"/>
+              </a:spcBef>
+              <a:buNone/>
+            </a:pPr>
+            <a:r>
+              <a:rPr lang="zh-CN" altLang="en-US" dirty="0">
+                <a:latin typeface="Open Sans"/>
+                <a:ea typeface="Open Sans"/>
+                <a:cs typeface="Open Sans"/>
+                <a:sym typeface="Open Sans"/>
+              </a:rPr>
+              <a:t>从直方图和五数总括上可以看出，学员们普遍对</a:t>
+            </a:r>
+            <a:r>
+              <a:rPr lang="en-US" altLang="zh-CN" dirty="0">
+                <a:latin typeface="Open Sans"/>
+                <a:ea typeface="Open Sans"/>
+                <a:cs typeface="Open Sans"/>
+                <a:sym typeface="Open Sans"/>
+              </a:rPr>
+              <a:t>Udacity</a:t>
+            </a:r>
+            <a:r>
+              <a:rPr lang="zh-CN" altLang="en-US" dirty="0">
+                <a:latin typeface="Open Sans"/>
+                <a:ea typeface="Open Sans"/>
+                <a:cs typeface="Open Sans"/>
+                <a:sym typeface="Open Sans"/>
+              </a:rPr>
+              <a:t>的纳米学位课程评价很高，</a:t>
+            </a:r>
+            <a:r>
+              <a:rPr lang="en-US" altLang="zh-CN" dirty="0">
+                <a:latin typeface="Open Sans"/>
+                <a:ea typeface="Open Sans"/>
+                <a:cs typeface="Open Sans"/>
+                <a:sym typeface="Open Sans"/>
+              </a:rPr>
+              <a:t>75%</a:t>
+            </a:r>
+            <a:r>
+              <a:rPr lang="zh-CN" altLang="en-US" dirty="0">
+                <a:latin typeface="Open Sans"/>
+                <a:ea typeface="Open Sans"/>
+                <a:cs typeface="Open Sans"/>
+                <a:sym typeface="Open Sans"/>
+              </a:rPr>
+              <a:t>的学员评分在</a:t>
+            </a:r>
+            <a:r>
+              <a:rPr lang="en-US" altLang="zh-CN" dirty="0">
+                <a:latin typeface="Open Sans"/>
+                <a:ea typeface="Open Sans"/>
+                <a:cs typeface="Open Sans"/>
+                <a:sym typeface="Open Sans"/>
+              </a:rPr>
+              <a:t>8</a:t>
+            </a:r>
+            <a:r>
+              <a:rPr lang="zh-CN" altLang="en-US" dirty="0">
+                <a:latin typeface="Open Sans"/>
+                <a:ea typeface="Open Sans"/>
+                <a:cs typeface="Open Sans"/>
+                <a:sym typeface="Open Sans"/>
+              </a:rPr>
+              <a:t>分以上，表示非常愿意向自己的亲朋好友推荐</a:t>
+            </a:r>
+            <a:r>
+              <a:rPr lang="en-US" altLang="zh-CN" dirty="0">
+                <a:latin typeface="Open Sans"/>
+                <a:ea typeface="Open Sans"/>
+                <a:cs typeface="Open Sans"/>
+                <a:sym typeface="Open Sans"/>
+              </a:rPr>
+              <a:t>Udacity</a:t>
+            </a:r>
+            <a:r>
+              <a:rPr lang="zh-CN" altLang="en-US" dirty="0">
+                <a:latin typeface="Open Sans"/>
+                <a:ea typeface="Open Sans"/>
+                <a:cs typeface="Open Sans"/>
+                <a:sym typeface="Open Sans"/>
+              </a:rPr>
+              <a:t>。</a:t>
+            </a:r>
+            <a:endParaRPr lang="en-US" altLang="zh-CN" dirty="0">
+              <a:latin typeface="Open Sans"/>
+              <a:ea typeface="Open Sans"/>
+              <a:cs typeface="Open Sans"/>
+              <a:sym typeface="Open Sans"/>
+            </a:endParaRPr>
+          </a:p>
+        </p:txBody>
+      </p:sp>
+      <p:sp>
+        <p:nvSpPr>
+          <p:cNvPr id="55" name="Shape 55"/>
+          <p:cNvSpPr txBox="1">
+            <a:spLocks noGrp="1"/>
+          </p:cNvSpPr>
+          <p:nvPr>
+            <p:ph type="title"/>
+          </p:nvPr>
+        </p:nvSpPr>
+        <p:spPr>
+          <a:xfrm>
+            <a:off x="0" y="0"/>
+            <a:ext cx="9144000" cy="795600"/>
+          </a:xfrm>
+          <a:prstGeom prst="rect">
+            <a:avLst/>
+          </a:prstGeom>
+          <a:solidFill>
+            <a:srgbClr val="073763"/>
+          </a:solidFill>
+        </p:spPr>
+        <p:txBody>
+          <a:bodyPr wrap="square" lIns="91425" tIns="91425" rIns="91425" bIns="91425" anchor="ctr" anchorCtr="0">
+            <a:noAutofit/>
+          </a:bodyPr>
+          <a:lstStyle/>
+          <a:p>
+            <a:pPr lvl="0" rtl="0">
+              <a:spcBef>
+                <a:spcPts val="0"/>
+              </a:spcBef>
+              <a:buNone/>
+            </a:pPr>
+            <a:r>
+              <a:rPr lang="zh-CN" altLang="en-US" dirty="0">
+                <a:solidFill>
+                  <a:srgbClr val="FFFFFF"/>
+                </a:solidFill>
+                <a:latin typeface="Open Sans"/>
+                <a:ea typeface="Open Sans"/>
+                <a:cs typeface="Open Sans"/>
+                <a:sym typeface="Open Sans"/>
+              </a:rPr>
+              <a:t>学员们对</a:t>
+            </a:r>
+            <a:r>
+              <a:rPr lang="en-US" altLang="zh-CN" dirty="0" err="1">
+                <a:solidFill>
+                  <a:srgbClr val="FFFFFF"/>
+                </a:solidFill>
+                <a:latin typeface="Open Sans"/>
+                <a:ea typeface="Open Sans"/>
+                <a:cs typeface="Open Sans"/>
+                <a:sym typeface="Open Sans"/>
+              </a:rPr>
+              <a:t>Udacity</a:t>
+            </a:r>
+            <a:r>
+              <a:rPr lang="zh-CN" altLang="en-US" dirty="0">
+                <a:solidFill>
+                  <a:srgbClr val="FFFFFF"/>
+                </a:solidFill>
+                <a:latin typeface="Open Sans"/>
+                <a:ea typeface="Open Sans"/>
+                <a:cs typeface="Open Sans"/>
+                <a:sym typeface="Open Sans"/>
+              </a:rPr>
+              <a:t>的评价是怎样的？</a:t>
+            </a:r>
+            <a:endParaRPr lang="en" dirty="0">
+              <a:solidFill>
+                <a:srgbClr val="FFFFFF"/>
+              </a:solidFill>
+              <a:latin typeface="Open Sans"/>
+              <a:ea typeface="Open Sans"/>
+              <a:cs typeface="Open Sans"/>
+              <a:sym typeface="Open Sans"/>
+            </a:endParaRPr>
+          </a:p>
+        </p:txBody>
+      </p:sp>
+      <p:graphicFrame>
+        <p:nvGraphicFramePr>
+          <p:cNvPr id="3" name="表格 2">
+            <a:extLst>
+              <a:ext uri="{FF2B5EF4-FFF2-40B4-BE49-F238E27FC236}">
+                <a16:creationId xmlns:a16="http://schemas.microsoft.com/office/drawing/2014/main" id="{389CC002-494C-4A61-A8C8-FE2BB33A06B3}"/>
+              </a:ext>
+            </a:extLst>
+          </p:cNvPr>
+          <p:cNvGraphicFramePr>
+            <a:graphicFrameLocks noGrp="1"/>
+          </p:cNvGraphicFramePr>
+          <p:nvPr>
+            <p:extLst>
+              <p:ext uri="{D42A27DB-BD31-4B8C-83A1-F6EECF244321}">
+                <p14:modId xmlns:p14="http://schemas.microsoft.com/office/powerpoint/2010/main" val="642799724"/>
+              </p:ext>
+            </p:extLst>
+          </p:nvPr>
+        </p:nvGraphicFramePr>
+        <p:xfrm>
+          <a:off x="573997" y="1010210"/>
+          <a:ext cx="2895344" cy="1645584"/>
+        </p:xfrm>
+        <a:graphic>
+          <a:graphicData uri="http://schemas.openxmlformats.org/drawingml/2006/table">
+            <a:tbl>
+              <a:tblPr>
+                <a:tableStyleId>{EED877B6-9551-4359-846F-FAFF3EFF04A8}</a:tableStyleId>
+              </a:tblPr>
+              <a:tblGrid>
+                <a:gridCol w="1447672">
+                  <a:extLst>
+                    <a:ext uri="{9D8B030D-6E8A-4147-A177-3AD203B41FA5}">
+                      <a16:colId xmlns:a16="http://schemas.microsoft.com/office/drawing/2014/main" val="678428686"/>
+                    </a:ext>
+                  </a:extLst>
+                </a:gridCol>
+                <a:gridCol w="1447672">
+                  <a:extLst>
+                    <a:ext uri="{9D8B030D-6E8A-4147-A177-3AD203B41FA5}">
+                      <a16:colId xmlns:a16="http://schemas.microsoft.com/office/drawing/2014/main" val="1990251969"/>
+                    </a:ext>
+                  </a:extLst>
+                </a:gridCol>
+              </a:tblGrid>
+              <a:tr h="274264">
+                <a:tc>
+                  <a:txBody>
+                    <a:bodyPr/>
+                    <a:lstStyle/>
+                    <a:p>
+                      <a:pPr algn="ctr" fontAlgn="b"/>
+                      <a:endParaRPr lang="zh-CN" altLang="en-US" sz="1000" b="0" i="0" u="none" strike="noStrike">
+                        <a:solidFill>
+                          <a:srgbClr val="000000"/>
+                        </a:solidFill>
+                        <a:effectLst/>
+                        <a:latin typeface="Arial" panose="020B0604020202020204" pitchFamily="34" charset="0"/>
+                      </a:endParaRPr>
+                    </a:p>
+                  </a:txBody>
+                  <a:tcPr marL="9525" marR="9525" marT="9525" marB="0" anchor="b"/>
+                </a:tc>
+                <a:tc>
+                  <a:txBody>
+                    <a:bodyPr/>
+                    <a:lstStyle/>
+                    <a:p>
+                      <a:pPr algn="ctr" fontAlgn="b"/>
+                      <a:r>
+                        <a:rPr lang="en-US" sz="1000" u="none" strike="noStrike">
+                          <a:effectLst/>
+                        </a:rPr>
+                        <a:t>Point</a:t>
+                      </a:r>
+                      <a:endParaRPr lang="en-US" sz="1000" b="0" i="0" u="none" strike="noStrike">
+                        <a:solidFill>
+                          <a:srgbClr val="000000"/>
+                        </a:solidFill>
+                        <a:effectLst/>
+                        <a:latin typeface="Arial" panose="020B0604020202020204" pitchFamily="34" charset="0"/>
+                      </a:endParaRPr>
+                    </a:p>
+                  </a:txBody>
+                  <a:tcPr marL="9525" marR="9525" marT="9525" marB="0" anchor="b"/>
+                </a:tc>
+                <a:extLst>
+                  <a:ext uri="{0D108BD9-81ED-4DB2-BD59-A6C34878D82A}">
+                    <a16:rowId xmlns:a16="http://schemas.microsoft.com/office/drawing/2014/main" val="4173935043"/>
+                  </a:ext>
+                </a:extLst>
+              </a:tr>
+              <a:tr h="274264">
+                <a:tc>
+                  <a:txBody>
+                    <a:bodyPr/>
+                    <a:lstStyle/>
+                    <a:p>
+                      <a:pPr algn="ctr" fontAlgn="b"/>
+                      <a:r>
+                        <a:rPr lang="en-US" sz="1000" u="none" strike="noStrike">
+                          <a:effectLst/>
+                        </a:rPr>
+                        <a:t>Minimum</a:t>
+                      </a:r>
+                      <a:endParaRPr lang="en-US" sz="1000" b="0" i="0" u="none" strike="noStrike">
+                        <a:solidFill>
+                          <a:srgbClr val="000000"/>
+                        </a:solidFill>
+                        <a:effectLst/>
+                        <a:latin typeface="Arial" panose="020B0604020202020204" pitchFamily="34" charset="0"/>
+                      </a:endParaRPr>
+                    </a:p>
+                  </a:txBody>
+                  <a:tcPr marL="9525" marR="9525" marT="9525" marB="0" anchor="b"/>
+                </a:tc>
+                <a:tc>
+                  <a:txBody>
+                    <a:bodyPr/>
+                    <a:lstStyle/>
+                    <a:p>
+                      <a:pPr algn="ctr" fontAlgn="b"/>
+                      <a:r>
+                        <a:rPr lang="en-US" altLang="zh-CN" sz="1000" u="none" strike="noStrike">
+                          <a:effectLst/>
+                        </a:rPr>
+                        <a:t>0</a:t>
+                      </a:r>
+                      <a:endParaRPr lang="en-US" altLang="zh-CN" sz="1000" b="0" i="0" u="none" strike="noStrike">
+                        <a:solidFill>
+                          <a:srgbClr val="000000"/>
+                        </a:solidFill>
+                        <a:effectLst/>
+                        <a:latin typeface="Arial" panose="020B0604020202020204" pitchFamily="34" charset="0"/>
+                      </a:endParaRPr>
+                    </a:p>
+                  </a:txBody>
+                  <a:tcPr marL="9525" marR="9525" marT="9525" marB="0" anchor="b"/>
+                </a:tc>
+                <a:extLst>
+                  <a:ext uri="{0D108BD9-81ED-4DB2-BD59-A6C34878D82A}">
+                    <a16:rowId xmlns:a16="http://schemas.microsoft.com/office/drawing/2014/main" val="838052280"/>
+                  </a:ext>
+                </a:extLst>
+              </a:tr>
+              <a:tr h="274264">
+                <a:tc>
+                  <a:txBody>
+                    <a:bodyPr/>
+                    <a:lstStyle/>
+                    <a:p>
+                      <a:pPr algn="ctr" fontAlgn="b"/>
+                      <a:r>
+                        <a:rPr lang="en-US" sz="1000" u="none" strike="noStrike">
+                          <a:effectLst/>
+                        </a:rPr>
+                        <a:t>Q1</a:t>
+                      </a:r>
+                      <a:endParaRPr lang="en-US" sz="1000" b="0" i="0" u="none" strike="noStrike">
+                        <a:solidFill>
+                          <a:srgbClr val="000000"/>
+                        </a:solidFill>
+                        <a:effectLst/>
+                        <a:latin typeface="Arial" panose="020B0604020202020204" pitchFamily="34" charset="0"/>
+                      </a:endParaRPr>
+                    </a:p>
+                  </a:txBody>
+                  <a:tcPr marL="9525" marR="9525" marT="9525" marB="0" anchor="b"/>
+                </a:tc>
+                <a:tc>
+                  <a:txBody>
+                    <a:bodyPr/>
+                    <a:lstStyle/>
+                    <a:p>
+                      <a:pPr algn="ctr" fontAlgn="b"/>
+                      <a:r>
+                        <a:rPr lang="en-US" altLang="zh-CN" sz="1000" u="none" strike="noStrike">
+                          <a:effectLst/>
+                        </a:rPr>
+                        <a:t>8</a:t>
+                      </a:r>
+                      <a:endParaRPr lang="en-US" altLang="zh-CN" sz="1000" b="0" i="0" u="none" strike="noStrike">
+                        <a:solidFill>
+                          <a:srgbClr val="000000"/>
+                        </a:solidFill>
+                        <a:effectLst/>
+                        <a:latin typeface="Arial" panose="020B0604020202020204" pitchFamily="34" charset="0"/>
+                      </a:endParaRPr>
+                    </a:p>
+                  </a:txBody>
+                  <a:tcPr marL="9525" marR="9525" marT="9525" marB="0" anchor="b"/>
+                </a:tc>
+                <a:extLst>
+                  <a:ext uri="{0D108BD9-81ED-4DB2-BD59-A6C34878D82A}">
+                    <a16:rowId xmlns:a16="http://schemas.microsoft.com/office/drawing/2014/main" val="1087504634"/>
+                  </a:ext>
+                </a:extLst>
+              </a:tr>
+              <a:tr h="274264">
+                <a:tc>
+                  <a:txBody>
+                    <a:bodyPr/>
+                    <a:lstStyle/>
+                    <a:p>
+                      <a:pPr algn="ctr" fontAlgn="b"/>
+                      <a:r>
+                        <a:rPr lang="en-US" sz="1000" u="none" strike="noStrike">
+                          <a:effectLst/>
+                        </a:rPr>
+                        <a:t>Q2</a:t>
+                      </a:r>
+                      <a:endParaRPr lang="en-US" sz="1000" b="0" i="0" u="none" strike="noStrike">
+                        <a:solidFill>
+                          <a:srgbClr val="000000"/>
+                        </a:solidFill>
+                        <a:effectLst/>
+                        <a:latin typeface="Arial" panose="020B0604020202020204" pitchFamily="34" charset="0"/>
+                      </a:endParaRPr>
+                    </a:p>
+                  </a:txBody>
+                  <a:tcPr marL="9525" marR="9525" marT="9525" marB="0" anchor="b"/>
+                </a:tc>
+                <a:tc>
+                  <a:txBody>
+                    <a:bodyPr/>
+                    <a:lstStyle/>
+                    <a:p>
+                      <a:pPr algn="ctr" fontAlgn="b"/>
+                      <a:r>
+                        <a:rPr lang="en-US" altLang="zh-CN" sz="1000" u="none" strike="noStrike">
+                          <a:effectLst/>
+                        </a:rPr>
+                        <a:t>10</a:t>
+                      </a:r>
+                      <a:endParaRPr lang="en-US" altLang="zh-CN" sz="1000" b="0" i="0" u="none" strike="noStrike">
+                        <a:solidFill>
+                          <a:srgbClr val="000000"/>
+                        </a:solidFill>
+                        <a:effectLst/>
+                        <a:latin typeface="Arial" panose="020B0604020202020204" pitchFamily="34" charset="0"/>
+                      </a:endParaRPr>
+                    </a:p>
+                  </a:txBody>
+                  <a:tcPr marL="9525" marR="9525" marT="9525" marB="0" anchor="b"/>
+                </a:tc>
+                <a:extLst>
+                  <a:ext uri="{0D108BD9-81ED-4DB2-BD59-A6C34878D82A}">
+                    <a16:rowId xmlns:a16="http://schemas.microsoft.com/office/drawing/2014/main" val="1674942850"/>
+                  </a:ext>
+                </a:extLst>
+              </a:tr>
+              <a:tr h="274264">
+                <a:tc>
+                  <a:txBody>
+                    <a:bodyPr/>
+                    <a:lstStyle/>
+                    <a:p>
+                      <a:pPr algn="ctr" fontAlgn="b"/>
+                      <a:r>
+                        <a:rPr lang="en-US" sz="1000" u="none" strike="noStrike">
+                          <a:effectLst/>
+                        </a:rPr>
+                        <a:t>Q3</a:t>
+                      </a:r>
+                      <a:endParaRPr lang="en-US" sz="1000" b="0" i="0" u="none" strike="noStrike">
+                        <a:solidFill>
+                          <a:srgbClr val="000000"/>
+                        </a:solidFill>
+                        <a:effectLst/>
+                        <a:latin typeface="Arial" panose="020B0604020202020204" pitchFamily="34" charset="0"/>
+                      </a:endParaRPr>
+                    </a:p>
+                  </a:txBody>
+                  <a:tcPr marL="9525" marR="9525" marT="9525" marB="0" anchor="b"/>
+                </a:tc>
+                <a:tc>
+                  <a:txBody>
+                    <a:bodyPr/>
+                    <a:lstStyle/>
+                    <a:p>
+                      <a:pPr algn="ctr" fontAlgn="b"/>
+                      <a:r>
+                        <a:rPr lang="en-US" altLang="zh-CN" sz="1000" u="none" strike="noStrike">
+                          <a:effectLst/>
+                        </a:rPr>
+                        <a:t>10</a:t>
+                      </a:r>
+                      <a:endParaRPr lang="en-US" altLang="zh-CN" sz="1000" b="0" i="0" u="none" strike="noStrike">
+                        <a:solidFill>
+                          <a:srgbClr val="000000"/>
+                        </a:solidFill>
+                        <a:effectLst/>
+                        <a:latin typeface="Arial" panose="020B0604020202020204" pitchFamily="34" charset="0"/>
+                      </a:endParaRPr>
+                    </a:p>
+                  </a:txBody>
+                  <a:tcPr marL="9525" marR="9525" marT="9525" marB="0" anchor="b"/>
+                </a:tc>
+                <a:extLst>
+                  <a:ext uri="{0D108BD9-81ED-4DB2-BD59-A6C34878D82A}">
+                    <a16:rowId xmlns:a16="http://schemas.microsoft.com/office/drawing/2014/main" val="2582594530"/>
+                  </a:ext>
+                </a:extLst>
+              </a:tr>
+              <a:tr h="274264">
+                <a:tc>
+                  <a:txBody>
+                    <a:bodyPr/>
+                    <a:lstStyle/>
+                    <a:p>
+                      <a:pPr algn="ctr" fontAlgn="b"/>
+                      <a:r>
+                        <a:rPr lang="en-US" sz="1000" u="none" strike="noStrike">
+                          <a:effectLst/>
+                        </a:rPr>
+                        <a:t>Maximum</a:t>
+                      </a:r>
+                      <a:endParaRPr lang="en-US" sz="1000" b="0" i="0" u="none" strike="noStrike">
+                        <a:solidFill>
+                          <a:srgbClr val="000000"/>
+                        </a:solidFill>
+                        <a:effectLst/>
+                        <a:latin typeface="Arial" panose="020B0604020202020204" pitchFamily="34" charset="0"/>
+                      </a:endParaRPr>
+                    </a:p>
+                  </a:txBody>
+                  <a:tcPr marL="9525" marR="9525" marT="9525" marB="0" anchor="b"/>
+                </a:tc>
+                <a:tc>
+                  <a:txBody>
+                    <a:bodyPr/>
+                    <a:lstStyle/>
+                    <a:p>
+                      <a:pPr algn="ctr" fontAlgn="b"/>
+                      <a:r>
+                        <a:rPr lang="en-US" altLang="zh-CN" sz="1000" u="none" strike="noStrike" dirty="0">
+                          <a:effectLst/>
+                        </a:rPr>
+                        <a:t>10</a:t>
+                      </a:r>
+                      <a:endParaRPr lang="en-US" altLang="zh-CN" sz="1000" b="0" i="0" u="none" strike="noStrike" dirty="0">
+                        <a:solidFill>
+                          <a:srgbClr val="000000"/>
+                        </a:solidFill>
+                        <a:effectLst/>
+                        <a:latin typeface="Arial" panose="020B0604020202020204" pitchFamily="34" charset="0"/>
+                      </a:endParaRPr>
+                    </a:p>
+                  </a:txBody>
+                  <a:tcPr marL="9525" marR="9525" marT="9525" marB="0" anchor="b"/>
+                </a:tc>
+                <a:extLst>
+                  <a:ext uri="{0D108BD9-81ED-4DB2-BD59-A6C34878D82A}">
+                    <a16:rowId xmlns:a16="http://schemas.microsoft.com/office/drawing/2014/main" val="2149581060"/>
+                  </a:ext>
+                </a:extLst>
+              </a:tr>
+            </a:tbl>
+          </a:graphicData>
+        </a:graphic>
+      </p:graphicFrame>
+      <mc:AlternateContent xmlns:mc="http://schemas.openxmlformats.org/markup-compatibility/2006">
+        <mc:Choice xmlns:cx1="http://schemas.microsoft.com/office/drawing/2015/9/8/chartex" Requires="cx1">
+          <p:graphicFrame>
+            <p:nvGraphicFramePr>
+              <p:cNvPr id="7" name="图表 6">
+                <a:extLst>
+                  <a:ext uri="{FF2B5EF4-FFF2-40B4-BE49-F238E27FC236}">
+                    <a16:creationId xmlns:a16="http://schemas.microsoft.com/office/drawing/2014/main" id="{C6324105-8146-412D-BC9E-5B824455821F}"/>
+                  </a:ext>
+                </a:extLst>
+              </p:cNvPr>
+              <p:cNvGraphicFramePr/>
+              <p:nvPr>
+                <p:extLst>
+                  <p:ext uri="{D42A27DB-BD31-4B8C-83A1-F6EECF244321}">
+                    <p14:modId xmlns:p14="http://schemas.microsoft.com/office/powerpoint/2010/main" val="2425871480"/>
+                  </p:ext>
+                </p:extLst>
+              </p:nvPr>
+            </p:nvGraphicFramePr>
+            <p:xfrm>
+              <a:off x="4007223" y="1049152"/>
+              <a:ext cx="4261316" cy="3213284"/>
+            </p:xfrm>
+            <a:graphic>
+              <a:graphicData uri="http://schemas.microsoft.com/office/drawing/2014/chartex">
+                <cx:chart xmlns:cx="http://schemas.microsoft.com/office/drawing/2014/chartex" xmlns:r="http://schemas.openxmlformats.org/officeDocument/2006/relationships" r:id="rId3"/>
+              </a:graphicData>
+            </a:graphic>
+          </p:graphicFrame>
+        </mc:Choice>
+        <mc:Fallback>
+          <p:pic>
+            <p:nvPicPr>
+              <p:cNvPr id="7" name="图表 6">
+                <a:extLst>
+                  <a:ext uri="{FF2B5EF4-FFF2-40B4-BE49-F238E27FC236}">
+                    <a16:creationId xmlns:a16="http://schemas.microsoft.com/office/drawing/2014/main" id="{C6324105-8146-412D-BC9E-5B824455821F}"/>
+                  </a:ext>
+                </a:extLst>
+              </p:cNvPr>
+              <p:cNvPicPr>
+                <a:picLocks noGrp="1" noRot="1" noChangeAspect="1" noMove="1" noResize="1" noEditPoints="1" noAdjustHandles="1" noChangeArrowheads="1" noChangeShapeType="1"/>
+              </p:cNvPicPr>
+              <p:nvPr/>
+            </p:nvPicPr>
+            <p:blipFill>
+              <a:blip r:embed="rId4"/>
+              <a:stretch>
+                <a:fillRect/>
+              </a:stretch>
+            </p:blipFill>
+            <p:spPr>
+              <a:xfrm>
+                <a:off x="4007223" y="1049152"/>
+                <a:ext cx="4261316" cy="3213284"/>
+              </a:xfrm>
+              <a:prstGeom prst="rect">
+                <a:avLst/>
+              </a:prstGeom>
+            </p:spPr>
+          </p:pic>
+        </mc:Fallback>
+      </mc:AlternateContent>
+    </p:spTree>
+    <p:extLst>
+      <p:ext uri="{BB962C8B-B14F-4D97-AF65-F5344CB8AC3E}">
+        <p14:creationId xmlns:p14="http://schemas.microsoft.com/office/powerpoint/2010/main" val="1342271612"/>
       </p:ext>
     </p:extLst>
   </p:cSld>
@@ -5933,8 +8346,8 @@
         </p:nvSpPr>
         <p:spPr>
           <a:xfrm>
-            <a:off x="1515291" y="2664823"/>
-            <a:ext cx="5364480" cy="2116182"/>
+            <a:off x="533271" y="1060653"/>
+            <a:ext cx="2962964" cy="3181893"/>
           </a:xfrm>
           <a:prstGeom prst="rect">
             <a:avLst/>
@@ -5964,6 +8377,33 @@
               </a:spcBef>
               <a:buNone/>
             </a:pPr>
+            <a:r>
+              <a:rPr lang="zh-CN" altLang="en-US" dirty="0">
+                <a:latin typeface="Open Sans"/>
+                <a:ea typeface="Open Sans"/>
+                <a:cs typeface="Open Sans"/>
+                <a:sym typeface="Open Sans"/>
+              </a:rPr>
+              <a:t>从图中可以看到，最受欢迎的是深度学习纳米学位，其次是机器学习，然后是数据分析，排第</a:t>
+            </a:r>
+            <a:r>
+              <a:rPr lang="en-US" altLang="zh-CN" dirty="0">
+                <a:latin typeface="Open Sans"/>
+                <a:ea typeface="Open Sans"/>
+                <a:cs typeface="Open Sans"/>
+                <a:sym typeface="Open Sans"/>
+              </a:rPr>
+              <a:t>4</a:t>
+            </a:r>
+            <a:r>
+              <a:rPr lang="zh-CN" altLang="en-US" dirty="0">
+                <a:latin typeface="Open Sans"/>
+                <a:ea typeface="Open Sans"/>
+                <a:cs typeface="Open Sans"/>
+                <a:sym typeface="Open Sans"/>
+              </a:rPr>
+              <a:t>名的是人工智能纳米学位。</a:t>
+            </a:r>
             <a:endParaRPr lang="en-US" altLang="zh-CN" dirty="0">
               <a:latin typeface="Open Sans"/>
               <a:ea typeface="Open Sans"/>
@@ -6008,7 +8448,7 @@
               <a:buNone/>
             </a:pPr>
             <a:r>
-              <a:rPr lang="zh-CN" altLang="en-US" dirty="0" smtClean="0">
+              <a:rPr lang="zh-CN" altLang="en-US" dirty="0">
                 <a:solidFill>
                   <a:srgbClr val="FFFFFF"/>
                 </a:solidFill>
@@ -6017,31 +8457,7 @@
                 <a:cs typeface="Open Sans"/>
                 <a:sym typeface="Open Sans"/>
               </a:rPr>
-              <a:t>学员们对</a:t>
-            </a:r>
-            <a:r>
-              <a:rPr lang="en-US" altLang="zh-CN" dirty="0" err="1" smtClean="0">
-                <a:solidFill>
-                  <a:srgbClr val="FFFFFF"/>
-                </a:solidFill>
-                <a:latin typeface="Open Sans"/>
-                <a:ea typeface="Open Sans"/>
-                <a:cs typeface="Open Sans"/>
-                <a:sym typeface="Open Sans"/>
-              </a:rPr>
-              <a:t>Udacity</a:t>
-            </a:r>
-            <a:r>
-              <a:rPr lang="zh-CN" altLang="en-US" dirty="0" smtClean="0">
-                <a:solidFill>
-                  <a:srgbClr val="FFFFFF"/>
-                </a:solidFill>
-                <a:latin typeface="Open Sans"/>
-                <a:ea typeface="Open Sans"/>
-                <a:cs typeface="Open Sans"/>
-                <a:sym typeface="Open Sans"/>
-              </a:rPr>
-              <a:t>的评价是怎样的？</a:t>
+              <a:t>最受欢迎的纳米学位课程有哪些？</a:t>
             </a:r>
             <a:endParaRPr lang="en" dirty="0">
               <a:solidFill>
@@ -6055,10 +8471,40 @@
           </a:p>
         </p:txBody>
       </p:sp>
+      <p:pic>
+        <p:nvPicPr>
+          <p:cNvPr id="2" name="图片 1">
+            <a:extLst>
+              <a:ext uri="{FF2B5EF4-FFF2-40B4-BE49-F238E27FC236}">
+                <a16:creationId xmlns:a16="http://schemas.microsoft.com/office/drawing/2014/main" id="{768D9A00-F955-462A-A541-3C672A0B0E9A}"/>
+              </a:ext>
+            </a:extLst>
+          </p:cNvPr>
+          <p:cNvPicPr>
+            <a:picLocks noChangeAspect="1"/>
+          </p:cNvPicPr>
+          <p:nvPr/>
+        </p:nvPicPr>
+        <p:blipFill>
+          <a:blip r:embed="rId3"/>
+          <a:stretch>
+            <a:fillRect/>
+          </a:stretch>
+        </p:blipFill>
+        <p:spPr>
+          <a:xfrm>
+            <a:off x="3586059" y="1317813"/>
+            <a:ext cx="5289000" cy="2837328"/>
+          </a:xfrm>
+          <a:prstGeom prst="rect">
+            <a:avLst/>
+          </a:prstGeom>
+        </p:spPr>
+      </p:pic>
     </p:spTree>
     <p:extLst>
       <p:ext uri="{BB962C8B-B14F-4D97-AF65-F5344CB8AC3E}">
-        <p14:creationId xmlns:p14="http://schemas.microsoft.com/office/powerpoint/2010/main" val="1342271612"/>
+        <p14:creationId xmlns:p14="http://schemas.microsoft.com/office/powerpoint/2010/main" val="1908149461"/>
       </p:ext>
     </p:extLst>
   </p:cSld>
@@ -6097,8 +8543,8 @@
         </p:nvSpPr>
         <p:spPr>
           <a:xfrm>
-            <a:off x="251772" y="949827"/>
-            <a:ext cx="8735474" cy="3813762"/>
+            <a:off x="100853" y="1324535"/>
+            <a:ext cx="2581836" cy="3351710"/>
           </a:xfrm>
           <a:prstGeom prst="rect">
             <a:avLst/>
@@ -6122,12 +8568,39 @@
           </a:bodyPr>
           <a:lstStyle/>
           <a:p>
-            <a:pPr marL="342900" lvl="0" indent="-342900" rtl="0">
-              <a:spcBef>
-                <a:spcPts val="0"/>
-              </a:spcBef>
-              <a:buAutoNum type="arabicPeriod"/>
+            <a:pPr lvl="0" rtl="0">
+              <a:spcBef>
+                <a:spcPts val="0"/>
+              </a:spcBef>
+              <a:buNone/>
             </a:pPr>
+            <a:r>
+              <a:rPr lang="zh-CN" altLang="en-US" dirty="0">
+                <a:latin typeface="Open Sans"/>
+                <a:ea typeface="Open Sans"/>
+                <a:cs typeface="Open Sans"/>
+                <a:sym typeface="Open Sans"/>
+              </a:rPr>
+              <a:t>软件工程师对纳米学位的需求量最大，且这个岗位学习的最多的是机器学习和深度学习相关的纳米学位，软件工程师们对新技术抱有很大的热情，而职位是数据科学家的学员，也通过</a:t>
+            </a:r>
+            <a:r>
+              <a:rPr lang="en-US" altLang="zh-CN" dirty="0">
+                <a:latin typeface="Open Sans"/>
+                <a:ea typeface="Open Sans"/>
+                <a:cs typeface="Open Sans"/>
+                <a:sym typeface="Open Sans"/>
+              </a:rPr>
+              <a:t>Udacity</a:t>
+            </a:r>
+            <a:r>
+              <a:rPr lang="zh-CN" altLang="en-US" dirty="0">
+                <a:latin typeface="Open Sans"/>
+                <a:ea typeface="Open Sans"/>
+                <a:cs typeface="Open Sans"/>
+                <a:sym typeface="Open Sans"/>
+              </a:rPr>
+              <a:t>来学习机器学习和深度学习，职位是销售的学员选修最少。</a:t>
+            </a:r>
             <a:endParaRPr lang="en-US" altLang="zh-CN" dirty="0">
               <a:latin typeface="Open Sans"/>
               <a:ea typeface="Open Sans"/>
@@ -6172,7 +8645,7 @@
               <a:buNone/>
             </a:pPr>
             <a:r>
-              <a:rPr lang="zh-CN" altLang="en-US" dirty="0" smtClean="0">
+              <a:rPr lang="zh-CN" altLang="en-US" dirty="0">
                 <a:solidFill>
                   <a:srgbClr val="FFFFFF"/>
                 </a:solidFill>
@@ -6181,7 +8654,7 @@
                 <a:cs typeface="Open Sans"/>
                 <a:sym typeface="Open Sans"/>
               </a:rPr>
-              <a:t>最受欢迎的纳米学位课程有哪些？</a:t>
+              <a:t>不同职业学员选修纳米学位的情况是怎样的？</a:t>
             </a:r>
             <a:endParaRPr lang="en" dirty="0">
               <a:solidFill>
@@ -6195,10 +8668,40 @@
           </a:p>
         </p:txBody>
       </p:sp>
+      <p:pic>
+        <p:nvPicPr>
+          <p:cNvPr id="2" name="图片 1">
+            <a:extLst>
+              <a:ext uri="{FF2B5EF4-FFF2-40B4-BE49-F238E27FC236}">
+                <a16:creationId xmlns:a16="http://schemas.microsoft.com/office/drawing/2014/main" id="{67210CF9-6A7D-4C5E-BE2F-D9208AA91B30}"/>
+              </a:ext>
+            </a:extLst>
+          </p:cNvPr>
+          <p:cNvPicPr>
+            <a:picLocks noChangeAspect="1"/>
+          </p:cNvPicPr>
+          <p:nvPr/>
+        </p:nvPicPr>
+        <p:blipFill>
+          <a:blip r:embed="rId3"/>
+          <a:stretch>
+            <a:fillRect/>
+          </a:stretch>
+        </p:blipFill>
+        <p:spPr>
+          <a:xfrm>
+            <a:off x="2768121" y="1277469"/>
+            <a:ext cx="6022622" cy="3415553"/>
+          </a:xfrm>
+          <a:prstGeom prst="rect">
+            <a:avLst/>
+          </a:prstGeom>
+        </p:spPr>
+      </p:pic>
     </p:spTree>
     <p:extLst>
       <p:ext uri="{BB962C8B-B14F-4D97-AF65-F5344CB8AC3E}">
-        <p14:creationId xmlns:p14="http://schemas.microsoft.com/office/powerpoint/2010/main" val="1908149461"/>
+        <p14:creationId xmlns:p14="http://schemas.microsoft.com/office/powerpoint/2010/main" val="1953401312"/>
       </p:ext>
     </p:extLst>
   </p:cSld>
@@ -6237,8 +8740,8 @@
         </p:nvSpPr>
         <p:spPr>
           <a:xfrm>
-            <a:off x="251772" y="949827"/>
-            <a:ext cx="8735474" cy="3813762"/>
+            <a:off x="200446" y="1208570"/>
+            <a:ext cx="2101463" cy="2726360"/>
           </a:xfrm>
           <a:prstGeom prst="rect">
             <a:avLst/>
@@ -6262,12 +8765,49 @@
           </a:bodyPr>
           <a:lstStyle/>
           <a:p>
-            <a:pPr marL="342900" lvl="0" indent="-342900" rtl="0">
-              <a:spcBef>
-                <a:spcPts val="0"/>
-              </a:spcBef>
-              <a:buAutoNum type="arabicPeriod"/>
+            <a:pPr lvl="0">
+              <a:buNone/>
             </a:pPr>
+            <a:r>
+              <a:rPr lang="zh-CN" altLang="en-US" dirty="0">
+                <a:latin typeface="Open Sans"/>
+                <a:ea typeface="Open Sans"/>
+                <a:cs typeface="Open Sans"/>
+                <a:sym typeface="Open Sans"/>
+              </a:rPr>
+              <a:t>本科学历和硕士学历的学员投入的学习时间最多，远远超过其他学历的学员，而排第三的是博士学位的学员，学历为</a:t>
+            </a:r>
+            <a:r>
+              <a:rPr lang="en-US" altLang="zh-CN" dirty="0">
+                <a:latin typeface="Open Sans"/>
+                <a:ea typeface="Open Sans"/>
+                <a:cs typeface="Open Sans"/>
+                <a:sym typeface="Open Sans"/>
+              </a:rPr>
+              <a:t>Associates</a:t>
+            </a:r>
+            <a:r>
+              <a:rPr lang="zh-CN" altLang="en-US" dirty="0">
+                <a:latin typeface="Open Sans"/>
+                <a:ea typeface="Open Sans"/>
+                <a:cs typeface="Open Sans"/>
+                <a:sym typeface="Open Sans"/>
+              </a:rPr>
+              <a:t>（</a:t>
+            </a:r>
+            <a:r>
+              <a:rPr lang="zh-CN" altLang="en-US" dirty="0"/>
+              <a:t>美国大学修满二年课程的肄业证书</a:t>
+            </a:r>
+            <a:r>
+              <a:rPr lang="zh-CN" altLang="en-US" dirty="0">
+                <a:latin typeface="Open Sans"/>
+                <a:ea typeface="Open Sans"/>
+                <a:cs typeface="Open Sans"/>
+                <a:sym typeface="Open Sans"/>
+              </a:rPr>
+              <a:t>）的学员投入的时间最少。</a:t>
+            </a:r>
             <a:endParaRPr lang="en-US" altLang="zh-CN" dirty="0">
               <a:latin typeface="Open Sans"/>
               <a:ea typeface="Open Sans"/>
@@ -6312,147 +8852,7 @@
               <a:buNone/>
             </a:pPr>
             <a:r>
-              <a:rPr lang="zh-CN" altLang="en-US" dirty="0" smtClean="0">
-                <a:solidFill>
-                  <a:srgbClr val="FFFFFF"/>
-                </a:solidFill>
-                <a:latin typeface="Open Sans"/>
-                <a:ea typeface="Open Sans"/>
-                <a:cs typeface="Open Sans"/>
-                <a:sym typeface="Open Sans"/>
-              </a:rPr>
-              <a:t>学员们每周花在应用所学知识时间与完成项目平均时间之间的关系？</a:t>
-            </a:r>
-            <a:endParaRPr lang="en" dirty="0">
-              <a:solidFill>
-                <a:srgbClr val="FFFFFF"/>
-              </a:solidFill>
-              <a:latin typeface="Open Sans"/>
-              <a:ea typeface="Open Sans"/>
-              <a:cs typeface="Open Sans"/>
-              <a:sym typeface="Open Sans"/>
-            </a:endParaRPr>
-          </a:p>
-        </p:txBody>
-      </p:sp>
-    </p:spTree>
-    <p:extLst>
-      <p:ext uri="{BB962C8B-B14F-4D97-AF65-F5344CB8AC3E}">
-        <p14:creationId xmlns:p14="http://schemas.microsoft.com/office/powerpoint/2010/main" val="1953401312"/>
-      </p:ext>
-    </p:extLst>
-  </p:cSld>
-  <p:clrMapOvr>
-    <a:masterClrMapping/>
-  </p:clrMapOvr>
-</p:sld>
-</file>
-
-<file path=ppt/slides/slide7.xml><?xml version="1.0" encoding="utf-8"?>
-<p:sld xmlns:a="http://schemas.openxmlformats.org/drawingml/2006/main" xmlns:r="http://schemas.openxmlformats.org/officeDocument/2006/relationships" xmlns:p="http://schemas.openxmlformats.org/presentationml/2006/main">
-  <p:cSld>
-    <p:spTree>
-      <p:nvGrpSpPr>
-        <p:cNvPr id="1" name="Shape 53"/>
-        <p:cNvGrpSpPr/>
-        <p:nvPr/>
-      </p:nvGrpSpPr>
-      <p:grpSpPr>
-        <a:xfrm>
-          <a:off x="0" y="0"/>
-          <a:ext cx="0" cy="0"/>
-          <a:chOff x="0" y="0"/>
-          <a:chExt cx="0" cy="0"/>
-        </a:xfrm>
-      </p:grpSpPr>
-      <p:sp>
-        <p:nvSpPr>
-          <p:cNvPr id="54" name="Shape 54"/>
-          <p:cNvSpPr txBox="1">
-            <a:spLocks noGrp="1"/>
-          </p:cNvSpPr>
-          <p:nvPr>
-            <p:ph type="body" idx="1"/>
-          </p:nvPr>
-        </p:nvSpPr>
-        <p:spPr>
-          <a:xfrm>
-            <a:off x="251772" y="949827"/>
-            <a:ext cx="8735474" cy="3813762"/>
-          </a:xfrm>
-          <a:prstGeom prst="rect">
-            <a:avLst/>
-          </a:prstGeom>
-          <a:solidFill>
-            <a:srgbClr val="FFFFFF"/>
-          </a:solidFill>
-          <a:ln w="9525" cap="flat" cmpd="sng">
-            <a:solidFill>
-              <a:srgbClr val="FFFFFF"/>
-            </a:solidFill>
-            <a:prstDash val="solid"/>
-            <a:round/>
-            <a:headEnd type="none" w="med" len="med"/>
-            <a:tailEnd type="none" w="med" len="med"/>
-          </a:ln>
-        </p:spPr>
-        <p:txBody>
-          <a:bodyPr wrap="square" lIns="91425" tIns="91425" rIns="91425" bIns="91425" anchor="t" anchorCtr="0">
-            <a:noAutofit/>
-          </a:bodyPr>
-          <a:lstStyle/>
-          <a:p>
-            <a:pPr marL="342900" lvl="0" indent="-342900" rtl="0">
-              <a:spcBef>
-                <a:spcPts val="0"/>
-              </a:spcBef>
-              <a:buAutoNum type="arabicPeriod"/>
-            </a:pPr>
-            <a:endParaRPr lang="en-US" altLang="zh-CN" dirty="0">
-              <a:latin typeface="Open Sans"/>
-              <a:ea typeface="Open Sans"/>
-              <a:cs typeface="Open Sans"/>
-              <a:sym typeface="Open Sans"/>
-            </a:endParaRPr>
-          </a:p>
-        </p:txBody>
-      </p:sp>
-      <p:sp>
-        <p:nvSpPr>
-          <p:cNvPr id="55" name="Shape 55"/>
-          <p:cNvSpPr txBox="1">
-            <a:spLocks noGrp="1"/>
-          </p:cNvSpPr>
-          <p:nvPr>
-            <p:ph type="title"/>
-          </p:nvPr>
-        </p:nvSpPr>
-        <p:spPr>
-          <a:xfrm>
-            <a:off x="0" y="0"/>
-            <a:ext cx="9144000" cy="795600"/>
-          </a:xfrm>
-          <a:prstGeom prst="rect">
-            <a:avLst/>
-          </a:prstGeom>
-          <a:solidFill>
-            <a:srgbClr val="073763"/>
-          </a:solidFill>
-        </p:spPr>
-        <p:txBody>
-          <a:bodyPr wrap="square" lIns="91425" tIns="91425" rIns="91425" bIns="91425" anchor="ctr" anchorCtr="0">
-            <a:noAutofit/>
-          </a:bodyPr>
-          <a:lstStyle/>
-          <a:p>
-            <a:pPr lvl="0" rtl="0">
-              <a:spcBef>
-                <a:spcPts val="0"/>
-              </a:spcBef>
-              <a:buNone/>
-            </a:pPr>
-            <a:r>
-              <a:rPr lang="zh-CN" altLang="en-US" dirty="0" smtClean="0">
+              <a:rPr lang="zh-CN" altLang="en-US" dirty="0">
                 <a:solidFill>
                   <a:srgbClr val="FFFFFF"/>
                 </a:solidFill>
@@ -6475,6 +8875,36 @@
           </a:p>
         </p:txBody>
       </p:sp>
+      <p:graphicFrame>
+        <p:nvGraphicFramePr>
+          <p:cNvPr id="4" name="图表 3">
+            <a:extLst>
+              <a:ext uri="{FF2B5EF4-FFF2-40B4-BE49-F238E27FC236}">
+                <a16:creationId xmlns:a16="http://schemas.microsoft.com/office/drawing/2014/main" id="{740CDE68-7EDE-463C-84E3-8574904246D3}"/>
+              </a:ext>
+            </a:extLst>
+          </p:cNvPr>
+          <p:cNvGraphicFramePr>
+            <a:graphicFrameLocks/>
+          </p:cNvGraphicFramePr>
+          <p:nvPr>
+            <p:extLst>
+              <p:ext uri="{D42A27DB-BD31-4B8C-83A1-F6EECF244321}">
+                <p14:modId xmlns:p14="http://schemas.microsoft.com/office/powerpoint/2010/main" val="3886508423"/>
+              </p:ext>
+            </p:extLst>
+          </p:nvPr>
+        </p:nvGraphicFramePr>
+        <p:xfrm>
+          <a:off x="2675964" y="941293"/>
+          <a:ext cx="6267590" cy="3885079"/>
+        </p:xfrm>
+        <a:graphic>
+          <a:graphicData uri="http://schemas.openxmlformats.org/drawingml/2006/chart">
+            <c:chart xmlns:c="http://schemas.openxmlformats.org/drawingml/2006/chart" xmlns:r="http://schemas.openxmlformats.org/officeDocument/2006/relationships" r:id="rId3"/>
+          </a:graphicData>
+        </a:graphic>
+      </p:graphicFrame>
     </p:spTree>
     <p:extLst>
       <p:ext uri="{BB962C8B-B14F-4D97-AF65-F5344CB8AC3E}">

--- a/P2_AnalyzeSurveyData/survey-project-submission-template.pptx
+++ b/P2_AnalyzeSurveyData/survey-project-submission-template.pptx
@@ -5,15 +5,16 @@
     <p:sldMasterId id="2147483659" r:id="rId1"/>
   </p:sldMasterIdLst>
   <p:notesMasterIdLst>
-    <p:notesMasterId r:id="rId8"/>
+    <p:notesMasterId r:id="rId9"/>
   </p:notesMasterIdLst>
   <p:sldIdLst>
     <p:sldId id="257" r:id="rId2"/>
     <p:sldId id="258" r:id="rId3"/>
     <p:sldId id="259" r:id="rId4"/>
-    <p:sldId id="260" r:id="rId5"/>
-    <p:sldId id="261" r:id="rId6"/>
-    <p:sldId id="262" r:id="rId7"/>
+    <p:sldId id="263" r:id="rId5"/>
+    <p:sldId id="260" r:id="rId6"/>
+    <p:sldId id="261" r:id="rId7"/>
+    <p:sldId id="262" r:id="rId8"/>
   </p:sldIdLst>
   <p:sldSz cx="9144000" cy="5143500" type="screen16x9"/>
   <p:notesSz cx="6858000" cy="9144000"/>
@@ -228,7 +229,311 @@
 </file>
 
 <file path=ppt/charts/chart1.xml><?xml version="1.0" encoding="utf-8"?>
-<c:chartSpace xmlns:c="http://schemas.openxmlformats.org/drawingml/2006/chart" xmlns:a="http://schemas.openxmlformats.org/drawingml/2006/main" xmlns:r="http://schemas.openxmlformats.org/officeDocument/2006/relationships" xmlns:c16r2="http://schemas.microsoft.com/office/drawing/2015/06/chart">
+<c:chartSpace xmlns:c="http://schemas.openxmlformats.org/drawingml/2006/chart" xmlns:a="http://schemas.openxmlformats.org/drawingml/2006/main" xmlns:r="http://schemas.openxmlformats.org/officeDocument/2006/relationships">
+  <c:date1904 val="0"/>
+  <c:lang val="zh-CN"/>
+  <c:roundedCorners val="0"/>
+  <mc:AlternateContent xmlns:mc="http://schemas.openxmlformats.org/markup-compatibility/2006">
+    <mc:Choice xmlns:c14="http://schemas.microsoft.com/office/drawing/2007/8/2/chart" Requires="c14">
+      <c14:style val="102"/>
+    </mc:Choice>
+    <mc:Fallback>
+      <c:style val="2"/>
+    </mc:Fallback>
+  </mc:AlternateContent>
+  <c:chart>
+    <c:title>
+      <c:tx>
+        <c:rich>
+          <a:bodyPr rot="0" spcFirstLastPara="1" vertOverflow="ellipsis" vert="horz" wrap="square" anchor="ctr" anchorCtr="1"/>
+          <a:lstStyle/>
+          <a:p>
+            <a:pPr>
+              <a:defRPr sz="1600" b="1" i="0" u="none" strike="noStrike" kern="1200" baseline="0">
+                <a:solidFill>
+                  <a:schemeClr val="tx2"/>
+                </a:solidFill>
+                <a:latin typeface="+mn-lt"/>
+                <a:ea typeface="+mn-ea"/>
+                <a:cs typeface="+mn-cs"/>
+              </a:defRPr>
+            </a:pPr>
+            <a:r>
+              <a:rPr lang="zh-CN"/>
+              <a:t>学员工作情况</a:t>
+            </a:r>
+          </a:p>
+        </c:rich>
+      </c:tx>
+      <c:layout/>
+      <c:overlay val="0"/>
+      <c:spPr>
+        <a:noFill/>
+        <a:ln>
+          <a:noFill/>
+        </a:ln>
+        <a:effectLst/>
+      </c:spPr>
+      <c:txPr>
+        <a:bodyPr rot="0" spcFirstLastPara="1" vertOverflow="ellipsis" vert="horz" wrap="square" anchor="ctr" anchorCtr="1"/>
+        <a:lstStyle/>
+        <a:p>
+          <a:pPr>
+            <a:defRPr sz="1600" b="1" i="0" u="none" strike="noStrike" kern="1200" baseline="0">
+              <a:solidFill>
+                <a:schemeClr val="tx2"/>
+              </a:solidFill>
+              <a:latin typeface="+mn-lt"/>
+              <a:ea typeface="+mn-ea"/>
+              <a:cs typeface="+mn-cs"/>
+            </a:defRPr>
+          </a:pPr>
+          <a:endParaRPr lang="zh-CN"/>
+        </a:p>
+      </c:txPr>
+    </c:title>
+    <c:autoTitleDeleted val="0"/>
+    <c:plotArea>
+      <c:layout/>
+      <c:pieChart>
+        <c:varyColors val="1"/>
+        <c:ser>
+          <c:idx val="0"/>
+          <c:order val="0"/>
+          <c:dPt>
+            <c:idx val="0"/>
+            <c:bubble3D val="0"/>
+            <c:spPr>
+              <a:gradFill rotWithShape="1">
+                <a:gsLst>
+                  <a:gs pos="0">
+                    <a:schemeClr val="accent1">
+                      <a:satMod val="103000"/>
+                      <a:lumMod val="102000"/>
+                      <a:tint val="94000"/>
+                    </a:schemeClr>
+                  </a:gs>
+                  <a:gs pos="50000">
+                    <a:schemeClr val="accent1">
+                      <a:satMod val="110000"/>
+                      <a:lumMod val="100000"/>
+                      <a:shade val="100000"/>
+                    </a:schemeClr>
+                  </a:gs>
+                  <a:gs pos="100000">
+                    <a:schemeClr val="accent1">
+                      <a:lumMod val="99000"/>
+                      <a:satMod val="120000"/>
+                      <a:shade val="78000"/>
+                    </a:schemeClr>
+                  </a:gs>
+                </a:gsLst>
+                <a:lin ang="5400000" scaled="0"/>
+              </a:gradFill>
+              <a:ln>
+                <a:noFill/>
+              </a:ln>
+              <a:effectLst/>
+            </c:spPr>
+          </c:dPt>
+          <c:dPt>
+            <c:idx val="1"/>
+            <c:bubble3D val="0"/>
+            <c:spPr>
+              <a:gradFill rotWithShape="1">
+                <a:gsLst>
+                  <a:gs pos="0">
+                    <a:schemeClr val="accent2">
+                      <a:satMod val="103000"/>
+                      <a:lumMod val="102000"/>
+                      <a:tint val="94000"/>
+                    </a:schemeClr>
+                  </a:gs>
+                  <a:gs pos="50000">
+                    <a:schemeClr val="accent2">
+                      <a:satMod val="110000"/>
+                      <a:lumMod val="100000"/>
+                      <a:shade val="100000"/>
+                    </a:schemeClr>
+                  </a:gs>
+                  <a:gs pos="100000">
+                    <a:schemeClr val="accent2">
+                      <a:lumMod val="99000"/>
+                      <a:satMod val="120000"/>
+                      <a:shade val="78000"/>
+                    </a:schemeClr>
+                  </a:gs>
+                </a:gsLst>
+                <a:lin ang="5400000" scaled="0"/>
+              </a:gradFill>
+              <a:ln>
+                <a:noFill/>
+              </a:ln>
+              <a:effectLst/>
+            </c:spPr>
+          </c:dPt>
+          <c:dLbls>
+            <c:spPr>
+              <a:noFill/>
+              <a:ln>
+                <a:noFill/>
+              </a:ln>
+              <a:effectLst/>
+            </c:spPr>
+            <c:txPr>
+              <a:bodyPr rot="0" spcFirstLastPara="1" vertOverflow="ellipsis" vert="horz" wrap="square" lIns="38100" tIns="19050" rIns="38100" bIns="19050" anchor="ctr" anchorCtr="1">
+                <a:spAutoFit/>
+              </a:bodyPr>
+              <a:lstStyle/>
+              <a:p>
+                <a:pPr>
+                  <a:defRPr sz="900" b="0" i="0" u="none" strike="noStrike" kern="1200" baseline="0">
+                    <a:solidFill>
+                      <a:schemeClr val="tx2"/>
+                    </a:solidFill>
+                    <a:latin typeface="+mn-lt"/>
+                    <a:ea typeface="+mn-ea"/>
+                    <a:cs typeface="+mn-cs"/>
+                  </a:defRPr>
+                </a:pPr>
+                <a:endParaRPr lang="zh-CN"/>
+              </a:p>
+            </c:txPr>
+            <c:dLblPos val="ctr"/>
+            <c:showLegendKey val="0"/>
+            <c:showVal val="0"/>
+            <c:showCatName val="0"/>
+            <c:showSerName val="0"/>
+            <c:showPercent val="1"/>
+            <c:showBubbleSize val="0"/>
+            <c:showLeaderLines val="1"/>
+            <c:leaderLines>
+              <c:spPr>
+                <a:ln w="9525">
+                  <a:solidFill>
+                    <a:schemeClr val="tx2">
+                      <a:lumMod val="35000"/>
+                      <a:lumOff val="65000"/>
+                    </a:schemeClr>
+                  </a:solidFill>
+                </a:ln>
+                <a:effectLst/>
+              </c:spPr>
+            </c:leaderLines>
+            <c:extLst>
+              <c:ext xmlns:c15="http://schemas.microsoft.com/office/drawing/2012/chart" uri="{CE6537A1-D6FC-4f65-9D91-7224C49458BB}">
+                <c15:layout/>
+              </c:ext>
+            </c:extLst>
+          </c:dLbls>
+          <c:cat>
+            <c:strRef>
+              <c:f>学员工作情况!$A$1:$B$1</c:f>
+              <c:strCache>
+                <c:ptCount val="2"/>
+                <c:pt idx="0">
+                  <c:v>employed</c:v>
+                </c:pt>
+                <c:pt idx="1">
+                  <c:v>unemployed</c:v>
+                </c:pt>
+              </c:strCache>
+            </c:strRef>
+          </c:cat>
+          <c:val>
+            <c:numRef>
+              <c:f>学员工作情况!$A$2:$B$2</c:f>
+              <c:numCache>
+                <c:formatCode>General</c:formatCode>
+                <c:ptCount val="2"/>
+                <c:pt idx="0">
+                  <c:v>570.0</c:v>
+                </c:pt>
+                <c:pt idx="1">
+                  <c:v>121.0</c:v>
+                </c:pt>
+              </c:numCache>
+            </c:numRef>
+          </c:val>
+        </c:ser>
+        <c:dLbls>
+          <c:dLblPos val="ctr"/>
+          <c:showLegendKey val="0"/>
+          <c:showVal val="0"/>
+          <c:showCatName val="0"/>
+          <c:showSerName val="0"/>
+          <c:showPercent val="1"/>
+          <c:showBubbleSize val="0"/>
+          <c:showLeaderLines val="1"/>
+        </c:dLbls>
+        <c:firstSliceAng val="0"/>
+      </c:pieChart>
+      <c:spPr>
+        <a:noFill/>
+        <a:ln>
+          <a:noFill/>
+        </a:ln>
+        <a:effectLst/>
+      </c:spPr>
+    </c:plotArea>
+    <c:legend>
+      <c:legendPos val="b"/>
+      <c:layout/>
+      <c:overlay val="0"/>
+      <c:spPr>
+        <a:noFill/>
+        <a:ln>
+          <a:noFill/>
+        </a:ln>
+        <a:effectLst/>
+      </c:spPr>
+      <c:txPr>
+        <a:bodyPr rot="0" spcFirstLastPara="1" vertOverflow="ellipsis" vert="horz" wrap="square" anchor="ctr" anchorCtr="1"/>
+        <a:lstStyle/>
+        <a:p>
+          <a:pPr>
+            <a:defRPr sz="900" b="0" i="0" u="none" strike="noStrike" kern="1200" baseline="0">
+              <a:solidFill>
+                <a:schemeClr val="tx2"/>
+              </a:solidFill>
+              <a:latin typeface="+mn-lt"/>
+              <a:ea typeface="+mn-ea"/>
+              <a:cs typeface="+mn-cs"/>
+            </a:defRPr>
+          </a:pPr>
+          <a:endParaRPr lang="zh-CN"/>
+        </a:p>
+      </c:txPr>
+    </c:legend>
+    <c:plotVisOnly val="1"/>
+    <c:dispBlanksAs val="gap"/>
+    <c:showDLblsOverMax val="0"/>
+  </c:chart>
+  <c:spPr>
+    <a:noFill/>
+    <a:ln>
+      <a:noFill/>
+    </a:ln>
+    <a:effectLst/>
+  </c:spPr>
+  <c:txPr>
+    <a:bodyPr/>
+    <a:lstStyle/>
+    <a:p>
+      <a:pPr>
+        <a:defRPr/>
+      </a:pPr>
+      <a:endParaRPr lang="zh-CN"/>
+    </a:p>
+  </c:txPr>
+  <c:externalData r:id="rId3">
+    <c:autoUpdate val="0"/>
+  </c:externalData>
+</c:chartSpace>
+</file>
+
+<file path=ppt/charts/chart2.xml><?xml version="1.0" encoding="utf-8"?>
+<c:chartSpace xmlns:c="http://schemas.openxmlformats.org/drawingml/2006/chart" xmlns:a="http://schemas.openxmlformats.org/drawingml/2006/main" xmlns:r="http://schemas.openxmlformats.org/officeDocument/2006/relationships">
   <c:date1904 val="0"/>
   <c:lang val="zh-CN"/>
   <c:roundedCorners val="0"/>
@@ -353,7 +658,7 @@
           <c:showSerName val="0"/>
           <c:showPercent val="0"/>
           <c:showBubbleSize val="0"/>
-          <c:extLst>
+          <c:extLst xmlns:c16r2="http://schemas.microsoft.com/office/drawing/2015/06/chart">
             <c:ext xmlns:c15="http://schemas.microsoft.com/office/drawing/2012/chart" uri="{CE6537A1-D6FC-4f65-9D91-7224C49458BB}"/>
           </c:extLst>
         </c:dLbl>
@@ -409,7 +714,7 @@
           <c:showSerName val="0"/>
           <c:showPercent val="0"/>
           <c:showBubbleSize val="0"/>
-          <c:extLst>
+          <c:extLst xmlns:c16r2="http://schemas.microsoft.com/office/drawing/2015/06/chart">
             <c:ext xmlns:c15="http://schemas.microsoft.com/office/drawing/2012/chart" uri="{CE6537A1-D6FC-4f65-9D91-7224C49458BB}"/>
           </c:extLst>
         </c:dLbl>
@@ -465,7 +770,7 @@
           <c:showSerName val="0"/>
           <c:showPercent val="0"/>
           <c:showBubbleSize val="0"/>
-          <c:extLst>
+          <c:extLst xmlns:c16r2="http://schemas.microsoft.com/office/drawing/2015/06/chart">
             <c:ext xmlns:c15="http://schemas.microsoft.com/office/drawing/2012/chart" uri="{CE6537A1-D6FC-4f65-9D91-7224C49458BB}"/>
           </c:extLst>
         </c:dLbl>
@@ -538,7 +843,7 @@
             <c:showPercent val="0"/>
             <c:showBubbleSize val="0"/>
             <c:showLeaderLines val="0"/>
-            <c:extLst>
+            <c:extLst xmlns:c16r2="http://schemas.microsoft.com/office/drawing/2015/06/chart">
               <c:ext xmlns:c15="http://schemas.microsoft.com/office/drawing/2012/chart" uri="{CE6537A1-D6FC-4f65-9D91-7224C49458BB}">
                 <c15:showLeaderLines val="1"/>
                 <c15:leaderLines>
@@ -591,27 +896,27 @@
                 <c:formatCode>General</c:formatCode>
                 <c:ptCount val="6"/>
                 <c:pt idx="0">
-                  <c:v>2022</c:v>
+                  <c:v>2022.0</c:v>
                 </c:pt>
                 <c:pt idx="1">
-                  <c:v>1869</c:v>
+                  <c:v>1869.0</c:v>
                 </c:pt>
                 <c:pt idx="2">
-                  <c:v>418</c:v>
+                  <c:v>418.0</c:v>
                 </c:pt>
                 <c:pt idx="3">
-                  <c:v>367</c:v>
+                  <c:v>367.0</c:v>
                 </c:pt>
                 <c:pt idx="4">
-                  <c:v>138</c:v>
+                  <c:v>138.0</c:v>
                 </c:pt>
                 <c:pt idx="5">
-                  <c:v>67</c:v>
+                  <c:v>67.0</c:v>
                 </c:pt>
               </c:numCache>
             </c:numRef>
           </c:val>
-          <c:extLst>
+          <c:extLst xmlns:c16r2="http://schemas.microsoft.com/office/drawing/2015/06/chart">
             <c:ext xmlns:c16="http://schemas.microsoft.com/office/drawing/2014/chart" uri="{C3380CC4-5D6E-409C-BE32-E72D297353CC}">
               <c16:uniqueId val="{00000000-BDE0-480C-805A-D55ECCBEAF41}"/>
             </c:ext>
@@ -627,11 +932,11 @@
         </c:dLbls>
         <c:gapWidth val="150"/>
         <c:overlap val="-25"/>
-        <c:axId val="715502648"/>
-        <c:axId val="715504616"/>
+        <c:axId val="1695873552"/>
+        <c:axId val="1696432512"/>
       </c:barChart>
       <c:catAx>
-        <c:axId val="715502648"/>
+        <c:axId val="1695873552"/>
         <c:scaling>
           <c:orientation val="minMax"/>
         </c:scaling>
@@ -674,7 +979,7 @@
             <a:endParaRPr lang="zh-CN"/>
           </a:p>
         </c:txPr>
-        <c:crossAx val="715504616"/>
+        <c:crossAx val="1696432512"/>
         <c:crosses val="autoZero"/>
         <c:auto val="1"/>
         <c:lblAlgn val="ctr"/>
@@ -682,7 +987,7 @@
         <c:noMultiLvlLbl val="0"/>
       </c:catAx>
       <c:valAx>
-        <c:axId val="715504616"/>
+        <c:axId val="1696432512"/>
         <c:scaling>
           <c:orientation val="minMax"/>
         </c:scaling>
@@ -692,7 +997,7 @@
         <c:majorTickMark val="none"/>
         <c:minorTickMark val="none"/>
         <c:tickLblPos val="nextTo"/>
-        <c:crossAx val="715502648"/>
+        <c:crossAx val="1695873552"/>
         <c:crosses val="autoZero"/>
         <c:crossBetween val="between"/>
       </c:valAx>
@@ -706,14 +1011,14 @@
     </c:plotArea>
     <c:plotVisOnly val="1"/>
     <c:dispBlanksAs val="gap"/>
-    <c:extLst>
+    <c:showDLblsOverMax val="0"/>
+    <c:extLst xmlns:c16r2="http://schemas.microsoft.com/office/drawing/2015/06/chart">
       <c:ext xmlns:c16r3="http://schemas.microsoft.com/office/drawing/2017/03/chart" uri="{56B9EC1D-385E-4148-901F-78D8002777C0}">
         <c16r3:dataDisplayOptions16>
           <c16r3:dispNaAsBlank val="1"/>
         </c16r3:dataDisplayOptions16>
       </c:ext>
     </c:extLst>
-    <c:showDLblsOverMax val="0"/>
   </c:chart>
   <c:spPr>
     <a:noFill/>
@@ -735,7 +1040,12 @@
   <c:externalData r:id="rId3">
     <c:autoUpdate val="0"/>
   </c:externalData>
-  <c:extLst>
+  <c:extLst xmlns:c16r2="http://schemas.microsoft.com/office/drawing/2015/06/chart">
+    <c:ext xmlns:c16="http://schemas.microsoft.com/office/drawing/2014/chart" uri="{E28EC0CA-F0BB-4C9C-879D-F8772B89E7AC}">
+      <c16:pivotOptions16>
+        <c16:showExpandCollapseFieldButtons val="1"/>
+      </c16:pivotOptions16>
+    </c:ext>
     <c:ext xmlns:c14="http://schemas.microsoft.com/office/drawing/2007/8/2/chart" uri="{781A3756-C4B2-4CAC-9D66-4F8BD8637D16}">
       <c14:pivotOptions>
         <c14:dropZoneFilter val="1"/>
@@ -743,11 +1053,6 @@
         <c14:dropZoneData val="1"/>
         <c14:dropZonesVisible val="1"/>
       </c14:pivotOptions>
-    </c:ext>
-    <c:ext xmlns:c16="http://schemas.microsoft.com/office/drawing/2014/chart" uri="{E28EC0CA-F0BB-4C9C-879D-F8772B89E7AC}">
-      <c16:pivotOptions16>
-        <c16:showExpandCollapseFieldButtons val="1"/>
-      </c16:pivotOptions16>
     </c:ext>
   </c:extLst>
 </c:chartSpace>
@@ -1594,6 +1899,46 @@
 </cs:colorStyle>
 </file>
 
+<file path=ppt/charts/colors10.xml><?xml version="1.0" encoding="utf-8"?>
+<cs:colorStyle xmlns:cs="http://schemas.microsoft.com/office/drawing/2012/chartStyle" xmlns:a="http://schemas.openxmlformats.org/drawingml/2006/main" meth="cycle" id="10">
+  <a:schemeClr val="accent1"/>
+  <a:schemeClr val="accent2"/>
+  <a:schemeClr val="accent3"/>
+  <a:schemeClr val="accent4"/>
+  <a:schemeClr val="accent5"/>
+  <a:schemeClr val="accent6"/>
+  <cs:variation/>
+  <cs:variation>
+    <a:lumMod val="60000"/>
+  </cs:variation>
+  <cs:variation>
+    <a:lumMod val="80000"/>
+    <a:lumOff val="20000"/>
+  </cs:variation>
+  <cs:variation>
+    <a:lumMod val="80000"/>
+  </cs:variation>
+  <cs:variation>
+    <a:lumMod val="60000"/>
+    <a:lumOff val="40000"/>
+  </cs:variation>
+  <cs:variation>
+    <a:lumMod val="50000"/>
+  </cs:variation>
+  <cs:variation>
+    <a:lumMod val="70000"/>
+    <a:lumOff val="30000"/>
+  </cs:variation>
+  <cs:variation>
+    <a:lumMod val="70000"/>
+  </cs:variation>
+  <cs:variation>
+    <a:lumMod val="50000"/>
+    <a:lumOff val="50000"/>
+  </cs:variation>
+</cs:colorStyle>
+</file>
+
 <file path=ppt/charts/colors2.xml><?xml version="1.0" encoding="utf-8"?>
 <cs:colorStyle xmlns:cs="http://schemas.microsoft.com/office/drawing/2012/chartStyle" xmlns:a="http://schemas.openxmlformats.org/drawingml/2006/main" meth="cycle" id="10">
   <a:schemeClr val="accent1"/>
@@ -1635,6 +1980,474 @@
 </file>
 
 <file path=ppt/charts/style1.xml><?xml version="1.0" encoding="utf-8"?>
+<cs:chartStyle xmlns:cs="http://schemas.microsoft.com/office/drawing/2012/chartStyle" xmlns:a="http://schemas.openxmlformats.org/drawingml/2006/main" id="255">
+  <cs:axisTitle>
+    <cs:lnRef idx="0"/>
+    <cs:fillRef idx="0"/>
+    <cs:effectRef idx="0"/>
+    <cs:fontRef idx="minor">
+      <a:schemeClr val="tx2"/>
+    </cs:fontRef>
+    <cs:defRPr sz="900" b="1" kern="1200"/>
+  </cs:axisTitle>
+  <cs:categoryAxis>
+    <cs:lnRef idx="0"/>
+    <cs:fillRef idx="0"/>
+    <cs:effectRef idx="0"/>
+    <cs:fontRef idx="minor">
+      <a:schemeClr val="tx2"/>
+    </cs:fontRef>
+    <cs:spPr>
+      <a:ln w="9525" cap="flat" cmpd="sng" algn="ctr">
+        <a:solidFill>
+          <a:schemeClr val="tx2">
+            <a:lumMod val="15000"/>
+            <a:lumOff val="85000"/>
+          </a:schemeClr>
+        </a:solidFill>
+        <a:round/>
+      </a:ln>
+    </cs:spPr>
+    <cs:defRPr sz="900" kern="1200"/>
+  </cs:categoryAxis>
+  <cs:chartArea mods="allowNoFillOverride allowNoLineOverride">
+    <cs:lnRef idx="0"/>
+    <cs:fillRef idx="0"/>
+    <cs:effectRef idx="0"/>
+    <cs:fontRef idx="minor">
+      <a:schemeClr val="tx2"/>
+    </cs:fontRef>
+    <cs:spPr>
+      <a:solidFill>
+        <a:schemeClr val="bg1"/>
+      </a:solidFill>
+      <a:ln w="9525" cap="flat" cmpd="sng" algn="ctr">
+        <a:solidFill>
+          <a:schemeClr val="tx2">
+            <a:lumMod val="15000"/>
+            <a:lumOff val="85000"/>
+          </a:schemeClr>
+        </a:solidFill>
+        <a:round/>
+      </a:ln>
+    </cs:spPr>
+    <cs:defRPr sz="900" kern="1200"/>
+  </cs:chartArea>
+  <cs:dataLabel>
+    <cs:lnRef idx="0"/>
+    <cs:fillRef idx="0"/>
+    <cs:effectRef idx="0"/>
+    <cs:fontRef idx="minor">
+      <a:schemeClr val="tx2"/>
+    </cs:fontRef>
+    <cs:defRPr sz="900" kern="1200"/>
+  </cs:dataLabel>
+  <cs:dataLabelCallout>
+    <cs:lnRef idx="0"/>
+    <cs:fillRef idx="0"/>
+    <cs:effectRef idx="0"/>
+    <cs:fontRef idx="minor">
+      <a:schemeClr val="dk2">
+        <a:lumMod val="75000"/>
+      </a:schemeClr>
+    </cs:fontRef>
+    <cs:spPr>
+      <a:solidFill>
+        <a:schemeClr val="lt1"/>
+      </a:solidFill>
+      <a:ln>
+        <a:solidFill>
+          <a:schemeClr val="dk1">
+            <a:lumMod val="25000"/>
+            <a:lumOff val="75000"/>
+          </a:schemeClr>
+        </a:solidFill>
+      </a:ln>
+    </cs:spPr>
+    <cs:defRPr sz="900" kern="1200"/>
+    <cs:bodyPr rot="0" spcFirstLastPara="1" vertOverflow="clip" horzOverflow="clip" vert="horz" wrap="square" lIns="36576" tIns="18288" rIns="36576" bIns="18288" anchor="ctr" anchorCtr="1">
+      <a:spAutoFit/>
+    </cs:bodyPr>
+  </cs:dataLabelCallout>
+  <cs:dataPoint>
+    <cs:lnRef idx="0"/>
+    <cs:fillRef idx="3">
+      <cs:styleClr val="auto"/>
+    </cs:fillRef>
+    <cs:effectRef idx="2"/>
+    <cs:fontRef idx="minor">
+      <a:schemeClr val="tx2"/>
+    </cs:fontRef>
+  </cs:dataPoint>
+  <cs:dataPoint3D>
+    <cs:lnRef idx="0"/>
+    <cs:fillRef idx="3">
+      <cs:styleClr val="auto"/>
+    </cs:fillRef>
+    <cs:effectRef idx="2"/>
+    <cs:fontRef idx="minor">
+      <a:schemeClr val="tx2"/>
+    </cs:fontRef>
+  </cs:dataPoint3D>
+  <cs:dataPointLine>
+    <cs:lnRef idx="0">
+      <cs:styleClr val="auto"/>
+    </cs:lnRef>
+    <cs:fillRef idx="3"/>
+    <cs:effectRef idx="2"/>
+    <cs:fontRef idx="minor">
+      <a:schemeClr val="tx2"/>
+    </cs:fontRef>
+    <cs:spPr>
+      <a:ln w="31750" cap="rnd">
+        <a:solidFill>
+          <a:schemeClr val="phClr"/>
+        </a:solidFill>
+        <a:round/>
+      </a:ln>
+    </cs:spPr>
+  </cs:dataPointLine>
+  <cs:dataPointMarker>
+    <cs:lnRef idx="0"/>
+    <cs:fillRef idx="3">
+      <cs:styleClr val="auto"/>
+    </cs:fillRef>
+    <cs:effectRef idx="2"/>
+    <cs:fontRef idx="minor">
+      <a:schemeClr val="tx2"/>
+    </cs:fontRef>
+    <cs:spPr>
+      <a:ln w="12700">
+        <a:solidFill>
+          <a:schemeClr val="lt2"/>
+        </a:solidFill>
+        <a:round/>
+      </a:ln>
+    </cs:spPr>
+  </cs:dataPointMarker>
+  <cs:dataPointMarkerLayout symbol="circle" size="6"/>
+  <cs:dataPointWireframe>
+    <cs:lnRef idx="0">
+      <cs:styleClr val="auto"/>
+    </cs:lnRef>
+    <cs:fillRef idx="3"/>
+    <cs:effectRef idx="2"/>
+    <cs:fontRef idx="minor">
+      <a:schemeClr val="tx2"/>
+    </cs:fontRef>
+    <cs:spPr>
+      <a:ln w="9525" cap="rnd">
+        <a:solidFill>
+          <a:schemeClr val="phClr"/>
+        </a:solidFill>
+        <a:round/>
+      </a:ln>
+    </cs:spPr>
+  </cs:dataPointWireframe>
+  <cs:dataTable>
+    <cs:lnRef idx="0"/>
+    <cs:fillRef idx="0"/>
+    <cs:effectRef idx="0"/>
+    <cs:fontRef idx="minor">
+      <a:schemeClr val="tx2"/>
+    </cs:fontRef>
+    <cs:spPr>
+      <a:ln w="9525">
+        <a:solidFill>
+          <a:schemeClr val="tx2">
+            <a:lumMod val="15000"/>
+            <a:lumOff val="85000"/>
+          </a:schemeClr>
+        </a:solidFill>
+      </a:ln>
+    </cs:spPr>
+    <cs:defRPr sz="900" kern="1200"/>
+  </cs:dataTable>
+  <cs:downBar>
+    <cs:lnRef idx="0"/>
+    <cs:fillRef idx="0"/>
+    <cs:effectRef idx="0"/>
+    <cs:fontRef idx="minor">
+      <a:schemeClr val="dk1"/>
+    </cs:fontRef>
+    <cs:spPr>
+      <a:solidFill>
+        <a:schemeClr val="dk1">
+          <a:lumMod val="65000"/>
+          <a:lumOff val="35000"/>
+        </a:schemeClr>
+      </a:solidFill>
+      <a:ln w="9525">
+        <a:solidFill>
+          <a:schemeClr val="tx1">
+            <a:lumMod val="65000"/>
+            <a:lumOff val="35000"/>
+          </a:schemeClr>
+        </a:solidFill>
+      </a:ln>
+    </cs:spPr>
+  </cs:downBar>
+  <cs:dropLine>
+    <cs:lnRef idx="0"/>
+    <cs:fillRef idx="0"/>
+    <cs:effectRef idx="0"/>
+    <cs:fontRef idx="minor">
+      <a:schemeClr val="tx2"/>
+    </cs:fontRef>
+    <cs:spPr>
+      <a:ln w="9525">
+        <a:solidFill>
+          <a:schemeClr val="tx2">
+            <a:lumMod val="60000"/>
+            <a:lumOff val="40000"/>
+          </a:schemeClr>
+        </a:solidFill>
+        <a:prstDash val="dash"/>
+      </a:ln>
+    </cs:spPr>
+  </cs:dropLine>
+  <cs:errorBar>
+    <cs:lnRef idx="0"/>
+    <cs:fillRef idx="0"/>
+    <cs:effectRef idx="0"/>
+    <cs:fontRef idx="minor">
+      <a:schemeClr val="tx2"/>
+    </cs:fontRef>
+    <cs:spPr>
+      <a:ln w="9525">
+        <a:solidFill>
+          <a:schemeClr val="tx2">
+            <a:lumMod val="75000"/>
+          </a:schemeClr>
+        </a:solidFill>
+        <a:round/>
+      </a:ln>
+    </cs:spPr>
+  </cs:errorBar>
+  <cs:floor>
+    <cs:lnRef idx="0"/>
+    <cs:fillRef idx="0"/>
+    <cs:effectRef idx="0"/>
+    <cs:fontRef idx="minor">
+      <a:schemeClr val="tx2"/>
+    </cs:fontRef>
+  </cs:floor>
+  <cs:gridlineMajor>
+    <cs:lnRef idx="0"/>
+    <cs:fillRef idx="0"/>
+    <cs:effectRef idx="0"/>
+    <cs:fontRef idx="minor">
+      <a:schemeClr val="tx2"/>
+    </cs:fontRef>
+    <cs:spPr>
+      <a:ln w="9525" cap="flat" cmpd="sng" algn="ctr">
+        <a:solidFill>
+          <a:schemeClr val="tx2">
+            <a:lumMod val="15000"/>
+            <a:lumOff val="85000"/>
+          </a:schemeClr>
+        </a:solidFill>
+        <a:round/>
+      </a:ln>
+    </cs:spPr>
+  </cs:gridlineMajor>
+  <cs:gridlineMinor>
+    <cs:lnRef idx="0"/>
+    <cs:fillRef idx="0"/>
+    <cs:effectRef idx="0"/>
+    <cs:fontRef idx="minor">
+      <a:schemeClr val="tx2"/>
+    </cs:fontRef>
+    <cs:spPr>
+      <a:ln>
+        <a:solidFill>
+          <a:schemeClr val="tx2">
+            <a:lumMod val="5000"/>
+            <a:lumOff val="95000"/>
+          </a:schemeClr>
+        </a:solidFill>
+      </a:ln>
+    </cs:spPr>
+  </cs:gridlineMinor>
+  <cs:hiLoLine>
+    <cs:lnRef idx="0"/>
+    <cs:fillRef idx="0"/>
+    <cs:effectRef idx="0"/>
+    <cs:fontRef idx="minor">
+      <a:schemeClr val="tx2"/>
+    </cs:fontRef>
+    <cs:spPr>
+      <a:ln w="9525">
+        <a:solidFill>
+          <a:schemeClr val="tx2">
+            <a:lumMod val="60000"/>
+            <a:lumOff val="40000"/>
+          </a:schemeClr>
+        </a:solidFill>
+        <a:prstDash val="dash"/>
+      </a:ln>
+    </cs:spPr>
+  </cs:hiLoLine>
+  <cs:leaderLine>
+    <cs:lnRef idx="0"/>
+    <cs:fillRef idx="0"/>
+    <cs:effectRef idx="0"/>
+    <cs:fontRef idx="minor">
+      <a:schemeClr val="tx2"/>
+    </cs:fontRef>
+    <cs:spPr>
+      <a:ln w="9525">
+        <a:solidFill>
+          <a:schemeClr val="tx2">
+            <a:lumMod val="35000"/>
+            <a:lumOff val="65000"/>
+          </a:schemeClr>
+        </a:solidFill>
+      </a:ln>
+    </cs:spPr>
+  </cs:leaderLine>
+  <cs:legend>
+    <cs:lnRef idx="0"/>
+    <cs:fillRef idx="0"/>
+    <cs:effectRef idx="0"/>
+    <cs:fontRef idx="minor">
+      <a:schemeClr val="tx2"/>
+    </cs:fontRef>
+    <cs:defRPr sz="900" kern="1200"/>
+  </cs:legend>
+  <cs:plotArea>
+    <cs:lnRef idx="0"/>
+    <cs:fillRef idx="0"/>
+    <cs:effectRef idx="0"/>
+    <cs:fontRef idx="minor">
+      <a:schemeClr val="tx2"/>
+    </cs:fontRef>
+  </cs:plotArea>
+  <cs:plotArea3D>
+    <cs:lnRef idx="0"/>
+    <cs:fillRef idx="0"/>
+    <cs:effectRef idx="0"/>
+    <cs:fontRef idx="minor">
+      <a:schemeClr val="tx2"/>
+    </cs:fontRef>
+  </cs:plotArea3D>
+  <cs:seriesAxis>
+    <cs:lnRef idx="0"/>
+    <cs:fillRef idx="0"/>
+    <cs:effectRef idx="0"/>
+    <cs:fontRef idx="minor">
+      <a:schemeClr val="tx2"/>
+    </cs:fontRef>
+    <cs:spPr>
+      <a:ln w="9525" cap="flat" cmpd="sng" algn="ctr">
+        <a:solidFill>
+          <a:schemeClr val="tx2">
+            <a:lumMod val="15000"/>
+            <a:lumOff val="85000"/>
+          </a:schemeClr>
+        </a:solidFill>
+        <a:round/>
+      </a:ln>
+    </cs:spPr>
+    <cs:defRPr sz="900" kern="1200"/>
+  </cs:seriesAxis>
+  <cs:seriesLine>
+    <cs:lnRef idx="0"/>
+    <cs:fillRef idx="0"/>
+    <cs:effectRef idx="0"/>
+    <cs:fontRef idx="minor">
+      <a:schemeClr val="tx2"/>
+    </cs:fontRef>
+    <cs:spPr>
+      <a:ln w="9525">
+        <a:solidFill>
+          <a:schemeClr val="tx2">
+            <a:lumMod val="60000"/>
+            <a:lumOff val="40000"/>
+          </a:schemeClr>
+        </a:solidFill>
+        <a:prstDash val="dash"/>
+      </a:ln>
+    </cs:spPr>
+  </cs:seriesLine>
+  <cs:title>
+    <cs:lnRef idx="0"/>
+    <cs:fillRef idx="0"/>
+    <cs:effectRef idx="0"/>
+    <cs:fontRef idx="minor">
+      <a:schemeClr val="tx2"/>
+    </cs:fontRef>
+    <cs:defRPr sz="1600" b="1" kern="1200"/>
+  </cs:title>
+  <cs:trendline>
+    <cs:lnRef idx="0">
+      <cs:styleClr val="auto"/>
+    </cs:lnRef>
+    <cs:fillRef idx="0"/>
+    <cs:effectRef idx="0"/>
+    <cs:fontRef idx="minor">
+      <a:schemeClr val="tx2"/>
+    </cs:fontRef>
+    <cs:spPr>
+      <a:ln w="19050" cap="rnd">
+        <a:solidFill>
+          <a:schemeClr val="phClr"/>
+        </a:solidFill>
+        <a:prstDash val="sysDash"/>
+      </a:ln>
+    </cs:spPr>
+  </cs:trendline>
+  <cs:trendlineLabel>
+    <cs:lnRef idx="0"/>
+    <cs:fillRef idx="0"/>
+    <cs:effectRef idx="0"/>
+    <cs:fontRef idx="minor">
+      <a:schemeClr val="tx2"/>
+    </cs:fontRef>
+    <cs:defRPr sz="900" kern="1200"/>
+  </cs:trendlineLabel>
+  <cs:upBar>
+    <cs:lnRef idx="0"/>
+    <cs:fillRef idx="0"/>
+    <cs:effectRef idx="0"/>
+    <cs:fontRef idx="minor">
+      <a:schemeClr val="tx2"/>
+    </cs:fontRef>
+    <cs:spPr>
+      <a:solidFill>
+        <a:schemeClr val="lt1"/>
+      </a:solidFill>
+      <a:ln w="9525">
+        <a:solidFill>
+          <a:schemeClr val="tx1">
+            <a:lumMod val="15000"/>
+            <a:lumOff val="85000"/>
+          </a:schemeClr>
+        </a:solidFill>
+      </a:ln>
+    </cs:spPr>
+  </cs:upBar>
+  <cs:valueAxis>
+    <cs:lnRef idx="0"/>
+    <cs:fillRef idx="0"/>
+    <cs:effectRef idx="0"/>
+    <cs:fontRef idx="minor">
+      <a:schemeClr val="tx2"/>
+    </cs:fontRef>
+    <cs:defRPr sz="900" kern="1200"/>
+  </cs:valueAxis>
+  <cs:wall>
+    <cs:lnRef idx="0"/>
+    <cs:fillRef idx="0"/>
+    <cs:effectRef idx="0"/>
+    <cs:fontRef idx="minor">
+      <a:schemeClr val="tx2"/>
+    </cs:fontRef>
+  </cs:wall>
+</cs:chartStyle>
+</file>
+
+<file path=ppt/charts/style10.xml><?xml version="1.0" encoding="utf-8"?>
 <cs:chartStyle xmlns:cs="http://schemas.microsoft.com/office/drawing/2012/chartStyle" xmlns:a="http://schemas.openxmlformats.org/drawingml/2006/main" id="366">
   <cs:axisTitle>
     <cs:lnRef idx="0"/>
@@ -3327,7 +4140,7 @@
     </p:spTree>
     <p:extLst>
       <p:ext uri="{BB962C8B-B14F-4D97-AF65-F5344CB8AC3E}">
-        <p14:creationId xmlns:p14="http://schemas.microsoft.com/office/powerpoint/2010/main" val="1894690376"/>
+        <p14:creationId xmlns:p14="http://schemas.microsoft.com/office/powerpoint/2010/main" val="385380970"/>
       </p:ext>
     </p:extLst>
   </p:cSld>
@@ -3433,6 +4246,112 @@
     </p:spTree>
     <p:extLst>
       <p:ext uri="{BB962C8B-B14F-4D97-AF65-F5344CB8AC3E}">
+        <p14:creationId xmlns:p14="http://schemas.microsoft.com/office/powerpoint/2010/main" val="1894690376"/>
+      </p:ext>
+    </p:extLst>
+  </p:cSld>
+  <p:clrMapOvr>
+    <a:masterClrMapping/>
+  </p:clrMapOvr>
+</p:notes>
+</file>
+
+<file path=ppt/notesSlides/notesSlide6.xml><?xml version="1.0" encoding="utf-8"?>
+<p:notes xmlns:a="http://schemas.openxmlformats.org/drawingml/2006/main" xmlns:r="http://schemas.openxmlformats.org/officeDocument/2006/relationships" xmlns:p="http://schemas.openxmlformats.org/presentationml/2006/main" showMasterSp="0" showMasterPhAnim="0">
+  <p:cSld>
+    <p:spTree>
+      <p:nvGrpSpPr>
+        <p:cNvPr id="1" name="Shape 50"/>
+        <p:cNvGrpSpPr/>
+        <p:nvPr/>
+      </p:nvGrpSpPr>
+      <p:grpSpPr>
+        <a:xfrm>
+          <a:off x="0" y="0"/>
+          <a:ext cx="0" cy="0"/>
+          <a:chOff x="0" y="0"/>
+          <a:chExt cx="0" cy="0"/>
+        </a:xfrm>
+      </p:grpSpPr>
+      <p:sp>
+        <p:nvSpPr>
+          <p:cNvPr id="51" name="Shape 51"/>
+          <p:cNvSpPr>
+            <a:spLocks noGrp="1" noRot="1" noChangeAspect="1"/>
+          </p:cNvSpPr>
+          <p:nvPr>
+            <p:ph type="sldImg" idx="2"/>
+          </p:nvPr>
+        </p:nvSpPr>
+        <p:spPr>
+          <a:xfrm>
+            <a:off x="381000" y="685800"/>
+            <a:ext cx="6096000" cy="3429000"/>
+          </a:xfrm>
+          <a:custGeom>
+            <a:avLst/>
+            <a:gdLst/>
+            <a:ahLst/>
+            <a:cxnLst/>
+            <a:rect l="0" t="0" r="0" b="0"/>
+            <a:pathLst>
+              <a:path w="120000" h="120000" extrusionOk="0">
+                <a:moveTo>
+                  <a:pt x="0" y="0"/>
+                </a:moveTo>
+                <a:lnTo>
+                  <a:pt x="120000" y="0"/>
+                </a:lnTo>
+                <a:lnTo>
+                  <a:pt x="120000" y="120000"/>
+                </a:lnTo>
+                <a:lnTo>
+                  <a:pt x="0" y="120000"/>
+                </a:lnTo>
+                <a:close/>
+              </a:path>
+            </a:pathLst>
+          </a:custGeom>
+        </p:spPr>
+      </p:sp>
+      <p:sp>
+        <p:nvSpPr>
+          <p:cNvPr id="52" name="Shape 52"/>
+          <p:cNvSpPr txBox="1">
+            <a:spLocks noGrp="1"/>
+          </p:cNvSpPr>
+          <p:nvPr>
+            <p:ph type="body" idx="1"/>
+          </p:nvPr>
+        </p:nvSpPr>
+        <p:spPr>
+          <a:xfrm>
+            <a:off x="685800" y="4343400"/>
+            <a:ext cx="5486400" cy="4114800"/>
+          </a:xfrm>
+          <a:prstGeom prst="rect">
+            <a:avLst/>
+          </a:prstGeom>
+        </p:spPr>
+        <p:txBody>
+          <a:bodyPr wrap="square" lIns="91425" tIns="91425" rIns="91425" bIns="91425" anchor="t" anchorCtr="0">
+            <a:noAutofit/>
+          </a:bodyPr>
+          <a:lstStyle/>
+          <a:p>
+            <a:pPr lvl="0" rtl="0">
+              <a:spcBef>
+                <a:spcPts val="0"/>
+              </a:spcBef>
+              <a:buNone/>
+            </a:pPr>
+            <a:endParaRPr/>
+          </a:p>
+        </p:txBody>
+      </p:sp>
+    </p:spTree>
+    <p:extLst>
+      <p:ext uri="{BB962C8B-B14F-4D97-AF65-F5344CB8AC3E}">
         <p14:creationId xmlns:p14="http://schemas.microsoft.com/office/powerpoint/2010/main" val="85855448"/>
       </p:ext>
     </p:extLst>
@@ -3443,7 +4362,7 @@
 </p:notes>
 </file>
 
-<file path=ppt/notesSlides/notesSlide6.xml><?xml version="1.0" encoding="utf-8"?>
+<file path=ppt/notesSlides/notesSlide7.xml><?xml version="1.0" encoding="utf-8"?>
 <p:notes xmlns:a="http://schemas.openxmlformats.org/drawingml/2006/main" xmlns:r="http://schemas.openxmlformats.org/officeDocument/2006/relationships" xmlns:p="http://schemas.openxmlformats.org/presentationml/2006/main" showMasterSp="0" showMasterPhAnim="0">
   <p:cSld>
     <p:spTree>
@@ -7498,7 +8417,48 @@
                 <a:cs typeface="Open Sans"/>
                 <a:sym typeface="Open Sans"/>
               </a:rPr>
-              <a:t>的评价是怎样的？</a:t>
+              <a:t>的评价是怎样的</a:t>
+            </a:r>
+            <a:r>
+              <a:rPr lang="zh-CN" altLang="en-US" dirty="0" smtClean="0">
+                <a:latin typeface="Open Sans"/>
+                <a:ea typeface="Open Sans"/>
+                <a:cs typeface="Open Sans"/>
+                <a:sym typeface="Open Sans"/>
+              </a:rPr>
+              <a:t>？</a:t>
+            </a:r>
+            <a:endParaRPr lang="en-US" altLang="zh-CN" dirty="0" smtClean="0">
+              <a:latin typeface="Open Sans"/>
+              <a:ea typeface="Open Sans"/>
+              <a:cs typeface="Open Sans"/>
+              <a:sym typeface="Open Sans"/>
+            </a:endParaRPr>
+          </a:p>
+          <a:p>
+            <a:pPr marL="342900" lvl="0" indent="-342900" rtl="0">
+              <a:spcBef>
+                <a:spcPts val="0"/>
+              </a:spcBef>
+              <a:buAutoNum type="arabicPeriod"/>
+            </a:pPr>
+            <a:r>
+              <a:rPr lang="en-US" altLang="zh-CN" dirty="0" err="1" smtClean="0">
+                <a:latin typeface="Open Sans"/>
+                <a:ea typeface="Open Sans"/>
+                <a:cs typeface="Open Sans"/>
+                <a:sym typeface="Open Sans"/>
+              </a:rPr>
+              <a:t>Udacity</a:t>
+            </a:r>
+            <a:r>
+              <a:rPr lang="zh-CN" altLang="en-US" dirty="0" smtClean="0">
+                <a:latin typeface="Open Sans"/>
+                <a:ea typeface="Open Sans"/>
+                <a:cs typeface="Open Sans"/>
+                <a:sym typeface="Open Sans"/>
+              </a:rPr>
+              <a:t>学员的工作情况是怎样的？</a:t>
             </a:r>
             <a:endParaRPr lang="en-US" altLang="zh-CN" dirty="0">
               <a:latin typeface="Open Sans"/>
@@ -7675,8 +8635,8 @@
         </p:nvSpPr>
         <p:spPr>
           <a:xfrm>
-            <a:off x="573997" y="2765675"/>
-            <a:ext cx="3076880" cy="2116182"/>
+            <a:off x="573997" y="3514055"/>
+            <a:ext cx="3076880" cy="1496761"/>
           </a:xfrm>
           <a:prstGeom prst="rect">
             <a:avLst/>
@@ -7713,7 +8673,25 @@
                 <a:cs typeface="Open Sans"/>
                 <a:sym typeface="Open Sans"/>
               </a:rPr>
-              <a:t>从直方图和五数总括上可以看出，学员们普遍对</a:t>
+              <a:t>从直方图</a:t>
+            </a:r>
+            <a:r>
+              <a:rPr lang="zh-CN" altLang="en-US" dirty="0" smtClean="0">
+                <a:latin typeface="Open Sans"/>
+                <a:ea typeface="Open Sans"/>
+                <a:cs typeface="Open Sans"/>
+                <a:sym typeface="Open Sans"/>
+              </a:rPr>
+              <a:t>和描述统计数据上</a:t>
+            </a:r>
+            <a:r>
+              <a:rPr lang="zh-CN" altLang="en-US" dirty="0">
+                <a:latin typeface="Open Sans"/>
+                <a:ea typeface="Open Sans"/>
+                <a:cs typeface="Open Sans"/>
+                <a:sym typeface="Open Sans"/>
+              </a:rPr>
+              <a:t>可以看出，学员们普遍对</a:t>
             </a:r>
             <a:r>
               <a:rPr lang="en-US" altLang="zh-CN" dirty="0">
@@ -7767,7 +8745,61 @@
                 <a:cs typeface="Open Sans"/>
                 <a:sym typeface="Open Sans"/>
               </a:rPr>
-              <a:t>分以上，表示非常愿意向自己的亲朋好友推荐</a:t>
+              <a:t>分以上</a:t>
+            </a:r>
+            <a:r>
+              <a:rPr lang="zh-CN" altLang="en-US" dirty="0" smtClean="0">
+                <a:latin typeface="Open Sans"/>
+                <a:ea typeface="Open Sans"/>
+                <a:cs typeface="Open Sans"/>
+                <a:sym typeface="Open Sans"/>
+              </a:rPr>
+              <a:t>，均值为</a:t>
+            </a:r>
+            <a:r>
+              <a:rPr lang="en-US" altLang="zh-CN" dirty="0" smtClean="0">
+                <a:latin typeface="Open Sans"/>
+                <a:ea typeface="Open Sans"/>
+                <a:cs typeface="Open Sans"/>
+                <a:sym typeface="Open Sans"/>
+              </a:rPr>
+              <a:t>9</a:t>
+            </a:r>
+            <a:r>
+              <a:rPr lang="zh-CN" altLang="en-US" dirty="0" smtClean="0">
+                <a:latin typeface="Open Sans"/>
+                <a:ea typeface="Open Sans"/>
+                <a:cs typeface="Open Sans"/>
+                <a:sym typeface="Open Sans"/>
+              </a:rPr>
+              <a:t>左右，方差为</a:t>
+            </a:r>
+            <a:r>
+              <a:rPr lang="en-US" altLang="zh-CN" dirty="0" smtClean="0">
+                <a:latin typeface="Open Sans"/>
+                <a:ea typeface="Open Sans"/>
+                <a:cs typeface="Open Sans"/>
+                <a:sym typeface="Open Sans"/>
+              </a:rPr>
+              <a:t>1.32</a:t>
+            </a:r>
+            <a:r>
+              <a:rPr lang="zh-CN" altLang="en-US" dirty="0" smtClean="0">
+                <a:latin typeface="Open Sans"/>
+                <a:ea typeface="Open Sans"/>
+                <a:cs typeface="Open Sans"/>
+                <a:sym typeface="Open Sans"/>
+              </a:rPr>
+              <a:t>，波动性很小，表示</a:t>
+            </a:r>
+            <a:r>
+              <a:rPr lang="zh-CN" altLang="en-US" dirty="0">
+                <a:latin typeface="Open Sans"/>
+                <a:ea typeface="Open Sans"/>
+                <a:cs typeface="Open Sans"/>
+                <a:sym typeface="Open Sans"/>
+              </a:rPr>
+              <a:t>非常愿意向自己的亲朋好友推荐</a:t>
             </a:r>
             <a:r>
               <a:rPr lang="en-US" altLang="zh-CN" dirty="0">
@@ -7878,370 +8910,8 @@
           </a:p>
         </p:txBody>
       </p:sp>
-      <p:graphicFrame>
-        <p:nvGraphicFramePr>
-          <p:cNvPr id="3" name="表格 2">
-            <a:extLst>
-              <a:ext uri="{FF2B5EF4-FFF2-40B4-BE49-F238E27FC236}">
-                <a16:creationId xmlns:a16="http://schemas.microsoft.com/office/drawing/2014/main" id="{389CC002-494C-4A61-A8C8-FE2BB33A06B3}"/>
-              </a:ext>
-            </a:extLst>
-          </p:cNvPr>
-          <p:cNvGraphicFramePr>
-            <a:graphicFrameLocks noGrp="1"/>
-          </p:cNvGraphicFramePr>
-          <p:nvPr>
-            <p:extLst>
-              <p:ext uri="{D42A27DB-BD31-4B8C-83A1-F6EECF244321}">
-                <p14:modId xmlns:p14="http://schemas.microsoft.com/office/powerpoint/2010/main" val="642799724"/>
-              </p:ext>
-            </p:extLst>
-          </p:nvPr>
-        </p:nvGraphicFramePr>
-        <p:xfrm>
-          <a:off x="573997" y="1010210"/>
-          <a:ext cx="2895344" cy="1645584"/>
-        </p:xfrm>
-        <a:graphic>
-          <a:graphicData uri="http://schemas.openxmlformats.org/drawingml/2006/table">
-            <a:tbl>
-              <a:tblPr>
-                <a:tableStyleId>{EED877B6-9551-4359-846F-FAFF3EFF04A8}</a:tableStyleId>
-              </a:tblPr>
-              <a:tblGrid>
-                <a:gridCol w="1447672">
-                  <a:extLst>
-                    <a:ext uri="{9D8B030D-6E8A-4147-A177-3AD203B41FA5}">
-                      <a16:colId xmlns:a16="http://schemas.microsoft.com/office/drawing/2014/main" val="678428686"/>
-                    </a:ext>
-                  </a:extLst>
-                </a:gridCol>
-                <a:gridCol w="1447672">
-                  <a:extLst>
-                    <a:ext uri="{9D8B030D-6E8A-4147-A177-3AD203B41FA5}">
-                      <a16:colId xmlns:a16="http://schemas.microsoft.com/office/drawing/2014/main" val="1990251969"/>
-                    </a:ext>
-                  </a:extLst>
-                </a:gridCol>
-              </a:tblGrid>
-              <a:tr h="274264">
-                <a:tc>
-                  <a:txBody>
-                    <a:bodyPr/>
-                    <a:lstStyle/>
-                    <a:p>
-                      <a:pPr algn="ctr" fontAlgn="b"/>
-                      <a:endParaRPr lang="zh-CN" altLang="en-US" sz="1000" b="0" i="0" u="none" strike="noStrike">
-                        <a:solidFill>
-                          <a:srgbClr val="000000"/>
-                        </a:solidFill>
-                        <a:effectLst/>
-                        <a:latin typeface="Arial" panose="020B0604020202020204" pitchFamily="34" charset="0"/>
-                      </a:endParaRPr>
-                    </a:p>
-                  </a:txBody>
-                  <a:tcPr marL="9525" marR="9525" marT="9525" marB="0" anchor="b"/>
-                </a:tc>
-                <a:tc>
-                  <a:txBody>
-                    <a:bodyPr/>
-                    <a:lstStyle/>
-                    <a:p>
-                      <a:pPr algn="ctr" fontAlgn="b"/>
-                      <a:r>
-                        <a:rPr lang="en-US" sz="1000" u="none" strike="noStrike">
-                          <a:effectLst/>
-                        </a:rPr>
-                        <a:t>Point</a:t>
-                      </a:r>
-                      <a:endParaRPr lang="en-US" sz="1000" b="0" i="0" u="none" strike="noStrike">
-                        <a:solidFill>
-                          <a:srgbClr val="000000"/>
-                        </a:solidFill>
-                        <a:effectLst/>
-                        <a:latin typeface="Arial" panose="020B0604020202020204" pitchFamily="34" charset="0"/>
-                      </a:endParaRPr>
-                    </a:p>
-                  </a:txBody>
-                  <a:tcPr marL="9525" marR="9525" marT="9525" marB="0" anchor="b"/>
-                </a:tc>
-                <a:extLst>
-                  <a:ext uri="{0D108BD9-81ED-4DB2-BD59-A6C34878D82A}">
-                    <a16:rowId xmlns:a16="http://schemas.microsoft.com/office/drawing/2014/main" val="4173935043"/>
-                  </a:ext>
-                </a:extLst>
-              </a:tr>
-              <a:tr h="274264">
-                <a:tc>
-                  <a:txBody>
-                    <a:bodyPr/>
-                    <a:lstStyle/>
-                    <a:p>
-                      <a:pPr algn="ctr" fontAlgn="b"/>
-                      <a:r>
-                        <a:rPr lang="en-US" sz="1000" u="none" strike="noStrike">
-                          <a:effectLst/>
-                        </a:rPr>
-                        <a:t>Minimum</a:t>
-                      </a:r>
-                      <a:endParaRPr lang="en-US" sz="1000" b="0" i="0" u="none" strike="noStrike">
-                        <a:solidFill>
-                          <a:srgbClr val="000000"/>
-                        </a:solidFill>
-                        <a:effectLst/>
-                        <a:latin typeface="Arial" panose="020B0604020202020204" pitchFamily="34" charset="0"/>
-                      </a:endParaRPr>
-                    </a:p>
-                  </a:txBody>
-                  <a:tcPr marL="9525" marR="9525" marT="9525" marB="0" anchor="b"/>
-                </a:tc>
-                <a:tc>
-                  <a:txBody>
-                    <a:bodyPr/>
-                    <a:lstStyle/>
-                    <a:p>
-                      <a:pPr algn="ctr" fontAlgn="b"/>
-                      <a:r>
-                        <a:rPr lang="en-US" altLang="zh-CN" sz="1000" u="none" strike="noStrike">
-                          <a:effectLst/>
-                        </a:rPr>
-                        <a:t>0</a:t>
-                      </a:r>
-                      <a:endParaRPr lang="en-US" altLang="zh-CN" sz="1000" b="0" i="0" u="none" strike="noStrike">
-                        <a:solidFill>
-                          <a:srgbClr val="000000"/>
-                        </a:solidFill>
-                        <a:effectLst/>
-                        <a:latin typeface="Arial" panose="020B0604020202020204" pitchFamily="34" charset="0"/>
-                      </a:endParaRPr>
-                    </a:p>
-                  </a:txBody>
-                  <a:tcPr marL="9525" marR="9525" marT="9525" marB="0" anchor="b"/>
-                </a:tc>
-                <a:extLst>
-                  <a:ext uri="{0D108BD9-81ED-4DB2-BD59-A6C34878D82A}">
-                    <a16:rowId xmlns:a16="http://schemas.microsoft.com/office/drawing/2014/main" val="838052280"/>
-                  </a:ext>
-                </a:extLst>
-              </a:tr>
-              <a:tr h="274264">
-                <a:tc>
-                  <a:txBody>
-                    <a:bodyPr/>
-                    <a:lstStyle/>
-                    <a:p>
-                      <a:pPr algn="ctr" fontAlgn="b"/>
-                      <a:r>
-                        <a:rPr lang="en-US" sz="1000" u="none" strike="noStrike">
-                          <a:effectLst/>
-                        </a:rPr>
-                        <a:t>Q1</a:t>
-                      </a:r>
-                      <a:endParaRPr lang="en-US" sz="1000" b="0" i="0" u="none" strike="noStrike">
-                        <a:solidFill>
-                          <a:srgbClr val="000000"/>
-                        </a:solidFill>
-                        <a:effectLst/>
-                        <a:latin typeface="Arial" panose="020B0604020202020204" pitchFamily="34" charset="0"/>
-                      </a:endParaRPr>
-                    </a:p>
-                  </a:txBody>
-                  <a:tcPr marL="9525" marR="9525" marT="9525" marB="0" anchor="b"/>
-                </a:tc>
-                <a:tc>
-                  <a:txBody>
-                    <a:bodyPr/>
-                    <a:lstStyle/>
-                    <a:p>
-                      <a:pPr algn="ctr" fontAlgn="b"/>
-                      <a:r>
-                        <a:rPr lang="en-US" altLang="zh-CN" sz="1000" u="none" strike="noStrike">
-                          <a:effectLst/>
-                        </a:rPr>
-                        <a:t>8</a:t>
-                      </a:r>
-                      <a:endParaRPr lang="en-US" altLang="zh-CN" sz="1000" b="0" i="0" u="none" strike="noStrike">
-                        <a:solidFill>
-                          <a:srgbClr val="000000"/>
-                        </a:solidFill>
-                        <a:effectLst/>
-                        <a:latin typeface="Arial" panose="020B0604020202020204" pitchFamily="34" charset="0"/>
-                      </a:endParaRPr>
-                    </a:p>
-                  </a:txBody>
-                  <a:tcPr marL="9525" marR="9525" marT="9525" marB="0" anchor="b"/>
-                </a:tc>
-                <a:extLst>
-                  <a:ext uri="{0D108BD9-81ED-4DB2-BD59-A6C34878D82A}">
-                    <a16:rowId xmlns:a16="http://schemas.microsoft.com/office/drawing/2014/main" val="1087504634"/>
-                  </a:ext>
-                </a:extLst>
-              </a:tr>
-              <a:tr h="274264">
-                <a:tc>
-                  <a:txBody>
-                    <a:bodyPr/>
-                    <a:lstStyle/>
-                    <a:p>
-                      <a:pPr algn="ctr" fontAlgn="b"/>
-                      <a:r>
-                        <a:rPr lang="en-US" sz="1000" u="none" strike="noStrike">
-                          <a:effectLst/>
-                        </a:rPr>
-                        <a:t>Q2</a:t>
-                      </a:r>
-                      <a:endParaRPr lang="en-US" sz="1000" b="0" i="0" u="none" strike="noStrike">
-                        <a:solidFill>
-                          <a:srgbClr val="000000"/>
-                        </a:solidFill>
-                        <a:effectLst/>
-                        <a:latin typeface="Arial" panose="020B0604020202020204" pitchFamily="34" charset="0"/>
-                      </a:endParaRPr>
-                    </a:p>
-                  </a:txBody>
-                  <a:tcPr marL="9525" marR="9525" marT="9525" marB="0" anchor="b"/>
-                </a:tc>
-                <a:tc>
-                  <a:txBody>
-                    <a:bodyPr/>
-                    <a:lstStyle/>
-                    <a:p>
-                      <a:pPr algn="ctr" fontAlgn="b"/>
-                      <a:r>
-                        <a:rPr lang="en-US" altLang="zh-CN" sz="1000" u="none" strike="noStrike">
-                          <a:effectLst/>
-                        </a:rPr>
-                        <a:t>10</a:t>
-                      </a:r>
-                      <a:endParaRPr lang="en-US" altLang="zh-CN" sz="1000" b="0" i="0" u="none" strike="noStrike">
-                        <a:solidFill>
-                          <a:srgbClr val="000000"/>
-                        </a:solidFill>
-                        <a:effectLst/>
-                        <a:latin typeface="Arial" panose="020B0604020202020204" pitchFamily="34" charset="0"/>
-                      </a:endParaRPr>
-                    </a:p>
-                  </a:txBody>
-                  <a:tcPr marL="9525" marR="9525" marT="9525" marB="0" anchor="b"/>
-                </a:tc>
-                <a:extLst>
-                  <a:ext uri="{0D108BD9-81ED-4DB2-BD59-A6C34878D82A}">
-                    <a16:rowId xmlns:a16="http://schemas.microsoft.com/office/drawing/2014/main" val="1674942850"/>
-                  </a:ext>
-                </a:extLst>
-              </a:tr>
-              <a:tr h="274264">
-                <a:tc>
-                  <a:txBody>
-                    <a:bodyPr/>
-                    <a:lstStyle/>
-                    <a:p>
-                      <a:pPr algn="ctr" fontAlgn="b"/>
-                      <a:r>
-                        <a:rPr lang="en-US" sz="1000" u="none" strike="noStrike">
-                          <a:effectLst/>
-                        </a:rPr>
-                        <a:t>Q3</a:t>
-                      </a:r>
-                      <a:endParaRPr lang="en-US" sz="1000" b="0" i="0" u="none" strike="noStrike">
-                        <a:solidFill>
-                          <a:srgbClr val="000000"/>
-                        </a:solidFill>
-                        <a:effectLst/>
-                        <a:latin typeface="Arial" panose="020B0604020202020204" pitchFamily="34" charset="0"/>
-                      </a:endParaRPr>
-                    </a:p>
-                  </a:txBody>
-                  <a:tcPr marL="9525" marR="9525" marT="9525" marB="0" anchor="b"/>
-                </a:tc>
-                <a:tc>
-                  <a:txBody>
-                    <a:bodyPr/>
-                    <a:lstStyle/>
-                    <a:p>
-                      <a:pPr algn="ctr" fontAlgn="b"/>
-                      <a:r>
-                        <a:rPr lang="en-US" altLang="zh-CN" sz="1000" u="none" strike="noStrike">
-                          <a:effectLst/>
-                        </a:rPr>
-                        <a:t>10</a:t>
-                      </a:r>
-                      <a:endParaRPr lang="en-US" altLang="zh-CN" sz="1000" b="0" i="0" u="none" strike="noStrike">
-                        <a:solidFill>
-                          <a:srgbClr val="000000"/>
-                        </a:solidFill>
-                        <a:effectLst/>
-                        <a:latin typeface="Arial" panose="020B0604020202020204" pitchFamily="34" charset="0"/>
-                      </a:endParaRPr>
-                    </a:p>
-                  </a:txBody>
-                  <a:tcPr marL="9525" marR="9525" marT="9525" marB="0" anchor="b"/>
-                </a:tc>
-                <a:extLst>
-                  <a:ext uri="{0D108BD9-81ED-4DB2-BD59-A6C34878D82A}">
-                    <a16:rowId xmlns:a16="http://schemas.microsoft.com/office/drawing/2014/main" val="2582594530"/>
-                  </a:ext>
-                </a:extLst>
-              </a:tr>
-              <a:tr h="274264">
-                <a:tc>
-                  <a:txBody>
-                    <a:bodyPr/>
-                    <a:lstStyle/>
-                    <a:p>
-                      <a:pPr algn="ctr" fontAlgn="b"/>
-                      <a:r>
-                        <a:rPr lang="en-US" sz="1000" u="none" strike="noStrike">
-                          <a:effectLst/>
-                        </a:rPr>
-                        <a:t>Maximum</a:t>
-                      </a:r>
-                      <a:endParaRPr lang="en-US" sz="1000" b="0" i="0" u="none" strike="noStrike">
-                        <a:solidFill>
-                          <a:srgbClr val="000000"/>
-                        </a:solidFill>
-                        <a:effectLst/>
-                        <a:latin typeface="Arial" panose="020B0604020202020204" pitchFamily="34" charset="0"/>
-                      </a:endParaRPr>
-                    </a:p>
-                  </a:txBody>
-                  <a:tcPr marL="9525" marR="9525" marT="9525" marB="0" anchor="b"/>
-                </a:tc>
-                <a:tc>
-                  <a:txBody>
-                    <a:bodyPr/>
-                    <a:lstStyle/>
-                    <a:p>
-                      <a:pPr algn="ctr" fontAlgn="b"/>
-                      <a:r>
-                        <a:rPr lang="en-US" altLang="zh-CN" sz="1000" u="none" strike="noStrike" dirty="0">
-                          <a:effectLst/>
-                        </a:rPr>
-                        <a:t>10</a:t>
-                      </a:r>
-                      <a:endParaRPr lang="en-US" altLang="zh-CN" sz="1000" b="0" i="0" u="none" strike="noStrike" dirty="0">
-                        <a:solidFill>
-                          <a:srgbClr val="000000"/>
-                        </a:solidFill>
-                        <a:effectLst/>
-                        <a:latin typeface="Arial" panose="020B0604020202020204" pitchFamily="34" charset="0"/>
-                      </a:endParaRPr>
-                    </a:p>
-                  </a:txBody>
-                  <a:tcPr marL="9525" marR="9525" marT="9525" marB="0" anchor="b"/>
-                </a:tc>
-                <a:extLst>
-                  <a:ext uri="{0D108BD9-81ED-4DB2-BD59-A6C34878D82A}">
-                    <a16:rowId xmlns:a16="http://schemas.microsoft.com/office/drawing/2014/main" val="2149581060"/>
-                  </a:ext>
-                </a:extLst>
-              </a:tr>
-            </a:tbl>
-          </a:graphicData>
-        </a:graphic>
-      </p:graphicFrame>
       <mc:AlternateContent xmlns:mc="http://schemas.openxmlformats.org/markup-compatibility/2006">
-        <mc:Choice xmlns:cx1="http://schemas.microsoft.com/office/drawing/2015/9/8/chartex" Requires="cx1">
+        <mc:Choice xmlns:cx1="http://schemas.microsoft.com/office/drawing/2015/9/8/chartex" xmlns="" Requires="cx1">
           <p:graphicFrame>
             <p:nvGraphicFramePr>
               <p:cNvPr id="7" name="图表 6">
@@ -8277,7 +8947,7 @@
               <p:cNvPr id="7" name="图表 6">
                 <a:extLst>
                   <a:ext uri="{FF2B5EF4-FFF2-40B4-BE49-F238E27FC236}">
-                    <a16:creationId xmlns:a16="http://schemas.microsoft.com/office/drawing/2014/main" id="{C6324105-8146-412D-BC9E-5B824455821F}"/>
+                    <a16:creationId xmlns:a16="http://schemas.microsoft.com/office/drawing/2014/main" xmlns="" id="{C6324105-8146-412D-BC9E-5B824455821F}"/>
                   </a:ext>
                 </a:extLst>
               </p:cNvPr>
@@ -8304,6 +8974,512 @@
           </p:pic>
         </mc:Fallback>
       </mc:AlternateContent>
+      <p:graphicFrame>
+        <p:nvGraphicFramePr>
+          <p:cNvPr id="4" name="表格 3"/>
+          <p:cNvGraphicFramePr>
+            <a:graphicFrameLocks noGrp="1"/>
+          </p:cNvGraphicFramePr>
+          <p:nvPr>
+            <p:extLst>
+              <p:ext uri="{D42A27DB-BD31-4B8C-83A1-F6EECF244321}">
+                <p14:modId xmlns:p14="http://schemas.microsoft.com/office/powerpoint/2010/main" val="598655361"/>
+              </p:ext>
+            </p:extLst>
+          </p:nvPr>
+        </p:nvGraphicFramePr>
+        <p:xfrm>
+          <a:off x="406763" y="1049148"/>
+          <a:ext cx="3120208" cy="2347194"/>
+        </p:xfrm>
+        <a:graphic>
+          <a:graphicData uri="http://schemas.openxmlformats.org/drawingml/2006/table">
+            <a:tbl>
+              <a:tblPr>
+                <a:tableStyleId>{EED877B6-9551-4359-846F-FAFF3EFF04A8}</a:tableStyleId>
+              </a:tblPr>
+              <a:tblGrid>
+                <a:gridCol w="1560104"/>
+                <a:gridCol w="1560104"/>
+              </a:tblGrid>
+              <a:tr h="199435">
+                <a:tc>
+                  <a:txBody>
+                    <a:bodyPr/>
+                    <a:lstStyle/>
+                    <a:p>
+                      <a:pPr algn="ctr" fontAlgn="ctr"/>
+                      <a:endParaRPr lang="zh-CN" altLang="en-US" sz="1000" b="0" i="0" u="none" strike="noStrike">
+                        <a:solidFill>
+                          <a:srgbClr val="000000"/>
+                        </a:solidFill>
+                        <a:effectLst/>
+                        <a:latin typeface="Arial" charset="0"/>
+                      </a:endParaRPr>
+                    </a:p>
+                  </a:txBody>
+                  <a:tcPr marL="6350" marR="6350" marT="6350" marB="0" anchor="ctr"/>
+                </a:tc>
+                <a:tc>
+                  <a:txBody>
+                    <a:bodyPr/>
+                    <a:lstStyle/>
+                    <a:p>
+                      <a:pPr algn="ctr" fontAlgn="ctr"/>
+                      <a:r>
+                        <a:rPr lang="en-US" sz="1000" u="none" strike="noStrike">
+                          <a:effectLst/>
+                        </a:rPr>
+                        <a:t>Point</a:t>
+                      </a:r>
+                      <a:endParaRPr lang="en-US" sz="1000" b="0" i="0" u="none" strike="noStrike">
+                        <a:solidFill>
+                          <a:srgbClr val="000000"/>
+                        </a:solidFill>
+                        <a:effectLst/>
+                        <a:latin typeface="Arial" charset="0"/>
+                      </a:endParaRPr>
+                    </a:p>
+                  </a:txBody>
+                  <a:tcPr marL="6350" marR="6350" marT="6350" marB="0" anchor="ctr"/>
+                </a:tc>
+              </a:tr>
+              <a:tr h="199435">
+                <a:tc>
+                  <a:txBody>
+                    <a:bodyPr/>
+                    <a:lstStyle/>
+                    <a:p>
+                      <a:pPr algn="ctr" fontAlgn="ctr"/>
+                      <a:r>
+                        <a:rPr lang="en-US" sz="1000" u="none" strike="noStrike">
+                          <a:effectLst/>
+                        </a:rPr>
+                        <a:t>Minimum</a:t>
+                      </a:r>
+                      <a:endParaRPr lang="en-US" sz="1000" b="0" i="0" u="none" strike="noStrike">
+                        <a:solidFill>
+                          <a:srgbClr val="000000"/>
+                        </a:solidFill>
+                        <a:effectLst/>
+                        <a:latin typeface="Arial" charset="0"/>
+                      </a:endParaRPr>
+                    </a:p>
+                  </a:txBody>
+                  <a:tcPr marL="6350" marR="6350" marT="6350" marB="0" anchor="ctr"/>
+                </a:tc>
+                <a:tc>
+                  <a:txBody>
+                    <a:bodyPr/>
+                    <a:lstStyle/>
+                    <a:p>
+                      <a:pPr algn="ctr" fontAlgn="ctr"/>
+                      <a:r>
+                        <a:rPr lang="en-US" altLang="zh-CN" sz="1000" u="none" strike="noStrike">
+                          <a:effectLst/>
+                        </a:rPr>
+                        <a:t>0</a:t>
+                      </a:r>
+                      <a:endParaRPr lang="en-US" altLang="zh-CN" sz="1000" b="0" i="0" u="none" strike="noStrike">
+                        <a:solidFill>
+                          <a:srgbClr val="000000"/>
+                        </a:solidFill>
+                        <a:effectLst/>
+                        <a:latin typeface="Arial" charset="0"/>
+                      </a:endParaRPr>
+                    </a:p>
+                  </a:txBody>
+                  <a:tcPr marL="6350" marR="6350" marT="6350" marB="0" anchor="ctr"/>
+                </a:tc>
+              </a:tr>
+              <a:tr h="199435">
+                <a:tc>
+                  <a:txBody>
+                    <a:bodyPr/>
+                    <a:lstStyle/>
+                    <a:p>
+                      <a:pPr algn="ctr" fontAlgn="ctr"/>
+                      <a:r>
+                        <a:rPr lang="fr-FR" sz="1000" u="none" strike="noStrike">
+                          <a:effectLst/>
+                        </a:rPr>
+                        <a:t>Q1</a:t>
+                      </a:r>
+                      <a:endParaRPr lang="fr-FR" sz="1000" b="0" i="0" u="none" strike="noStrike">
+                        <a:solidFill>
+                          <a:srgbClr val="000000"/>
+                        </a:solidFill>
+                        <a:effectLst/>
+                        <a:latin typeface="Arial" charset="0"/>
+                      </a:endParaRPr>
+                    </a:p>
+                  </a:txBody>
+                  <a:tcPr marL="6350" marR="6350" marT="6350" marB="0" anchor="ctr"/>
+                </a:tc>
+                <a:tc>
+                  <a:txBody>
+                    <a:bodyPr/>
+                    <a:lstStyle/>
+                    <a:p>
+                      <a:pPr algn="ctr" fontAlgn="ctr"/>
+                      <a:r>
+                        <a:rPr lang="en-US" altLang="zh-CN" sz="1000" u="none" strike="noStrike">
+                          <a:effectLst/>
+                        </a:rPr>
+                        <a:t>8</a:t>
+                      </a:r>
+                      <a:endParaRPr lang="en-US" altLang="zh-CN" sz="1000" b="0" i="0" u="none" strike="noStrike">
+                        <a:solidFill>
+                          <a:srgbClr val="000000"/>
+                        </a:solidFill>
+                        <a:effectLst/>
+                        <a:latin typeface="Arial" charset="0"/>
+                      </a:endParaRPr>
+                    </a:p>
+                  </a:txBody>
+                  <a:tcPr marL="6350" marR="6350" marT="6350" marB="0" anchor="ctr"/>
+                </a:tc>
+              </a:tr>
+              <a:tr h="199435">
+                <a:tc>
+                  <a:txBody>
+                    <a:bodyPr/>
+                    <a:lstStyle/>
+                    <a:p>
+                      <a:pPr algn="ctr" fontAlgn="ctr"/>
+                      <a:r>
+                        <a:rPr lang="it-IT" sz="1000" u="none" strike="noStrike">
+                          <a:effectLst/>
+                        </a:rPr>
+                        <a:t>Q2</a:t>
+                      </a:r>
+                      <a:endParaRPr lang="it-IT" sz="1000" b="0" i="0" u="none" strike="noStrike">
+                        <a:solidFill>
+                          <a:srgbClr val="000000"/>
+                        </a:solidFill>
+                        <a:effectLst/>
+                        <a:latin typeface="Arial" charset="0"/>
+                      </a:endParaRPr>
+                    </a:p>
+                  </a:txBody>
+                  <a:tcPr marL="6350" marR="6350" marT="6350" marB="0" anchor="ctr"/>
+                </a:tc>
+                <a:tc>
+                  <a:txBody>
+                    <a:bodyPr/>
+                    <a:lstStyle/>
+                    <a:p>
+                      <a:pPr algn="ctr" fontAlgn="ctr"/>
+                      <a:r>
+                        <a:rPr lang="en-US" altLang="zh-CN" sz="1000" u="none" strike="noStrike">
+                          <a:effectLst/>
+                        </a:rPr>
+                        <a:t>10</a:t>
+                      </a:r>
+                      <a:endParaRPr lang="en-US" altLang="zh-CN" sz="1000" b="0" i="0" u="none" strike="noStrike">
+                        <a:solidFill>
+                          <a:srgbClr val="000000"/>
+                        </a:solidFill>
+                        <a:effectLst/>
+                        <a:latin typeface="Arial" charset="0"/>
+                      </a:endParaRPr>
+                    </a:p>
+                  </a:txBody>
+                  <a:tcPr marL="6350" marR="6350" marT="6350" marB="0" anchor="ctr"/>
+                </a:tc>
+              </a:tr>
+              <a:tr h="199435">
+                <a:tc>
+                  <a:txBody>
+                    <a:bodyPr/>
+                    <a:lstStyle/>
+                    <a:p>
+                      <a:pPr algn="ctr" fontAlgn="ctr"/>
+                      <a:r>
+                        <a:rPr lang="fr-FR" sz="1000" u="none" strike="noStrike">
+                          <a:effectLst/>
+                        </a:rPr>
+                        <a:t>Q3</a:t>
+                      </a:r>
+                      <a:endParaRPr lang="fr-FR" sz="1000" b="0" i="0" u="none" strike="noStrike">
+                        <a:solidFill>
+                          <a:srgbClr val="000000"/>
+                        </a:solidFill>
+                        <a:effectLst/>
+                        <a:latin typeface="Arial" charset="0"/>
+                      </a:endParaRPr>
+                    </a:p>
+                  </a:txBody>
+                  <a:tcPr marL="6350" marR="6350" marT="6350" marB="0" anchor="ctr"/>
+                </a:tc>
+                <a:tc>
+                  <a:txBody>
+                    <a:bodyPr/>
+                    <a:lstStyle/>
+                    <a:p>
+                      <a:pPr algn="ctr" fontAlgn="ctr"/>
+                      <a:r>
+                        <a:rPr lang="en-US" altLang="zh-CN" sz="1000" u="none" strike="noStrike">
+                          <a:effectLst/>
+                        </a:rPr>
+                        <a:t>10</a:t>
+                      </a:r>
+                      <a:endParaRPr lang="en-US" altLang="zh-CN" sz="1000" b="0" i="0" u="none" strike="noStrike">
+                        <a:solidFill>
+                          <a:srgbClr val="000000"/>
+                        </a:solidFill>
+                        <a:effectLst/>
+                        <a:latin typeface="Arial" charset="0"/>
+                      </a:endParaRPr>
+                    </a:p>
+                  </a:txBody>
+                  <a:tcPr marL="6350" marR="6350" marT="6350" marB="0" anchor="ctr"/>
+                </a:tc>
+              </a:tr>
+              <a:tr h="199435">
+                <a:tc>
+                  <a:txBody>
+                    <a:bodyPr/>
+                    <a:lstStyle/>
+                    <a:p>
+                      <a:pPr algn="ctr" fontAlgn="ctr"/>
+                      <a:r>
+                        <a:rPr lang="en-US" sz="1000" u="none" strike="noStrike">
+                          <a:effectLst/>
+                        </a:rPr>
+                        <a:t>Maximum</a:t>
+                      </a:r>
+                      <a:endParaRPr lang="en-US" sz="1000" b="0" i="0" u="none" strike="noStrike">
+                        <a:solidFill>
+                          <a:srgbClr val="000000"/>
+                        </a:solidFill>
+                        <a:effectLst/>
+                        <a:latin typeface="Arial" charset="0"/>
+                      </a:endParaRPr>
+                    </a:p>
+                  </a:txBody>
+                  <a:tcPr marL="6350" marR="6350" marT="6350" marB="0" anchor="ctr"/>
+                </a:tc>
+                <a:tc>
+                  <a:txBody>
+                    <a:bodyPr/>
+                    <a:lstStyle/>
+                    <a:p>
+                      <a:pPr algn="ctr" fontAlgn="ctr"/>
+                      <a:r>
+                        <a:rPr lang="en-US" altLang="zh-CN" sz="1000" u="none" strike="noStrike">
+                          <a:effectLst/>
+                        </a:rPr>
+                        <a:t>10</a:t>
+                      </a:r>
+                      <a:endParaRPr lang="en-US" altLang="zh-CN" sz="1000" b="0" i="0" u="none" strike="noStrike">
+                        <a:solidFill>
+                          <a:srgbClr val="000000"/>
+                        </a:solidFill>
+                        <a:effectLst/>
+                        <a:latin typeface="Arial" charset="0"/>
+                      </a:endParaRPr>
+                    </a:p>
+                  </a:txBody>
+                  <a:tcPr marL="6350" marR="6350" marT="6350" marB="0" anchor="ctr"/>
+                </a:tc>
+              </a:tr>
+              <a:tr h="375857">
+                <a:tc>
+                  <a:txBody>
+                    <a:bodyPr/>
+                    <a:lstStyle/>
+                    <a:p>
+                      <a:pPr algn="ctr" fontAlgn="ctr"/>
+                      <a:r>
+                        <a:rPr lang="en-US" sz="1000" u="none" strike="noStrike">
+                          <a:effectLst/>
+                        </a:rPr>
+                        <a:t>Mean</a:t>
+                      </a:r>
+                      <a:endParaRPr lang="en-US" sz="1000" b="0" i="0" u="none" strike="noStrike">
+                        <a:solidFill>
+                          <a:srgbClr val="000000"/>
+                        </a:solidFill>
+                        <a:effectLst/>
+                        <a:latin typeface="Arial" charset="0"/>
+                      </a:endParaRPr>
+                    </a:p>
+                  </a:txBody>
+                  <a:tcPr marL="6350" marR="6350" marT="6350" marB="0" anchor="ctr"/>
+                </a:tc>
+                <a:tc>
+                  <a:txBody>
+                    <a:bodyPr/>
+                    <a:lstStyle/>
+                    <a:p>
+                      <a:pPr algn="ctr" fontAlgn="ctr"/>
+                      <a:r>
+                        <a:rPr lang="hr-HR" sz="1000" u="none" strike="noStrike">
+                          <a:effectLst/>
+                        </a:rPr>
+                        <a:t>9.015918958</a:t>
+                      </a:r>
+                      <a:endParaRPr lang="hr-HR" sz="1000" b="0" i="0" u="none" strike="noStrike">
+                        <a:solidFill>
+                          <a:srgbClr val="000000"/>
+                        </a:solidFill>
+                        <a:effectLst/>
+                        <a:latin typeface="Arial" charset="0"/>
+                      </a:endParaRPr>
+                    </a:p>
+                  </a:txBody>
+                  <a:tcPr marL="6350" marR="6350" marT="6350" marB="0" anchor="ctr"/>
+                </a:tc>
+              </a:tr>
+              <a:tr h="199435">
+                <a:tc>
+                  <a:txBody>
+                    <a:bodyPr/>
+                    <a:lstStyle/>
+                    <a:p>
+                      <a:pPr algn="ctr" fontAlgn="ctr"/>
+                      <a:r>
+                        <a:rPr lang="en-US" sz="1000" u="none" strike="noStrike">
+                          <a:effectLst/>
+                        </a:rPr>
+                        <a:t>Mode</a:t>
+                      </a:r>
+                      <a:endParaRPr lang="en-US" sz="1000" b="0" i="0" u="none" strike="noStrike">
+                        <a:solidFill>
+                          <a:srgbClr val="000000"/>
+                        </a:solidFill>
+                        <a:effectLst/>
+                        <a:latin typeface="Arial" charset="0"/>
+                      </a:endParaRPr>
+                    </a:p>
+                  </a:txBody>
+                  <a:tcPr marL="6350" marR="6350" marT="6350" marB="0" anchor="ctr"/>
+                </a:tc>
+                <a:tc>
+                  <a:txBody>
+                    <a:bodyPr/>
+                    <a:lstStyle/>
+                    <a:p>
+                      <a:pPr algn="ctr" fontAlgn="ctr"/>
+                      <a:r>
+                        <a:rPr lang="en-US" altLang="zh-CN" sz="1000" u="none" strike="noStrike">
+                          <a:effectLst/>
+                        </a:rPr>
+                        <a:t>10</a:t>
+                      </a:r>
+                      <a:endParaRPr lang="en-US" altLang="zh-CN" sz="1000" b="0" i="0" u="none" strike="noStrike">
+                        <a:solidFill>
+                          <a:srgbClr val="000000"/>
+                        </a:solidFill>
+                        <a:effectLst/>
+                        <a:latin typeface="Arial" charset="0"/>
+                      </a:endParaRPr>
+                    </a:p>
+                  </a:txBody>
+                  <a:tcPr marL="6350" marR="6350" marT="6350" marB="0" anchor="ctr"/>
+                </a:tc>
+              </a:tr>
+              <a:tr h="375857">
+                <a:tc>
+                  <a:txBody>
+                    <a:bodyPr/>
+                    <a:lstStyle/>
+                    <a:p>
+                      <a:pPr algn="ctr" fontAlgn="ctr"/>
+                      <a:r>
+                        <a:rPr lang="en-US" sz="1000" u="none" strike="noStrike">
+                          <a:effectLst/>
+                        </a:rPr>
+                        <a:t>STD</a:t>
+                      </a:r>
+                      <a:endParaRPr lang="en-US" sz="1000" b="0" i="0" u="none" strike="noStrike">
+                        <a:solidFill>
+                          <a:srgbClr val="000000"/>
+                        </a:solidFill>
+                        <a:effectLst/>
+                        <a:latin typeface="Arial" charset="0"/>
+                      </a:endParaRPr>
+                    </a:p>
+                  </a:txBody>
+                  <a:tcPr marL="6350" marR="6350" marT="6350" marB="0" anchor="ctr"/>
+                </a:tc>
+                <a:tc>
+                  <a:txBody>
+                    <a:bodyPr/>
+                    <a:lstStyle/>
+                    <a:p>
+                      <a:pPr algn="ctr" fontAlgn="ctr"/>
+                      <a:r>
+                        <a:rPr lang="cs-CZ" sz="1000" u="none" strike="noStrike">
+                          <a:effectLst/>
+                        </a:rPr>
+                        <a:t>1.317015121</a:t>
+                      </a:r>
+                      <a:endParaRPr lang="cs-CZ" sz="1000" b="0" i="0" u="none" strike="noStrike">
+                        <a:solidFill>
+                          <a:srgbClr val="000000"/>
+                        </a:solidFill>
+                        <a:effectLst/>
+                        <a:latin typeface="Arial" charset="0"/>
+                      </a:endParaRPr>
+                    </a:p>
+                  </a:txBody>
+                  <a:tcPr marL="6350" marR="6350" marT="6350" marB="0" anchor="ctr"/>
+                </a:tc>
+              </a:tr>
+              <a:tr h="199435">
+                <a:tc>
+                  <a:txBody>
+                    <a:bodyPr/>
+                    <a:lstStyle/>
+                    <a:p>
+                      <a:pPr algn="ctr" fontAlgn="ctr"/>
+                      <a:r>
+                        <a:rPr lang="en-US" sz="1000" u="none" strike="noStrike">
+                          <a:effectLst/>
+                        </a:rPr>
+                        <a:t>Range</a:t>
+                      </a:r>
+                      <a:endParaRPr lang="en-US" sz="1000" b="0" i="0" u="none" strike="noStrike">
+                        <a:solidFill>
+                          <a:srgbClr val="000000"/>
+                        </a:solidFill>
+                        <a:effectLst/>
+                        <a:latin typeface="Arial" charset="0"/>
+                      </a:endParaRPr>
+                    </a:p>
+                  </a:txBody>
+                  <a:tcPr marL="6350" marR="6350" marT="6350" marB="0" anchor="ctr"/>
+                </a:tc>
+                <a:tc>
+                  <a:txBody>
+                    <a:bodyPr/>
+                    <a:lstStyle/>
+                    <a:p>
+                      <a:pPr algn="ctr" fontAlgn="ctr"/>
+                      <a:r>
+                        <a:rPr lang="en-US" altLang="zh-CN" sz="1000" u="none" strike="noStrike" dirty="0">
+                          <a:effectLst/>
+                        </a:rPr>
+                        <a:t>10</a:t>
+                      </a:r>
+                      <a:endParaRPr lang="en-US" altLang="zh-CN" sz="1000" b="0" i="0" u="none" strike="noStrike" dirty="0">
+                        <a:solidFill>
+                          <a:srgbClr val="000000"/>
+                        </a:solidFill>
+                        <a:effectLst/>
+                        <a:latin typeface="Arial" charset="0"/>
+                      </a:endParaRPr>
+                    </a:p>
+                  </a:txBody>
+                  <a:tcPr marL="6350" marR="6350" marT="6350" marB="0" anchor="ctr"/>
+                </a:tc>
+              </a:tr>
+            </a:tbl>
+          </a:graphicData>
+        </a:graphic>
+      </p:graphicFrame>
     </p:spTree>
     <p:extLst>
       <p:ext uri="{BB962C8B-B14F-4D97-AF65-F5344CB8AC3E}">
@@ -8318,6 +9494,233 @@
 </file>
 
 <file path=ppt/slides/slide4.xml><?xml version="1.0" encoding="utf-8"?>
+<p:sld xmlns:a="http://schemas.openxmlformats.org/drawingml/2006/main" xmlns:r="http://schemas.openxmlformats.org/officeDocument/2006/relationships" xmlns:p="http://schemas.openxmlformats.org/presentationml/2006/main">
+  <p:cSld>
+    <p:spTree>
+      <p:nvGrpSpPr>
+        <p:cNvPr id="1" name="Shape 53"/>
+        <p:cNvGrpSpPr/>
+        <p:nvPr/>
+      </p:nvGrpSpPr>
+      <p:grpSpPr>
+        <a:xfrm>
+          <a:off x="0" y="0"/>
+          <a:ext cx="0" cy="0"/>
+          <a:chOff x="0" y="0"/>
+          <a:chExt cx="0" cy="0"/>
+        </a:xfrm>
+      </p:grpSpPr>
+      <p:sp>
+        <p:nvSpPr>
+          <p:cNvPr id="54" name="Shape 54"/>
+          <p:cNvSpPr txBox="1">
+            <a:spLocks noGrp="1"/>
+          </p:cNvSpPr>
+          <p:nvPr>
+            <p:ph type="body" idx="1"/>
+          </p:nvPr>
+        </p:nvSpPr>
+        <p:spPr>
+          <a:xfrm>
+            <a:off x="356275" y="1664105"/>
+            <a:ext cx="3449371" cy="2229395"/>
+          </a:xfrm>
+          <a:prstGeom prst="rect">
+            <a:avLst/>
+          </a:prstGeom>
+          <a:solidFill>
+            <a:srgbClr val="FFFFFF"/>
+          </a:solidFill>
+          <a:ln w="9525" cap="flat" cmpd="sng">
+            <a:solidFill>
+              <a:srgbClr val="FFFFFF"/>
+            </a:solidFill>
+            <a:prstDash val="solid"/>
+            <a:round/>
+            <a:headEnd type="none" w="med" len="med"/>
+            <a:tailEnd type="none" w="med" len="med"/>
+          </a:ln>
+        </p:spPr>
+        <p:txBody>
+          <a:bodyPr wrap="square" lIns="91425" tIns="91425" rIns="91425" bIns="91425" anchor="t" anchorCtr="0">
+            <a:noAutofit/>
+          </a:bodyPr>
+          <a:lstStyle/>
+          <a:p>
+            <a:pPr lvl="0" rtl="0">
+              <a:spcBef>
+                <a:spcPts val="0"/>
+              </a:spcBef>
+              <a:buNone/>
+            </a:pPr>
+            <a:r>
+              <a:rPr lang="zh-CN" altLang="en-US" dirty="0" smtClean="0">
+                <a:latin typeface="Open Sans"/>
+                <a:ea typeface="Open Sans"/>
+                <a:cs typeface="Open Sans"/>
+                <a:sym typeface="Open Sans"/>
+              </a:rPr>
+              <a:t>从图中可以看出，占</a:t>
+            </a:r>
+            <a:r>
+              <a:rPr lang="en-US" altLang="zh-CN" dirty="0" smtClean="0">
+                <a:latin typeface="Open Sans"/>
+                <a:ea typeface="Open Sans"/>
+                <a:cs typeface="Open Sans"/>
+                <a:sym typeface="Open Sans"/>
+              </a:rPr>
+              <a:t>82%</a:t>
+            </a:r>
+            <a:r>
+              <a:rPr lang="zh-CN" altLang="en-US" dirty="0" smtClean="0">
+                <a:latin typeface="Open Sans"/>
+                <a:ea typeface="Open Sans"/>
+                <a:cs typeface="Open Sans"/>
+                <a:sym typeface="Open Sans"/>
+              </a:rPr>
+              <a:t>的学员是在职的，仅</a:t>
+            </a:r>
+            <a:r>
+              <a:rPr lang="en-US" altLang="zh-CN" dirty="0" smtClean="0">
+                <a:latin typeface="Open Sans"/>
+                <a:ea typeface="Open Sans"/>
+                <a:cs typeface="Open Sans"/>
+                <a:sym typeface="Open Sans"/>
+              </a:rPr>
+              <a:t>18%</a:t>
+            </a:r>
+            <a:r>
+              <a:rPr lang="zh-CN" altLang="en-US" dirty="0" smtClean="0">
+                <a:latin typeface="Open Sans"/>
+                <a:ea typeface="Open Sans"/>
+                <a:cs typeface="Open Sans"/>
+                <a:sym typeface="Open Sans"/>
+              </a:rPr>
+              <a:t>的学员未受雇于任何一家公司，这说明绝大多数学员在工作后选择</a:t>
+            </a:r>
+            <a:r>
+              <a:rPr lang="en-US" altLang="zh-CN" dirty="0" err="1" smtClean="0">
+                <a:latin typeface="Open Sans"/>
+                <a:ea typeface="Open Sans"/>
+                <a:cs typeface="Open Sans"/>
+                <a:sym typeface="Open Sans"/>
+              </a:rPr>
+              <a:t>Udacity</a:t>
+            </a:r>
+            <a:r>
+              <a:rPr lang="zh-CN" altLang="en-US" dirty="0" smtClean="0">
+                <a:latin typeface="Open Sans"/>
+                <a:ea typeface="Open Sans"/>
+                <a:cs typeface="Open Sans"/>
+                <a:sym typeface="Open Sans"/>
+              </a:rPr>
+              <a:t>进行充电。</a:t>
+            </a:r>
+            <a:endParaRPr lang="en-US" altLang="zh-CN" dirty="0">
+              <a:latin typeface="Open Sans"/>
+              <a:ea typeface="Open Sans"/>
+              <a:cs typeface="Open Sans"/>
+              <a:sym typeface="Open Sans"/>
+            </a:endParaRPr>
+          </a:p>
+        </p:txBody>
+      </p:sp>
+      <p:sp>
+        <p:nvSpPr>
+          <p:cNvPr id="55" name="Shape 55"/>
+          <p:cNvSpPr txBox="1">
+            <a:spLocks noGrp="1"/>
+          </p:cNvSpPr>
+          <p:nvPr>
+            <p:ph type="title"/>
+          </p:nvPr>
+        </p:nvSpPr>
+        <p:spPr>
+          <a:xfrm>
+            <a:off x="0" y="0"/>
+            <a:ext cx="9144000" cy="795600"/>
+          </a:xfrm>
+          <a:prstGeom prst="rect">
+            <a:avLst/>
+          </a:prstGeom>
+          <a:solidFill>
+            <a:srgbClr val="073763"/>
+          </a:solidFill>
+        </p:spPr>
+        <p:txBody>
+          <a:bodyPr wrap="square" lIns="91425" tIns="91425" rIns="91425" bIns="91425" anchor="ctr" anchorCtr="0">
+            <a:noAutofit/>
+          </a:bodyPr>
+          <a:lstStyle/>
+          <a:p>
+            <a:pPr lvl="0" rtl="0">
+              <a:spcBef>
+                <a:spcPts val="0"/>
+              </a:spcBef>
+              <a:buNone/>
+            </a:pPr>
+            <a:r>
+              <a:rPr lang="zh-CN" altLang="en-US" dirty="0" smtClean="0">
+                <a:solidFill>
+                  <a:srgbClr val="FFFFFF"/>
+                </a:solidFill>
+                <a:latin typeface="Open Sans"/>
+                <a:ea typeface="Open Sans"/>
+                <a:cs typeface="Open Sans"/>
+                <a:sym typeface="Open Sans"/>
+              </a:rPr>
+              <a:t>学员的工作情况是怎样的</a:t>
+            </a:r>
+            <a:endParaRPr lang="en" dirty="0">
+              <a:solidFill>
+                <a:srgbClr val="FFFFFF"/>
+              </a:solidFill>
+              <a:latin typeface="Open Sans"/>
+              <a:ea typeface="Open Sans"/>
+              <a:cs typeface="Open Sans"/>
+              <a:sym typeface="Open Sans"/>
+            </a:endParaRPr>
+          </a:p>
+        </p:txBody>
+      </p:sp>
+      <p:graphicFrame>
+        <p:nvGraphicFramePr>
+          <p:cNvPr id="5" name="图表 4"/>
+          <p:cNvGraphicFramePr>
+            <a:graphicFrameLocks/>
+          </p:cNvGraphicFramePr>
+          <p:nvPr>
+            <p:extLst>
+              <p:ext uri="{D42A27DB-BD31-4B8C-83A1-F6EECF244321}">
+                <p14:modId xmlns:p14="http://schemas.microsoft.com/office/powerpoint/2010/main" val="1111266730"/>
+              </p:ext>
+            </p:extLst>
+          </p:nvPr>
+        </p:nvGraphicFramePr>
+        <p:xfrm>
+          <a:off x="4336869" y="1175657"/>
+          <a:ext cx="4290603" cy="3415302"/>
+        </p:xfrm>
+        <a:graphic>
+          <a:graphicData uri="http://schemas.openxmlformats.org/drawingml/2006/chart">
+            <c:chart xmlns:c="http://schemas.openxmlformats.org/drawingml/2006/chart" xmlns:r="http://schemas.openxmlformats.org/officeDocument/2006/relationships" r:id="rId3"/>
+          </a:graphicData>
+        </a:graphic>
+      </p:graphicFrame>
+    </p:spTree>
+    <p:extLst>
+      <p:ext uri="{BB962C8B-B14F-4D97-AF65-F5344CB8AC3E}">
+        <p14:creationId xmlns:p14="http://schemas.microsoft.com/office/powerpoint/2010/main" val="1132987617"/>
+      </p:ext>
+    </p:extLst>
+  </p:cSld>
+  <p:clrMapOvr>
+    <a:masterClrMapping/>
+  </p:clrMapOvr>
+</p:sld>
+</file>
+
+<file path=ppt/slides/slide5.xml><?xml version="1.0" encoding="utf-8"?>
 <p:sld xmlns:a="http://schemas.openxmlformats.org/drawingml/2006/main" xmlns:r="http://schemas.openxmlformats.org/officeDocument/2006/relationships" xmlns:p="http://schemas.openxmlformats.org/presentationml/2006/main">
   <p:cSld>
     <p:spTree>
@@ -8476,7 +9879,7 @@
           <p:cNvPr id="2" name="图片 1">
             <a:extLst>
               <a:ext uri="{FF2B5EF4-FFF2-40B4-BE49-F238E27FC236}">
-                <a16:creationId xmlns:a16="http://schemas.microsoft.com/office/drawing/2014/main" id="{768D9A00-F955-462A-A541-3C672A0B0E9A}"/>
+                <a16:creationId xmlns:a16="http://schemas.microsoft.com/office/drawing/2014/main" xmlns="" id="{768D9A00-F955-462A-A541-3C672A0B0E9A}"/>
               </a:ext>
             </a:extLst>
           </p:cNvPr>
@@ -8514,7 +9917,7 @@
 </p:sld>
 </file>
 
-<file path=ppt/slides/slide5.xml><?xml version="1.0" encoding="utf-8"?>
+<file path=ppt/slides/slide6.xml><?xml version="1.0" encoding="utf-8"?>
 <p:sld xmlns:a="http://schemas.openxmlformats.org/drawingml/2006/main" xmlns:r="http://schemas.openxmlformats.org/officeDocument/2006/relationships" xmlns:p="http://schemas.openxmlformats.org/presentationml/2006/main">
   <p:cSld>
     <p:spTree>
@@ -8673,7 +10076,7 @@
           <p:cNvPr id="2" name="图片 1">
             <a:extLst>
               <a:ext uri="{FF2B5EF4-FFF2-40B4-BE49-F238E27FC236}">
-                <a16:creationId xmlns:a16="http://schemas.microsoft.com/office/drawing/2014/main" id="{67210CF9-6A7D-4C5E-BE2F-D9208AA91B30}"/>
+                <a16:creationId xmlns:a16="http://schemas.microsoft.com/office/drawing/2014/main" xmlns="" id="{67210CF9-6A7D-4C5E-BE2F-D9208AA91B30}"/>
               </a:ext>
             </a:extLst>
           </p:cNvPr>
@@ -8711,7 +10114,7 @@
 </p:sld>
 </file>
 
-<file path=ppt/slides/slide6.xml><?xml version="1.0" encoding="utf-8"?>
+<file path=ppt/slides/slide7.xml><?xml version="1.0" encoding="utf-8"?>
 <p:sld xmlns:a="http://schemas.openxmlformats.org/drawingml/2006/main" xmlns:r="http://schemas.openxmlformats.org/officeDocument/2006/relationships" xmlns:p="http://schemas.openxmlformats.org/presentationml/2006/main">
   <p:cSld>
     <p:spTree>
@@ -8880,7 +10283,7 @@
           <p:cNvPr id="4" name="图表 3">
             <a:extLst>
               <a:ext uri="{FF2B5EF4-FFF2-40B4-BE49-F238E27FC236}">
-                <a16:creationId xmlns:a16="http://schemas.microsoft.com/office/drawing/2014/main" id="{740CDE68-7EDE-463C-84E3-8574904246D3}"/>
+                <a16:creationId xmlns:a16="http://schemas.microsoft.com/office/drawing/2014/main" xmlns="" id="{740CDE68-7EDE-463C-84E3-8574904246D3}"/>
               </a:ext>
             </a:extLst>
           </p:cNvPr>
